--- a/Presentation/Presentation1.pptx
+++ b/Presentation/Presentation1.pptx
@@ -5,7 +5,7 @@
     <p:sldMasterId id="2147483663" r:id="rId1"/>
   </p:sldMasterIdLst>
   <p:notesMasterIdLst>
-    <p:notesMasterId r:id="rId20"/>
+    <p:notesMasterId r:id="rId21"/>
   </p:notesMasterIdLst>
   <p:sldIdLst>
     <p:sldId id="256" r:id="rId2"/>
@@ -14,35 +14,36 @@
     <p:sldId id="260" r:id="rId5"/>
     <p:sldId id="261" r:id="rId6"/>
     <p:sldId id="262" r:id="rId7"/>
-    <p:sldId id="263" r:id="rId8"/>
-    <p:sldId id="264" r:id="rId9"/>
-    <p:sldId id="265" r:id="rId10"/>
-    <p:sldId id="266" r:id="rId11"/>
-    <p:sldId id="267" r:id="rId12"/>
-    <p:sldId id="268" r:id="rId13"/>
-    <p:sldId id="269" r:id="rId14"/>
-    <p:sldId id="270" r:id="rId15"/>
-    <p:sldId id="271" r:id="rId16"/>
-    <p:sldId id="272" r:id="rId17"/>
-    <p:sldId id="273" r:id="rId18"/>
-    <p:sldId id="274" r:id="rId19"/>
+    <p:sldId id="276" r:id="rId8"/>
+    <p:sldId id="263" r:id="rId9"/>
+    <p:sldId id="275" r:id="rId10"/>
+    <p:sldId id="265" r:id="rId11"/>
+    <p:sldId id="266" r:id="rId12"/>
+    <p:sldId id="267" r:id="rId13"/>
+    <p:sldId id="268" r:id="rId14"/>
+    <p:sldId id="269" r:id="rId15"/>
+    <p:sldId id="270" r:id="rId16"/>
+    <p:sldId id="271" r:id="rId17"/>
+    <p:sldId id="272" r:id="rId18"/>
+    <p:sldId id="273" r:id="rId19"/>
+    <p:sldId id="274" r:id="rId20"/>
   </p:sldIdLst>
   <p:sldSz cx="9144000" cy="5143500" type="screen16x9"/>
   <p:notesSz cx="6858000" cy="9144000"/>
   <p:embeddedFontLst>
     <p:embeddedFont>
       <p:font typeface="Lato" panose="020F0502020204030203" pitchFamily="34" charset="0"/>
-      <p:regular r:id="rId21"/>
-      <p:bold r:id="rId22"/>
-      <p:italic r:id="rId23"/>
-      <p:boldItalic r:id="rId24"/>
+      <p:regular r:id="rId22"/>
+      <p:bold r:id="rId23"/>
+      <p:italic r:id="rId24"/>
+      <p:boldItalic r:id="rId25"/>
     </p:embeddedFont>
     <p:embeddedFont>
       <p:font typeface="Raleway" pitchFamily="2" charset="0"/>
-      <p:regular r:id="rId25"/>
-      <p:bold r:id="rId26"/>
-      <p:italic r:id="rId27"/>
-      <p:boldItalic r:id="rId28"/>
+      <p:regular r:id="rId26"/>
+      <p:bold r:id="rId27"/>
+      <p:italic r:id="rId28"/>
+      <p:boldItalic r:id="rId29"/>
     </p:embeddedFont>
   </p:embeddedFontLst>
   <p:defaultTextStyle>
@@ -843,110 +844,6 @@
   <p:cSld>
     <p:spTree>
       <p:nvGrpSpPr>
-        <p:cNvPr id="1" name="Shape 200"/>
-        <p:cNvGrpSpPr/>
-        <p:nvPr/>
-      </p:nvGrpSpPr>
-      <p:grpSpPr>
-        <a:xfrm>
-          <a:off x="0" y="0"/>
-          <a:ext cx="0" cy="0"/>
-          <a:chOff x="0" y="0"/>
-          <a:chExt cx="0" cy="0"/>
-        </a:xfrm>
-      </p:grpSpPr>
-      <p:sp>
-        <p:nvSpPr>
-          <p:cNvPr id="201" name="Google Shape;201;g1d9c67055b_0_159:notes"/>
-          <p:cNvSpPr>
-            <a:spLocks noGrp="1" noRot="1" noChangeAspect="1"/>
-          </p:cNvSpPr>
-          <p:nvPr>
-            <p:ph type="sldImg" idx="2"/>
-          </p:nvPr>
-        </p:nvSpPr>
-        <p:spPr>
-          <a:xfrm>
-            <a:off x="381300" y="685800"/>
-            <a:ext cx="6096000" cy="3429000"/>
-          </a:xfrm>
-          <a:custGeom>
-            <a:avLst/>
-            <a:gdLst/>
-            <a:ahLst/>
-            <a:cxnLst/>
-            <a:rect l="l" t="t" r="r" b="b"/>
-            <a:pathLst>
-              <a:path w="120000" h="120000" extrusionOk="0">
-                <a:moveTo>
-                  <a:pt x="0" y="0"/>
-                </a:moveTo>
-                <a:lnTo>
-                  <a:pt x="120000" y="0"/>
-                </a:lnTo>
-                <a:lnTo>
-                  <a:pt x="120000" y="120000"/>
-                </a:lnTo>
-                <a:lnTo>
-                  <a:pt x="0" y="120000"/>
-                </a:lnTo>
-                <a:close/>
-              </a:path>
-            </a:pathLst>
-          </a:custGeom>
-        </p:spPr>
-      </p:sp>
-      <p:sp>
-        <p:nvSpPr>
-          <p:cNvPr id="202" name="Google Shape;202;g1d9c67055b_0_159:notes"/>
-          <p:cNvSpPr txBox="1">
-            <a:spLocks noGrp="1"/>
-          </p:cNvSpPr>
-          <p:nvPr>
-            <p:ph type="body" idx="1"/>
-          </p:nvPr>
-        </p:nvSpPr>
-        <p:spPr>
-          <a:xfrm>
-            <a:off x="685800" y="4343400"/>
-            <a:ext cx="5486400" cy="4114800"/>
-          </a:xfrm>
-          <a:prstGeom prst="rect">
-            <a:avLst/>
-          </a:prstGeom>
-        </p:spPr>
-        <p:txBody>
-          <a:bodyPr spcFirstLastPara="1" wrap="square" lIns="91425" tIns="91425" rIns="91425" bIns="91425" anchor="t" anchorCtr="0">
-            <a:noAutofit/>
-          </a:bodyPr>
-          <a:lstStyle/>
-          <a:p>
-            <a:pPr marL="0" lvl="0" indent="0" algn="l" rtl="0">
-              <a:spcBef>
-                <a:spcPts val="0"/>
-              </a:spcBef>
-              <a:spcAft>
-                <a:spcPts val="0"/>
-              </a:spcAft>
-              <a:buNone/>
-            </a:pPr>
-            <a:endParaRPr/>
-          </a:p>
-        </p:txBody>
-      </p:sp>
-    </p:spTree>
-  </p:cSld>
-  <p:clrMapOvr>
-    <a:masterClrMapping/>
-  </p:clrMapOvr>
-</p:notes>
-</file>
-
-<file path=ppt/notesSlides/notesSlide11.xml><?xml version="1.0" encoding="utf-8"?>
-<p:notes xmlns:a="http://schemas.openxmlformats.org/drawingml/2006/main" xmlns:r="http://schemas.openxmlformats.org/officeDocument/2006/relationships" xmlns:p="http://schemas.openxmlformats.org/presentationml/2006/main" showMasterSp="0" showMasterPhAnim="0">
-  <p:cSld>
-    <p:spTree>
-      <p:nvGrpSpPr>
         <p:cNvPr id="1" name="Shape 205"/>
         <p:cNvGrpSpPr/>
         <p:nvPr/>
@@ -1046,7 +943,7 @@
 </p:notes>
 </file>
 
-<file path=ppt/notesSlides/notesSlide12.xml><?xml version="1.0" encoding="utf-8"?>
+<file path=ppt/notesSlides/notesSlide11.xml><?xml version="1.0" encoding="utf-8"?>
 <p:notes xmlns:a="http://schemas.openxmlformats.org/drawingml/2006/main" xmlns:r="http://schemas.openxmlformats.org/officeDocument/2006/relationships" xmlns:p="http://schemas.openxmlformats.org/presentationml/2006/main" showMasterSp="0" showMasterPhAnim="0">
   <p:cSld>
     <p:spTree>
@@ -1150,7 +1047,7 @@
 </p:notes>
 </file>
 
-<file path=ppt/notesSlides/notesSlide13.xml><?xml version="1.0" encoding="utf-8"?>
+<file path=ppt/notesSlides/notesSlide12.xml><?xml version="1.0" encoding="utf-8"?>
 <p:notes xmlns:a="http://schemas.openxmlformats.org/drawingml/2006/main" xmlns:r="http://schemas.openxmlformats.org/officeDocument/2006/relationships" xmlns:p="http://schemas.openxmlformats.org/presentationml/2006/main" showMasterSp="0" showMasterPhAnim="0">
   <p:cSld>
     <p:spTree>
@@ -1254,7 +1151,7 @@
 </p:notes>
 </file>
 
-<file path=ppt/notesSlides/notesSlide14.xml><?xml version="1.0" encoding="utf-8"?>
+<file path=ppt/notesSlides/notesSlide13.xml><?xml version="1.0" encoding="utf-8"?>
 <p:notes xmlns:a="http://schemas.openxmlformats.org/drawingml/2006/main" xmlns:r="http://schemas.openxmlformats.org/officeDocument/2006/relationships" xmlns:p="http://schemas.openxmlformats.org/presentationml/2006/main" showMasterSp="0" showMasterPhAnim="0">
   <p:cSld>
     <p:spTree>
@@ -1358,7 +1255,7 @@
 </p:notes>
 </file>
 
-<file path=ppt/notesSlides/notesSlide15.xml><?xml version="1.0" encoding="utf-8"?>
+<file path=ppt/notesSlides/notesSlide14.xml><?xml version="1.0" encoding="utf-8"?>
 <p:notes xmlns:a="http://schemas.openxmlformats.org/drawingml/2006/main" xmlns:r="http://schemas.openxmlformats.org/officeDocument/2006/relationships" xmlns:p="http://schemas.openxmlformats.org/presentationml/2006/main" showMasterSp="0" showMasterPhAnim="0">
   <p:cSld>
     <p:spTree>
@@ -1462,7 +1359,7 @@
 </p:notes>
 </file>
 
-<file path=ppt/notesSlides/notesSlide16.xml><?xml version="1.0" encoding="utf-8"?>
+<file path=ppt/notesSlides/notesSlide15.xml><?xml version="1.0" encoding="utf-8"?>
 <p:notes xmlns:a="http://schemas.openxmlformats.org/drawingml/2006/main" xmlns:r="http://schemas.openxmlformats.org/officeDocument/2006/relationships" xmlns:p="http://schemas.openxmlformats.org/presentationml/2006/main" showMasterSp="0" showMasterPhAnim="0">
   <p:cSld>
     <p:spTree>
@@ -1566,7 +1463,7 @@
 </p:notes>
 </file>
 
-<file path=ppt/notesSlides/notesSlide17.xml><?xml version="1.0" encoding="utf-8"?>
+<file path=ppt/notesSlides/notesSlide16.xml><?xml version="1.0" encoding="utf-8"?>
 <p:notes xmlns:a="http://schemas.openxmlformats.org/drawingml/2006/main" xmlns:r="http://schemas.openxmlformats.org/officeDocument/2006/relationships" xmlns:p="http://schemas.openxmlformats.org/presentationml/2006/main" showMasterSp="0" showMasterPhAnim="0">
   <p:cSld>
     <p:spTree>
@@ -1670,7 +1567,7 @@
 </p:notes>
 </file>
 
-<file path=ppt/notesSlides/notesSlide18.xml><?xml version="1.0" encoding="utf-8"?>
+<file path=ppt/notesSlides/notesSlide17.xml><?xml version="1.0" encoding="utf-8"?>
 <p:notes xmlns:a="http://schemas.openxmlformats.org/drawingml/2006/main" xmlns:r="http://schemas.openxmlformats.org/officeDocument/2006/relationships" xmlns:p="http://schemas.openxmlformats.org/presentationml/2006/main" showMasterSp="0" showMasterPhAnim="0">
   <p:cSld>
     <p:spTree>
@@ -2011,7 +1908,7 @@
         </p:nvSpPr>
         <p:spPr>
           <a:xfrm>
-            <a:off x="381300" y="685800"/>
+            <a:off x="381000" y="685800"/>
             <a:ext cx="6096000" cy="3429000"/>
           </a:xfrm>
           <a:custGeom>
@@ -2115,7 +2012,7 @@
         </p:nvSpPr>
         <p:spPr>
           <a:xfrm>
-            <a:off x="381300" y="685800"/>
+            <a:off x="381000" y="685800"/>
             <a:ext cx="6096000" cy="3429000"/>
           </a:xfrm>
           <a:custGeom>
@@ -2219,7 +2116,7 @@
         </p:nvSpPr>
         <p:spPr>
           <a:xfrm>
-            <a:off x="381300" y="685800"/>
+            <a:off x="381000" y="685800"/>
             <a:ext cx="6096000" cy="3429000"/>
           </a:xfrm>
           <a:custGeom>
@@ -2323,7 +2220,7 @@
         </p:nvSpPr>
         <p:spPr>
           <a:xfrm>
-            <a:off x="381300" y="685800"/>
+            <a:off x="381000" y="685800"/>
             <a:ext cx="6096000" cy="3429000"/>
           </a:xfrm>
           <a:custGeom>
@@ -2399,110 +2296,6 @@
 </file>
 
 <file path=ppt/notesSlides/notesSlide8.xml><?xml version="1.0" encoding="utf-8"?>
-<p:notes xmlns:a="http://schemas.openxmlformats.org/drawingml/2006/main" xmlns:r="http://schemas.openxmlformats.org/officeDocument/2006/relationships" xmlns:p="http://schemas.openxmlformats.org/presentationml/2006/main" showMasterSp="0" showMasterPhAnim="0">
-  <p:cSld>
-    <p:spTree>
-      <p:nvGrpSpPr>
-        <p:cNvPr id="1" name="Shape 188"/>
-        <p:cNvGrpSpPr/>
-        <p:nvPr/>
-      </p:nvGrpSpPr>
-      <p:grpSpPr>
-        <a:xfrm>
-          <a:off x="0" y="0"/>
-          <a:ext cx="0" cy="0"/>
-          <a:chOff x="0" y="0"/>
-          <a:chExt cx="0" cy="0"/>
-        </a:xfrm>
-      </p:grpSpPr>
-      <p:sp>
-        <p:nvSpPr>
-          <p:cNvPr id="189" name="Google Shape;189;g246ee7dff8_1_12:notes"/>
-          <p:cNvSpPr>
-            <a:spLocks noGrp="1" noRot="1" noChangeAspect="1"/>
-          </p:cNvSpPr>
-          <p:nvPr>
-            <p:ph type="sldImg" idx="2"/>
-          </p:nvPr>
-        </p:nvSpPr>
-        <p:spPr>
-          <a:xfrm>
-            <a:off x="381300" y="685800"/>
-            <a:ext cx="6096000" cy="3429000"/>
-          </a:xfrm>
-          <a:custGeom>
-            <a:avLst/>
-            <a:gdLst/>
-            <a:ahLst/>
-            <a:cxnLst/>
-            <a:rect l="l" t="t" r="r" b="b"/>
-            <a:pathLst>
-              <a:path w="120000" h="120000" extrusionOk="0">
-                <a:moveTo>
-                  <a:pt x="0" y="0"/>
-                </a:moveTo>
-                <a:lnTo>
-                  <a:pt x="120000" y="0"/>
-                </a:lnTo>
-                <a:lnTo>
-                  <a:pt x="120000" y="120000"/>
-                </a:lnTo>
-                <a:lnTo>
-                  <a:pt x="0" y="120000"/>
-                </a:lnTo>
-                <a:close/>
-              </a:path>
-            </a:pathLst>
-          </a:custGeom>
-        </p:spPr>
-      </p:sp>
-      <p:sp>
-        <p:nvSpPr>
-          <p:cNvPr id="190" name="Google Shape;190;g246ee7dff8_1_12:notes"/>
-          <p:cNvSpPr txBox="1">
-            <a:spLocks noGrp="1"/>
-          </p:cNvSpPr>
-          <p:nvPr>
-            <p:ph type="body" idx="1"/>
-          </p:nvPr>
-        </p:nvSpPr>
-        <p:spPr>
-          <a:xfrm>
-            <a:off x="685800" y="4343400"/>
-            <a:ext cx="5486400" cy="4114800"/>
-          </a:xfrm>
-          <a:prstGeom prst="rect">
-            <a:avLst/>
-          </a:prstGeom>
-        </p:spPr>
-        <p:txBody>
-          <a:bodyPr spcFirstLastPara="1" wrap="square" lIns="91425" tIns="91425" rIns="91425" bIns="91425" anchor="t" anchorCtr="0">
-            <a:noAutofit/>
-          </a:bodyPr>
-          <a:lstStyle/>
-          <a:p>
-            <a:pPr marL="0" lvl="0" indent="0" algn="l" rtl="0">
-              <a:spcBef>
-                <a:spcPts val="0"/>
-              </a:spcBef>
-              <a:spcAft>
-                <a:spcPts val="0"/>
-              </a:spcAft>
-              <a:buNone/>
-            </a:pPr>
-            <a:endParaRPr/>
-          </a:p>
-        </p:txBody>
-      </p:sp>
-    </p:spTree>
-  </p:cSld>
-  <p:clrMapOvr>
-    <a:masterClrMapping/>
-  </p:clrMapOvr>
-</p:notes>
-</file>
-
-<file path=ppt/notesSlides/notesSlide9.xml><?xml version="1.0" encoding="utf-8"?>
 <p:notes xmlns:a="http://schemas.openxmlformats.org/drawingml/2006/main" xmlns:r="http://schemas.openxmlformats.org/officeDocument/2006/relationships" xmlns:p="http://schemas.openxmlformats.org/presentationml/2006/main" showMasterSp="0" showMasterPhAnim="0">
   <p:cSld>
     <p:spTree>
@@ -2563,6 +2356,110 @@
       <p:sp>
         <p:nvSpPr>
           <p:cNvPr id="196" name="Google Shape;196;g25430e6bdd_5_18:notes"/>
+          <p:cNvSpPr txBox="1">
+            <a:spLocks noGrp="1"/>
+          </p:cNvSpPr>
+          <p:nvPr>
+            <p:ph type="body" idx="1"/>
+          </p:nvPr>
+        </p:nvSpPr>
+        <p:spPr>
+          <a:xfrm>
+            <a:off x="685800" y="4343400"/>
+            <a:ext cx="5486400" cy="4114800"/>
+          </a:xfrm>
+          <a:prstGeom prst="rect">
+            <a:avLst/>
+          </a:prstGeom>
+        </p:spPr>
+        <p:txBody>
+          <a:bodyPr spcFirstLastPara="1" wrap="square" lIns="91425" tIns="91425" rIns="91425" bIns="91425" anchor="t" anchorCtr="0">
+            <a:noAutofit/>
+          </a:bodyPr>
+          <a:lstStyle/>
+          <a:p>
+            <a:pPr marL="0" lvl="0" indent="0" algn="l" rtl="0">
+              <a:spcBef>
+                <a:spcPts val="0"/>
+              </a:spcBef>
+              <a:spcAft>
+                <a:spcPts val="0"/>
+              </a:spcAft>
+              <a:buNone/>
+            </a:pPr>
+            <a:endParaRPr/>
+          </a:p>
+        </p:txBody>
+      </p:sp>
+    </p:spTree>
+  </p:cSld>
+  <p:clrMapOvr>
+    <a:masterClrMapping/>
+  </p:clrMapOvr>
+</p:notes>
+</file>
+
+<file path=ppt/notesSlides/notesSlide9.xml><?xml version="1.0" encoding="utf-8"?>
+<p:notes xmlns:a="http://schemas.openxmlformats.org/drawingml/2006/main" xmlns:r="http://schemas.openxmlformats.org/officeDocument/2006/relationships" xmlns:p="http://schemas.openxmlformats.org/presentationml/2006/main" showMasterSp="0" showMasterPhAnim="0">
+  <p:cSld>
+    <p:spTree>
+      <p:nvGrpSpPr>
+        <p:cNvPr id="1" name="Shape 200"/>
+        <p:cNvGrpSpPr/>
+        <p:nvPr/>
+      </p:nvGrpSpPr>
+      <p:grpSpPr>
+        <a:xfrm>
+          <a:off x="0" y="0"/>
+          <a:ext cx="0" cy="0"/>
+          <a:chOff x="0" y="0"/>
+          <a:chExt cx="0" cy="0"/>
+        </a:xfrm>
+      </p:grpSpPr>
+      <p:sp>
+        <p:nvSpPr>
+          <p:cNvPr id="201" name="Google Shape;201;g1d9c67055b_0_159:notes"/>
+          <p:cNvSpPr>
+            <a:spLocks noGrp="1" noRot="1" noChangeAspect="1"/>
+          </p:cNvSpPr>
+          <p:nvPr>
+            <p:ph type="sldImg" idx="2"/>
+          </p:nvPr>
+        </p:nvSpPr>
+        <p:spPr>
+          <a:xfrm>
+            <a:off x="381300" y="685800"/>
+            <a:ext cx="6096000" cy="3429000"/>
+          </a:xfrm>
+          <a:custGeom>
+            <a:avLst/>
+            <a:gdLst/>
+            <a:ahLst/>
+            <a:cxnLst/>
+            <a:rect l="l" t="t" r="r" b="b"/>
+            <a:pathLst>
+              <a:path w="120000" h="120000" extrusionOk="0">
+                <a:moveTo>
+                  <a:pt x="0" y="0"/>
+                </a:moveTo>
+                <a:lnTo>
+                  <a:pt x="120000" y="0"/>
+                </a:lnTo>
+                <a:lnTo>
+                  <a:pt x="120000" y="120000"/>
+                </a:lnTo>
+                <a:lnTo>
+                  <a:pt x="0" y="120000"/>
+                </a:lnTo>
+                <a:close/>
+              </a:path>
+            </a:pathLst>
+          </a:custGeom>
+        </p:spPr>
+      </p:sp>
+      <p:sp>
+        <p:nvSpPr>
+          <p:cNvPr id="202" name="Google Shape;202;g1d9c67055b_0_159:notes"/>
           <p:cNvSpPr txBox="1">
             <a:spLocks noGrp="1"/>
           </p:cNvSpPr>
@@ -12373,6 +12270,133 @@
     <p:bg>
       <p:bgPr>
         <a:solidFill>
+          <a:schemeClr val="accent1"/>
+        </a:solidFill>
+        <a:effectLst/>
+      </p:bgPr>
+    </p:bg>
+    <p:spTree>
+      <p:nvGrpSpPr>
+        <p:cNvPr id="1" name="Shape 197"/>
+        <p:cNvGrpSpPr/>
+        <p:nvPr/>
+      </p:nvGrpSpPr>
+      <p:grpSpPr>
+        <a:xfrm>
+          <a:off x="0" y="0"/>
+          <a:ext cx="0" cy="0"/>
+          <a:chOff x="0" y="0"/>
+          <a:chExt cx="0" cy="0"/>
+        </a:xfrm>
+      </p:grpSpPr>
+      <p:sp>
+        <p:nvSpPr>
+          <p:cNvPr id="198" name="Google Shape;198;p26"/>
+          <p:cNvSpPr txBox="1">
+            <a:spLocks noGrp="1"/>
+          </p:cNvSpPr>
+          <p:nvPr>
+            <p:ph type="title"/>
+          </p:nvPr>
+        </p:nvSpPr>
+        <p:spPr>
+          <a:xfrm>
+            <a:off x="729450" y="864300"/>
+            <a:ext cx="7021200" cy="674100"/>
+          </a:xfrm>
+          <a:prstGeom prst="rect">
+            <a:avLst/>
+          </a:prstGeom>
+        </p:spPr>
+        <p:txBody>
+          <a:bodyPr spcFirstLastPara="1" wrap="square" lIns="91425" tIns="91425" rIns="91425" bIns="91425" anchor="t" anchorCtr="0">
+            <a:noAutofit/>
+          </a:bodyPr>
+          <a:lstStyle/>
+          <a:p>
+            <a:pPr marL="0" lvl="0" indent="0" algn="l" rtl="0">
+              <a:spcBef>
+                <a:spcPts val="0"/>
+              </a:spcBef>
+              <a:spcAft>
+                <a:spcPts val="0"/>
+              </a:spcAft>
+              <a:buNone/>
+            </a:pPr>
+            <a:r>
+              <a:rPr lang="en"/>
+              <a:t>Assumptions</a:t>
+            </a:r>
+            <a:endParaRPr b="0"/>
+          </a:p>
+        </p:txBody>
+      </p:sp>
+      <p:sp>
+        <p:nvSpPr>
+          <p:cNvPr id="199" name="Google Shape;199;p26"/>
+          <p:cNvSpPr txBox="1">
+            <a:spLocks noGrp="1"/>
+          </p:cNvSpPr>
+          <p:nvPr>
+            <p:ph type="title"/>
+          </p:nvPr>
+        </p:nvSpPr>
+        <p:spPr>
+          <a:xfrm>
+            <a:off x="729450" y="1745716"/>
+            <a:ext cx="7021200" cy="2211600"/>
+          </a:xfrm>
+          <a:prstGeom prst="rect">
+            <a:avLst/>
+          </a:prstGeom>
+        </p:spPr>
+        <p:txBody>
+          <a:bodyPr spcFirstLastPara="1" wrap="square" lIns="91425" tIns="91425" rIns="91425" bIns="91425" anchor="t" anchorCtr="0">
+            <a:noAutofit/>
+          </a:bodyPr>
+          <a:lstStyle/>
+          <a:p>
+            <a:pPr marL="0" lvl="0" indent="0" algn="l" rtl="0">
+              <a:spcBef>
+                <a:spcPts val="0"/>
+              </a:spcBef>
+              <a:spcAft>
+                <a:spcPts val="0"/>
+              </a:spcAft>
+              <a:buNone/>
+            </a:pPr>
+            <a:r>
+              <a:rPr lang="en" sz="1600" b="0">
+                <a:latin typeface="Lato"/>
+                <a:ea typeface="Lato"/>
+                <a:cs typeface="Lato"/>
+                <a:sym typeface="Lato"/>
+              </a:rPr>
+              <a:t>State your assumptions or any unknowns here.</a:t>
+            </a:r>
+            <a:endParaRPr sz="1600" b="0">
+              <a:latin typeface="Lato"/>
+              <a:ea typeface="Lato"/>
+              <a:cs typeface="Lato"/>
+              <a:sym typeface="Lato"/>
+            </a:endParaRPr>
+          </a:p>
+        </p:txBody>
+      </p:sp>
+    </p:spTree>
+  </p:cSld>
+  <p:clrMapOvr>
+    <a:masterClrMapping/>
+  </p:clrMapOvr>
+</p:sld>
+</file>
+
+<file path=ppt/slides/slide11.xml><?xml version="1.0" encoding="utf-8"?>
+<p:sld xmlns:a="http://schemas.openxmlformats.org/drawingml/2006/main" xmlns:r="http://schemas.openxmlformats.org/officeDocument/2006/relationships" xmlns:p="http://schemas.openxmlformats.org/presentationml/2006/main">
+  <p:cSld>
+    <p:bg>
+      <p:bgPr>
+        <a:solidFill>
           <a:schemeClr val="dk1"/>
         </a:solidFill>
         <a:effectLst/>
@@ -12442,7 +12466,7 @@
 </p:sld>
 </file>
 
-<file path=ppt/slides/slide11.xml><?xml version="1.0" encoding="utf-8"?>
+<file path=ppt/slides/slide12.xml><?xml version="1.0" encoding="utf-8"?>
 <p:sld xmlns:a="http://schemas.openxmlformats.org/drawingml/2006/main" xmlns:r="http://schemas.openxmlformats.org/officeDocument/2006/relationships" xmlns:p="http://schemas.openxmlformats.org/presentationml/2006/main">
   <p:cSld>
     <p:spTree>
@@ -12554,7 +12578,7 @@
 </p:sld>
 </file>
 
-<file path=ppt/slides/slide12.xml><?xml version="1.0" encoding="utf-8"?>
+<file path=ppt/slides/slide13.xml><?xml version="1.0" encoding="utf-8"?>
 <p:sld xmlns:a="http://schemas.openxmlformats.org/drawingml/2006/main" xmlns:r="http://schemas.openxmlformats.org/officeDocument/2006/relationships" xmlns:p="http://schemas.openxmlformats.org/presentationml/2006/main">
   <p:cSld>
     <p:spTree>
@@ -12663,7 +12687,7 @@
 </p:sld>
 </file>
 
-<file path=ppt/slides/slide13.xml><?xml version="1.0" encoding="utf-8"?>
+<file path=ppt/slides/slide14.xml><?xml version="1.0" encoding="utf-8"?>
 <p:sld xmlns:a="http://schemas.openxmlformats.org/drawingml/2006/main" xmlns:r="http://schemas.openxmlformats.org/officeDocument/2006/relationships" xmlns:p="http://schemas.openxmlformats.org/presentationml/2006/main">
   <p:cSld>
     <p:spTree>
@@ -12730,7 +12754,7 @@
 </p:sld>
 </file>
 
-<file path=ppt/slides/slide14.xml><?xml version="1.0" encoding="utf-8"?>
+<file path=ppt/slides/slide15.xml><?xml version="1.0" encoding="utf-8"?>
 <p:sld xmlns:a="http://schemas.openxmlformats.org/drawingml/2006/main" xmlns:r="http://schemas.openxmlformats.org/officeDocument/2006/relationships" xmlns:p="http://schemas.openxmlformats.org/presentationml/2006/main">
   <p:cSld>
     <p:spTree>
@@ -12797,7 +12821,7 @@
 </p:sld>
 </file>
 
-<file path=ppt/slides/slide15.xml><?xml version="1.0" encoding="utf-8"?>
+<file path=ppt/slides/slide16.xml><?xml version="1.0" encoding="utf-8"?>
 <p:sld xmlns:a="http://schemas.openxmlformats.org/drawingml/2006/main" xmlns:r="http://schemas.openxmlformats.org/officeDocument/2006/relationships" xmlns:p="http://schemas.openxmlformats.org/presentationml/2006/main">
   <p:cSld>
     <p:spTree>
@@ -12941,7 +12965,7 @@
 </p:sld>
 </file>
 
-<file path=ppt/slides/slide16.xml><?xml version="1.0" encoding="utf-8"?>
+<file path=ppt/slides/slide17.xml><?xml version="1.0" encoding="utf-8"?>
 <p:sld xmlns:a="http://schemas.openxmlformats.org/drawingml/2006/main" xmlns:r="http://schemas.openxmlformats.org/officeDocument/2006/relationships" xmlns:p="http://schemas.openxmlformats.org/presentationml/2006/main">
   <p:cSld>
     <p:spTree>
@@ -14213,7 +14237,7 @@
 </p:sld>
 </file>
 
-<file path=ppt/slides/slide17.xml><?xml version="1.0" encoding="utf-8"?>
+<file path=ppt/slides/slide18.xml><?xml version="1.0" encoding="utf-8"?>
 <p:sld xmlns:a="http://schemas.openxmlformats.org/drawingml/2006/main" xmlns:r="http://schemas.openxmlformats.org/officeDocument/2006/relationships" xmlns:p="http://schemas.openxmlformats.org/presentationml/2006/main">
   <p:cSld>
     <p:spTree>
@@ -14280,7 +14304,7 @@
 </p:sld>
 </file>
 
-<file path=ppt/slides/slide18.xml><?xml version="1.0" encoding="utf-8"?>
+<file path=ppt/slides/slide19.xml><?xml version="1.0" encoding="utf-8"?>
 <p:sld xmlns:a="http://schemas.openxmlformats.org/drawingml/2006/main" xmlns:r="http://schemas.openxmlformats.org/officeDocument/2006/relationships" xmlns:p="http://schemas.openxmlformats.org/presentationml/2006/main">
   <p:cSld>
     <p:spTree>
@@ -15033,10 +15057,10 @@
               <a:buNone/>
             </a:pPr>
             <a:r>
-              <a:rPr lang="en" sz="3000"/>
-              <a:t>What customers do today</a:t>
+              <a:rPr lang="en-US" dirty="0"/>
+              <a:t>Software</a:t>
             </a:r>
-            <a:endParaRPr sz="3000"/>
+            <a:endParaRPr sz="3000" dirty="0"/>
           </a:p>
           <a:p>
             <a:pPr marL="0" lvl="0" indent="0" algn="l" rtl="0">
@@ -15048,7 +15072,7 @@
               </a:spcAft>
               <a:buNone/>
             </a:pPr>
-            <a:endParaRPr sz="3000"/>
+            <a:endParaRPr sz="3000" dirty="0"/>
           </a:p>
         </p:txBody>
       </p:sp>
@@ -15077,31 +15101,75 @@
           </a:bodyPr>
           <a:lstStyle/>
           <a:p>
-            <a:pPr marL="0" lvl="0" indent="0" algn="l" rtl="0">
-              <a:lnSpc>
-                <a:spcPct val="115000"/>
-              </a:lnSpc>
-              <a:spcBef>
-                <a:spcPts val="0"/>
-              </a:spcBef>
-              <a:spcAft>
-                <a:spcPts val="0"/>
-              </a:spcAft>
-              <a:buNone/>
+            <a:pPr algn="l"/>
+            <a:r>
+              <a:rPr lang="en-US" sz="2000" b="0" i="0" dirty="0">
+                <a:solidFill>
+                  <a:srgbClr val="24292F"/>
+                </a:solidFill>
+                <a:effectLst/>
+                <a:latin typeface="-apple-system"/>
+              </a:rPr>
+              <a:t>Software:</a:t>
+            </a:r>
+          </a:p>
+          <a:p>
+            <a:pPr algn="l">
+              <a:buFont typeface="Arial" panose="020B0604020202020204" pitchFamily="34" charset="0"/>
+              <a:buChar char="•"/>
             </a:pPr>
             <a:r>
-              <a:rPr lang="en" sz="1600" b="1">
-                <a:solidFill>
-                  <a:schemeClr val="dk1"/>
-                </a:solidFill>
+              <a:rPr lang="en-US" sz="2000" b="0" i="0" dirty="0">
+                <a:solidFill>
+                  <a:srgbClr val="24292F"/>
+                </a:solidFill>
+                <a:effectLst/>
+                <a:latin typeface="-apple-system"/>
               </a:rPr>
-              <a:t>Justify your effort to try to solve the problem. </a:t>
+              <a:t>SQL</a:t>
             </a:r>
-            <a:endParaRPr sz="1600" b="1">
-              <a:solidFill>
-                <a:schemeClr val="dk1"/>
-              </a:solidFill>
-            </a:endParaRPr>
+          </a:p>
+          <a:p>
+            <a:pPr algn="l">
+              <a:buFont typeface="Arial" panose="020B0604020202020204" pitchFamily="34" charset="0"/>
+              <a:buChar char="•"/>
+            </a:pPr>
+            <a:r>
+              <a:rPr lang="en-US" sz="2000" b="0" i="0" dirty="0" err="1">
+                <a:solidFill>
+                  <a:srgbClr val="24292F"/>
+                </a:solidFill>
+                <a:effectLst/>
+                <a:latin typeface="-apple-system"/>
+              </a:rPr>
+              <a:t>Jupyter</a:t>
+            </a:r>
+            <a:r>
+              <a:rPr lang="en-US" sz="2000" b="0" i="0" dirty="0">
+                <a:solidFill>
+                  <a:srgbClr val="24292F"/>
+                </a:solidFill>
+                <a:effectLst/>
+                <a:latin typeface="-apple-system"/>
+              </a:rPr>
+              <a:t> Notebook</a:t>
+            </a:r>
+          </a:p>
+          <a:p>
+            <a:pPr algn="l">
+              <a:buFont typeface="Arial" panose="020B0604020202020204" pitchFamily="34" charset="0"/>
+              <a:buChar char="•"/>
+            </a:pPr>
+            <a:r>
+              <a:rPr lang="en-US" sz="2000" b="0" i="0" dirty="0">
+                <a:solidFill>
+                  <a:srgbClr val="24292F"/>
+                </a:solidFill>
+                <a:effectLst/>
+                <a:latin typeface="-apple-system"/>
+              </a:rPr>
+              <a:t>Quick Data Base Diagram</a:t>
+            </a:r>
           </a:p>
           <a:p>
             <a:pPr marL="0" lvl="0" indent="0" algn="l" rtl="0">
@@ -15112,49 +15180,11 @@
                 <a:spcPts val="1000"/>
               </a:spcBef>
               <a:spcAft>
-                <a:spcPts val="0"/>
+                <a:spcPts val="1600"/>
               </a:spcAft>
               <a:buNone/>
             </a:pPr>
-            <a:endParaRPr sz="1600" b="1">
-              <a:solidFill>
-                <a:schemeClr val="dk1"/>
-              </a:solidFill>
-            </a:endParaRPr>
-          </a:p>
-          <a:p>
-            <a:pPr marL="0" lvl="0" indent="0" algn="l" rtl="0">
-              <a:lnSpc>
-                <a:spcPct val="115000"/>
-              </a:lnSpc>
-              <a:spcBef>
-                <a:spcPts val="1000"/>
-              </a:spcBef>
-              <a:spcAft>
-                <a:spcPts val="0"/>
-              </a:spcAft>
-              <a:buNone/>
-            </a:pPr>
-            <a:r>
-              <a:rPr lang="en"/>
-              <a:t>Highlight the pain points of the current solution or how customers deal with not having a solution to the problem.</a:t>
-            </a:r>
-            <a:endParaRPr/>
-          </a:p>
-          <a:p>
-            <a:pPr marL="0" lvl="0" indent="0" algn="l" rtl="0">
-              <a:lnSpc>
-                <a:spcPct val="115000"/>
-              </a:lnSpc>
-              <a:spcBef>
-                <a:spcPts val="1000"/>
-              </a:spcBef>
-              <a:spcAft>
-                <a:spcPts val="1600"/>
-              </a:spcAft>
-              <a:buNone/>
-            </a:pPr>
-            <a:endParaRPr/>
+            <a:endParaRPr dirty="0"/>
           </a:p>
         </p:txBody>
       </p:sp>
@@ -15218,14 +15248,14 @@
               <a:buNone/>
             </a:pPr>
             <a:r>
-              <a:rPr lang="en" sz="700" b="1">
+              <a:rPr lang="en" sz="700" b="1" dirty="0">
                 <a:solidFill>
                   <a:schemeClr val="lt1"/>
                 </a:solidFill>
               </a:rPr>
               <a:t>1</a:t>
             </a:r>
-            <a:endParaRPr sz="700" b="1">
+            <a:endParaRPr sz="700" b="1" dirty="0">
               <a:solidFill>
                 <a:schemeClr val="lt1"/>
               </a:solidFill>
@@ -15245,7 +15275,7 @@
         </p:nvSpPr>
         <p:spPr>
           <a:xfrm>
-            <a:off x="730000" y="1318650"/>
+            <a:off x="595375" y="96151"/>
             <a:ext cx="3300900" cy="1687200"/>
           </a:xfrm>
           <a:prstGeom prst="rect">
@@ -15268,26 +15298,10 @@
               <a:buNone/>
             </a:pPr>
             <a:r>
-              <a:rPr lang="en" sz="3000"/>
-              <a:t>Supporting information</a:t>
+              <a:rPr lang="en-US" sz="3000" dirty="0"/>
+              <a:t>Content</a:t>
             </a:r>
-            <a:endParaRPr sz="3000"/>
-          </a:p>
-          <a:p>
-            <a:pPr marL="0" lvl="0" indent="0" algn="l" rtl="0">
-              <a:spcBef>
-                <a:spcPts val="0"/>
-              </a:spcBef>
-              <a:spcAft>
-                <a:spcPts val="0"/>
-              </a:spcAft>
-              <a:buNone/>
-            </a:pPr>
-            <a:r>
-              <a:rPr lang="en" sz="3000" b="0"/>
-              <a:t>01</a:t>
-            </a:r>
-            <a:endParaRPr sz="3000" b="0"/>
+            <a:endParaRPr sz="3000" b="0" dirty="0"/>
           </a:p>
         </p:txBody>
       </p:sp>
@@ -15303,8 +15317,8 @@
         </p:nvSpPr>
         <p:spPr>
           <a:xfrm>
-            <a:off x="724950" y="3313925"/>
-            <a:ext cx="3300900" cy="759000"/>
+            <a:off x="-418422" y="1169896"/>
+            <a:ext cx="4661609" cy="759000"/>
           </a:xfrm>
           <a:prstGeom prst="rect">
             <a:avLst/>
@@ -15316,54 +15330,97 @@
           </a:bodyPr>
           <a:lstStyle/>
           <a:p>
-            <a:pPr marL="0" lvl="0" indent="0" algn="l" rtl="0">
-              <a:lnSpc>
-                <a:spcPct val="115000"/>
-              </a:lnSpc>
-              <a:spcBef>
-                <a:spcPts val="0"/>
-              </a:spcBef>
-              <a:spcAft>
-                <a:spcPts val="1000"/>
-              </a:spcAft>
-              <a:buNone/>
-            </a:pPr>
+            <a:pPr algn="just"/>
             <a:r>
-              <a:rPr lang="en" sz="1300"/>
-              <a:t>List any research or data you have to support the need for a solution.</a:t>
+              <a:rPr lang="en-US" sz="1600" b="0" i="0" dirty="0">
+                <a:solidFill>
+                  <a:srgbClr val="24292F"/>
+                </a:solidFill>
+                <a:effectLst/>
+                <a:latin typeface="-apple-system"/>
+              </a:rPr>
+              <a:t>	Utilize plant data from multiple unit assets to develop machine learning methods to predict "live" volume percentage of N-Butane build up in Tower A recycle line to Reactor.</a:t>
             </a:r>
-            <a:endParaRPr sz="1300"/>
+          </a:p>
+          <a:p>
+            <a:pPr algn="just"/>
+            <a:r>
+              <a:rPr lang="en-US" dirty="0">
+                <a:solidFill>
+                  <a:srgbClr val="24292F"/>
+                </a:solidFill>
+                <a:latin typeface="-apple-system"/>
+              </a:rPr>
+              <a:t>	</a:t>
+            </a:r>
+            <a:r>
+              <a:rPr lang="en-US" sz="1600" b="0" i="0" dirty="0">
+                <a:solidFill>
+                  <a:srgbClr val="24292F"/>
+                </a:solidFill>
+                <a:effectLst/>
+                <a:latin typeface="-apple-system"/>
+              </a:rPr>
+              <a:t>Excess N-Butane accumulates in the Tower A recycle stream and essentially dilutes the isobutane content resulting in unfavorable reaction conditions, effects reaction quality, and I:O ratio (Isobutane : Olefin). Lab sample frequency periods being too far apart along with subtle N-Butane accumulation manifests in a way that is difficult for humans to recognize quickly or effectively. However, N-Butane must be removed in such a way that there is a balance on the reaction, separation section, and in the product stream. </a:t>
+            </a:r>
           </a:p>
         </p:txBody>
       </p:sp>
-      <p:pic>
-        <p:nvPicPr>
-          <p:cNvPr id="167" name="Google Shape;167;p22" title="Points scored"/>
-          <p:cNvPicPr preferRelativeResize="0"/>
+      <p:sp>
+        <p:nvSpPr>
+          <p:cNvPr id="7" name="TextBox 6">
+            <a:extLst>
+              <a:ext uri="{FF2B5EF4-FFF2-40B4-BE49-F238E27FC236}">
+                <a16:creationId xmlns:a16="http://schemas.microsoft.com/office/drawing/2014/main" id="{0D28F115-AA55-3602-B078-8C97E9192C01}"/>
+              </a:ext>
+            </a:extLst>
+          </p:cNvPr>
+          <p:cNvSpPr txBox="1"/>
           <p:nvPr/>
-        </p:nvPicPr>
-        <p:blipFill>
-          <a:blip r:embed="rId3">
-            <a:alphaModFix/>
-          </a:blip>
-          <a:stretch>
-            <a:fillRect/>
-          </a:stretch>
-        </p:blipFill>
+        </p:nvSpPr>
         <p:spPr>
           <a:xfrm>
-            <a:off x="4970469" y="1319762"/>
-            <a:ext cx="3781899" cy="2804908"/>
+            <a:off x="4496766" y="1193642"/>
+            <a:ext cx="4647234" cy="2462213"/>
           </a:xfrm>
           <a:prstGeom prst="rect">
             <a:avLst/>
           </a:prstGeom>
           <a:noFill/>
-          <a:ln>
-            <a:noFill/>
-          </a:ln>
         </p:spPr>
-      </p:pic>
+        <p:txBody>
+          <a:bodyPr wrap="square">
+            <a:spAutoFit/>
+          </a:bodyPr>
+          <a:lstStyle/>
+          <a:p>
+            <a:pPr algn="just"/>
+            <a:r>
+              <a:rPr lang="en-US" sz="1400" b="0" i="0" dirty="0">
+                <a:solidFill>
+                  <a:srgbClr val="24292F"/>
+                </a:solidFill>
+                <a:effectLst/>
+                <a:latin typeface="-apple-system"/>
+              </a:rPr>
+              <a:t>The more N-Butane that leaves the unit, the more isobutane also leaves the unit, therefore a balance must take place in the unit between the two species to keep N-Butane manageable while limiting Isobutane loses.</a:t>
+            </a:r>
+          </a:p>
+          <a:p>
+            <a:pPr algn="just"/>
+            <a:r>
+              <a:rPr lang="en-US" sz="1400" b="0" i="0" dirty="0">
+                <a:solidFill>
+                  <a:srgbClr val="24292F"/>
+                </a:solidFill>
+                <a:effectLst/>
+                <a:latin typeface="-apple-system"/>
+              </a:rPr>
+              <a:t>The source data comes from individual asset data files pulled from the site process information historian in the form of CSV files. This data was pulled over a 9.5 year span and contains over 1.2 million individual data points before the ETL process was began. A block flow diagram of the process is included in Figure #1 below, along with individual sensor datapoints in their respective locations.</a:t>
+            </a:r>
+          </a:p>
+        </p:txBody>
+      </p:sp>
     </p:spTree>
   </p:cSld>
   <p:clrMapOvr>
@@ -15391,50 +15448,6 @@
       </p:grpSpPr>
       <p:sp>
         <p:nvSpPr>
-          <p:cNvPr id="172" name="Google Shape;172;p23"/>
-          <p:cNvSpPr/>
-          <p:nvPr/>
-        </p:nvSpPr>
-        <p:spPr>
-          <a:xfrm rot="10592382">
-            <a:off x="5513499" y="1379656"/>
-            <a:ext cx="2689002" cy="2689002"/>
-          </a:xfrm>
-          <a:prstGeom prst="blockArc">
-            <a:avLst>
-              <a:gd name="adj1" fmla="val 2627839"/>
-              <a:gd name="adj2" fmla="val 5880699"/>
-              <a:gd name="adj3" fmla="val 7985"/>
-            </a:avLst>
-          </a:prstGeom>
-          <a:solidFill>
-            <a:srgbClr val="EFEFEF"/>
-          </a:solidFill>
-          <a:ln>
-            <a:noFill/>
-          </a:ln>
-        </p:spPr>
-        <p:txBody>
-          <a:bodyPr spcFirstLastPara="1" wrap="square" lIns="91425" tIns="91425" rIns="91425" bIns="91425" anchor="ctr" anchorCtr="0">
-            <a:noAutofit/>
-          </a:bodyPr>
-          <a:lstStyle/>
-          <a:p>
-            <a:pPr marL="0" lvl="0" indent="0" algn="l" rtl="0">
-              <a:spcBef>
-                <a:spcPts val="0"/>
-              </a:spcBef>
-              <a:spcAft>
-                <a:spcPts val="0"/>
-              </a:spcAft>
-              <a:buNone/>
-            </a:pPr>
-            <a:endParaRPr/>
-          </a:p>
-        </p:txBody>
-      </p:sp>
-      <p:sp>
-        <p:nvSpPr>
           <p:cNvPr id="173" name="Google Shape;173;p23"/>
           <p:cNvSpPr txBox="1">
             <a:spLocks noGrp="1"/>
@@ -15445,7 +15458,7 @@
         </p:nvSpPr>
         <p:spPr>
           <a:xfrm>
-            <a:off x="730000" y="1318650"/>
+            <a:off x="280979" y="146967"/>
             <a:ext cx="3300900" cy="1687200"/>
           </a:xfrm>
           <a:prstGeom prst="rect">
@@ -15468,26 +15481,10 @@
               <a:buNone/>
             </a:pPr>
             <a:r>
-              <a:rPr lang="en" sz="3000"/>
-              <a:t>Supporting information</a:t>
+              <a:rPr lang="en-US" dirty="0"/>
+              <a:t>Provisional Machine Learning Model</a:t>
             </a:r>
-            <a:endParaRPr sz="3000"/>
-          </a:p>
-          <a:p>
-            <a:pPr marL="0" lvl="0" indent="0" algn="l" rtl="0">
-              <a:spcBef>
-                <a:spcPts val="0"/>
-              </a:spcBef>
-              <a:spcAft>
-                <a:spcPts val="0"/>
-              </a:spcAft>
-              <a:buNone/>
-            </a:pPr>
-            <a:r>
-              <a:rPr lang="en" sz="3000" b="0"/>
-              <a:t>02</a:t>
-            </a:r>
-            <a:endParaRPr sz="3000"/>
+            <a:endParaRPr sz="3000" dirty="0"/>
           </a:p>
         </p:txBody>
       </p:sp>
@@ -15503,8 +15500,8 @@
         </p:nvSpPr>
         <p:spPr>
           <a:xfrm>
-            <a:off x="724950" y="3313925"/>
-            <a:ext cx="3068400" cy="759000"/>
+            <a:off x="-173621" y="1834874"/>
+            <a:ext cx="4734045" cy="759000"/>
           </a:xfrm>
           <a:prstGeom prst="rect">
             <a:avLst/>
@@ -15516,30 +15513,83 @@
           </a:bodyPr>
           <a:lstStyle/>
           <a:p>
-            <a:pPr marL="0" lvl="0" indent="0" algn="l" rtl="0">
-              <a:lnSpc>
-                <a:spcPct val="115000"/>
-              </a:lnSpc>
-              <a:spcBef>
-                <a:spcPts val="0"/>
-              </a:spcBef>
-              <a:spcAft>
-                <a:spcPts val="1000"/>
-              </a:spcAft>
-              <a:buNone/>
-            </a:pPr>
+            <a:pPr algn="just"/>
             <a:r>
-              <a:rPr lang="en" sz="1300"/>
-              <a:t>Explain why you’re focusing on a particular part of the problem or a particular subset of users.</a:t>
+              <a:rPr lang="en-US" sz="1600" b="1" i="0" dirty="0">
+                <a:solidFill>
+                  <a:srgbClr val="24292F"/>
+                </a:solidFill>
+                <a:effectLst/>
+                <a:latin typeface="-apple-system"/>
+              </a:rPr>
+              <a:t>	Provisional Machine Learning Model</a:t>
             </a:r>
-            <a:endParaRPr sz="1300"/>
+          </a:p>
+          <a:p>
+            <a:pPr algn="just"/>
+            <a:r>
+              <a:rPr lang="en-US" sz="1600" b="0" i="0" dirty="0">
+                <a:solidFill>
+                  <a:srgbClr val="24292F"/>
+                </a:solidFill>
+                <a:effectLst/>
+                <a:latin typeface="-apple-system"/>
+              </a:rPr>
+              <a:t>	Twelve (12) provisional machine learning models have been created and published on the Model Testing Branch. These models currently are used as stand-ins for the final machine learning model and have helped the team determine the best methods for cleaning and determining feature </a:t>
+            </a:r>
+            <a:r>
+              <a:rPr lang="en-US" sz="1600" b="0" i="0" dirty="0" err="1">
+                <a:solidFill>
+                  <a:srgbClr val="24292F"/>
+                </a:solidFill>
+                <a:effectLst/>
+                <a:latin typeface="-apple-system"/>
+              </a:rPr>
+              <a:t>importances</a:t>
+            </a:r>
+            <a:r>
+              <a:rPr lang="en-US" sz="1600" b="0" i="0" dirty="0">
+                <a:solidFill>
+                  <a:srgbClr val="24292F"/>
+                </a:solidFill>
+                <a:effectLst/>
+                <a:latin typeface="-apple-system"/>
+              </a:rPr>
+              <a:t> on the raw datasets for Tower A, Tower B, and the Reactor. These provisional models have also helped guide the </a:t>
+            </a:r>
+            <a:r>
+              <a:rPr lang="en-US" sz="1600" b="0" i="0" dirty="0" err="1">
+                <a:solidFill>
+                  <a:srgbClr val="24292F"/>
+                </a:solidFill>
+                <a:effectLst/>
+                <a:latin typeface="-apple-system"/>
+              </a:rPr>
+              <a:t>descision</a:t>
+            </a:r>
+            <a:r>
+              <a:rPr lang="en-US" sz="1600" b="0" i="0" dirty="0">
+                <a:solidFill>
+                  <a:srgbClr val="24292F"/>
+                </a:solidFill>
+                <a:effectLst/>
+                <a:latin typeface="-apple-system"/>
+              </a:rPr>
+              <a:t> making in selecting the best model library to use for the final project deliverable. </a:t>
+            </a:r>
           </a:p>
         </p:txBody>
       </p:sp>
       <p:sp>
         <p:nvSpPr>
-          <p:cNvPr id="175" name="Google Shape;175;p23"/>
-          <p:cNvSpPr txBox="1">
+          <p:cNvPr id="5" name="Text Placeholder 4">
+            <a:extLst>
+              <a:ext uri="{FF2B5EF4-FFF2-40B4-BE49-F238E27FC236}">
+                <a16:creationId xmlns:a16="http://schemas.microsoft.com/office/drawing/2014/main" id="{CA9ACB28-0C9D-1BE8-AFE5-F3EC811075DD}"/>
+              </a:ext>
+            </a:extLst>
+          </p:cNvPr>
+          <p:cNvSpPr>
             <a:spLocks noGrp="1"/>
           </p:cNvSpPr>
           <p:nvPr>
@@ -15548,146 +15598,103 @@
         </p:nvSpPr>
         <p:spPr>
           <a:xfrm>
-            <a:off x="6038550" y="2081288"/>
-            <a:ext cx="1638900" cy="639600"/>
+            <a:off x="4826984" y="449800"/>
+            <a:ext cx="4154969" cy="3025500"/>
           </a:xfrm>
-          <a:prstGeom prst="rect">
-            <a:avLst/>
-          </a:prstGeom>
         </p:spPr>
         <p:txBody>
-          <a:bodyPr spcFirstLastPara="1" wrap="square" lIns="91425" tIns="91425" rIns="91425" bIns="91425" anchor="t" anchorCtr="0">
-            <a:noAutofit/>
-          </a:bodyPr>
+          <a:bodyPr/>
           <a:lstStyle/>
           <a:p>
-            <a:pPr marL="0" lvl="0" indent="0" algn="ctr" rtl="0">
-              <a:spcBef>
-                <a:spcPts val="0"/>
-              </a:spcBef>
-              <a:spcAft>
-                <a:spcPts val="0"/>
-              </a:spcAft>
+            <a:pPr marL="146050" indent="0" algn="just">
               <a:buNone/>
             </a:pPr>
             <a:r>
-              <a:rPr lang="en" sz="3600" b="1">
-                <a:solidFill>
-                  <a:schemeClr val="dk1"/>
-                </a:solidFill>
+              <a:rPr lang="en-US" sz="1600" b="0" i="0" dirty="0">
+                <a:solidFill>
+                  <a:srgbClr val="24292F"/>
+                </a:solidFill>
+                <a:effectLst/>
+                <a:latin typeface="-apple-system"/>
               </a:rPr>
-              <a:t>82%</a:t>
+              <a:t>An outline of machine learning models is provided below:</a:t>
             </a:r>
-            <a:endParaRPr sz="3600">
+          </a:p>
+          <a:p>
+            <a:pPr marL="146050" indent="0" algn="just">
+              <a:buNone/>
+            </a:pPr>
+            <a:endParaRPr lang="en-US" sz="1600" b="0" i="0" dirty="0">
               <a:solidFill>
-                <a:schemeClr val="dk1"/>
+                <a:srgbClr val="24292F"/>
               </a:solidFill>
+              <a:effectLst/>
+              <a:latin typeface="-apple-system"/>
             </a:endParaRPr>
           </a:p>
           <a:p>
-            <a:pPr marL="0" lvl="0" indent="0" algn="ctr" rtl="0">
-              <a:spcBef>
-                <a:spcPts val="1600"/>
-              </a:spcBef>
-              <a:spcAft>
-                <a:spcPts val="1600"/>
-              </a:spcAft>
-              <a:buNone/>
-            </a:pPr>
-            <a:endParaRPr sz="2400" b="1">
-              <a:solidFill>
-                <a:schemeClr val="dk1"/>
-              </a:solidFill>
-            </a:endParaRPr>
-          </a:p>
-        </p:txBody>
-      </p:sp>
-      <p:sp>
-        <p:nvSpPr>
-          <p:cNvPr id="176" name="Google Shape;176;p23"/>
-          <p:cNvSpPr/>
-          <p:nvPr/>
-        </p:nvSpPr>
-        <p:spPr>
-          <a:xfrm>
-            <a:off x="5513395" y="1379567"/>
-            <a:ext cx="2688900" cy="2688900"/>
-          </a:xfrm>
-          <a:prstGeom prst="blockArc">
-            <a:avLst>
-              <a:gd name="adj1" fmla="val 16211102"/>
-              <a:gd name="adj2" fmla="val 13367420"/>
-              <a:gd name="adj3" fmla="val 7983"/>
-            </a:avLst>
-          </a:prstGeom>
-          <a:solidFill>
-            <a:schemeClr val="dk1"/>
-          </a:solidFill>
-          <a:ln>
-            <a:noFill/>
-          </a:ln>
-        </p:spPr>
-        <p:txBody>
-          <a:bodyPr spcFirstLastPara="1" wrap="square" lIns="91425" tIns="91425" rIns="91425" bIns="91425" anchor="ctr" anchorCtr="0">
-            <a:noAutofit/>
-          </a:bodyPr>
-          <a:lstStyle/>
-          <a:p>
-            <a:pPr marL="0" lvl="0" indent="0" algn="l" rtl="0">
-              <a:spcBef>
-                <a:spcPts val="0"/>
-              </a:spcBef>
-              <a:spcAft>
-                <a:spcPts val="0"/>
-              </a:spcAft>
-              <a:buNone/>
-            </a:pPr>
-            <a:endParaRPr/>
-          </a:p>
-        </p:txBody>
-      </p:sp>
-      <p:sp>
-        <p:nvSpPr>
-          <p:cNvPr id="177" name="Google Shape;177;p23"/>
-          <p:cNvSpPr txBox="1">
-            <a:spLocks noGrp="1"/>
-          </p:cNvSpPr>
-          <p:nvPr>
-            <p:ph type="body" idx="2"/>
-          </p:nvPr>
-        </p:nvSpPr>
-        <p:spPr>
-          <a:xfrm>
-            <a:off x="5877325" y="2715963"/>
-            <a:ext cx="1961100" cy="759000"/>
-          </a:xfrm>
-          <a:prstGeom prst="rect">
-            <a:avLst/>
-          </a:prstGeom>
-        </p:spPr>
-        <p:txBody>
-          <a:bodyPr spcFirstLastPara="1" wrap="square" lIns="91425" tIns="91425" rIns="91425" bIns="91425" anchor="t" anchorCtr="0">
-            <a:noAutofit/>
-          </a:bodyPr>
-          <a:lstStyle/>
-          <a:p>
-            <a:pPr marL="0" lvl="0" indent="0" algn="ctr" rtl="0">
-              <a:lnSpc>
-                <a:spcPct val="115000"/>
-              </a:lnSpc>
-              <a:spcBef>
-                <a:spcPts val="0"/>
-              </a:spcBef>
-              <a:spcAft>
-                <a:spcPts val="1600"/>
-              </a:spcAft>
-              <a:buNone/>
+            <a:pPr algn="just">
+              <a:buFont typeface="Arial" panose="020B0604020202020204" pitchFamily="34" charset="0"/>
+              <a:buChar char="•"/>
             </a:pPr>
             <a:r>
-              <a:rPr lang="en" sz="1100"/>
-              <a:t>Users are constantly searching for a solution</a:t>
+              <a:rPr lang="en-US" sz="1600" b="0" i="0" dirty="0">
+                <a:solidFill>
+                  <a:srgbClr val="24292F"/>
+                </a:solidFill>
+                <a:effectLst/>
+                <a:latin typeface="-apple-system"/>
+              </a:rPr>
+              <a:t>Tower A: (Linear Regression, Logistic Regression, Random Forrest, and Support Vector Machine)</a:t>
             </a:r>
-            <a:endParaRPr sz="1100"/>
+          </a:p>
+          <a:p>
+            <a:pPr algn="just">
+              <a:buFont typeface="Arial" panose="020B0604020202020204" pitchFamily="34" charset="0"/>
+              <a:buChar char="•"/>
+            </a:pPr>
+            <a:r>
+              <a:rPr lang="en-US" sz="1600" b="0" i="0" dirty="0">
+                <a:solidFill>
+                  <a:srgbClr val="24292F"/>
+                </a:solidFill>
+                <a:effectLst/>
+                <a:latin typeface="-apple-system"/>
+              </a:rPr>
+              <a:t>Tower B: (Linear Regression, Logistic Regression, Random Forrest, and Support Vector Machine)</a:t>
+            </a:r>
+          </a:p>
+          <a:p>
+            <a:pPr algn="just">
+              <a:buFont typeface="Arial" panose="020B0604020202020204" pitchFamily="34" charset="0"/>
+              <a:buChar char="•"/>
+            </a:pPr>
+            <a:r>
+              <a:rPr lang="en-US" sz="1600" b="0" i="0" dirty="0">
+                <a:solidFill>
+                  <a:srgbClr val="24292F"/>
+                </a:solidFill>
+                <a:effectLst/>
+                <a:latin typeface="-apple-system"/>
+              </a:rPr>
+              <a:t>Reactor: (Linear Regression, Logistic Regression, Random Forrest, and Support Vector Machine)</a:t>
+            </a:r>
+          </a:p>
+          <a:p>
+            <a:pPr algn="just"/>
+            <a:r>
+              <a:rPr lang="en-US" sz="1600" b="0" i="0" dirty="0">
+                <a:solidFill>
+                  <a:srgbClr val="24292F"/>
+                </a:solidFill>
+                <a:effectLst/>
+                <a:latin typeface="-apple-system"/>
+              </a:rPr>
+              <a:t>-- Note: A copy of the Model Testing Branch's "Model" folder has been uploaded to the Main Branch.</a:t>
+            </a:r>
+          </a:p>
+          <a:p>
+            <a:endParaRPr lang="en-US" sz="1400" dirty="0"/>
           </a:p>
         </p:txBody>
       </p:sp>
@@ -15700,6 +15707,181 @@
 </file>
 
 <file path=ppt/slides/slide7.xml><?xml version="1.0" encoding="utf-8"?>
+<p:sld xmlns:a="http://schemas.openxmlformats.org/drawingml/2006/main" xmlns:r="http://schemas.openxmlformats.org/officeDocument/2006/relationships" xmlns:p="http://schemas.openxmlformats.org/presentationml/2006/main">
+  <p:cSld>
+    <p:spTree>
+      <p:nvGrpSpPr>
+        <p:cNvPr id="1" name=""/>
+        <p:cNvGrpSpPr/>
+        <p:nvPr/>
+      </p:nvGrpSpPr>
+      <p:grpSpPr>
+        <a:xfrm>
+          <a:off x="0" y="0"/>
+          <a:ext cx="0" cy="0"/>
+          <a:chOff x="0" y="0"/>
+          <a:chExt cx="0" cy="0"/>
+        </a:xfrm>
+      </p:grpSpPr>
+      <p:sp>
+        <p:nvSpPr>
+          <p:cNvPr id="2" name="Title 1">
+            <a:extLst>
+              <a:ext uri="{FF2B5EF4-FFF2-40B4-BE49-F238E27FC236}">
+                <a16:creationId xmlns:a16="http://schemas.microsoft.com/office/drawing/2014/main" id="{E90C7B4F-CFA7-75A3-80E6-2C8C5361908F}"/>
+              </a:ext>
+            </a:extLst>
+          </p:cNvPr>
+          <p:cNvSpPr>
+            <a:spLocks noGrp="1"/>
+          </p:cNvSpPr>
+          <p:nvPr>
+            <p:ph type="title"/>
+          </p:nvPr>
+        </p:nvSpPr>
+        <p:spPr>
+          <a:xfrm>
+            <a:off x="116542" y="1851688"/>
+            <a:ext cx="4443883" cy="1687200"/>
+          </a:xfrm>
+        </p:spPr>
+        <p:txBody>
+          <a:bodyPr/>
+          <a:lstStyle/>
+          <a:p>
+            <a:r>
+              <a:rPr lang="en-US" b="1" i="0" dirty="0">
+                <a:solidFill>
+                  <a:srgbClr val="24292F"/>
+                </a:solidFill>
+                <a:effectLst/>
+                <a:latin typeface="-apple-system"/>
+              </a:rPr>
+              <a:t>Description of the analysis phase of the project</a:t>
+            </a:r>
+            <a:br>
+              <a:rPr lang="en-US" b="1" i="0" dirty="0">
+                <a:solidFill>
+                  <a:srgbClr val="24292F"/>
+                </a:solidFill>
+                <a:effectLst/>
+                <a:latin typeface="-apple-system"/>
+              </a:rPr>
+            </a:br>
+            <a:endParaRPr lang="en-US" dirty="0"/>
+          </a:p>
+        </p:txBody>
+      </p:sp>
+      <p:sp>
+        <p:nvSpPr>
+          <p:cNvPr id="3" name="Subtitle 2">
+            <a:extLst>
+              <a:ext uri="{FF2B5EF4-FFF2-40B4-BE49-F238E27FC236}">
+                <a16:creationId xmlns:a16="http://schemas.microsoft.com/office/drawing/2014/main" id="{7862FEEC-B525-DA1D-E834-FC0B1995DA69}"/>
+              </a:ext>
+            </a:extLst>
+          </p:cNvPr>
+          <p:cNvSpPr>
+            <a:spLocks noGrp="1"/>
+          </p:cNvSpPr>
+          <p:nvPr>
+            <p:ph type="subTitle" idx="1"/>
+          </p:nvPr>
+        </p:nvSpPr>
+        <p:spPr>
+          <a:xfrm>
+            <a:off x="4687747" y="1040436"/>
+            <a:ext cx="4328136" cy="2567900"/>
+          </a:xfrm>
+        </p:spPr>
+        <p:txBody>
+          <a:bodyPr/>
+          <a:lstStyle/>
+          <a:p>
+            <a:pPr marL="146050" indent="0" algn="just">
+              <a:buNone/>
+            </a:pPr>
+            <a:endParaRPr lang="en-US" b="0" i="0" dirty="0">
+              <a:solidFill>
+                <a:srgbClr val="24292F"/>
+              </a:solidFill>
+              <a:effectLst/>
+              <a:latin typeface="-apple-system"/>
+            </a:endParaRPr>
+          </a:p>
+          <a:p>
+            <a:pPr algn="just"/>
+            <a:r>
+              <a:rPr lang="en-US" b="0" i="0" dirty="0">
+                <a:solidFill>
+                  <a:srgbClr val="24292F"/>
+                </a:solidFill>
+                <a:effectLst/>
+                <a:latin typeface="-apple-system"/>
+              </a:rPr>
+              <a:t>-- Note: A copy of the SQL Query Code can be found in the "SQL Code" folder in the Main Branch -- Note: A copy of the </a:t>
+            </a:r>
+            <a:r>
+              <a:rPr lang="en-US" b="0" i="0" dirty="0" err="1">
+                <a:solidFill>
+                  <a:srgbClr val="24292F"/>
+                </a:solidFill>
+                <a:effectLst/>
+                <a:latin typeface="-apple-system"/>
+              </a:rPr>
+              <a:t>pythod</a:t>
+            </a:r>
+            <a:r>
+              <a:rPr lang="en-US" b="0" i="0" dirty="0">
+                <a:solidFill>
+                  <a:srgbClr val="24292F"/>
+                </a:solidFill>
+                <a:effectLst/>
+                <a:latin typeface="-apple-system"/>
+              </a:rPr>
+              <a:t> code that exported the SQL table can be found in the "SQL </a:t>
+            </a:r>
+            <a:r>
+              <a:rPr lang="en-US" b="0" i="0" dirty="0" err="1">
+                <a:solidFill>
+                  <a:srgbClr val="24292F"/>
+                </a:solidFill>
+                <a:effectLst/>
+                <a:latin typeface="-apple-system"/>
+              </a:rPr>
+              <a:t>Extact</a:t>
+            </a:r>
+            <a:r>
+              <a:rPr lang="en-US" b="0" i="0" dirty="0">
+                <a:solidFill>
+                  <a:srgbClr val="24292F"/>
+                </a:solidFill>
+                <a:effectLst/>
+                <a:latin typeface="-apple-system"/>
+              </a:rPr>
+              <a:t>" filer in the Main Branch. -- Note: A copy of the final model and unselected models can be found in the "Final Models" folder in the Main Branch</a:t>
+            </a:r>
+          </a:p>
+          <a:p>
+            <a:pPr algn="just"/>
+            <a:endParaRPr lang="en-US" dirty="0"/>
+          </a:p>
+        </p:txBody>
+      </p:sp>
+    </p:spTree>
+    <p:extLst>
+      <p:ext uri="{BB962C8B-B14F-4D97-AF65-F5344CB8AC3E}">
+        <p14:creationId xmlns:p14="http://schemas.microsoft.com/office/powerpoint/2010/main" val="4157813307"/>
+      </p:ext>
+    </p:extLst>
+  </p:cSld>
+  <p:clrMapOvr>
+    <a:masterClrMapping/>
+  </p:clrMapOvr>
+</p:sld>
+</file>
+
+<file path=ppt/slides/slide8.xml><?xml version="1.0" encoding="utf-8"?>
 <p:sld xmlns:a="http://schemas.openxmlformats.org/drawingml/2006/main" xmlns:r="http://schemas.openxmlformats.org/officeDocument/2006/relationships" xmlns:p="http://schemas.openxmlformats.org/presentationml/2006/main">
   <p:cSld>
     <p:spTree>
@@ -15728,8 +15910,8 @@
         </p:nvSpPr>
         <p:spPr>
           <a:xfrm>
-            <a:off x="730000" y="1318650"/>
-            <a:ext cx="3300900" cy="1785300"/>
+            <a:off x="260827" y="123249"/>
+            <a:ext cx="4050345" cy="1785300"/>
           </a:xfrm>
           <a:prstGeom prst="rect">
             <a:avLst/>
@@ -15741,141 +15923,30 @@
           </a:bodyPr>
           <a:lstStyle/>
           <a:p>
-            <a:pPr marL="0" lvl="0" indent="0" algn="l" rtl="0">
-              <a:spcBef>
-                <a:spcPts val="0"/>
-              </a:spcBef>
-              <a:spcAft>
-                <a:spcPts val="0"/>
-              </a:spcAft>
-              <a:buNone/>
-            </a:pPr>
+            <a:pPr algn="l"/>
             <a:r>
-              <a:rPr lang="en" sz="3000"/>
-              <a:t>Supporting information</a:t>
+              <a:rPr lang="en-US" b="1" i="0" dirty="0">
+                <a:solidFill>
+                  <a:srgbClr val="24292F"/>
+                </a:solidFill>
+                <a:effectLst/>
+                <a:latin typeface="-apple-system"/>
+              </a:rPr>
+              <a:t>Explanation of Model Choice: including limitations and benefits</a:t>
             </a:r>
-            <a:endParaRPr sz="3000"/>
-          </a:p>
-          <a:p>
-            <a:pPr marL="0" lvl="0" indent="0" algn="l" rtl="0">
-              <a:spcBef>
-                <a:spcPts val="0"/>
-              </a:spcBef>
-              <a:spcAft>
-                <a:spcPts val="0"/>
-              </a:spcAft>
-              <a:buNone/>
-            </a:pPr>
-            <a:r>
-              <a:rPr lang="en" sz="3000" b="0"/>
-              <a:t>03</a:t>
-            </a:r>
-            <a:endParaRPr sz="3000"/>
           </a:p>
         </p:txBody>
       </p:sp>
       <p:sp>
         <p:nvSpPr>
-          <p:cNvPr id="183" name="Google Shape;183;p24"/>
-          <p:cNvSpPr txBox="1">
-            <a:spLocks noGrp="1"/>
-          </p:cNvSpPr>
-          <p:nvPr>
-            <p:ph type="subTitle" idx="1"/>
-          </p:nvPr>
-        </p:nvSpPr>
-        <p:spPr>
-          <a:xfrm>
-            <a:off x="724950" y="3313925"/>
-            <a:ext cx="3300900" cy="759000"/>
-          </a:xfrm>
-          <a:prstGeom prst="rect">
-            <a:avLst/>
-          </a:prstGeom>
-        </p:spPr>
-        <p:txBody>
-          <a:bodyPr spcFirstLastPara="1" wrap="square" lIns="91425" tIns="91425" rIns="91425" bIns="91425" anchor="t" anchorCtr="0">
-            <a:noAutofit/>
-          </a:bodyPr>
-          <a:lstStyle/>
-          <a:p>
-            <a:pPr marL="0" lvl="0" indent="0" algn="l" rtl="0">
-              <a:lnSpc>
-                <a:spcPct val="115000"/>
-              </a:lnSpc>
-              <a:spcBef>
-                <a:spcPts val="0"/>
-              </a:spcBef>
-              <a:spcAft>
-                <a:spcPts val="1000"/>
-              </a:spcAft>
-              <a:buNone/>
-            </a:pPr>
-            <a:r>
-              <a:rPr lang="en" sz="1300"/>
-              <a:t>Reference your </a:t>
-            </a:r>
-            <a:r>
-              <a:rPr lang="en" sz="1300" u="sng">
-                <a:solidFill>
-                  <a:schemeClr val="accent5"/>
-                </a:solidFill>
-                <a:hlinkClick r:id="rId3">
-                  <a:extLst>
-                    <a:ext uri="{A12FA001-AC4F-418D-AE19-62706E023703}">
-                      <ahyp:hlinkClr xmlns:ahyp="http://schemas.microsoft.com/office/drawing/2018/hyperlinkcolor" val="tx"/>
-                    </a:ext>
-                  </a:extLst>
-                </a:hlinkClick>
-              </a:rPr>
-              <a:t>personas</a:t>
-            </a:r>
-            <a:r>
-              <a:rPr lang="en" sz="1300"/>
-              <a:t>, if you have them.</a:t>
-            </a:r>
-            <a:endParaRPr sz="1300"/>
-          </a:p>
-        </p:txBody>
-      </p:sp>
-      <p:pic>
-        <p:nvPicPr>
-          <p:cNvPr id="184" name="Google Shape;184;p24"/>
-          <p:cNvPicPr preferRelativeResize="0"/>
-          <p:nvPr/>
-        </p:nvPicPr>
-        <p:blipFill>
-          <a:blip r:embed="rId4">
-            <a:alphaModFix/>
-          </a:blip>
-          <a:stretch>
-            <a:fillRect/>
-          </a:stretch>
-        </p:blipFill>
-        <p:spPr>
-          <a:xfrm>
-            <a:off x="6137925" y="1188450"/>
-            <a:ext cx="1440199" cy="1440199"/>
-          </a:xfrm>
-          <a:prstGeom prst="rect">
-            <a:avLst/>
-          </a:prstGeom>
-          <a:noFill/>
-          <a:ln>
-            <a:noFill/>
-          </a:ln>
-        </p:spPr>
-      </p:pic>
-      <p:sp>
-        <p:nvSpPr>
-          <p:cNvPr id="185" name="Google Shape;185;p24"/>
+          <p:cNvPr id="186" name="Google Shape;186;p24"/>
           <p:cNvSpPr txBox="1"/>
           <p:nvPr/>
         </p:nvSpPr>
         <p:spPr>
           <a:xfrm>
-            <a:off x="5207600" y="2891725"/>
-            <a:ext cx="3300900" cy="354600"/>
+            <a:off x="4832829" y="896797"/>
+            <a:ext cx="4050343" cy="516000"/>
           </a:xfrm>
           <a:prstGeom prst="rect">
             <a:avLst/>
@@ -15891,351 +15962,269 @@
           </a:bodyPr>
           <a:lstStyle/>
           <a:p>
-            <a:pPr marL="0" lvl="0" indent="0" algn="ctr" rtl="0">
-              <a:lnSpc>
-                <a:spcPct val="115000"/>
-              </a:lnSpc>
-              <a:spcBef>
-                <a:spcPts val="0"/>
-              </a:spcBef>
-              <a:spcAft>
-                <a:spcPts val="0"/>
-              </a:spcAft>
-              <a:buNone/>
-            </a:pPr>
+            <a:pPr algn="just"/>
+            <a:endParaRPr lang="en-US" sz="1600" b="0" i="0" dirty="0">
+              <a:solidFill>
+                <a:srgbClr val="24292F"/>
+              </a:solidFill>
+              <a:effectLst/>
+              <a:latin typeface="-apple-system"/>
+            </a:endParaRPr>
+          </a:p>
+          <a:p>
+            <a:pPr algn="just"/>
             <a:r>
-              <a:rPr lang="en" b="1">
-                <a:solidFill>
-                  <a:schemeClr val="dk1"/>
-                </a:solidFill>
-                <a:latin typeface="Lato"/>
-                <a:ea typeface="Lato"/>
-                <a:cs typeface="Lato"/>
-                <a:sym typeface="Lato"/>
+              <a:rPr lang="en-US" sz="1600" b="0" i="0" dirty="0">
+                <a:solidFill>
+                  <a:srgbClr val="24292F"/>
+                </a:solidFill>
+                <a:effectLst/>
+                <a:latin typeface="-apple-system"/>
               </a:rPr>
-              <a:t>Julia</a:t>
+              <a:t>SK </a:t>
             </a:r>
-            <a:endParaRPr sz="1100">
-              <a:solidFill>
-                <a:schemeClr val="accent1"/>
-              </a:solidFill>
-              <a:latin typeface="Lato"/>
-              <a:ea typeface="Lato"/>
-              <a:cs typeface="Lato"/>
-              <a:sym typeface="Lato"/>
-            </a:endParaRPr>
+            <a:r>
+              <a:rPr lang="en-US" sz="1600" b="0" i="0" dirty="0" err="1">
+                <a:solidFill>
+                  <a:srgbClr val="24292F"/>
+                </a:solidFill>
+                <a:effectLst/>
+                <a:latin typeface="-apple-system"/>
+              </a:rPr>
+              <a:t>Learn's</a:t>
+            </a:r>
+            <a:r>
+              <a:rPr lang="en-US" sz="1600" b="0" i="0" dirty="0">
+                <a:solidFill>
+                  <a:srgbClr val="24292F"/>
+                </a:solidFill>
+                <a:effectLst/>
+                <a:latin typeface="-apple-system"/>
+              </a:rPr>
+              <a:t> </a:t>
+            </a:r>
+            <a:r>
+              <a:rPr lang="en-US" sz="1600" b="0" i="0" dirty="0" err="1">
+                <a:solidFill>
+                  <a:srgbClr val="24292F"/>
+                </a:solidFill>
+                <a:effectLst/>
+                <a:latin typeface="-apple-system"/>
+              </a:rPr>
+              <a:t>train_test_split</a:t>
+            </a:r>
+            <a:r>
+              <a:rPr lang="en-US" sz="1600" b="0" i="0" dirty="0">
+                <a:solidFill>
+                  <a:srgbClr val="24292F"/>
+                </a:solidFill>
+                <a:effectLst/>
+                <a:latin typeface="-apple-system"/>
+              </a:rPr>
+              <a:t> function was used to split the model into training and testing arrays, using a random state of zero. The </a:t>
+            </a:r>
+            <a:r>
+              <a:rPr lang="en-US" sz="1600" b="0" i="0" dirty="0" err="1">
+                <a:solidFill>
+                  <a:srgbClr val="24292F"/>
+                </a:solidFill>
+                <a:effectLst/>
+                <a:latin typeface="-apple-system"/>
+              </a:rPr>
+              <a:t>The</a:t>
+            </a:r>
+            <a:r>
+              <a:rPr lang="en-US" sz="1600" b="0" i="0" dirty="0">
+                <a:solidFill>
+                  <a:srgbClr val="24292F"/>
+                </a:solidFill>
+                <a:effectLst/>
+                <a:latin typeface="-apple-system"/>
+              </a:rPr>
+              <a:t> model testing performance, when used to predict the </a:t>
+            </a:r>
+            <a:r>
+              <a:rPr lang="en-US" sz="1600" b="0" i="0" dirty="0" err="1">
+                <a:solidFill>
+                  <a:srgbClr val="24292F"/>
+                </a:solidFill>
+                <a:effectLst/>
+                <a:latin typeface="-apple-system"/>
+              </a:rPr>
+              <a:t>X_test</a:t>
+            </a:r>
+            <a:r>
+              <a:rPr lang="en-US" sz="1600" b="0" i="0" dirty="0">
+                <a:solidFill>
+                  <a:srgbClr val="24292F"/>
+                </a:solidFill>
+                <a:effectLst/>
+                <a:latin typeface="-apple-system"/>
+              </a:rPr>
+              <a:t> split was quite robust, though not perfect. The group had an opportunity to showcase the linear regression models output to the companies process unit subject matter expert, who was quite pleased with the </a:t>
+            </a:r>
+            <a:r>
+              <a:rPr lang="en-US" sz="1600" b="0" i="0" dirty="0" err="1">
+                <a:solidFill>
+                  <a:srgbClr val="24292F"/>
+                </a:solidFill>
+                <a:effectLst/>
+                <a:latin typeface="-apple-system"/>
+              </a:rPr>
+              <a:t>performace</a:t>
+            </a:r>
+            <a:r>
+              <a:rPr lang="en-US" sz="1600" b="0" i="0" dirty="0">
+                <a:solidFill>
+                  <a:srgbClr val="24292F"/>
+                </a:solidFill>
+                <a:effectLst/>
+                <a:latin typeface="-apple-system"/>
+              </a:rPr>
+              <a:t>. The following </a:t>
+            </a:r>
+            <a:r>
+              <a:rPr lang="en-US" sz="1600" b="0" i="0" dirty="0" err="1">
+                <a:solidFill>
+                  <a:srgbClr val="24292F"/>
+                </a:solidFill>
+                <a:effectLst/>
+                <a:latin typeface="-apple-system"/>
+              </a:rPr>
+              <a:t>performace</a:t>
+            </a:r>
+            <a:r>
+              <a:rPr lang="en-US" sz="1600" b="0" i="0" dirty="0">
+                <a:solidFill>
+                  <a:srgbClr val="24292F"/>
+                </a:solidFill>
+                <a:effectLst/>
+                <a:latin typeface="-apple-system"/>
+              </a:rPr>
+              <a:t> metric results were gathered based on the </a:t>
+            </a:r>
+            <a:r>
+              <a:rPr lang="en-US" sz="1600" b="0" i="0" dirty="0" err="1">
+                <a:solidFill>
+                  <a:srgbClr val="24292F"/>
+                </a:solidFill>
+                <a:effectLst/>
+                <a:latin typeface="-apple-system"/>
+              </a:rPr>
+              <a:t>X_test</a:t>
+            </a:r>
+            <a:r>
+              <a:rPr lang="en-US" sz="1600" b="0" i="0" dirty="0">
+                <a:solidFill>
+                  <a:srgbClr val="24292F"/>
+                </a:solidFill>
+                <a:effectLst/>
+                <a:latin typeface="-apple-system"/>
+              </a:rPr>
+              <a:t> predictions.</a:t>
+            </a:r>
           </a:p>
         </p:txBody>
       </p:sp>
       <p:sp>
         <p:nvSpPr>
-          <p:cNvPr id="186" name="Google Shape;186;p24"/>
+          <p:cNvPr id="11" name="TextBox 10">
+            <a:extLst>
+              <a:ext uri="{FF2B5EF4-FFF2-40B4-BE49-F238E27FC236}">
+                <a16:creationId xmlns:a16="http://schemas.microsoft.com/office/drawing/2014/main" id="{A906D141-80A8-888F-C3C5-355150F405C9}"/>
+              </a:ext>
+            </a:extLst>
+          </p:cNvPr>
           <p:cNvSpPr txBox="1"/>
           <p:nvPr/>
         </p:nvSpPr>
         <p:spPr>
           <a:xfrm>
-            <a:off x="5207600" y="3521563"/>
-            <a:ext cx="3300900" cy="516000"/>
+            <a:off x="133108" y="1908549"/>
+            <a:ext cx="4178064" cy="2246769"/>
           </a:xfrm>
           <a:prstGeom prst="rect">
             <a:avLst/>
           </a:prstGeom>
           <a:noFill/>
-          <a:ln>
-            <a:noFill/>
-          </a:ln>
         </p:spPr>
         <p:txBody>
-          <a:bodyPr spcFirstLastPara="1" wrap="square" lIns="91425" tIns="91425" rIns="91425" bIns="91425" anchor="t" anchorCtr="0">
-            <a:noAutofit/>
+          <a:bodyPr wrap="square">
+            <a:spAutoFit/>
           </a:bodyPr>
           <a:lstStyle/>
           <a:p>
-            <a:pPr marL="0" lvl="0" indent="0" algn="ctr" rtl="0">
-              <a:lnSpc>
-                <a:spcPct val="115000"/>
-              </a:lnSpc>
-              <a:spcBef>
-                <a:spcPts val="0"/>
-              </a:spcBef>
-              <a:spcAft>
-                <a:spcPts val="0"/>
-              </a:spcAft>
-              <a:buNone/>
-            </a:pPr>
+            <a:pPr algn="just"/>
             <a:r>
-              <a:rPr lang="en" sz="1100">
-                <a:solidFill>
-                  <a:schemeClr val="accent1"/>
-                </a:solidFill>
-                <a:latin typeface="Lato"/>
-                <a:ea typeface="Lato"/>
-                <a:cs typeface="Lato"/>
-                <a:sym typeface="Lato"/>
+              <a:rPr lang="en-US" b="0" i="0" dirty="0">
+                <a:solidFill>
+                  <a:srgbClr val="24292F"/>
+                </a:solidFill>
+                <a:effectLst/>
+                <a:latin typeface="-apple-system"/>
               </a:rPr>
-              <a:t>Describe the content of Julia’s job and the problem she and her team are currently facing.</a:t>
+              <a:t>After testing the cleaned and joined data through the following models, Linear Regression, Logistic Regression, Random Forrest, and Support Vector Machine, the model selected was SK </a:t>
             </a:r>
-            <a:endParaRPr sz="1100">
-              <a:solidFill>
-                <a:schemeClr val="accent1"/>
-              </a:solidFill>
-              <a:latin typeface="Lato"/>
-              <a:ea typeface="Lato"/>
-              <a:cs typeface="Lato"/>
-              <a:sym typeface="Lato"/>
-            </a:endParaRPr>
-          </a:p>
-        </p:txBody>
-      </p:sp>
-      <p:sp>
-        <p:nvSpPr>
-          <p:cNvPr id="187" name="Google Shape;187;p24"/>
-          <p:cNvSpPr txBox="1"/>
-          <p:nvPr/>
-        </p:nvSpPr>
-        <p:spPr>
-          <a:xfrm>
-            <a:off x="5207575" y="3142990"/>
-            <a:ext cx="3300900" cy="309600"/>
-          </a:xfrm>
-          <a:prstGeom prst="rect">
-            <a:avLst/>
-          </a:prstGeom>
-          <a:noFill/>
-          <a:ln>
-            <a:noFill/>
-          </a:ln>
-        </p:spPr>
-        <p:txBody>
-          <a:bodyPr spcFirstLastPara="1" wrap="square" lIns="91425" tIns="91425" rIns="91425" bIns="91425" anchor="t" anchorCtr="0">
-            <a:noAutofit/>
-          </a:bodyPr>
-          <a:lstStyle/>
-          <a:p>
-            <a:pPr marL="0" lvl="0" indent="0" algn="ctr" rtl="0">
-              <a:lnSpc>
-                <a:spcPct val="115000"/>
-              </a:lnSpc>
-              <a:spcBef>
-                <a:spcPts val="0"/>
-              </a:spcBef>
-              <a:spcAft>
-                <a:spcPts val="0"/>
-              </a:spcAft>
-              <a:buNone/>
-            </a:pPr>
             <a:r>
-              <a:rPr lang="en" sz="1100">
-                <a:solidFill>
-                  <a:schemeClr val="dk1"/>
-                </a:solidFill>
-                <a:latin typeface="Lato"/>
-                <a:ea typeface="Lato"/>
-                <a:cs typeface="Lato"/>
-                <a:sym typeface="Lato"/>
+              <a:rPr lang="en-US" b="0" i="0" dirty="0" err="1">
+                <a:solidFill>
+                  <a:srgbClr val="24292F"/>
+                </a:solidFill>
+                <a:effectLst/>
+                <a:latin typeface="-apple-system"/>
               </a:rPr>
-              <a:t>Team Manager</a:t>
+              <a:t>Learn's</a:t>
             </a:r>
-            <a:endParaRPr sz="1100">
-              <a:solidFill>
-                <a:schemeClr val="accent1"/>
-              </a:solidFill>
-              <a:latin typeface="Lato"/>
-              <a:ea typeface="Lato"/>
-              <a:cs typeface="Lato"/>
-              <a:sym typeface="Lato"/>
-            </a:endParaRPr>
-          </a:p>
-        </p:txBody>
-      </p:sp>
-    </p:spTree>
-  </p:cSld>
-  <p:clrMapOvr>
-    <a:masterClrMapping/>
-  </p:clrMapOvr>
-</p:sld>
-</file>
-
-<file path=ppt/slides/slide8.xml><?xml version="1.0" encoding="utf-8"?>
-<p:sld xmlns:a="http://schemas.openxmlformats.org/drawingml/2006/main" xmlns:r="http://schemas.openxmlformats.org/officeDocument/2006/relationships" xmlns:p="http://schemas.openxmlformats.org/presentationml/2006/main">
-  <p:cSld>
-    <p:spTree>
-      <p:nvGrpSpPr>
-        <p:cNvPr id="1" name="Shape 191"/>
-        <p:cNvGrpSpPr/>
-        <p:nvPr/>
-      </p:nvGrpSpPr>
-      <p:grpSpPr>
-        <a:xfrm>
-          <a:off x="0" y="0"/>
-          <a:ext cx="0" cy="0"/>
-          <a:chOff x="0" y="0"/>
-          <a:chExt cx="0" cy="0"/>
-        </a:xfrm>
-      </p:grpSpPr>
-      <p:sp>
-        <p:nvSpPr>
-          <p:cNvPr id="192" name="Google Shape;192;p25"/>
-          <p:cNvSpPr txBox="1">
-            <a:spLocks noGrp="1"/>
-          </p:cNvSpPr>
-          <p:nvPr>
-            <p:ph type="body" idx="1"/>
-          </p:nvPr>
-        </p:nvSpPr>
-        <p:spPr>
-          <a:xfrm>
-            <a:off x="729450" y="2078875"/>
-            <a:ext cx="7688700" cy="2261100"/>
-          </a:xfrm>
-          <a:prstGeom prst="rect">
-            <a:avLst/>
-          </a:prstGeom>
-        </p:spPr>
-        <p:txBody>
-          <a:bodyPr spcFirstLastPara="1" wrap="square" lIns="91425" tIns="91425" rIns="91425" bIns="91425" anchor="t" anchorCtr="0">
-            <a:noAutofit/>
-          </a:bodyPr>
-          <a:lstStyle/>
-          <a:p>
-            <a:pPr marL="457200" lvl="0" indent="-311150" algn="l" rtl="0">
-              <a:spcBef>
-                <a:spcPts val="0"/>
-              </a:spcBef>
-              <a:spcAft>
-                <a:spcPts val="0"/>
-              </a:spcAft>
-              <a:buSzPts val="1300"/>
-              <a:buChar char="➔"/>
-            </a:pPr>
             <a:r>
-              <a:rPr lang="en"/>
-              <a:t>Use cases, user stories, notes to set up the wireframes. Such as…</a:t>
+              <a:rPr lang="en-US" b="0" i="0" dirty="0">
+                <a:solidFill>
+                  <a:srgbClr val="24292F"/>
+                </a:solidFill>
+                <a:effectLst/>
+                <a:latin typeface="-apple-system"/>
+              </a:rPr>
+              <a:t> Linear Regression model. This model was chosen because the output (</a:t>
             </a:r>
-            <a:endParaRPr/>
-          </a:p>
-          <a:p>
-            <a:pPr marL="457200" lvl="0" indent="-311150" algn="l" rtl="0">
-              <a:spcBef>
-                <a:spcPts val="1000"/>
-              </a:spcBef>
-              <a:spcAft>
-                <a:spcPts val="0"/>
-              </a:spcAft>
-              <a:buSzPts val="1300"/>
-              <a:buChar char="➔"/>
-            </a:pPr>
             <a:r>
-              <a:rPr lang="en"/>
-              <a:t>“As an Administrator, I would like to restrict permissions based on role.”</a:t>
+              <a:rPr lang="en-US" b="0" i="0" dirty="0" err="1">
+                <a:solidFill>
+                  <a:srgbClr val="24292F"/>
+                </a:solidFill>
+                <a:effectLst/>
+                <a:latin typeface="-apple-system"/>
+              </a:rPr>
+              <a:t>y_predict</a:t>
             </a:r>
-            <a:endParaRPr/>
-          </a:p>
-          <a:p>
-            <a:pPr marL="457200" lvl="0" indent="-311150" algn="l" rtl="0">
-              <a:spcBef>
-                <a:spcPts val="1000"/>
-              </a:spcBef>
-              <a:spcAft>
-                <a:spcPts val="0"/>
-              </a:spcAft>
-              <a:buSzPts val="1300"/>
-              <a:buChar char="➔"/>
-            </a:pPr>
             <a:r>
-              <a:rPr lang="en"/>
-              <a:t>“As a Moderator, I would like to flag and approve comments.”</a:t>
+              <a:rPr lang="en-US" b="0" i="0" dirty="0">
+                <a:solidFill>
+                  <a:srgbClr val="24292F"/>
+                </a:solidFill>
+                <a:effectLst/>
+                <a:latin typeface="-apple-system"/>
+              </a:rPr>
+              <a:t>) was more </a:t>
             </a:r>
-            <a:endParaRPr/>
-          </a:p>
-          <a:p>
-            <a:pPr marL="457200" lvl="0" indent="-311150" algn="l" rtl="0">
-              <a:spcBef>
-                <a:spcPts val="1000"/>
-              </a:spcBef>
-              <a:spcAft>
-                <a:spcPts val="0"/>
-              </a:spcAft>
-              <a:buSzPts val="1300"/>
-              <a:buChar char="➔"/>
-            </a:pPr>
             <a:r>
-              <a:rPr lang="en"/>
-              <a:t>Executives indicated that being able to see a summary of each segment of data was their #1 priority.</a:t>
+              <a:rPr lang="en-US" b="0" i="0" dirty="0" err="1">
+                <a:solidFill>
+                  <a:srgbClr val="24292F"/>
+                </a:solidFill>
+                <a:effectLst/>
+                <a:latin typeface="-apple-system"/>
+              </a:rPr>
+              <a:t>acurate</a:t>
             </a:r>
-            <a:endParaRPr/>
-          </a:p>
-          <a:p>
-            <a:pPr marL="457200" lvl="0" indent="-311150" algn="l" rtl="0">
-              <a:spcBef>
-                <a:spcPts val="1000"/>
-              </a:spcBef>
-              <a:spcAft>
-                <a:spcPts val="0"/>
-              </a:spcAft>
-              <a:buSzPts val="1300"/>
-              <a:buChar char="➔"/>
-            </a:pPr>
             <a:r>
-              <a:rPr lang="en"/>
-              <a:t>Note: secondary admin workflow not planned for this release.</a:t>
+              <a:rPr lang="en-US" b="0" i="0" dirty="0">
+                <a:solidFill>
+                  <a:srgbClr val="24292F"/>
+                </a:solidFill>
+                <a:effectLst/>
+                <a:latin typeface="-apple-system"/>
+              </a:rPr>
+              <a:t>, and an actual representation of the N-Butane Vol%, rather than a binary grouping prediction. This number based prediction proves more valuable in real-world operations of the process unit in question.</a:t>
             </a:r>
-            <a:endParaRPr/>
-          </a:p>
-          <a:p>
-            <a:pPr marL="0" lvl="0" indent="0" algn="l" rtl="0">
-              <a:spcBef>
-                <a:spcPts val="1000"/>
-              </a:spcBef>
-              <a:spcAft>
-                <a:spcPts val="1000"/>
-              </a:spcAft>
-              <a:buNone/>
-            </a:pPr>
-            <a:endParaRPr/>
-          </a:p>
-        </p:txBody>
-      </p:sp>
-      <p:sp>
-        <p:nvSpPr>
-          <p:cNvPr id="193" name="Google Shape;193;p25"/>
-          <p:cNvSpPr txBox="1">
-            <a:spLocks noGrp="1"/>
-          </p:cNvSpPr>
-          <p:nvPr>
-            <p:ph type="title"/>
-          </p:nvPr>
-        </p:nvSpPr>
-        <p:spPr>
-          <a:xfrm>
-            <a:off x="729450" y="1318650"/>
-            <a:ext cx="7688700" cy="535200"/>
-          </a:xfrm>
-          <a:prstGeom prst="rect">
-            <a:avLst/>
-          </a:prstGeom>
-        </p:spPr>
-        <p:txBody>
-          <a:bodyPr spcFirstLastPara="1" wrap="square" lIns="91425" tIns="91425" rIns="91425" bIns="91425" anchor="t" anchorCtr="0">
-            <a:noAutofit/>
-          </a:bodyPr>
-          <a:lstStyle/>
-          <a:p>
-            <a:pPr marL="0" lvl="0" indent="0" algn="l" rtl="0">
-              <a:spcBef>
-                <a:spcPts val="0"/>
-              </a:spcBef>
-              <a:spcAft>
-                <a:spcPts val="0"/>
-              </a:spcAft>
-              <a:buNone/>
-            </a:pPr>
-            <a:r>
-              <a:rPr lang="en" sz="3000"/>
-              <a:t>Use cases / user stories</a:t>
-            </a:r>
-            <a:endParaRPr sz="3000"/>
           </a:p>
         </p:txBody>
       </p:sp>
@@ -16250,17 +16239,9 @@
 <file path=ppt/slides/slide9.xml><?xml version="1.0" encoding="utf-8"?>
 <p:sld xmlns:a="http://schemas.openxmlformats.org/drawingml/2006/main" xmlns:r="http://schemas.openxmlformats.org/officeDocument/2006/relationships" xmlns:p="http://schemas.openxmlformats.org/presentationml/2006/main">
   <p:cSld>
-    <p:bg>
-      <p:bgPr>
-        <a:solidFill>
-          <a:schemeClr val="accent1"/>
-        </a:solidFill>
-        <a:effectLst/>
-      </p:bgPr>
-    </p:bg>
     <p:spTree>
       <p:nvGrpSpPr>
-        <p:cNvPr id="1" name="Shape 197"/>
+        <p:cNvPr id="1" name=""/>
         <p:cNvGrpSpPr/>
         <p:nvPr/>
       </p:nvGrpSpPr>
@@ -16274,8 +16255,14 @@
       </p:grpSpPr>
       <p:sp>
         <p:nvSpPr>
-          <p:cNvPr id="198" name="Google Shape;198;p26"/>
-          <p:cNvSpPr txBox="1">
+          <p:cNvPr id="2" name="Title 1">
+            <a:extLst>
+              <a:ext uri="{FF2B5EF4-FFF2-40B4-BE49-F238E27FC236}">
+                <a16:creationId xmlns:a16="http://schemas.microsoft.com/office/drawing/2014/main" id="{E90C7B4F-CFA7-75A3-80E6-2C8C5361908F}"/>
+              </a:ext>
+            </a:extLst>
+          </p:cNvPr>
+          <p:cNvSpPr>
             <a:spLocks noGrp="1"/>
           </p:cNvSpPr>
           <p:nvPr>
@@ -16284,89 +16271,90 @@
         </p:nvSpPr>
         <p:spPr>
           <a:xfrm>
-            <a:off x="729450" y="864300"/>
-            <a:ext cx="7021200" cy="674100"/>
+            <a:off x="267012" y="1728150"/>
+            <a:ext cx="4443883" cy="1687200"/>
+          </a:xfrm>
+        </p:spPr>
+        <p:txBody>
+          <a:bodyPr/>
+          <a:lstStyle/>
+          <a:p>
+            <a:r>
+              <a:rPr lang="en-US" b="1" i="0" dirty="0">
+                <a:solidFill>
+                  <a:srgbClr val="24292F"/>
+                </a:solidFill>
+                <a:effectLst/>
+                <a:latin typeface="-apple-system"/>
+              </a:rPr>
+              <a:t>Residual Plot</a:t>
+            </a:r>
+            <a:br>
+              <a:rPr lang="en-US" b="1" i="0" dirty="0">
+                <a:solidFill>
+                  <a:srgbClr val="24292F"/>
+                </a:solidFill>
+                <a:effectLst/>
+                <a:latin typeface="-apple-system"/>
+              </a:rPr>
+            </a:br>
+            <a:endParaRPr lang="en-US" dirty="0"/>
+          </a:p>
+        </p:txBody>
+      </p:sp>
+      <p:pic>
+        <p:nvPicPr>
+          <p:cNvPr id="2050" name="Picture 2">
+            <a:extLst>
+              <a:ext uri="{FF2B5EF4-FFF2-40B4-BE49-F238E27FC236}">
+                <a16:creationId xmlns:a16="http://schemas.microsoft.com/office/drawing/2014/main" id="{5AD75E22-03A0-85C6-763B-B4C8D8CA557B}"/>
+              </a:ext>
+            </a:extLst>
+          </p:cNvPr>
+          <p:cNvPicPr>
+            <a:picLocks noChangeAspect="1" noChangeArrowheads="1"/>
+          </p:cNvPicPr>
+          <p:nvPr/>
+        </p:nvPicPr>
+        <p:blipFill>
+          <a:blip r:embed="rId2">
+            <a:extLst>
+              <a:ext uri="{28A0092B-C50C-407E-A947-70E740481C1C}">
+                <a14:useLocalDpi xmlns:a14="http://schemas.microsoft.com/office/drawing/2010/main" val="0"/>
+              </a:ext>
+            </a:extLst>
+          </a:blip>
+          <a:srcRect/>
+          <a:stretch>
+            <a:fillRect/>
+          </a:stretch>
+        </p:blipFill>
+        <p:spPr bwMode="auto">
+          <a:xfrm>
+            <a:off x="4710895" y="1281112"/>
+            <a:ext cx="4543425" cy="2581275"/>
           </a:xfrm>
           <a:prstGeom prst="rect">
             <a:avLst/>
           </a:prstGeom>
+          <a:noFill/>
+          <a:extLst>
+            <a:ext uri="{909E8E84-426E-40DD-AFC4-6F175D3DCCD1}">
+              <a14:hiddenFill xmlns:a14="http://schemas.microsoft.com/office/drawing/2010/main">
+                <a:solidFill>
+                  <a:srgbClr val="FFFFFF"/>
+                </a:solidFill>
+              </a14:hiddenFill>
+            </a:ext>
+          </a:extLst>
         </p:spPr>
-        <p:txBody>
-          <a:bodyPr spcFirstLastPara="1" wrap="square" lIns="91425" tIns="91425" rIns="91425" bIns="91425" anchor="t" anchorCtr="0">
-            <a:noAutofit/>
-          </a:bodyPr>
-          <a:lstStyle/>
-          <a:p>
-            <a:pPr marL="0" lvl="0" indent="0" algn="l" rtl="0">
-              <a:spcBef>
-                <a:spcPts val="0"/>
-              </a:spcBef>
-              <a:spcAft>
-                <a:spcPts val="0"/>
-              </a:spcAft>
-              <a:buNone/>
-            </a:pPr>
-            <a:r>
-              <a:rPr lang="en"/>
-              <a:t>Assumptions</a:t>
-            </a:r>
-            <a:endParaRPr b="0"/>
-          </a:p>
-        </p:txBody>
-      </p:sp>
-      <p:sp>
-        <p:nvSpPr>
-          <p:cNvPr id="199" name="Google Shape;199;p26"/>
-          <p:cNvSpPr txBox="1">
-            <a:spLocks noGrp="1"/>
-          </p:cNvSpPr>
-          <p:nvPr>
-            <p:ph type="title"/>
-          </p:nvPr>
-        </p:nvSpPr>
-        <p:spPr>
-          <a:xfrm>
-            <a:off x="729450" y="1745716"/>
-            <a:ext cx="7021200" cy="2211600"/>
-          </a:xfrm>
-          <a:prstGeom prst="rect">
-            <a:avLst/>
-          </a:prstGeom>
-        </p:spPr>
-        <p:txBody>
-          <a:bodyPr spcFirstLastPara="1" wrap="square" lIns="91425" tIns="91425" rIns="91425" bIns="91425" anchor="t" anchorCtr="0">
-            <a:noAutofit/>
-          </a:bodyPr>
-          <a:lstStyle/>
-          <a:p>
-            <a:pPr marL="0" lvl="0" indent="0" algn="l" rtl="0">
-              <a:spcBef>
-                <a:spcPts val="0"/>
-              </a:spcBef>
-              <a:spcAft>
-                <a:spcPts val="0"/>
-              </a:spcAft>
-              <a:buNone/>
-            </a:pPr>
-            <a:r>
-              <a:rPr lang="en" sz="1600" b="0">
-                <a:latin typeface="Lato"/>
-                <a:ea typeface="Lato"/>
-                <a:cs typeface="Lato"/>
-                <a:sym typeface="Lato"/>
-              </a:rPr>
-              <a:t>State your assumptions or any unknowns here.</a:t>
-            </a:r>
-            <a:endParaRPr sz="1600" b="0">
-              <a:latin typeface="Lato"/>
-              <a:ea typeface="Lato"/>
-              <a:cs typeface="Lato"/>
-              <a:sym typeface="Lato"/>
-            </a:endParaRPr>
-          </a:p>
-        </p:txBody>
-      </p:sp>
+      </p:pic>
     </p:spTree>
+    <p:extLst>
+      <p:ext uri="{BB962C8B-B14F-4D97-AF65-F5344CB8AC3E}">
+        <p14:creationId xmlns:p14="http://schemas.microsoft.com/office/powerpoint/2010/main" val="2219049510"/>
+      </p:ext>
+    </p:extLst>
   </p:cSld>
   <p:clrMapOvr>
     <a:masterClrMapping/>

--- a/Presentation/Presentation1.pptx
+++ b/Presentation/Presentation1.pptx
@@ -5,7 +5,7 @@
     <p:sldMasterId id="2147483663" r:id="rId1"/>
   </p:sldMasterIdLst>
   <p:notesMasterIdLst>
-    <p:notesMasterId r:id="rId21"/>
+    <p:notesMasterId r:id="rId19"/>
   </p:notesMasterIdLst>
   <p:sldIdLst>
     <p:sldId id="256" r:id="rId2"/>
@@ -17,33 +17,31 @@
     <p:sldId id="276" r:id="rId8"/>
     <p:sldId id="263" r:id="rId9"/>
     <p:sldId id="275" r:id="rId10"/>
-    <p:sldId id="265" r:id="rId11"/>
-    <p:sldId id="266" r:id="rId12"/>
-    <p:sldId id="267" r:id="rId13"/>
-    <p:sldId id="268" r:id="rId14"/>
-    <p:sldId id="269" r:id="rId15"/>
-    <p:sldId id="270" r:id="rId16"/>
-    <p:sldId id="271" r:id="rId17"/>
-    <p:sldId id="272" r:id="rId18"/>
-    <p:sldId id="273" r:id="rId19"/>
-    <p:sldId id="274" r:id="rId20"/>
+    <p:sldId id="277" r:id="rId11"/>
+    <p:sldId id="265" r:id="rId12"/>
+    <p:sldId id="266" r:id="rId13"/>
+    <p:sldId id="267" r:id="rId14"/>
+    <p:sldId id="279" r:id="rId15"/>
+    <p:sldId id="273" r:id="rId16"/>
+    <p:sldId id="274" r:id="rId17"/>
+    <p:sldId id="280" r:id="rId18"/>
   </p:sldIdLst>
   <p:sldSz cx="9144000" cy="5143500" type="screen16x9"/>
   <p:notesSz cx="6858000" cy="9144000"/>
   <p:embeddedFontLst>
     <p:embeddedFont>
       <p:font typeface="Lato" panose="020F0502020204030203" pitchFamily="34" charset="0"/>
-      <p:regular r:id="rId22"/>
-      <p:bold r:id="rId23"/>
-      <p:italic r:id="rId24"/>
-      <p:boldItalic r:id="rId25"/>
+      <p:regular r:id="rId20"/>
+      <p:bold r:id="rId21"/>
+      <p:italic r:id="rId22"/>
+      <p:boldItalic r:id="rId23"/>
     </p:embeddedFont>
     <p:embeddedFont>
       <p:font typeface="Raleway" pitchFamily="2" charset="0"/>
-      <p:regular r:id="rId26"/>
-      <p:bold r:id="rId27"/>
-      <p:italic r:id="rId28"/>
-      <p:boldItalic r:id="rId29"/>
+      <p:regular r:id="rId24"/>
+      <p:bold r:id="rId25"/>
+      <p:italic r:id="rId26"/>
+      <p:boldItalic r:id="rId27"/>
     </p:embeddedFont>
   </p:embeddedFontLst>
   <p:defaultTextStyle>
@@ -868,7 +866,7 @@
         </p:nvSpPr>
         <p:spPr>
           <a:xfrm>
-            <a:off x="381300" y="685800"/>
+            <a:off x="381000" y="685800"/>
             <a:ext cx="6096000" cy="3429000"/>
           </a:xfrm>
           <a:custGeom>
@@ -948,7 +946,7 @@
   <p:cSld>
     <p:spTree>
       <p:nvGrpSpPr>
-        <p:cNvPr id="1" name="Shape 211"/>
+        <p:cNvPr id="1" name="Shape 205"/>
         <p:cNvGrpSpPr/>
         <p:nvPr/>
       </p:nvGrpSpPr>
@@ -962,7 +960,7 @@
       </p:grpSpPr>
       <p:sp>
         <p:nvSpPr>
-          <p:cNvPr id="212" name="Google Shape;212;g251622d556_0_42:notes"/>
+          <p:cNvPr id="206" name="Google Shape;206;g251622d556_0_36:notes"/>
           <p:cNvSpPr>
             <a:spLocks noGrp="1" noRot="1" noChangeAspect="1"/>
           </p:cNvSpPr>
@@ -972,7 +970,7 @@
         </p:nvSpPr>
         <p:spPr>
           <a:xfrm>
-            <a:off x="381300" y="685800"/>
+            <a:off x="381000" y="685800"/>
             <a:ext cx="6096000" cy="3429000"/>
           </a:xfrm>
           <a:custGeom>
@@ -1003,7 +1001,7 @@
       </p:sp>
       <p:sp>
         <p:nvSpPr>
-          <p:cNvPr id="213" name="Google Shape;213;g251622d556_0_42:notes"/>
+          <p:cNvPr id="207" name="Google Shape;207;g251622d556_0_36:notes"/>
           <p:cNvSpPr txBox="1">
             <a:spLocks noGrp="1"/>
           </p:cNvSpPr>
@@ -1040,6 +1038,11 @@
         </p:txBody>
       </p:sp>
     </p:spTree>
+    <p:extLst>
+      <p:ext uri="{BB962C8B-B14F-4D97-AF65-F5344CB8AC3E}">
+        <p14:creationId xmlns:p14="http://schemas.microsoft.com/office/powerpoint/2010/main" val="756741866"/>
+      </p:ext>
+    </p:extLst>
   </p:cSld>
   <p:clrMapOvr>
     <a:masterClrMapping/>
@@ -1048,422 +1051,6 @@
 </file>
 
 <file path=ppt/notesSlides/notesSlide12.xml><?xml version="1.0" encoding="utf-8"?>
-<p:notes xmlns:a="http://schemas.openxmlformats.org/drawingml/2006/main" xmlns:r="http://schemas.openxmlformats.org/officeDocument/2006/relationships" xmlns:p="http://schemas.openxmlformats.org/presentationml/2006/main" showMasterSp="0" showMasterPhAnim="0">
-  <p:cSld>
-    <p:spTree>
-      <p:nvGrpSpPr>
-        <p:cNvPr id="1" name="Shape 217"/>
-        <p:cNvGrpSpPr/>
-        <p:nvPr/>
-      </p:nvGrpSpPr>
-      <p:grpSpPr>
-        <a:xfrm>
-          <a:off x="0" y="0"/>
-          <a:ext cx="0" cy="0"/>
-          <a:chOff x="0" y="0"/>
-          <a:chExt cx="0" cy="0"/>
-        </a:xfrm>
-      </p:grpSpPr>
-      <p:sp>
-        <p:nvSpPr>
-          <p:cNvPr id="218" name="Google Shape;218;g1d9c67055b_0_120:notes"/>
-          <p:cNvSpPr>
-            <a:spLocks noGrp="1" noRot="1" noChangeAspect="1"/>
-          </p:cNvSpPr>
-          <p:nvPr>
-            <p:ph type="sldImg" idx="2"/>
-          </p:nvPr>
-        </p:nvSpPr>
-        <p:spPr>
-          <a:xfrm>
-            <a:off x="381300" y="685800"/>
-            <a:ext cx="6096000" cy="3429000"/>
-          </a:xfrm>
-          <a:custGeom>
-            <a:avLst/>
-            <a:gdLst/>
-            <a:ahLst/>
-            <a:cxnLst/>
-            <a:rect l="l" t="t" r="r" b="b"/>
-            <a:pathLst>
-              <a:path w="120000" h="120000" extrusionOk="0">
-                <a:moveTo>
-                  <a:pt x="0" y="0"/>
-                </a:moveTo>
-                <a:lnTo>
-                  <a:pt x="120000" y="0"/>
-                </a:lnTo>
-                <a:lnTo>
-                  <a:pt x="120000" y="120000"/>
-                </a:lnTo>
-                <a:lnTo>
-                  <a:pt x="0" y="120000"/>
-                </a:lnTo>
-                <a:close/>
-              </a:path>
-            </a:pathLst>
-          </a:custGeom>
-        </p:spPr>
-      </p:sp>
-      <p:sp>
-        <p:nvSpPr>
-          <p:cNvPr id="219" name="Google Shape;219;g1d9c67055b_0_120:notes"/>
-          <p:cNvSpPr txBox="1">
-            <a:spLocks noGrp="1"/>
-          </p:cNvSpPr>
-          <p:nvPr>
-            <p:ph type="body" idx="1"/>
-          </p:nvPr>
-        </p:nvSpPr>
-        <p:spPr>
-          <a:xfrm>
-            <a:off x="685800" y="4343400"/>
-            <a:ext cx="5486400" cy="4114800"/>
-          </a:xfrm>
-          <a:prstGeom prst="rect">
-            <a:avLst/>
-          </a:prstGeom>
-        </p:spPr>
-        <p:txBody>
-          <a:bodyPr spcFirstLastPara="1" wrap="square" lIns="91425" tIns="91425" rIns="91425" bIns="91425" anchor="t" anchorCtr="0">
-            <a:noAutofit/>
-          </a:bodyPr>
-          <a:lstStyle/>
-          <a:p>
-            <a:pPr marL="0" lvl="0" indent="0" algn="l" rtl="0">
-              <a:spcBef>
-                <a:spcPts val="0"/>
-              </a:spcBef>
-              <a:spcAft>
-                <a:spcPts val="0"/>
-              </a:spcAft>
-              <a:buNone/>
-            </a:pPr>
-            <a:endParaRPr/>
-          </a:p>
-        </p:txBody>
-      </p:sp>
-    </p:spTree>
-  </p:cSld>
-  <p:clrMapOvr>
-    <a:masterClrMapping/>
-  </p:clrMapOvr>
-</p:notes>
-</file>
-
-<file path=ppt/notesSlides/notesSlide13.xml><?xml version="1.0" encoding="utf-8"?>
-<p:notes xmlns:a="http://schemas.openxmlformats.org/drawingml/2006/main" xmlns:r="http://schemas.openxmlformats.org/officeDocument/2006/relationships" xmlns:p="http://schemas.openxmlformats.org/presentationml/2006/main" showMasterSp="0" showMasterPhAnim="0">
-  <p:cSld>
-    <p:spTree>
-      <p:nvGrpSpPr>
-        <p:cNvPr id="1" name="Shape 222"/>
-        <p:cNvGrpSpPr/>
-        <p:nvPr/>
-      </p:nvGrpSpPr>
-      <p:grpSpPr>
-        <a:xfrm>
-          <a:off x="0" y="0"/>
-          <a:ext cx="0" cy="0"/>
-          <a:chOff x="0" y="0"/>
-          <a:chExt cx="0" cy="0"/>
-        </a:xfrm>
-      </p:grpSpPr>
-      <p:sp>
-        <p:nvSpPr>
-          <p:cNvPr id="223" name="Google Shape;223;g1d9c67055b_0_167:notes"/>
-          <p:cNvSpPr>
-            <a:spLocks noGrp="1" noRot="1" noChangeAspect="1"/>
-          </p:cNvSpPr>
-          <p:nvPr>
-            <p:ph type="sldImg" idx="2"/>
-          </p:nvPr>
-        </p:nvSpPr>
-        <p:spPr>
-          <a:xfrm>
-            <a:off x="381300" y="685800"/>
-            <a:ext cx="6096000" cy="3429000"/>
-          </a:xfrm>
-          <a:custGeom>
-            <a:avLst/>
-            <a:gdLst/>
-            <a:ahLst/>
-            <a:cxnLst/>
-            <a:rect l="l" t="t" r="r" b="b"/>
-            <a:pathLst>
-              <a:path w="120000" h="120000" extrusionOk="0">
-                <a:moveTo>
-                  <a:pt x="0" y="0"/>
-                </a:moveTo>
-                <a:lnTo>
-                  <a:pt x="120000" y="0"/>
-                </a:lnTo>
-                <a:lnTo>
-                  <a:pt x="120000" y="120000"/>
-                </a:lnTo>
-                <a:lnTo>
-                  <a:pt x="0" y="120000"/>
-                </a:lnTo>
-                <a:close/>
-              </a:path>
-            </a:pathLst>
-          </a:custGeom>
-        </p:spPr>
-      </p:sp>
-      <p:sp>
-        <p:nvSpPr>
-          <p:cNvPr id="224" name="Google Shape;224;g1d9c67055b_0_167:notes"/>
-          <p:cNvSpPr txBox="1">
-            <a:spLocks noGrp="1"/>
-          </p:cNvSpPr>
-          <p:nvPr>
-            <p:ph type="body" idx="1"/>
-          </p:nvPr>
-        </p:nvSpPr>
-        <p:spPr>
-          <a:xfrm>
-            <a:off x="685800" y="4343400"/>
-            <a:ext cx="5486400" cy="4114800"/>
-          </a:xfrm>
-          <a:prstGeom prst="rect">
-            <a:avLst/>
-          </a:prstGeom>
-        </p:spPr>
-        <p:txBody>
-          <a:bodyPr spcFirstLastPara="1" wrap="square" lIns="91425" tIns="91425" rIns="91425" bIns="91425" anchor="t" anchorCtr="0">
-            <a:noAutofit/>
-          </a:bodyPr>
-          <a:lstStyle/>
-          <a:p>
-            <a:pPr marL="0" lvl="0" indent="0" algn="l" rtl="0">
-              <a:spcBef>
-                <a:spcPts val="0"/>
-              </a:spcBef>
-              <a:spcAft>
-                <a:spcPts val="0"/>
-              </a:spcAft>
-              <a:buNone/>
-            </a:pPr>
-            <a:endParaRPr/>
-          </a:p>
-        </p:txBody>
-      </p:sp>
-    </p:spTree>
-  </p:cSld>
-  <p:clrMapOvr>
-    <a:masterClrMapping/>
-  </p:clrMapOvr>
-</p:notes>
-</file>
-
-<file path=ppt/notesSlides/notesSlide14.xml><?xml version="1.0" encoding="utf-8"?>
-<p:notes xmlns:a="http://schemas.openxmlformats.org/drawingml/2006/main" xmlns:r="http://schemas.openxmlformats.org/officeDocument/2006/relationships" xmlns:p="http://schemas.openxmlformats.org/presentationml/2006/main" showMasterSp="0" showMasterPhAnim="0">
-  <p:cSld>
-    <p:spTree>
-      <p:nvGrpSpPr>
-        <p:cNvPr id="1" name="Shape 227"/>
-        <p:cNvGrpSpPr/>
-        <p:nvPr/>
-      </p:nvGrpSpPr>
-      <p:grpSpPr>
-        <a:xfrm>
-          <a:off x="0" y="0"/>
-          <a:ext cx="0" cy="0"/>
-          <a:chOff x="0" y="0"/>
-          <a:chExt cx="0" cy="0"/>
-        </a:xfrm>
-      </p:grpSpPr>
-      <p:sp>
-        <p:nvSpPr>
-          <p:cNvPr id="228" name="Google Shape;228;g251e213838_1_2:notes"/>
-          <p:cNvSpPr>
-            <a:spLocks noGrp="1" noRot="1" noChangeAspect="1"/>
-          </p:cNvSpPr>
-          <p:nvPr>
-            <p:ph type="sldImg" idx="2"/>
-          </p:nvPr>
-        </p:nvSpPr>
-        <p:spPr>
-          <a:xfrm>
-            <a:off x="381300" y="685800"/>
-            <a:ext cx="6096000" cy="3429000"/>
-          </a:xfrm>
-          <a:custGeom>
-            <a:avLst/>
-            <a:gdLst/>
-            <a:ahLst/>
-            <a:cxnLst/>
-            <a:rect l="l" t="t" r="r" b="b"/>
-            <a:pathLst>
-              <a:path w="120000" h="120000" extrusionOk="0">
-                <a:moveTo>
-                  <a:pt x="0" y="0"/>
-                </a:moveTo>
-                <a:lnTo>
-                  <a:pt x="120000" y="0"/>
-                </a:lnTo>
-                <a:lnTo>
-                  <a:pt x="120000" y="120000"/>
-                </a:lnTo>
-                <a:lnTo>
-                  <a:pt x="0" y="120000"/>
-                </a:lnTo>
-                <a:close/>
-              </a:path>
-            </a:pathLst>
-          </a:custGeom>
-        </p:spPr>
-      </p:sp>
-      <p:sp>
-        <p:nvSpPr>
-          <p:cNvPr id="229" name="Google Shape;229;g251e213838_1_2:notes"/>
-          <p:cNvSpPr txBox="1">
-            <a:spLocks noGrp="1"/>
-          </p:cNvSpPr>
-          <p:nvPr>
-            <p:ph type="body" idx="1"/>
-          </p:nvPr>
-        </p:nvSpPr>
-        <p:spPr>
-          <a:xfrm>
-            <a:off x="685800" y="4343400"/>
-            <a:ext cx="5486400" cy="4114800"/>
-          </a:xfrm>
-          <a:prstGeom prst="rect">
-            <a:avLst/>
-          </a:prstGeom>
-        </p:spPr>
-        <p:txBody>
-          <a:bodyPr spcFirstLastPara="1" wrap="square" lIns="91425" tIns="91425" rIns="91425" bIns="91425" anchor="t" anchorCtr="0">
-            <a:noAutofit/>
-          </a:bodyPr>
-          <a:lstStyle/>
-          <a:p>
-            <a:pPr marL="0" lvl="0" indent="0" algn="l" rtl="0">
-              <a:spcBef>
-                <a:spcPts val="0"/>
-              </a:spcBef>
-              <a:spcAft>
-                <a:spcPts val="0"/>
-              </a:spcAft>
-              <a:buNone/>
-            </a:pPr>
-            <a:endParaRPr/>
-          </a:p>
-        </p:txBody>
-      </p:sp>
-    </p:spTree>
-  </p:cSld>
-  <p:clrMapOvr>
-    <a:masterClrMapping/>
-  </p:clrMapOvr>
-</p:notes>
-</file>
-
-<file path=ppt/notesSlides/notesSlide15.xml><?xml version="1.0" encoding="utf-8"?>
-<p:notes xmlns:a="http://schemas.openxmlformats.org/drawingml/2006/main" xmlns:r="http://schemas.openxmlformats.org/officeDocument/2006/relationships" xmlns:p="http://schemas.openxmlformats.org/presentationml/2006/main" showMasterSp="0" showMasterPhAnim="0">
-  <p:cSld>
-    <p:spTree>
-      <p:nvGrpSpPr>
-        <p:cNvPr id="1" name="Shape 233"/>
-        <p:cNvGrpSpPr/>
-        <p:nvPr/>
-      </p:nvGrpSpPr>
-      <p:grpSpPr>
-        <a:xfrm>
-          <a:off x="0" y="0"/>
-          <a:ext cx="0" cy="0"/>
-          <a:chOff x="0" y="0"/>
-          <a:chExt cx="0" cy="0"/>
-        </a:xfrm>
-      </p:grpSpPr>
-      <p:sp>
-        <p:nvSpPr>
-          <p:cNvPr id="234" name="Google Shape;234;g246ee7dff8_1_5:notes"/>
-          <p:cNvSpPr>
-            <a:spLocks noGrp="1" noRot="1" noChangeAspect="1"/>
-          </p:cNvSpPr>
-          <p:nvPr>
-            <p:ph type="sldImg" idx="2"/>
-          </p:nvPr>
-        </p:nvSpPr>
-        <p:spPr>
-          <a:xfrm>
-            <a:off x="381300" y="685800"/>
-            <a:ext cx="6096000" cy="3429000"/>
-          </a:xfrm>
-          <a:custGeom>
-            <a:avLst/>
-            <a:gdLst/>
-            <a:ahLst/>
-            <a:cxnLst/>
-            <a:rect l="l" t="t" r="r" b="b"/>
-            <a:pathLst>
-              <a:path w="120000" h="120000" extrusionOk="0">
-                <a:moveTo>
-                  <a:pt x="0" y="0"/>
-                </a:moveTo>
-                <a:lnTo>
-                  <a:pt x="120000" y="0"/>
-                </a:lnTo>
-                <a:lnTo>
-                  <a:pt x="120000" y="120000"/>
-                </a:lnTo>
-                <a:lnTo>
-                  <a:pt x="0" y="120000"/>
-                </a:lnTo>
-                <a:close/>
-              </a:path>
-            </a:pathLst>
-          </a:custGeom>
-        </p:spPr>
-      </p:sp>
-      <p:sp>
-        <p:nvSpPr>
-          <p:cNvPr id="235" name="Google Shape;235;g246ee7dff8_1_5:notes"/>
-          <p:cNvSpPr txBox="1">
-            <a:spLocks noGrp="1"/>
-          </p:cNvSpPr>
-          <p:nvPr>
-            <p:ph type="body" idx="1"/>
-          </p:nvPr>
-        </p:nvSpPr>
-        <p:spPr>
-          <a:xfrm>
-            <a:off x="685800" y="4343400"/>
-            <a:ext cx="5486400" cy="4114800"/>
-          </a:xfrm>
-          <a:prstGeom prst="rect">
-            <a:avLst/>
-          </a:prstGeom>
-        </p:spPr>
-        <p:txBody>
-          <a:bodyPr spcFirstLastPara="1" wrap="square" lIns="91425" tIns="91425" rIns="91425" bIns="91425" anchor="t" anchorCtr="0">
-            <a:noAutofit/>
-          </a:bodyPr>
-          <a:lstStyle/>
-          <a:p>
-            <a:pPr marL="0" lvl="0" indent="0" algn="l" rtl="0">
-              <a:spcBef>
-                <a:spcPts val="0"/>
-              </a:spcBef>
-              <a:spcAft>
-                <a:spcPts val="0"/>
-              </a:spcAft>
-              <a:buNone/>
-            </a:pPr>
-            <a:endParaRPr/>
-          </a:p>
-        </p:txBody>
-      </p:sp>
-    </p:spTree>
-  </p:cSld>
-  <p:clrMapOvr>
-    <a:masterClrMapping/>
-  </p:clrMapOvr>
-</p:notes>
-</file>
-
-<file path=ppt/notesSlides/notesSlide16.xml><?xml version="1.0" encoding="utf-8"?>
 <p:notes xmlns:a="http://schemas.openxmlformats.org/drawingml/2006/main" xmlns:r="http://schemas.openxmlformats.org/officeDocument/2006/relationships" xmlns:p="http://schemas.openxmlformats.org/presentationml/2006/main" showMasterSp="0" showMasterPhAnim="0">
   <p:cSld>
     <p:spTree>
@@ -1567,7 +1154,7 @@
 </p:notes>
 </file>
 
-<file path=ppt/notesSlides/notesSlide17.xml><?xml version="1.0" encoding="utf-8"?>
+<file path=ppt/notesSlides/notesSlide13.xml><?xml version="1.0" encoding="utf-8"?>
 <p:notes xmlns:a="http://schemas.openxmlformats.org/drawingml/2006/main" xmlns:r="http://schemas.openxmlformats.org/officeDocument/2006/relationships" xmlns:p="http://schemas.openxmlformats.org/presentationml/2006/main" showMasterSp="0" showMasterPhAnim="0">
   <p:cSld>
     <p:spTree>
@@ -1596,7 +1183,7 @@
         </p:nvSpPr>
         <p:spPr>
           <a:xfrm>
-            <a:off x="381300" y="685800"/>
+            <a:off x="381000" y="685800"/>
             <a:ext cx="6096000" cy="3429000"/>
           </a:xfrm>
           <a:custGeom>
@@ -2324,7 +1911,7 @@
         </p:nvSpPr>
         <p:spPr>
           <a:xfrm>
-            <a:off x="381300" y="685800"/>
+            <a:off x="381000" y="685800"/>
             <a:ext cx="6096000" cy="3429000"/>
           </a:xfrm>
           <a:custGeom>
@@ -2428,7 +2015,7 @@
         </p:nvSpPr>
         <p:spPr>
           <a:xfrm>
-            <a:off x="381300" y="685800"/>
+            <a:off x="381000" y="685800"/>
             <a:ext cx="6096000" cy="3429000"/>
           </a:xfrm>
           <a:custGeom>
@@ -12267,6 +11854,123 @@
 <file path=ppt/slides/slide10.xml><?xml version="1.0" encoding="utf-8"?>
 <p:sld xmlns:a="http://schemas.openxmlformats.org/drawingml/2006/main" xmlns:r="http://schemas.openxmlformats.org/officeDocument/2006/relationships" xmlns:p="http://schemas.openxmlformats.org/presentationml/2006/main">
   <p:cSld>
+    <p:spTree>
+      <p:nvGrpSpPr>
+        <p:cNvPr id="1" name=""/>
+        <p:cNvGrpSpPr/>
+        <p:nvPr/>
+      </p:nvGrpSpPr>
+      <p:grpSpPr>
+        <a:xfrm>
+          <a:off x="0" y="0"/>
+          <a:ext cx="0" cy="0"/>
+          <a:chOff x="0" y="0"/>
+          <a:chExt cx="0" cy="0"/>
+        </a:xfrm>
+      </p:grpSpPr>
+      <p:sp>
+        <p:nvSpPr>
+          <p:cNvPr id="2" name="Title 1">
+            <a:extLst>
+              <a:ext uri="{FF2B5EF4-FFF2-40B4-BE49-F238E27FC236}">
+                <a16:creationId xmlns:a16="http://schemas.microsoft.com/office/drawing/2014/main" id="{E90C7B4F-CFA7-75A3-80E6-2C8C5361908F}"/>
+              </a:ext>
+            </a:extLst>
+          </p:cNvPr>
+          <p:cNvSpPr>
+            <a:spLocks noGrp="1"/>
+          </p:cNvSpPr>
+          <p:nvPr>
+            <p:ph type="title"/>
+          </p:nvPr>
+        </p:nvSpPr>
+        <p:spPr>
+          <a:xfrm>
+            <a:off x="741575" y="628557"/>
+            <a:ext cx="5751823" cy="1687200"/>
+          </a:xfrm>
+        </p:spPr>
+        <p:txBody>
+          <a:bodyPr/>
+          <a:lstStyle/>
+          <a:p>
+            <a:pPr algn="l"/>
+            <a:r>
+              <a:rPr lang="en-US" b="1" i="0" dirty="0">
+                <a:solidFill>
+                  <a:srgbClr val="24292F"/>
+                </a:solidFill>
+                <a:effectLst/>
+                <a:latin typeface="-apple-system"/>
+              </a:rPr>
+              <a:t>Real Time Model Performance</a:t>
+            </a:r>
+          </a:p>
+        </p:txBody>
+      </p:sp>
+      <p:pic>
+        <p:nvPicPr>
+          <p:cNvPr id="1026" name="Picture 2">
+            <a:extLst>
+              <a:ext uri="{FF2B5EF4-FFF2-40B4-BE49-F238E27FC236}">
+                <a16:creationId xmlns:a16="http://schemas.microsoft.com/office/drawing/2014/main" id="{B8DE74E4-52EF-322A-115A-AC5BA916DA8F}"/>
+              </a:ext>
+            </a:extLst>
+          </p:cNvPr>
+          <p:cNvPicPr>
+            <a:picLocks noChangeAspect="1" noChangeArrowheads="1"/>
+          </p:cNvPicPr>
+          <p:nvPr/>
+        </p:nvPicPr>
+        <p:blipFill>
+          <a:blip r:embed="rId2">
+            <a:extLst>
+              <a:ext uri="{28A0092B-C50C-407E-A947-70E740481C1C}">
+                <a14:useLocalDpi xmlns:a14="http://schemas.microsoft.com/office/drawing/2010/main" val="0"/>
+              </a:ext>
+            </a:extLst>
+          </a:blip>
+          <a:srcRect/>
+          <a:stretch>
+            <a:fillRect/>
+          </a:stretch>
+        </p:blipFill>
+        <p:spPr bwMode="auto">
+          <a:xfrm>
+            <a:off x="1274089" y="1829437"/>
+            <a:ext cx="6595822" cy="3171825"/>
+          </a:xfrm>
+          <a:prstGeom prst="rect">
+            <a:avLst/>
+          </a:prstGeom>
+          <a:noFill/>
+          <a:extLst>
+            <a:ext uri="{909E8E84-426E-40DD-AFC4-6F175D3DCCD1}">
+              <a14:hiddenFill xmlns:a14="http://schemas.microsoft.com/office/drawing/2010/main">
+                <a:solidFill>
+                  <a:srgbClr val="FFFFFF"/>
+                </a:solidFill>
+              </a14:hiddenFill>
+            </a:ext>
+          </a:extLst>
+        </p:spPr>
+      </p:pic>
+    </p:spTree>
+    <p:extLst>
+      <p:ext uri="{BB962C8B-B14F-4D97-AF65-F5344CB8AC3E}">
+        <p14:creationId xmlns:p14="http://schemas.microsoft.com/office/powerpoint/2010/main" val="2193746576"/>
+      </p:ext>
+    </p:extLst>
+  </p:cSld>
+  <p:clrMapOvr>
+    <a:masterClrMapping/>
+  </p:clrMapOvr>
+</p:sld>
+</file>
+
+<file path=ppt/slides/slide11.xml><?xml version="1.0" encoding="utf-8"?>
+<p:sld xmlns:a="http://schemas.openxmlformats.org/drawingml/2006/main" xmlns:r="http://schemas.openxmlformats.org/officeDocument/2006/relationships" xmlns:p="http://schemas.openxmlformats.org/presentationml/2006/main">
+  <p:cSld>
     <p:bg>
       <p:bgPr>
         <a:solidFill>
@@ -12324,10 +12028,9 @@
               <a:buNone/>
             </a:pPr>
             <a:r>
-              <a:rPr lang="en"/>
-              <a:t>Assumptions</a:t>
+              <a:rPr lang="en-US" b="0" dirty="0"/>
+              <a:t>Conclusion</a:t>
             </a:r>
-            <a:endParaRPr b="0"/>
           </a:p>
         </p:txBody>
       </p:sp>
@@ -12343,7 +12046,7 @@
         </p:nvSpPr>
         <p:spPr>
           <a:xfrm>
-            <a:off x="729450" y="1745716"/>
+            <a:off x="729450" y="1538400"/>
             <a:ext cx="7021200" cy="2211600"/>
           </a:xfrm>
           <a:prstGeom prst="rect">
@@ -12356,7 +12059,7 @@
           </a:bodyPr>
           <a:lstStyle/>
           <a:p>
-            <a:pPr marL="0" lvl="0" indent="0" algn="l" rtl="0">
+            <a:pPr marL="0" lvl="0" indent="0" algn="just" rtl="0">
               <a:spcBef>
                 <a:spcPts val="0"/>
               </a:spcBef>
@@ -12366,15 +12069,99 @@
               <a:buNone/>
             </a:pPr>
             <a:r>
-              <a:rPr lang="en" sz="1600" b="0">
-                <a:latin typeface="Lato"/>
-                <a:ea typeface="Lato"/>
-                <a:cs typeface="Lato"/>
-                <a:sym typeface="Lato"/>
+              <a:rPr lang="en-US" sz="1800" b="0" i="0" dirty="0">
+                <a:solidFill>
+                  <a:schemeClr val="bg1"/>
+                </a:solidFill>
+                <a:effectLst/>
+                <a:latin typeface="-apple-system"/>
               </a:rPr>
-              <a:t>State your assumptions or any unknowns here.</a:t>
+              <a:t>In conclusion, there is certainly limitations to the model. While it does not predict the N-Butane Vol% exactly, it does seem to trend the general direction of the N-Butane Vol%, and generally predicts this figure within 2-5 Vol% points. In fact, the larger </a:t>
             </a:r>
-            <a:endParaRPr sz="1600" b="0">
+            <a:r>
+              <a:rPr lang="en-US" sz="1800" b="0" i="0" dirty="0" err="1">
+                <a:solidFill>
+                  <a:schemeClr val="bg1"/>
+                </a:solidFill>
+                <a:effectLst/>
+                <a:latin typeface="-apple-system"/>
+              </a:rPr>
+              <a:t>descrepancies</a:t>
+            </a:r>
+            <a:r>
+              <a:rPr lang="en-US" sz="1800" b="0" i="0" dirty="0">
+                <a:solidFill>
+                  <a:schemeClr val="bg1"/>
+                </a:solidFill>
+                <a:effectLst/>
+                <a:latin typeface="-apple-system"/>
+              </a:rPr>
+              <a:t> between actual and predicted seem to occur when certain temperature and flow </a:t>
+            </a:r>
+            <a:r>
+              <a:rPr lang="en-US" sz="1800" b="0" i="0" dirty="0" err="1">
+                <a:solidFill>
+                  <a:schemeClr val="bg1"/>
+                </a:solidFill>
+                <a:effectLst/>
+                <a:latin typeface="-apple-system"/>
+              </a:rPr>
+              <a:t>measurments</a:t>
+            </a:r>
+            <a:r>
+              <a:rPr lang="en-US" sz="1800" b="0" i="0" dirty="0">
+                <a:solidFill>
+                  <a:schemeClr val="bg1"/>
+                </a:solidFill>
+                <a:effectLst/>
+                <a:latin typeface="-apple-system"/>
+              </a:rPr>
+              <a:t> were zero, which indicates either process upset or </a:t>
+            </a:r>
+            <a:r>
+              <a:rPr lang="en-US" sz="1800" b="0" i="0" dirty="0" err="1">
+                <a:solidFill>
+                  <a:schemeClr val="bg1"/>
+                </a:solidFill>
+                <a:effectLst/>
+                <a:latin typeface="-apple-system"/>
+              </a:rPr>
+              <a:t>instument</a:t>
+            </a:r>
+            <a:r>
+              <a:rPr lang="en-US" sz="1800" b="0" i="0" dirty="0">
+                <a:solidFill>
+                  <a:schemeClr val="bg1"/>
+                </a:solidFill>
+                <a:effectLst/>
+                <a:latin typeface="-apple-system"/>
+              </a:rPr>
+              <a:t> error. By only allowing the prediction to occur when all input data streams are within normal operating conditions, performance is </a:t>
+            </a:r>
+            <a:r>
+              <a:rPr lang="en-US" sz="1800" b="0" i="0" dirty="0" err="1">
+                <a:solidFill>
+                  <a:schemeClr val="bg1"/>
+                </a:solidFill>
+                <a:effectLst/>
+                <a:latin typeface="-apple-system"/>
+              </a:rPr>
+              <a:t>likly</a:t>
+            </a:r>
+            <a:r>
+              <a:rPr lang="en-US" sz="1800" b="0" i="0" dirty="0">
+                <a:solidFill>
+                  <a:schemeClr val="bg1"/>
+                </a:solidFill>
+                <a:effectLst/>
+                <a:latin typeface="-apple-system"/>
+              </a:rPr>
+              <a:t> to improve.</a:t>
+            </a:r>
+            <a:endParaRPr sz="3200" b="0" dirty="0">
+              <a:solidFill>
+                <a:schemeClr val="bg1"/>
+              </a:solidFill>
               <a:latin typeface="Lato"/>
               <a:ea typeface="Lato"/>
               <a:cs typeface="Lato"/>
@@ -12391,7 +12178,7 @@
 </p:sld>
 </file>
 
-<file path=ppt/slides/slide11.xml><?xml version="1.0" encoding="utf-8"?>
+<file path=ppt/slides/slide12.xml><?xml version="1.0" encoding="utf-8"?>
 <p:sld xmlns:a="http://schemas.openxmlformats.org/drawingml/2006/main" xmlns:r="http://schemas.openxmlformats.org/officeDocument/2006/relationships" xmlns:p="http://schemas.openxmlformats.org/presentationml/2006/main">
   <p:cSld>
     <p:bg>
@@ -12428,7 +12215,7 @@
         </p:nvSpPr>
         <p:spPr>
           <a:xfrm>
-            <a:off x="729450" y="1322450"/>
+            <a:off x="727800" y="500647"/>
             <a:ext cx="7688400" cy="1518600"/>
           </a:xfrm>
           <a:prstGeom prst="rect">
@@ -12451,13 +12238,59 @@
               <a:buNone/>
             </a:pPr>
             <a:r>
-              <a:rPr lang="en"/>
-              <a:t>Solution Proposal</a:t>
+              <a:rPr lang="en-US" dirty="0"/>
+              <a:t>SQL Diagram</a:t>
             </a:r>
-            <a:endParaRPr/>
           </a:p>
         </p:txBody>
       </p:sp>
+      <p:pic>
+        <p:nvPicPr>
+          <p:cNvPr id="2050" name="Picture 2">
+            <a:extLst>
+              <a:ext uri="{FF2B5EF4-FFF2-40B4-BE49-F238E27FC236}">
+                <a16:creationId xmlns:a16="http://schemas.microsoft.com/office/drawing/2014/main" id="{A824DAC3-217C-10BF-9A51-26BA96DBF80D}"/>
+              </a:ext>
+            </a:extLst>
+          </p:cNvPr>
+          <p:cNvPicPr>
+            <a:picLocks noChangeAspect="1" noChangeArrowheads="1"/>
+          </p:cNvPicPr>
+          <p:nvPr/>
+        </p:nvPicPr>
+        <p:blipFill>
+          <a:blip r:embed="rId3">
+            <a:extLst>
+              <a:ext uri="{28A0092B-C50C-407E-A947-70E740481C1C}">
+                <a14:useLocalDpi xmlns:a14="http://schemas.microsoft.com/office/drawing/2010/main" val="0"/>
+              </a:ext>
+            </a:extLst>
+          </a:blip>
+          <a:srcRect/>
+          <a:stretch>
+            <a:fillRect/>
+          </a:stretch>
+        </p:blipFill>
+        <p:spPr bwMode="auto">
+          <a:xfrm>
+            <a:off x="3391383" y="390603"/>
+            <a:ext cx="4813420" cy="4564766"/>
+          </a:xfrm>
+          <a:prstGeom prst="rect">
+            <a:avLst/>
+          </a:prstGeom>
+          <a:noFill/>
+          <a:extLst>
+            <a:ext uri="{909E8E84-426E-40DD-AFC4-6F175D3DCCD1}">
+              <a14:hiddenFill xmlns:a14="http://schemas.microsoft.com/office/drawing/2010/main">
+                <a:solidFill>
+                  <a:srgbClr val="FFFFFF"/>
+                </a:solidFill>
+              </a14:hiddenFill>
+            </a:ext>
+          </a:extLst>
+        </p:spPr>
+      </p:pic>
     </p:spTree>
   </p:cSld>
   <p:clrMapOvr>
@@ -12466,7 +12299,7 @@
 </p:sld>
 </file>
 
-<file path=ppt/slides/slide12.xml><?xml version="1.0" encoding="utf-8"?>
+<file path=ppt/slides/slide13.xml><?xml version="1.0" encoding="utf-8"?>
 <p:sld xmlns:a="http://schemas.openxmlformats.org/drawingml/2006/main" xmlns:r="http://schemas.openxmlformats.org/officeDocument/2006/relationships" xmlns:p="http://schemas.openxmlformats.org/presentationml/2006/main">
   <p:cSld>
     <p:spTree>
@@ -12508,20 +12341,17 @@
           </a:bodyPr>
           <a:lstStyle/>
           <a:p>
-            <a:pPr marL="0" lvl="0" indent="0" algn="l" rtl="0">
-              <a:spcBef>
-                <a:spcPts val="0"/>
-              </a:spcBef>
-              <a:spcAft>
-                <a:spcPts val="0"/>
-              </a:spcAft>
-              <a:buNone/>
-            </a:pPr>
+            <a:pPr algn="l"/>
             <a:r>
-              <a:rPr lang="en"/>
-              <a:t>Solution description</a:t>
+              <a:rPr lang="en-US" b="1" i="0" dirty="0">
+                <a:solidFill>
+                  <a:srgbClr val="24292F"/>
+                </a:solidFill>
+                <a:effectLst/>
+                <a:latin typeface="-apple-system"/>
+              </a:rPr>
+              <a:t>EDA Process</a:t>
             </a:r>
-            <a:endParaRPr/>
           </a:p>
         </p:txBody>
       </p:sp>
@@ -12550,23 +12380,100 @@
           </a:bodyPr>
           <a:lstStyle/>
           <a:p>
-            <a:pPr marL="0" lvl="0" indent="0" algn="l" rtl="0">
-              <a:lnSpc>
-                <a:spcPct val="150000"/>
-              </a:lnSpc>
-              <a:spcBef>
-                <a:spcPts val="0"/>
-              </a:spcBef>
-              <a:spcAft>
-                <a:spcPts val="1600"/>
-              </a:spcAft>
+            <a:pPr marL="146050" indent="0" algn="l">
               <a:buNone/>
             </a:pPr>
             <a:r>
-              <a:rPr lang="en"/>
-              <a:t>Now that you’ve justified your attention to the problem, summarize your solution in one or two sentences.</a:t>
+              <a:rPr lang="en-US" b="0" i="0" dirty="0">
+                <a:solidFill>
+                  <a:srgbClr val="24292F"/>
+                </a:solidFill>
+                <a:effectLst/>
+                <a:latin typeface="-apple-system"/>
+              </a:rPr>
+              <a:t>The exploratory data analysis process began with checking the raw data for non-numerical values. We found that there were a few text strings: "Bad", "Bad Input", "Error", and "I/O Timeout". All values across the datasets were object types, and we wanted to convert those to float types. The text strings were preventing the whole dataset from being converted with minimal code. So, we replaced these text strings with </a:t>
             </a:r>
-            <a:endParaRPr/>
+            <a:r>
+              <a:rPr lang="en-US" b="0" i="0" dirty="0" err="1">
+                <a:solidFill>
+                  <a:srgbClr val="24292F"/>
+                </a:solidFill>
+                <a:effectLst/>
+                <a:latin typeface="-apple-system"/>
+              </a:rPr>
+              <a:t>NaN</a:t>
+            </a:r>
+            <a:r>
+              <a:rPr lang="en-US" b="0" i="0" dirty="0">
+                <a:solidFill>
+                  <a:srgbClr val="24292F"/>
+                </a:solidFill>
+                <a:effectLst/>
+                <a:latin typeface="-apple-system"/>
+              </a:rPr>
+              <a:t> values, and dropped them. Then we did a full conversion, and generated summary statistics to get an idea of the spread of the data values. We noted multiple values that made no sense (like percent values that fell outside 0-100) and marked them for removal.</a:t>
+            </a:r>
+          </a:p>
+          <a:p>
+            <a:pPr marL="146050" indent="0" algn="l">
+              <a:buNone/>
+            </a:pPr>
+            <a:r>
+              <a:rPr lang="en-US" b="0" i="0" dirty="0">
+                <a:solidFill>
+                  <a:srgbClr val="24292F"/>
+                </a:solidFill>
+                <a:effectLst/>
+                <a:latin typeface="-apple-system"/>
+              </a:rPr>
+              <a:t>We also went ahead and calculated some feature </a:t>
+            </a:r>
+            <a:r>
+              <a:rPr lang="en-US" b="0" i="0" dirty="0" err="1">
+                <a:solidFill>
+                  <a:srgbClr val="24292F"/>
+                </a:solidFill>
+                <a:effectLst/>
+                <a:latin typeface="-apple-system"/>
+              </a:rPr>
+              <a:t>importances</a:t>
+            </a:r>
+            <a:r>
+              <a:rPr lang="en-US" b="0" i="0" dirty="0">
+                <a:solidFill>
+                  <a:srgbClr val="24292F"/>
+                </a:solidFill>
+                <a:effectLst/>
+                <a:latin typeface="-apple-system"/>
+              </a:rPr>
+              <a:t>, feature coefficients, and correlations to understand the relationships of the features among each other and with different model types.</a:t>
+            </a:r>
+          </a:p>
+          <a:p>
+            <a:pPr marL="146050" indent="0" algn="l">
+              <a:buNone/>
+            </a:pPr>
+            <a:endParaRPr lang="en-US" dirty="0">
+              <a:solidFill>
+                <a:srgbClr val="24292F"/>
+              </a:solidFill>
+              <a:latin typeface="-apple-system"/>
+            </a:endParaRPr>
+          </a:p>
+          <a:p>
+            <a:pPr marL="146050" indent="0" algn="l">
+              <a:buNone/>
+            </a:pPr>
+            <a:r>
+              <a:rPr lang="en-US" b="0" i="0" dirty="0">
+                <a:solidFill>
+                  <a:srgbClr val="24292F"/>
+                </a:solidFill>
+                <a:effectLst/>
+                <a:latin typeface="-apple-system"/>
+              </a:rPr>
+              <a:t>During the EDA process we also saw that some datetimes were strange. Data was collected at 2 times every day: hour 6 and hour 13, and never at any minute besides 00. A significant chunk of the data was collected at arbitrary datetimes, and this was concerning. After some discussion, we realized that the dates that were strange fell under a period of turnaround for the plant, meaning that the plant itself was shut down and all the data collected in the period was invalid. We marked those datetimes for removal during the data cleaning process.</a:t>
+            </a:r>
           </a:p>
         </p:txBody>
       </p:sp>
@@ -12578,12 +12485,12 @@
 </p:sld>
 </file>
 
-<file path=ppt/slides/slide13.xml><?xml version="1.0" encoding="utf-8"?>
+<file path=ppt/slides/slide14.xml><?xml version="1.0" encoding="utf-8"?>
 <p:sld xmlns:a="http://schemas.openxmlformats.org/drawingml/2006/main" xmlns:r="http://schemas.openxmlformats.org/officeDocument/2006/relationships" xmlns:p="http://schemas.openxmlformats.org/presentationml/2006/main">
   <p:cSld>
     <p:spTree>
       <p:nvGrpSpPr>
-        <p:cNvPr id="1" name="Shape 214"/>
+        <p:cNvPr id="1" name="Shape 208"/>
         <p:cNvGrpSpPr/>
         <p:nvPr/>
       </p:nvGrpSpPr>
@@ -12597,7 +12504,7 @@
       </p:grpSpPr>
       <p:sp>
         <p:nvSpPr>
-          <p:cNvPr id="215" name="Google Shape;215;p29"/>
+          <p:cNvPr id="209" name="Google Shape;209;p28"/>
           <p:cNvSpPr txBox="1">
             <a:spLocks noGrp="1"/>
           </p:cNvSpPr>
@@ -12620,26 +12527,23 @@
           </a:bodyPr>
           <a:lstStyle/>
           <a:p>
-            <a:pPr marL="0" lvl="0" indent="0" algn="l" rtl="0">
-              <a:spcBef>
-                <a:spcPts val="0"/>
-              </a:spcBef>
-              <a:spcAft>
-                <a:spcPts val="0"/>
-              </a:spcAft>
-              <a:buNone/>
-            </a:pPr>
+            <a:pPr algn="l"/>
             <a:r>
-              <a:rPr lang="en"/>
-              <a:t>Why it’s better than existing solutions </a:t>
+              <a:rPr lang="en-US" b="1" i="0" dirty="0">
+                <a:solidFill>
+                  <a:srgbClr val="24292F"/>
+                </a:solidFill>
+                <a:effectLst/>
+                <a:latin typeface="-apple-system"/>
+              </a:rPr>
+              <a:t>EDA Process</a:t>
             </a:r>
-            <a:endParaRPr/>
           </a:p>
         </p:txBody>
       </p:sp>
       <p:sp>
         <p:nvSpPr>
-          <p:cNvPr id="216" name="Google Shape;216;p29"/>
+          <p:cNvPr id="210" name="Google Shape;210;p28"/>
           <p:cNvSpPr txBox="1">
             <a:spLocks noGrp="1"/>
           </p:cNvSpPr>
@@ -12662,91 +12566,109 @@
           </a:bodyPr>
           <a:lstStyle/>
           <a:p>
-            <a:pPr marL="0" lvl="0" indent="0" algn="l" rtl="0">
-              <a:spcBef>
-                <a:spcPts val="0"/>
-              </a:spcBef>
-              <a:spcAft>
-                <a:spcPts val="1600"/>
-              </a:spcAft>
+            <a:pPr marL="146050" indent="0" algn="l">
               <a:buNone/>
             </a:pPr>
             <a:r>
-              <a:rPr lang="en"/>
-              <a:t>Return to the problem now that you’ve introduced your solution. Compare your solution to others and describe how it is superior.</a:t>
+              <a:rPr lang="en-US" b="0" i="0" dirty="0">
+                <a:solidFill>
+                  <a:srgbClr val="24292F"/>
+                </a:solidFill>
+                <a:effectLst/>
+                <a:latin typeface="-apple-system"/>
+              </a:rPr>
+              <a:t>The exploratory data analysis process began with checking the raw data for non-numerical values. We found that there were a few text strings: "Bad", "Bad Input", "Error", and "I/O Timeout". All values across the datasets were object types, and we wanted to convert those to float types. The text strings were preventing the whole dataset from being converted with minimal code. So, we replaced these text strings with </a:t>
             </a:r>
-            <a:endParaRPr/>
+            <a:r>
+              <a:rPr lang="en-US" b="0" i="0" dirty="0" err="1">
+                <a:solidFill>
+                  <a:srgbClr val="24292F"/>
+                </a:solidFill>
+                <a:effectLst/>
+                <a:latin typeface="-apple-system"/>
+              </a:rPr>
+              <a:t>NaN</a:t>
+            </a:r>
+            <a:r>
+              <a:rPr lang="en-US" b="0" i="0" dirty="0">
+                <a:solidFill>
+                  <a:srgbClr val="24292F"/>
+                </a:solidFill>
+                <a:effectLst/>
+                <a:latin typeface="-apple-system"/>
+              </a:rPr>
+              <a:t> values, and dropped them. Then we did a full conversion, and generated summary statistics to get an idea of the spread of the data values. We noted multiple values that made no sense (like percent values that fell outside 0-100) and marked them for removal.</a:t>
+            </a:r>
+          </a:p>
+          <a:p>
+            <a:pPr marL="146050" indent="0" algn="l">
+              <a:buNone/>
+            </a:pPr>
+            <a:r>
+              <a:rPr lang="en-US" b="0" i="0" dirty="0">
+                <a:solidFill>
+                  <a:srgbClr val="24292F"/>
+                </a:solidFill>
+                <a:effectLst/>
+                <a:latin typeface="-apple-system"/>
+              </a:rPr>
+              <a:t>We also went ahead and calculated some feature </a:t>
+            </a:r>
+            <a:r>
+              <a:rPr lang="en-US" b="0" i="0" dirty="0" err="1">
+                <a:solidFill>
+                  <a:srgbClr val="24292F"/>
+                </a:solidFill>
+                <a:effectLst/>
+                <a:latin typeface="-apple-system"/>
+              </a:rPr>
+              <a:t>importances</a:t>
+            </a:r>
+            <a:r>
+              <a:rPr lang="en-US" b="0" i="0" dirty="0">
+                <a:solidFill>
+                  <a:srgbClr val="24292F"/>
+                </a:solidFill>
+                <a:effectLst/>
+                <a:latin typeface="-apple-system"/>
+              </a:rPr>
+              <a:t>, feature coefficients, and correlations to understand the relationships of the features among each other and with different model types.</a:t>
+            </a:r>
+          </a:p>
+          <a:p>
+            <a:pPr marL="146050" indent="0" algn="l">
+              <a:buNone/>
+            </a:pPr>
+            <a:endParaRPr lang="en-US" dirty="0">
+              <a:solidFill>
+                <a:srgbClr val="24292F"/>
+              </a:solidFill>
+              <a:latin typeface="-apple-system"/>
+            </a:endParaRPr>
+          </a:p>
+          <a:p>
+            <a:pPr marL="146050" indent="0" algn="l">
+              <a:buNone/>
+            </a:pPr>
+            <a:r>
+              <a:rPr lang="en-US" b="0" i="0" dirty="0">
+                <a:solidFill>
+                  <a:srgbClr val="24292F"/>
+                </a:solidFill>
+                <a:effectLst/>
+                <a:latin typeface="-apple-system"/>
+              </a:rPr>
+              <a:t>During the EDA process we also saw that some datetimes were strange. Data was collected at 2 times every day: hour 6 and hour 13, and never at any minute besides 00. A significant chunk of the data was collected at arbitrary datetimes, and this was concerning. After some discussion, we realized that the dates that were strange fell under a period of turnaround for the plant, meaning that the plant itself was shut down and all the data collected in the period was invalid. We marked those datetimes for removal during the data cleaning process.</a:t>
+            </a:r>
           </a:p>
         </p:txBody>
       </p:sp>
     </p:spTree>
-  </p:cSld>
-  <p:clrMapOvr>
-    <a:masterClrMapping/>
-  </p:clrMapOvr>
-</p:sld>
-</file>
-
-<file path=ppt/slides/slide14.xml><?xml version="1.0" encoding="utf-8"?>
-<p:sld xmlns:a="http://schemas.openxmlformats.org/drawingml/2006/main" xmlns:r="http://schemas.openxmlformats.org/officeDocument/2006/relationships" xmlns:p="http://schemas.openxmlformats.org/presentationml/2006/main">
-  <p:cSld>
-    <p:spTree>
-      <p:nvGrpSpPr>
-        <p:cNvPr id="1" name="Shape 220"/>
-        <p:cNvGrpSpPr/>
-        <p:nvPr/>
-      </p:nvGrpSpPr>
-      <p:grpSpPr>
-        <a:xfrm>
-          <a:off x="0" y="0"/>
-          <a:ext cx="0" cy="0"/>
-          <a:chOff x="0" y="0"/>
-          <a:chExt cx="0" cy="0"/>
-        </a:xfrm>
-      </p:grpSpPr>
-      <p:sp>
-        <p:nvSpPr>
-          <p:cNvPr id="221" name="Google Shape;221;p30"/>
-          <p:cNvSpPr txBox="1">
-            <a:spLocks noGrp="1"/>
-          </p:cNvSpPr>
-          <p:nvPr>
-            <p:ph type="title"/>
-          </p:nvPr>
-        </p:nvSpPr>
-        <p:spPr>
-          <a:xfrm>
-            <a:off x="729450" y="1322450"/>
-            <a:ext cx="7688400" cy="1518600"/>
-          </a:xfrm>
-          <a:prstGeom prst="rect">
-            <a:avLst/>
-          </a:prstGeom>
-        </p:spPr>
-        <p:txBody>
-          <a:bodyPr spcFirstLastPara="1" wrap="square" lIns="91425" tIns="91425" rIns="91425" bIns="91425" anchor="t" anchorCtr="0">
-            <a:noAutofit/>
-          </a:bodyPr>
-          <a:lstStyle/>
-          <a:p>
-            <a:pPr marL="0" lvl="0" indent="0" algn="l" rtl="0">
-              <a:spcBef>
-                <a:spcPts val="0"/>
-              </a:spcBef>
-              <a:spcAft>
-                <a:spcPts val="0"/>
-              </a:spcAft>
-              <a:buNone/>
-            </a:pPr>
-            <a:r>
-              <a:rPr lang="en"/>
-              <a:t>Wireframes</a:t>
-            </a:r>
-            <a:endParaRPr/>
-          </a:p>
-        </p:txBody>
-      </p:sp>
-    </p:spTree>
+    <p:extLst>
+      <p:ext uri="{BB962C8B-B14F-4D97-AF65-F5344CB8AC3E}">
+        <p14:creationId xmlns:p14="http://schemas.microsoft.com/office/powerpoint/2010/main" val="239366778"/>
+      </p:ext>
+    </p:extLst>
   </p:cSld>
   <p:clrMapOvr>
     <a:masterClrMapping/>
@@ -12755,1489 +12677,6 @@
 </file>
 
 <file path=ppt/slides/slide15.xml><?xml version="1.0" encoding="utf-8"?>
-<p:sld xmlns:a="http://schemas.openxmlformats.org/drawingml/2006/main" xmlns:r="http://schemas.openxmlformats.org/officeDocument/2006/relationships" xmlns:p="http://schemas.openxmlformats.org/presentationml/2006/main">
-  <p:cSld>
-    <p:spTree>
-      <p:nvGrpSpPr>
-        <p:cNvPr id="1" name="Shape 225"/>
-        <p:cNvGrpSpPr/>
-        <p:nvPr/>
-      </p:nvGrpSpPr>
-      <p:grpSpPr>
-        <a:xfrm>
-          <a:off x="0" y="0"/>
-          <a:ext cx="0" cy="0"/>
-          <a:chOff x="0" y="0"/>
-          <a:chExt cx="0" cy="0"/>
-        </a:xfrm>
-      </p:grpSpPr>
-      <p:sp>
-        <p:nvSpPr>
-          <p:cNvPr id="226" name="Google Shape;226;p31"/>
-          <p:cNvSpPr txBox="1">
-            <a:spLocks noGrp="1"/>
-          </p:cNvSpPr>
-          <p:nvPr>
-            <p:ph type="title"/>
-          </p:nvPr>
-        </p:nvSpPr>
-        <p:spPr>
-          <a:xfrm>
-            <a:off x="729450" y="1322450"/>
-            <a:ext cx="7688400" cy="1518600"/>
-          </a:xfrm>
-          <a:prstGeom prst="rect">
-            <a:avLst/>
-          </a:prstGeom>
-        </p:spPr>
-        <p:txBody>
-          <a:bodyPr spcFirstLastPara="1" wrap="square" lIns="91425" tIns="91425" rIns="91425" bIns="91425" anchor="t" anchorCtr="0">
-            <a:noAutofit/>
-          </a:bodyPr>
-          <a:lstStyle/>
-          <a:p>
-            <a:pPr marL="0" lvl="0" indent="0" algn="l" rtl="0">
-              <a:spcBef>
-                <a:spcPts val="0"/>
-              </a:spcBef>
-              <a:spcAft>
-                <a:spcPts val="0"/>
-              </a:spcAft>
-              <a:buNone/>
-            </a:pPr>
-            <a:r>
-              <a:rPr lang="en"/>
-              <a:t>Next Steps</a:t>
-            </a:r>
-            <a:endParaRPr/>
-          </a:p>
-        </p:txBody>
-      </p:sp>
-    </p:spTree>
-  </p:cSld>
-  <p:clrMapOvr>
-    <a:masterClrMapping/>
-  </p:clrMapOvr>
-</p:sld>
-</file>
-
-<file path=ppt/slides/slide16.xml><?xml version="1.0" encoding="utf-8"?>
-<p:sld xmlns:a="http://schemas.openxmlformats.org/drawingml/2006/main" xmlns:r="http://schemas.openxmlformats.org/officeDocument/2006/relationships" xmlns:p="http://schemas.openxmlformats.org/presentationml/2006/main">
-  <p:cSld>
-    <p:spTree>
-      <p:nvGrpSpPr>
-        <p:cNvPr id="1" name="Shape 230"/>
-        <p:cNvGrpSpPr/>
-        <p:nvPr/>
-      </p:nvGrpSpPr>
-      <p:grpSpPr>
-        <a:xfrm>
-          <a:off x="0" y="0"/>
-          <a:ext cx="0" cy="0"/>
-          <a:chOff x="0" y="0"/>
-          <a:chExt cx="0" cy="0"/>
-        </a:xfrm>
-      </p:grpSpPr>
-      <p:sp>
-        <p:nvSpPr>
-          <p:cNvPr id="231" name="Google Shape;231;p32"/>
-          <p:cNvSpPr txBox="1">
-            <a:spLocks noGrp="1"/>
-          </p:cNvSpPr>
-          <p:nvPr>
-            <p:ph type="title"/>
-          </p:nvPr>
-        </p:nvSpPr>
-        <p:spPr>
-          <a:xfrm>
-            <a:off x="729450" y="1318650"/>
-            <a:ext cx="7688700" cy="535200"/>
-          </a:xfrm>
-          <a:prstGeom prst="rect">
-            <a:avLst/>
-          </a:prstGeom>
-        </p:spPr>
-        <p:txBody>
-          <a:bodyPr spcFirstLastPara="1" wrap="square" lIns="91425" tIns="91425" rIns="91425" bIns="91425" anchor="t" anchorCtr="0">
-            <a:noAutofit/>
-          </a:bodyPr>
-          <a:lstStyle/>
-          <a:p>
-            <a:pPr marL="0" lvl="0" indent="0" algn="l" rtl="0">
-              <a:spcBef>
-                <a:spcPts val="0"/>
-              </a:spcBef>
-              <a:spcAft>
-                <a:spcPts val="0"/>
-              </a:spcAft>
-              <a:buNone/>
-            </a:pPr>
-            <a:r>
-              <a:rPr lang="en" sz="3000"/>
-              <a:t>What next?</a:t>
-            </a:r>
-            <a:endParaRPr sz="3000"/>
-          </a:p>
-        </p:txBody>
-      </p:sp>
-      <p:sp>
-        <p:nvSpPr>
-          <p:cNvPr id="232" name="Google Shape;232;p32"/>
-          <p:cNvSpPr txBox="1">
-            <a:spLocks noGrp="1"/>
-          </p:cNvSpPr>
-          <p:nvPr>
-            <p:ph type="body" idx="1"/>
-          </p:nvPr>
-        </p:nvSpPr>
-        <p:spPr>
-          <a:xfrm>
-            <a:off x="729450" y="2078875"/>
-            <a:ext cx="7688700" cy="2261100"/>
-          </a:xfrm>
-          <a:prstGeom prst="rect">
-            <a:avLst/>
-          </a:prstGeom>
-        </p:spPr>
-        <p:txBody>
-          <a:bodyPr spcFirstLastPara="1" wrap="square" lIns="91425" tIns="91425" rIns="91425" bIns="91425" anchor="t" anchorCtr="0">
-            <a:noAutofit/>
-          </a:bodyPr>
-          <a:lstStyle/>
-          <a:p>
-            <a:pPr marL="457200" lvl="0" indent="-311150" algn="l" rtl="0">
-              <a:spcBef>
-                <a:spcPts val="0"/>
-              </a:spcBef>
-              <a:spcAft>
-                <a:spcPts val="0"/>
-              </a:spcAft>
-              <a:buSzPts val="1300"/>
-              <a:buChar char="➔"/>
-            </a:pPr>
-            <a:r>
-              <a:rPr lang="en"/>
-              <a:t>Present the timeline.</a:t>
-            </a:r>
-            <a:endParaRPr/>
-          </a:p>
-          <a:p>
-            <a:pPr marL="457200" lvl="0" indent="-311150" algn="l" rtl="0">
-              <a:spcBef>
-                <a:spcPts val="1000"/>
-              </a:spcBef>
-              <a:spcAft>
-                <a:spcPts val="0"/>
-              </a:spcAft>
-              <a:buSzPts val="1300"/>
-              <a:buChar char="➔"/>
-            </a:pPr>
-            <a:r>
-              <a:rPr lang="en"/>
-              <a:t>Solicit comments on these slides or reviews on these wireframes in the Balsamiq add-on.</a:t>
-            </a:r>
-            <a:endParaRPr/>
-          </a:p>
-          <a:p>
-            <a:pPr marL="457200" lvl="0" indent="-311150" algn="l" rtl="0">
-              <a:spcBef>
-                <a:spcPts val="1000"/>
-              </a:spcBef>
-              <a:spcAft>
-                <a:spcPts val="1000"/>
-              </a:spcAft>
-              <a:buSzPts val="1300"/>
-              <a:buChar char="➔"/>
-            </a:pPr>
-            <a:r>
-              <a:rPr lang="en"/>
-              <a:t>User testing plan.</a:t>
-            </a:r>
-            <a:endParaRPr/>
-          </a:p>
-        </p:txBody>
-      </p:sp>
-    </p:spTree>
-  </p:cSld>
-  <p:clrMapOvr>
-    <a:masterClrMapping/>
-  </p:clrMapOvr>
-</p:sld>
-</file>
-
-<file path=ppt/slides/slide17.xml><?xml version="1.0" encoding="utf-8"?>
-<p:sld xmlns:a="http://schemas.openxmlformats.org/drawingml/2006/main" xmlns:r="http://schemas.openxmlformats.org/officeDocument/2006/relationships" xmlns:p="http://schemas.openxmlformats.org/presentationml/2006/main">
-  <p:cSld>
-    <p:spTree>
-      <p:nvGrpSpPr>
-        <p:cNvPr id="1" name="Shape 236"/>
-        <p:cNvGrpSpPr/>
-        <p:nvPr/>
-      </p:nvGrpSpPr>
-      <p:grpSpPr>
-        <a:xfrm>
-          <a:off x="0" y="0"/>
-          <a:ext cx="0" cy="0"/>
-          <a:chOff x="0" y="0"/>
-          <a:chExt cx="0" cy="0"/>
-        </a:xfrm>
-      </p:grpSpPr>
-      <p:cxnSp>
-        <p:nvCxnSpPr>
-          <p:cNvPr id="237" name="Google Shape;237;p33"/>
-          <p:cNvCxnSpPr/>
-          <p:nvPr/>
-        </p:nvCxnSpPr>
-        <p:spPr>
-          <a:xfrm>
-            <a:off x="4067669" y="3263604"/>
-            <a:ext cx="4650900" cy="0"/>
-          </a:xfrm>
-          <a:prstGeom prst="straightConnector1">
-            <a:avLst/>
-          </a:prstGeom>
-          <a:noFill/>
-          <a:ln w="38100" cap="flat" cmpd="sng">
-            <a:solidFill>
-              <a:srgbClr val="666666"/>
-            </a:solidFill>
-            <a:prstDash val="solid"/>
-            <a:round/>
-            <a:headEnd type="none" w="med" len="med"/>
-            <a:tailEnd type="none" w="med" len="med"/>
-          </a:ln>
-        </p:spPr>
-      </p:cxnSp>
-      <p:cxnSp>
-        <p:nvCxnSpPr>
-          <p:cNvPr id="238" name="Google Shape;238;p33"/>
-          <p:cNvCxnSpPr/>
-          <p:nvPr/>
-        </p:nvCxnSpPr>
-        <p:spPr>
-          <a:xfrm>
-            <a:off x="662650" y="3263604"/>
-            <a:ext cx="3218400" cy="0"/>
-          </a:xfrm>
-          <a:prstGeom prst="straightConnector1">
-            <a:avLst/>
-          </a:prstGeom>
-          <a:noFill/>
-          <a:ln w="38100" cap="flat" cmpd="sng">
-            <a:solidFill>
-              <a:srgbClr val="B7B7B7"/>
-            </a:solidFill>
-            <a:prstDash val="solid"/>
-            <a:round/>
-            <a:headEnd type="none" w="med" len="med"/>
-            <a:tailEnd type="none" w="med" len="med"/>
-          </a:ln>
-        </p:spPr>
-      </p:cxnSp>
-      <p:sp>
-        <p:nvSpPr>
-          <p:cNvPr id="239" name="Google Shape;239;p33"/>
-          <p:cNvSpPr txBox="1">
-            <a:spLocks noGrp="1"/>
-          </p:cNvSpPr>
-          <p:nvPr>
-            <p:ph type="title"/>
-          </p:nvPr>
-        </p:nvSpPr>
-        <p:spPr>
-          <a:xfrm>
-            <a:off x="729450" y="1318650"/>
-            <a:ext cx="7688700" cy="535200"/>
-          </a:xfrm>
-          <a:prstGeom prst="rect">
-            <a:avLst/>
-          </a:prstGeom>
-        </p:spPr>
-        <p:txBody>
-          <a:bodyPr spcFirstLastPara="1" wrap="square" lIns="91425" tIns="91425" rIns="91425" bIns="91425" anchor="t" anchorCtr="0">
-            <a:noAutofit/>
-          </a:bodyPr>
-          <a:lstStyle/>
-          <a:p>
-            <a:pPr marL="0" lvl="0" indent="0" algn="l" rtl="0">
-              <a:spcBef>
-                <a:spcPts val="0"/>
-              </a:spcBef>
-              <a:spcAft>
-                <a:spcPts val="0"/>
-              </a:spcAft>
-              <a:buNone/>
-            </a:pPr>
-            <a:r>
-              <a:rPr lang="en" sz="3000"/>
-              <a:t>Timeline</a:t>
-            </a:r>
-            <a:endParaRPr sz="3000"/>
-          </a:p>
-        </p:txBody>
-      </p:sp>
-      <p:grpSp>
-        <p:nvGrpSpPr>
-          <p:cNvPr id="240" name="Google Shape;240;p33"/>
-          <p:cNvGrpSpPr/>
-          <p:nvPr/>
-        </p:nvGrpSpPr>
-        <p:grpSpPr>
-          <a:xfrm>
-            <a:off x="5293201" y="2678680"/>
-            <a:ext cx="1040700" cy="1039104"/>
-            <a:chOff x="5293201" y="2678680"/>
-            <a:chExt cx="1040700" cy="1039104"/>
-          </a:xfrm>
-        </p:grpSpPr>
-        <p:sp>
-          <p:nvSpPr>
-            <p:cNvPr id="241" name="Google Shape;241;p33"/>
-            <p:cNvSpPr txBox="1"/>
-            <p:nvPr/>
-          </p:nvSpPr>
-          <p:spPr>
-            <a:xfrm>
-              <a:off x="5297801" y="2856485"/>
-              <a:ext cx="1029000" cy="861300"/>
-            </a:xfrm>
-            <a:prstGeom prst="rect">
-              <a:avLst/>
-            </a:prstGeom>
-            <a:solidFill>
-              <a:srgbClr val="F3F3F3"/>
-            </a:solidFill>
-            <a:ln w="9525" cap="flat" cmpd="sng">
-              <a:solidFill>
-                <a:schemeClr val="accent1"/>
-              </a:solidFill>
-              <a:prstDash val="dash"/>
-              <a:round/>
-              <a:headEnd type="none" w="sm" len="sm"/>
-              <a:tailEnd type="none" w="sm" len="sm"/>
-            </a:ln>
-          </p:spPr>
-          <p:txBody>
-            <a:bodyPr spcFirstLastPara="1" wrap="square" lIns="91425" tIns="91425" rIns="91425" bIns="91425" anchor="ctr" anchorCtr="0">
-              <a:noAutofit/>
-            </a:bodyPr>
-            <a:lstStyle/>
-            <a:p>
-              <a:pPr marL="0" lvl="0" indent="0" algn="ctr" rtl="0">
-                <a:spcBef>
-                  <a:spcPts val="0"/>
-                </a:spcBef>
-                <a:spcAft>
-                  <a:spcPts val="0"/>
-                </a:spcAft>
-                <a:buNone/>
-              </a:pPr>
-              <a:r>
-                <a:rPr lang="en" sz="900">
-                  <a:solidFill>
-                    <a:schemeClr val="accent1"/>
-                  </a:solidFill>
-                  <a:latin typeface="Lato"/>
-                  <a:ea typeface="Lato"/>
-                  <a:cs typeface="Lato"/>
-                  <a:sym typeface="Lato"/>
-                </a:rPr>
-                <a:t>Prototype</a:t>
-              </a:r>
-              <a:endParaRPr sz="900">
-                <a:solidFill>
-                  <a:schemeClr val="accent1"/>
-                </a:solidFill>
-                <a:latin typeface="Lato"/>
-                <a:ea typeface="Lato"/>
-                <a:cs typeface="Lato"/>
-                <a:sym typeface="Lato"/>
-              </a:endParaRPr>
-            </a:p>
-          </p:txBody>
-        </p:sp>
-        <p:sp>
-          <p:nvSpPr>
-            <p:cNvPr id="242" name="Google Shape;242;p33"/>
-            <p:cNvSpPr txBox="1"/>
-            <p:nvPr/>
-          </p:nvSpPr>
-          <p:spPr>
-            <a:xfrm>
-              <a:off x="5293201" y="2678680"/>
-              <a:ext cx="1040700" cy="164100"/>
-            </a:xfrm>
-            <a:prstGeom prst="rect">
-              <a:avLst/>
-            </a:prstGeom>
-            <a:solidFill>
-              <a:srgbClr val="666666"/>
-            </a:solidFill>
-            <a:ln>
-              <a:noFill/>
-            </a:ln>
-          </p:spPr>
-          <p:txBody>
-            <a:bodyPr spcFirstLastPara="1" wrap="square" lIns="91425" tIns="91425" rIns="91425" bIns="91425" anchor="ctr" anchorCtr="0">
-              <a:noAutofit/>
-            </a:bodyPr>
-            <a:lstStyle/>
-            <a:p>
-              <a:pPr marL="0" lvl="0" indent="0" algn="ctr" rtl="0">
-                <a:spcBef>
-                  <a:spcPts val="0"/>
-                </a:spcBef>
-                <a:spcAft>
-                  <a:spcPts val="0"/>
-                </a:spcAft>
-                <a:buNone/>
-              </a:pPr>
-              <a:r>
-                <a:rPr lang="en" sz="700">
-                  <a:solidFill>
-                    <a:srgbClr val="FFFFFF"/>
-                  </a:solidFill>
-                  <a:latin typeface="Raleway"/>
-                  <a:ea typeface="Raleway"/>
-                  <a:cs typeface="Raleway"/>
-                  <a:sym typeface="Raleway"/>
-                </a:rPr>
-                <a:t>SEPT</a:t>
-              </a:r>
-              <a:endParaRPr sz="700">
-                <a:solidFill>
-                  <a:srgbClr val="FFFFFF"/>
-                </a:solidFill>
-                <a:latin typeface="Raleway"/>
-                <a:ea typeface="Raleway"/>
-                <a:cs typeface="Raleway"/>
-                <a:sym typeface="Raleway"/>
-              </a:endParaRPr>
-            </a:p>
-          </p:txBody>
-        </p:sp>
-      </p:grpSp>
-      <p:grpSp>
-        <p:nvGrpSpPr>
-          <p:cNvPr id="243" name="Google Shape;243;p33"/>
-          <p:cNvGrpSpPr/>
-          <p:nvPr/>
-        </p:nvGrpSpPr>
-        <p:grpSpPr>
-          <a:xfrm>
-            <a:off x="6415277" y="2678680"/>
-            <a:ext cx="1029017" cy="1039006"/>
-            <a:chOff x="6415277" y="2678680"/>
-            <a:chExt cx="1029017" cy="1039006"/>
-          </a:xfrm>
-        </p:grpSpPr>
-        <p:sp>
-          <p:nvSpPr>
-            <p:cNvPr id="244" name="Google Shape;244;p33"/>
-            <p:cNvSpPr txBox="1"/>
-            <p:nvPr/>
-          </p:nvSpPr>
-          <p:spPr>
-            <a:xfrm>
-              <a:off x="6415277" y="2856387"/>
-              <a:ext cx="1029000" cy="861300"/>
-            </a:xfrm>
-            <a:prstGeom prst="rect">
-              <a:avLst/>
-            </a:prstGeom>
-            <a:solidFill>
-              <a:srgbClr val="666666"/>
-            </a:solidFill>
-            <a:ln>
-              <a:noFill/>
-            </a:ln>
-          </p:spPr>
-          <p:txBody>
-            <a:bodyPr spcFirstLastPara="1" wrap="square" lIns="91425" tIns="91425" rIns="91425" bIns="91425" anchor="ctr" anchorCtr="0">
-              <a:noAutofit/>
-            </a:bodyPr>
-            <a:lstStyle/>
-            <a:p>
-              <a:pPr marL="0" lvl="0" indent="0" algn="ctr" rtl="0">
-                <a:spcBef>
-                  <a:spcPts val="0"/>
-                </a:spcBef>
-                <a:spcAft>
-                  <a:spcPts val="0"/>
-                </a:spcAft>
-                <a:buNone/>
-              </a:pPr>
-              <a:r>
-                <a:rPr lang="en" sz="900">
-                  <a:solidFill>
-                    <a:srgbClr val="FFFFFF"/>
-                  </a:solidFill>
-                  <a:latin typeface="Lato"/>
-                  <a:ea typeface="Lato"/>
-                  <a:cs typeface="Lato"/>
-                  <a:sym typeface="Lato"/>
-                </a:rPr>
-                <a:t>User testing</a:t>
-              </a:r>
-              <a:endParaRPr sz="900">
-                <a:solidFill>
-                  <a:srgbClr val="FFFFFF"/>
-                </a:solidFill>
-                <a:latin typeface="Lato"/>
-                <a:ea typeface="Lato"/>
-                <a:cs typeface="Lato"/>
-                <a:sym typeface="Lato"/>
-              </a:endParaRPr>
-            </a:p>
-          </p:txBody>
-        </p:sp>
-        <p:sp>
-          <p:nvSpPr>
-            <p:cNvPr id="245" name="Google Shape;245;p33"/>
-            <p:cNvSpPr txBox="1"/>
-            <p:nvPr/>
-          </p:nvSpPr>
-          <p:spPr>
-            <a:xfrm>
-              <a:off x="6415294" y="2678680"/>
-              <a:ext cx="1029000" cy="164100"/>
-            </a:xfrm>
-            <a:prstGeom prst="rect">
-              <a:avLst/>
-            </a:prstGeom>
-            <a:solidFill>
-              <a:srgbClr val="666666"/>
-            </a:solidFill>
-            <a:ln>
-              <a:noFill/>
-            </a:ln>
-          </p:spPr>
-          <p:txBody>
-            <a:bodyPr spcFirstLastPara="1" wrap="square" lIns="91425" tIns="91425" rIns="91425" bIns="91425" anchor="ctr" anchorCtr="0">
-              <a:noAutofit/>
-            </a:bodyPr>
-            <a:lstStyle/>
-            <a:p>
-              <a:pPr marL="0" lvl="0" indent="0" algn="ctr" rtl="0">
-                <a:spcBef>
-                  <a:spcPts val="0"/>
-                </a:spcBef>
-                <a:spcAft>
-                  <a:spcPts val="0"/>
-                </a:spcAft>
-                <a:buNone/>
-              </a:pPr>
-              <a:r>
-                <a:rPr lang="en" sz="700">
-                  <a:solidFill>
-                    <a:srgbClr val="FFFFFF"/>
-                  </a:solidFill>
-                  <a:latin typeface="Raleway"/>
-                  <a:ea typeface="Raleway"/>
-                  <a:cs typeface="Raleway"/>
-                  <a:sym typeface="Raleway"/>
-                </a:rPr>
-                <a:t>OCT</a:t>
-              </a:r>
-              <a:endParaRPr sz="700">
-                <a:solidFill>
-                  <a:srgbClr val="FFFFFF"/>
-                </a:solidFill>
-                <a:latin typeface="Raleway"/>
-                <a:ea typeface="Raleway"/>
-                <a:cs typeface="Raleway"/>
-                <a:sym typeface="Raleway"/>
-              </a:endParaRPr>
-            </a:p>
-          </p:txBody>
-        </p:sp>
-      </p:grpSp>
-      <p:grpSp>
-        <p:nvGrpSpPr>
-          <p:cNvPr id="246" name="Google Shape;246;p33"/>
-          <p:cNvGrpSpPr/>
-          <p:nvPr/>
-        </p:nvGrpSpPr>
-        <p:grpSpPr>
-          <a:xfrm>
-            <a:off x="7532731" y="2678680"/>
-            <a:ext cx="1029011" cy="1039104"/>
-            <a:chOff x="7532731" y="2678680"/>
-            <a:chExt cx="1029011" cy="1039104"/>
-          </a:xfrm>
-        </p:grpSpPr>
-        <p:sp>
-          <p:nvSpPr>
-            <p:cNvPr id="247" name="Google Shape;247;p33"/>
-            <p:cNvSpPr txBox="1"/>
-            <p:nvPr/>
-          </p:nvSpPr>
-          <p:spPr>
-            <a:xfrm>
-              <a:off x="7532731" y="2856484"/>
-              <a:ext cx="1029000" cy="861300"/>
-            </a:xfrm>
-            <a:prstGeom prst="rect">
-              <a:avLst/>
-            </a:prstGeom>
-            <a:solidFill>
-              <a:srgbClr val="666666"/>
-            </a:solidFill>
-            <a:ln>
-              <a:noFill/>
-            </a:ln>
-          </p:spPr>
-          <p:txBody>
-            <a:bodyPr spcFirstLastPara="1" wrap="square" lIns="91425" tIns="91425" rIns="91425" bIns="91425" anchor="ctr" anchorCtr="0">
-              <a:noAutofit/>
-            </a:bodyPr>
-            <a:lstStyle/>
-            <a:p>
-              <a:pPr marL="0" lvl="0" indent="0" algn="ctr" rtl="0">
-                <a:spcBef>
-                  <a:spcPts val="0"/>
-                </a:spcBef>
-                <a:spcAft>
-                  <a:spcPts val="0"/>
-                </a:spcAft>
-                <a:buNone/>
-              </a:pPr>
-              <a:r>
-                <a:rPr lang="en" sz="900">
-                  <a:solidFill>
-                    <a:srgbClr val="FFFFFF"/>
-                  </a:solidFill>
-                  <a:latin typeface="Lato"/>
-                  <a:ea typeface="Lato"/>
-                  <a:cs typeface="Lato"/>
-                  <a:sym typeface="Lato"/>
-                </a:rPr>
-                <a:t>Dev hand-off</a:t>
-              </a:r>
-              <a:endParaRPr sz="900">
-                <a:solidFill>
-                  <a:srgbClr val="FFFFFF"/>
-                </a:solidFill>
-                <a:latin typeface="Lato"/>
-                <a:ea typeface="Lato"/>
-                <a:cs typeface="Lato"/>
-                <a:sym typeface="Lato"/>
-              </a:endParaRPr>
-            </a:p>
-          </p:txBody>
-        </p:sp>
-        <p:sp>
-          <p:nvSpPr>
-            <p:cNvPr id="248" name="Google Shape;248;p33"/>
-            <p:cNvSpPr txBox="1"/>
-            <p:nvPr/>
-          </p:nvSpPr>
-          <p:spPr>
-            <a:xfrm>
-              <a:off x="7532742" y="2678680"/>
-              <a:ext cx="1029000" cy="164100"/>
-            </a:xfrm>
-            <a:prstGeom prst="rect">
-              <a:avLst/>
-            </a:prstGeom>
-            <a:solidFill>
-              <a:srgbClr val="666666"/>
-            </a:solidFill>
-            <a:ln>
-              <a:noFill/>
-            </a:ln>
-          </p:spPr>
-          <p:txBody>
-            <a:bodyPr spcFirstLastPara="1" wrap="square" lIns="91425" tIns="91425" rIns="91425" bIns="91425" anchor="ctr" anchorCtr="0">
-              <a:noAutofit/>
-            </a:bodyPr>
-            <a:lstStyle/>
-            <a:p>
-              <a:pPr marL="0" lvl="0" indent="0" algn="ctr" rtl="0">
-                <a:spcBef>
-                  <a:spcPts val="0"/>
-                </a:spcBef>
-                <a:spcAft>
-                  <a:spcPts val="0"/>
-                </a:spcAft>
-                <a:buNone/>
-              </a:pPr>
-              <a:r>
-                <a:rPr lang="en" sz="700">
-                  <a:solidFill>
-                    <a:srgbClr val="FFFFFF"/>
-                  </a:solidFill>
-                  <a:latin typeface="Raleway"/>
-                  <a:ea typeface="Raleway"/>
-                  <a:cs typeface="Raleway"/>
-                  <a:sym typeface="Raleway"/>
-                </a:rPr>
-                <a:t>NOV</a:t>
-              </a:r>
-              <a:endParaRPr sz="700">
-                <a:solidFill>
-                  <a:srgbClr val="FFFFFF"/>
-                </a:solidFill>
-                <a:latin typeface="Raleway"/>
-                <a:ea typeface="Raleway"/>
-                <a:cs typeface="Raleway"/>
-                <a:sym typeface="Raleway"/>
-              </a:endParaRPr>
-            </a:p>
-          </p:txBody>
-        </p:sp>
-      </p:grpSp>
-      <p:grpSp>
-        <p:nvGrpSpPr>
-          <p:cNvPr id="249" name="Google Shape;249;p33"/>
-          <p:cNvGrpSpPr/>
-          <p:nvPr/>
-        </p:nvGrpSpPr>
-        <p:grpSpPr>
-          <a:xfrm>
-            <a:off x="4180373" y="2678680"/>
-            <a:ext cx="1029024" cy="1039007"/>
-            <a:chOff x="4180373" y="2678680"/>
-            <a:chExt cx="1029024" cy="1039007"/>
-          </a:xfrm>
-        </p:grpSpPr>
-        <p:sp>
-          <p:nvSpPr>
-            <p:cNvPr id="250" name="Google Shape;250;p33"/>
-            <p:cNvSpPr txBox="1"/>
-            <p:nvPr/>
-          </p:nvSpPr>
-          <p:spPr>
-            <a:xfrm>
-              <a:off x="4180373" y="2856387"/>
-              <a:ext cx="1029000" cy="861300"/>
-            </a:xfrm>
-            <a:prstGeom prst="rect">
-              <a:avLst/>
-            </a:prstGeom>
-            <a:solidFill>
-              <a:srgbClr val="666666"/>
-            </a:solidFill>
-            <a:ln>
-              <a:noFill/>
-            </a:ln>
-          </p:spPr>
-          <p:txBody>
-            <a:bodyPr spcFirstLastPara="1" wrap="square" lIns="91425" tIns="91425" rIns="91425" bIns="91425" anchor="ctr" anchorCtr="0">
-              <a:noAutofit/>
-            </a:bodyPr>
-            <a:lstStyle/>
-            <a:p>
-              <a:pPr marL="0" lvl="0" indent="0" algn="ctr" rtl="0">
-                <a:spcBef>
-                  <a:spcPts val="0"/>
-                </a:spcBef>
-                <a:spcAft>
-                  <a:spcPts val="0"/>
-                </a:spcAft>
-                <a:buNone/>
-              </a:pPr>
-              <a:r>
-                <a:rPr lang="en" sz="900">
-                  <a:solidFill>
-                    <a:srgbClr val="FFFFFF"/>
-                  </a:solidFill>
-                  <a:latin typeface="Lato"/>
-                  <a:ea typeface="Lato"/>
-                  <a:cs typeface="Lato"/>
-                  <a:sym typeface="Lato"/>
-                </a:rPr>
-                <a:t>Review</a:t>
-              </a:r>
-              <a:endParaRPr sz="900">
-                <a:solidFill>
-                  <a:srgbClr val="FFFFFF"/>
-                </a:solidFill>
-                <a:latin typeface="Lato"/>
-                <a:ea typeface="Lato"/>
-                <a:cs typeface="Lato"/>
-                <a:sym typeface="Lato"/>
-              </a:endParaRPr>
-            </a:p>
-          </p:txBody>
-        </p:sp>
-        <p:sp>
-          <p:nvSpPr>
-            <p:cNvPr id="251" name="Google Shape;251;p33"/>
-            <p:cNvSpPr txBox="1"/>
-            <p:nvPr/>
-          </p:nvSpPr>
-          <p:spPr>
-            <a:xfrm>
-              <a:off x="4180397" y="2678680"/>
-              <a:ext cx="1029000" cy="164100"/>
-            </a:xfrm>
-            <a:prstGeom prst="rect">
-              <a:avLst/>
-            </a:prstGeom>
-            <a:solidFill>
-              <a:srgbClr val="666666"/>
-            </a:solidFill>
-            <a:ln>
-              <a:noFill/>
-            </a:ln>
-          </p:spPr>
-          <p:txBody>
-            <a:bodyPr spcFirstLastPara="1" wrap="square" lIns="91425" tIns="91425" rIns="91425" bIns="91425" anchor="ctr" anchorCtr="0">
-              <a:noAutofit/>
-            </a:bodyPr>
-            <a:lstStyle/>
-            <a:p>
-              <a:pPr marL="0" lvl="0" indent="0" algn="ctr" rtl="0">
-                <a:spcBef>
-                  <a:spcPts val="0"/>
-                </a:spcBef>
-                <a:spcAft>
-                  <a:spcPts val="0"/>
-                </a:spcAft>
-                <a:buNone/>
-              </a:pPr>
-              <a:r>
-                <a:rPr lang="en" sz="700">
-                  <a:solidFill>
-                    <a:srgbClr val="FFFFFF"/>
-                  </a:solidFill>
-                  <a:latin typeface="Raleway"/>
-                  <a:ea typeface="Raleway"/>
-                  <a:cs typeface="Raleway"/>
-                  <a:sym typeface="Raleway"/>
-                </a:rPr>
-                <a:t>AUG</a:t>
-              </a:r>
-              <a:endParaRPr sz="700">
-                <a:solidFill>
-                  <a:srgbClr val="FFFFFF"/>
-                </a:solidFill>
-                <a:latin typeface="Raleway"/>
-                <a:ea typeface="Raleway"/>
-                <a:cs typeface="Raleway"/>
-                <a:sym typeface="Raleway"/>
-              </a:endParaRPr>
-            </a:p>
-          </p:txBody>
-        </p:sp>
-      </p:grpSp>
-      <p:grpSp>
-        <p:nvGrpSpPr>
-          <p:cNvPr id="252" name="Google Shape;252;p33"/>
-          <p:cNvGrpSpPr/>
-          <p:nvPr/>
-        </p:nvGrpSpPr>
-        <p:grpSpPr>
-          <a:xfrm>
-            <a:off x="3062921" y="2678680"/>
-            <a:ext cx="1029028" cy="1039008"/>
-            <a:chOff x="3062921" y="2678680"/>
-            <a:chExt cx="1029028" cy="1039008"/>
-          </a:xfrm>
-        </p:grpSpPr>
-        <p:sp>
-          <p:nvSpPr>
-            <p:cNvPr id="253" name="Google Shape;253;p33"/>
-            <p:cNvSpPr txBox="1"/>
-            <p:nvPr/>
-          </p:nvSpPr>
-          <p:spPr>
-            <a:xfrm>
-              <a:off x="3062921" y="2856388"/>
-              <a:ext cx="1029000" cy="861300"/>
-            </a:xfrm>
-            <a:prstGeom prst="rect">
-              <a:avLst/>
-            </a:prstGeom>
-            <a:solidFill>
-              <a:schemeClr val="dk1"/>
-            </a:solidFill>
-            <a:ln>
-              <a:noFill/>
-            </a:ln>
-          </p:spPr>
-          <p:txBody>
-            <a:bodyPr spcFirstLastPara="1" wrap="square" lIns="91425" tIns="91425" rIns="91425" bIns="91425" anchor="ctr" anchorCtr="0">
-              <a:noAutofit/>
-            </a:bodyPr>
-            <a:lstStyle/>
-            <a:p>
-              <a:pPr marL="0" lvl="0" indent="0" algn="ctr" rtl="0">
-                <a:spcBef>
-                  <a:spcPts val="0"/>
-                </a:spcBef>
-                <a:spcAft>
-                  <a:spcPts val="0"/>
-                </a:spcAft>
-                <a:buNone/>
-              </a:pPr>
-              <a:r>
-                <a:rPr lang="en" sz="900">
-                  <a:solidFill>
-                    <a:srgbClr val="FFFFFF"/>
-                  </a:solidFill>
-                  <a:latin typeface="Lato"/>
-                  <a:ea typeface="Lato"/>
-                  <a:cs typeface="Lato"/>
-                  <a:sym typeface="Lato"/>
-                </a:rPr>
-                <a:t>Wireframes</a:t>
-              </a:r>
-              <a:endParaRPr sz="900">
-                <a:solidFill>
-                  <a:srgbClr val="FFFFFF"/>
-                </a:solidFill>
-                <a:latin typeface="Lato"/>
-                <a:ea typeface="Lato"/>
-                <a:cs typeface="Lato"/>
-                <a:sym typeface="Lato"/>
-              </a:endParaRPr>
-            </a:p>
-          </p:txBody>
-        </p:sp>
-        <p:sp>
-          <p:nvSpPr>
-            <p:cNvPr id="254" name="Google Shape;254;p33"/>
-            <p:cNvSpPr txBox="1"/>
-            <p:nvPr/>
-          </p:nvSpPr>
-          <p:spPr>
-            <a:xfrm>
-              <a:off x="3062949" y="2678680"/>
-              <a:ext cx="1029000" cy="164100"/>
-            </a:xfrm>
-            <a:prstGeom prst="rect">
-              <a:avLst/>
-            </a:prstGeom>
-            <a:solidFill>
-              <a:schemeClr val="dk1"/>
-            </a:solidFill>
-            <a:ln>
-              <a:noFill/>
-            </a:ln>
-          </p:spPr>
-          <p:txBody>
-            <a:bodyPr spcFirstLastPara="1" wrap="square" lIns="91425" tIns="91425" rIns="91425" bIns="91425" anchor="ctr" anchorCtr="0">
-              <a:noAutofit/>
-            </a:bodyPr>
-            <a:lstStyle/>
-            <a:p>
-              <a:pPr marL="0" lvl="0" indent="0" algn="ctr" rtl="0">
-                <a:spcBef>
-                  <a:spcPts val="0"/>
-                </a:spcBef>
-                <a:spcAft>
-                  <a:spcPts val="0"/>
-                </a:spcAft>
-                <a:buNone/>
-              </a:pPr>
-              <a:r>
-                <a:rPr lang="en" sz="700">
-                  <a:solidFill>
-                    <a:srgbClr val="FFFFFF"/>
-                  </a:solidFill>
-                  <a:latin typeface="Raleway"/>
-                  <a:ea typeface="Raleway"/>
-                  <a:cs typeface="Raleway"/>
-                  <a:sym typeface="Raleway"/>
-                </a:rPr>
-                <a:t>TODAY</a:t>
-              </a:r>
-              <a:endParaRPr sz="700">
-                <a:solidFill>
-                  <a:srgbClr val="FFFFFF"/>
-                </a:solidFill>
-                <a:latin typeface="Raleway"/>
-                <a:ea typeface="Raleway"/>
-                <a:cs typeface="Raleway"/>
-                <a:sym typeface="Raleway"/>
-              </a:endParaRPr>
-            </a:p>
-          </p:txBody>
-        </p:sp>
-      </p:grpSp>
-      <p:grpSp>
-        <p:nvGrpSpPr>
-          <p:cNvPr id="255" name="Google Shape;255;p33"/>
-          <p:cNvGrpSpPr/>
-          <p:nvPr/>
-        </p:nvGrpSpPr>
-        <p:grpSpPr>
-          <a:xfrm>
-            <a:off x="1945500" y="2678680"/>
-            <a:ext cx="1029000" cy="1038995"/>
-            <a:chOff x="1945500" y="2678680"/>
-            <a:chExt cx="1029000" cy="1038995"/>
-          </a:xfrm>
-        </p:grpSpPr>
-        <p:sp>
-          <p:nvSpPr>
-            <p:cNvPr id="256" name="Google Shape;256;p33"/>
-            <p:cNvSpPr txBox="1"/>
-            <p:nvPr/>
-          </p:nvSpPr>
-          <p:spPr>
-            <a:xfrm>
-              <a:off x="1945500" y="2856375"/>
-              <a:ext cx="1029000" cy="861300"/>
-            </a:xfrm>
-            <a:prstGeom prst="rect">
-              <a:avLst/>
-            </a:prstGeom>
-            <a:solidFill>
-              <a:srgbClr val="B7B7B7"/>
-            </a:solidFill>
-            <a:ln>
-              <a:noFill/>
-            </a:ln>
-          </p:spPr>
-          <p:txBody>
-            <a:bodyPr spcFirstLastPara="1" wrap="square" lIns="91425" tIns="91425" rIns="91425" bIns="91425" anchor="ctr" anchorCtr="0">
-              <a:noAutofit/>
-            </a:bodyPr>
-            <a:lstStyle/>
-            <a:p>
-              <a:pPr marL="0" lvl="0" indent="0" algn="ctr" rtl="0">
-                <a:spcBef>
-                  <a:spcPts val="0"/>
-                </a:spcBef>
-                <a:spcAft>
-                  <a:spcPts val="0"/>
-                </a:spcAft>
-                <a:buNone/>
-              </a:pPr>
-              <a:r>
-                <a:rPr lang="en" sz="900">
-                  <a:solidFill>
-                    <a:srgbClr val="FFFFFF"/>
-                  </a:solidFill>
-                  <a:latin typeface="Lato"/>
-                  <a:ea typeface="Lato"/>
-                  <a:cs typeface="Lato"/>
-                  <a:sym typeface="Lato"/>
-                </a:rPr>
-                <a:t>User research</a:t>
-              </a:r>
-              <a:endParaRPr sz="900">
-                <a:solidFill>
-                  <a:srgbClr val="FFFFFF"/>
-                </a:solidFill>
-                <a:latin typeface="Lato"/>
-                <a:ea typeface="Lato"/>
-                <a:cs typeface="Lato"/>
-                <a:sym typeface="Lato"/>
-              </a:endParaRPr>
-            </a:p>
-          </p:txBody>
-        </p:sp>
-        <p:sp>
-          <p:nvSpPr>
-            <p:cNvPr id="257" name="Google Shape;257;p33"/>
-            <p:cNvSpPr txBox="1"/>
-            <p:nvPr/>
-          </p:nvSpPr>
-          <p:spPr>
-            <a:xfrm>
-              <a:off x="1945500" y="2678680"/>
-              <a:ext cx="1029000" cy="164100"/>
-            </a:xfrm>
-            <a:prstGeom prst="rect">
-              <a:avLst/>
-            </a:prstGeom>
-            <a:solidFill>
-              <a:srgbClr val="B7B7B7"/>
-            </a:solidFill>
-            <a:ln>
-              <a:noFill/>
-            </a:ln>
-          </p:spPr>
-          <p:txBody>
-            <a:bodyPr spcFirstLastPara="1" wrap="square" lIns="91425" tIns="91425" rIns="91425" bIns="91425" anchor="ctr" anchorCtr="0">
-              <a:noAutofit/>
-            </a:bodyPr>
-            <a:lstStyle/>
-            <a:p>
-              <a:pPr marL="0" lvl="0" indent="0" algn="ctr" rtl="0">
-                <a:spcBef>
-                  <a:spcPts val="0"/>
-                </a:spcBef>
-                <a:spcAft>
-                  <a:spcPts val="0"/>
-                </a:spcAft>
-                <a:buNone/>
-              </a:pPr>
-              <a:r>
-                <a:rPr lang="en" sz="700">
-                  <a:solidFill>
-                    <a:srgbClr val="FFFFFF"/>
-                  </a:solidFill>
-                  <a:latin typeface="Raleway"/>
-                  <a:ea typeface="Raleway"/>
-                  <a:cs typeface="Raleway"/>
-                  <a:sym typeface="Raleway"/>
-                </a:rPr>
-                <a:t>JUN</a:t>
-              </a:r>
-              <a:endParaRPr sz="700">
-                <a:solidFill>
-                  <a:srgbClr val="FFFFFF"/>
-                </a:solidFill>
-                <a:latin typeface="Raleway"/>
-                <a:ea typeface="Raleway"/>
-                <a:cs typeface="Raleway"/>
-                <a:sym typeface="Raleway"/>
-              </a:endParaRPr>
-            </a:p>
-          </p:txBody>
-        </p:sp>
-      </p:grpSp>
-      <p:grpSp>
-        <p:nvGrpSpPr>
-          <p:cNvPr id="258" name="Google Shape;258;p33"/>
-          <p:cNvGrpSpPr/>
-          <p:nvPr/>
-        </p:nvGrpSpPr>
-        <p:grpSpPr>
-          <a:xfrm>
-            <a:off x="828040" y="2678680"/>
-            <a:ext cx="1029012" cy="1039104"/>
-            <a:chOff x="828040" y="2678680"/>
-            <a:chExt cx="1029012" cy="1039104"/>
-          </a:xfrm>
-        </p:grpSpPr>
-        <p:sp>
-          <p:nvSpPr>
-            <p:cNvPr id="259" name="Google Shape;259;p33"/>
-            <p:cNvSpPr txBox="1"/>
-            <p:nvPr/>
-          </p:nvSpPr>
-          <p:spPr>
-            <a:xfrm>
-              <a:off x="828040" y="2856484"/>
-              <a:ext cx="1029000" cy="861300"/>
-            </a:xfrm>
-            <a:prstGeom prst="rect">
-              <a:avLst/>
-            </a:prstGeom>
-            <a:solidFill>
-              <a:srgbClr val="B7B7B7"/>
-            </a:solidFill>
-            <a:ln>
-              <a:noFill/>
-            </a:ln>
-          </p:spPr>
-          <p:txBody>
-            <a:bodyPr spcFirstLastPara="1" wrap="square" lIns="91425" tIns="91425" rIns="91425" bIns="91425" anchor="ctr" anchorCtr="0">
-              <a:noAutofit/>
-            </a:bodyPr>
-            <a:lstStyle/>
-            <a:p>
-              <a:pPr marL="0" lvl="0" indent="0" algn="ctr" rtl="0">
-                <a:spcBef>
-                  <a:spcPts val="0"/>
-                </a:spcBef>
-                <a:spcAft>
-                  <a:spcPts val="0"/>
-                </a:spcAft>
-                <a:buNone/>
-              </a:pPr>
-              <a:r>
-                <a:rPr lang="en" sz="900">
-                  <a:solidFill>
-                    <a:srgbClr val="FFFFFF"/>
-                  </a:solidFill>
-                  <a:latin typeface="Lato"/>
-                  <a:ea typeface="Lato"/>
-                  <a:cs typeface="Lato"/>
-                  <a:sym typeface="Lato"/>
-                </a:rPr>
-                <a:t>Requirements gathering</a:t>
-              </a:r>
-              <a:endParaRPr sz="900">
-                <a:solidFill>
-                  <a:srgbClr val="FFFFFF"/>
-                </a:solidFill>
-                <a:latin typeface="Lato"/>
-                <a:ea typeface="Lato"/>
-                <a:cs typeface="Lato"/>
-                <a:sym typeface="Lato"/>
-              </a:endParaRPr>
-            </a:p>
-          </p:txBody>
-        </p:sp>
-        <p:sp>
-          <p:nvSpPr>
-            <p:cNvPr id="260" name="Google Shape;260;p33"/>
-            <p:cNvSpPr txBox="1"/>
-            <p:nvPr/>
-          </p:nvSpPr>
-          <p:spPr>
-            <a:xfrm>
-              <a:off x="828052" y="2678680"/>
-              <a:ext cx="1029000" cy="164100"/>
-            </a:xfrm>
-            <a:prstGeom prst="rect">
-              <a:avLst/>
-            </a:prstGeom>
-            <a:solidFill>
-              <a:srgbClr val="B7B7B7"/>
-            </a:solidFill>
-            <a:ln>
-              <a:noFill/>
-            </a:ln>
-          </p:spPr>
-          <p:txBody>
-            <a:bodyPr spcFirstLastPara="1" wrap="square" lIns="91425" tIns="91425" rIns="91425" bIns="91425" anchor="ctr" anchorCtr="0">
-              <a:noAutofit/>
-            </a:bodyPr>
-            <a:lstStyle/>
-            <a:p>
-              <a:pPr marL="0" lvl="0" indent="0" algn="ctr" rtl="0">
-                <a:spcBef>
-                  <a:spcPts val="0"/>
-                </a:spcBef>
-                <a:spcAft>
-                  <a:spcPts val="0"/>
-                </a:spcAft>
-                <a:buNone/>
-              </a:pPr>
-              <a:r>
-                <a:rPr lang="en" sz="700">
-                  <a:solidFill>
-                    <a:srgbClr val="FFFFFF"/>
-                  </a:solidFill>
-                  <a:latin typeface="Raleway"/>
-                  <a:ea typeface="Raleway"/>
-                  <a:cs typeface="Raleway"/>
-                  <a:sym typeface="Raleway"/>
-                </a:rPr>
-                <a:t>MAY</a:t>
-              </a:r>
-              <a:endParaRPr sz="700">
-                <a:solidFill>
-                  <a:srgbClr val="FFFFFF"/>
-                </a:solidFill>
-                <a:latin typeface="Raleway"/>
-                <a:ea typeface="Raleway"/>
-                <a:cs typeface="Raleway"/>
-                <a:sym typeface="Raleway"/>
-              </a:endParaRPr>
-            </a:p>
-          </p:txBody>
-        </p:sp>
-      </p:grpSp>
-      <p:grpSp>
-        <p:nvGrpSpPr>
-          <p:cNvPr id="261" name="Google Shape;261;p33"/>
-          <p:cNvGrpSpPr/>
-          <p:nvPr/>
-        </p:nvGrpSpPr>
-        <p:grpSpPr>
-          <a:xfrm>
-            <a:off x="3062590" y="2041983"/>
-            <a:ext cx="1368114" cy="1312853"/>
-            <a:chOff x="3588475" y="2010171"/>
-            <a:chExt cx="1318664" cy="1265400"/>
-          </a:xfrm>
-        </p:grpSpPr>
-        <p:sp>
-          <p:nvSpPr>
-            <p:cNvPr id="262" name="Google Shape;262;p33"/>
-            <p:cNvSpPr/>
-            <p:nvPr/>
-          </p:nvSpPr>
-          <p:spPr>
-            <a:xfrm>
-              <a:off x="3588475" y="2010171"/>
-              <a:ext cx="1265400" cy="1265400"/>
-            </a:xfrm>
-            <a:prstGeom prst="blockArc">
-              <a:avLst>
-                <a:gd name="adj1" fmla="val 10800000"/>
-                <a:gd name="adj2" fmla="val 21145742"/>
-                <a:gd name="adj3" fmla="val 4708"/>
-              </a:avLst>
-            </a:prstGeom>
-            <a:solidFill>
-              <a:schemeClr val="dk1"/>
-            </a:solidFill>
-            <a:ln>
-              <a:noFill/>
-            </a:ln>
-          </p:spPr>
-          <p:txBody>
-            <a:bodyPr spcFirstLastPara="1" wrap="square" lIns="91425" tIns="91425" rIns="91425" bIns="91425" anchor="ctr" anchorCtr="0">
-              <a:noAutofit/>
-            </a:bodyPr>
-            <a:lstStyle/>
-            <a:p>
-              <a:pPr marL="0" lvl="0" indent="0" algn="l" rtl="0">
-                <a:spcBef>
-                  <a:spcPts val="0"/>
-                </a:spcBef>
-                <a:spcAft>
-                  <a:spcPts val="0"/>
-                </a:spcAft>
-                <a:buNone/>
-              </a:pPr>
-              <a:endParaRPr/>
-            </a:p>
-          </p:txBody>
-        </p:sp>
-        <p:sp>
-          <p:nvSpPr>
-            <p:cNvPr id="263" name="Google Shape;263;p33"/>
-            <p:cNvSpPr/>
-            <p:nvPr/>
-          </p:nvSpPr>
-          <p:spPr>
-            <a:xfrm rot="10264840">
-              <a:off x="4745726" y="2501027"/>
-              <a:ext cx="150925" cy="143128"/>
-            </a:xfrm>
-            <a:prstGeom prst="triangle">
-              <a:avLst>
-                <a:gd name="adj" fmla="val 50000"/>
-              </a:avLst>
-            </a:prstGeom>
-            <a:solidFill>
-              <a:schemeClr val="dk1"/>
-            </a:solidFill>
-            <a:ln>
-              <a:noFill/>
-            </a:ln>
-          </p:spPr>
-          <p:txBody>
-            <a:bodyPr spcFirstLastPara="1" wrap="square" lIns="91425" tIns="91425" rIns="91425" bIns="91425" anchor="ctr" anchorCtr="0">
-              <a:noAutofit/>
-            </a:bodyPr>
-            <a:lstStyle/>
-            <a:p>
-              <a:pPr marL="0" lvl="0" indent="0" algn="l" rtl="0">
-                <a:spcBef>
-                  <a:spcPts val="0"/>
-                </a:spcBef>
-                <a:spcAft>
-                  <a:spcPts val="0"/>
-                </a:spcAft>
-                <a:buNone/>
-              </a:pPr>
-              <a:endParaRPr/>
-            </a:p>
-          </p:txBody>
-        </p:sp>
-      </p:grpSp>
-      <p:grpSp>
-        <p:nvGrpSpPr>
-          <p:cNvPr id="264" name="Google Shape;264;p33"/>
-          <p:cNvGrpSpPr/>
-          <p:nvPr/>
-        </p:nvGrpSpPr>
-        <p:grpSpPr>
-          <a:xfrm rot="10800000">
-            <a:off x="3841288" y="3035640"/>
-            <a:ext cx="1368114" cy="1312853"/>
-            <a:chOff x="3588475" y="2010171"/>
-            <a:chExt cx="1318664" cy="1265400"/>
-          </a:xfrm>
-        </p:grpSpPr>
-        <p:sp>
-          <p:nvSpPr>
-            <p:cNvPr id="265" name="Google Shape;265;p33"/>
-            <p:cNvSpPr/>
-            <p:nvPr/>
-          </p:nvSpPr>
-          <p:spPr>
-            <a:xfrm>
-              <a:off x="3588475" y="2010171"/>
-              <a:ext cx="1265400" cy="1265400"/>
-            </a:xfrm>
-            <a:prstGeom prst="blockArc">
-              <a:avLst>
-                <a:gd name="adj1" fmla="val 10800000"/>
-                <a:gd name="adj2" fmla="val 21145742"/>
-                <a:gd name="adj3" fmla="val 4708"/>
-              </a:avLst>
-            </a:prstGeom>
-            <a:solidFill>
-              <a:srgbClr val="666666"/>
-            </a:solidFill>
-            <a:ln>
-              <a:noFill/>
-            </a:ln>
-          </p:spPr>
-          <p:txBody>
-            <a:bodyPr spcFirstLastPara="1" wrap="square" lIns="91425" tIns="91425" rIns="91425" bIns="91425" anchor="ctr" anchorCtr="0">
-              <a:noAutofit/>
-            </a:bodyPr>
-            <a:lstStyle/>
-            <a:p>
-              <a:pPr marL="0" lvl="0" indent="0" algn="l" rtl="0">
-                <a:spcBef>
-                  <a:spcPts val="0"/>
-                </a:spcBef>
-                <a:spcAft>
-                  <a:spcPts val="0"/>
-                </a:spcAft>
-                <a:buNone/>
-              </a:pPr>
-              <a:endParaRPr/>
-            </a:p>
-          </p:txBody>
-        </p:sp>
-        <p:sp>
-          <p:nvSpPr>
-            <p:cNvPr id="266" name="Google Shape;266;p33"/>
-            <p:cNvSpPr/>
-            <p:nvPr/>
-          </p:nvSpPr>
-          <p:spPr>
-            <a:xfrm rot="10264840">
-              <a:off x="4745726" y="2501027"/>
-              <a:ext cx="150925" cy="143128"/>
-            </a:xfrm>
-            <a:prstGeom prst="triangle">
-              <a:avLst>
-                <a:gd name="adj" fmla="val 50000"/>
-              </a:avLst>
-            </a:prstGeom>
-            <a:solidFill>
-              <a:srgbClr val="666666"/>
-            </a:solidFill>
-            <a:ln>
-              <a:noFill/>
-            </a:ln>
-          </p:spPr>
-          <p:txBody>
-            <a:bodyPr spcFirstLastPara="1" wrap="square" lIns="91425" tIns="91425" rIns="91425" bIns="91425" anchor="ctr" anchorCtr="0">
-              <a:noAutofit/>
-            </a:bodyPr>
-            <a:lstStyle/>
-            <a:p>
-              <a:pPr marL="0" lvl="0" indent="0" algn="l" rtl="0">
-                <a:spcBef>
-                  <a:spcPts val="0"/>
-                </a:spcBef>
-                <a:spcAft>
-                  <a:spcPts val="0"/>
-                </a:spcAft>
-                <a:buNone/>
-              </a:pPr>
-              <a:endParaRPr/>
-            </a:p>
-          </p:txBody>
-        </p:sp>
-      </p:grpSp>
-    </p:spTree>
-  </p:cSld>
-  <p:clrMapOvr>
-    <a:masterClrMapping/>
-  </p:clrMapOvr>
-</p:sld>
-</file>
-
-<file path=ppt/slides/slide18.xml><?xml version="1.0" encoding="utf-8"?>
 <p:sld xmlns:a="http://schemas.openxmlformats.org/drawingml/2006/main" xmlns:r="http://schemas.openxmlformats.org/officeDocument/2006/relationships" xmlns:p="http://schemas.openxmlformats.org/presentationml/2006/main">
   <p:cSld>
     <p:spTree>
@@ -14304,7 +12743,7 @@
 </p:sld>
 </file>
 
-<file path=ppt/slides/slide19.xml><?xml version="1.0" encoding="utf-8"?>
+<file path=ppt/slides/slide16.xml><?xml version="1.0" encoding="utf-8"?>
 <p:sld xmlns:a="http://schemas.openxmlformats.org/drawingml/2006/main" xmlns:r="http://schemas.openxmlformats.org/officeDocument/2006/relationships" xmlns:p="http://schemas.openxmlformats.org/presentationml/2006/main">
   <p:cSld>
     <p:spTree>
@@ -14356,27 +12795,58 @@
               <a:buNone/>
             </a:pPr>
             <a:r>
-              <a:rPr lang="en"/>
+              <a:rPr lang="en" dirty="0"/>
               <a:t>References</a:t>
             </a:r>
-            <a:endParaRPr/>
+            <a:endParaRPr dirty="0"/>
           </a:p>
         </p:txBody>
       </p:sp>
+    </p:spTree>
+  </p:cSld>
+  <p:clrMapOvr>
+    <a:masterClrMapping/>
+  </p:clrMapOvr>
+</p:sld>
+</file>
+
+<file path=ppt/slides/slide17.xml><?xml version="1.0" encoding="utf-8"?>
+<p:sld xmlns:a="http://schemas.openxmlformats.org/drawingml/2006/main" xmlns:r="http://schemas.openxmlformats.org/officeDocument/2006/relationships" xmlns:p="http://schemas.openxmlformats.org/presentationml/2006/main">
+  <p:cSld>
+    <p:spTree>
+      <p:nvGrpSpPr>
+        <p:cNvPr id="1" name=""/>
+        <p:cNvGrpSpPr/>
+        <p:nvPr/>
+      </p:nvGrpSpPr>
+      <p:grpSpPr>
+        <a:xfrm>
+          <a:off x="0" y="0"/>
+          <a:ext cx="0" cy="0"/>
+          <a:chOff x="0" y="0"/>
+          <a:chExt cx="0" cy="0"/>
+        </a:xfrm>
+      </p:grpSpPr>
       <p:sp>
         <p:nvSpPr>
-          <p:cNvPr id="277" name="Google Shape;277;p35"/>
+          <p:cNvPr id="4" name="Google Shape;276;p35">
+            <a:extLst>
+              <a:ext uri="{FF2B5EF4-FFF2-40B4-BE49-F238E27FC236}">
+                <a16:creationId xmlns:a16="http://schemas.microsoft.com/office/drawing/2014/main" id="{FB5DD459-2FE5-ABE7-AC04-CB2A4AB79A15}"/>
+              </a:ext>
+            </a:extLst>
+          </p:cNvPr>
           <p:cNvSpPr txBox="1">
             <a:spLocks noGrp="1"/>
           </p:cNvSpPr>
           <p:nvPr>
-            <p:ph type="body" idx="1"/>
+            <p:ph type="title"/>
           </p:nvPr>
         </p:nvSpPr>
         <p:spPr>
           <a:xfrm>
-            <a:off x="729450" y="2078875"/>
-            <a:ext cx="7688700" cy="2261100"/>
+            <a:off x="3075511" y="2304150"/>
+            <a:ext cx="6068489" cy="535200"/>
           </a:xfrm>
           <a:prstGeom prst="rect">
             <a:avLst/>
@@ -14398,91 +12868,19 @@
               <a:buNone/>
             </a:pPr>
             <a:r>
-              <a:rPr lang="en" u="sng">
-                <a:solidFill>
-                  <a:schemeClr val="accent5"/>
-                </a:solidFill>
-                <a:hlinkClick r:id="rId3">
-                  <a:extLst>
-                    <a:ext uri="{A12FA001-AC4F-418D-AE19-62706E023703}">
-                      <ahyp:hlinkClr xmlns:ahyp="http://schemas.microsoft.com/office/drawing/2018/hyperlinkcolor" val="tx"/>
-                    </a:ext>
-                  </a:extLst>
-                </a:hlinkClick>
-              </a:rPr>
-              <a:t>Tips for Presenting Your Wireframes</a:t>
+              <a:rPr lang="en" dirty="0"/>
+              <a:t>Thank You</a:t>
             </a:r>
-            <a:endParaRPr>
-              <a:solidFill>
-                <a:schemeClr val="accent5"/>
-              </a:solidFill>
-            </a:endParaRPr>
-          </a:p>
-          <a:p>
-            <a:pPr marL="0" lvl="0" indent="0" algn="l" rtl="0">
-              <a:spcBef>
-                <a:spcPts val="1000"/>
-              </a:spcBef>
-              <a:spcAft>
-                <a:spcPts val="0"/>
-              </a:spcAft>
-              <a:buNone/>
-            </a:pPr>
-            <a:r>
-              <a:rPr lang="en" u="sng">
-                <a:solidFill>
-                  <a:schemeClr val="accent5"/>
-                </a:solidFill>
-                <a:hlinkClick r:id="rId4">
-                  <a:extLst>
-                    <a:ext uri="{A12FA001-AC4F-418D-AE19-62706E023703}">
-                      <ahyp:hlinkClr xmlns:ahyp="http://schemas.microsoft.com/office/drawing/2018/hyperlinkcolor" val="tx"/>
-                    </a:ext>
-                  </a:extLst>
-                </a:hlinkClick>
-              </a:rPr>
-              <a:t>3 Steps to Better UI Wireframes</a:t>
-            </a:r>
-            <a:endParaRPr>
-              <a:solidFill>
-                <a:schemeClr val="accent5"/>
-              </a:solidFill>
-            </a:endParaRPr>
-          </a:p>
-          <a:p>
-            <a:pPr marL="0" lvl="0" indent="0" algn="l" rtl="0">
-              <a:spcBef>
-                <a:spcPts val="1000"/>
-              </a:spcBef>
-              <a:spcAft>
-                <a:spcPts val="1000"/>
-              </a:spcAft>
-              <a:buNone/>
-            </a:pPr>
-            <a:r>
-              <a:rPr lang="en" u="sng">
-                <a:solidFill>
-                  <a:schemeClr val="accent5"/>
-                </a:solidFill>
-                <a:hlinkClick r:id="rId5">
-                  <a:extLst>
-                    <a:ext uri="{A12FA001-AC4F-418D-AE19-62706E023703}">
-                      <ahyp:hlinkClr xmlns:ahyp="http://schemas.microsoft.com/office/drawing/2018/hyperlinkcolor" val="tx"/>
-                    </a:ext>
-                  </a:extLst>
-                </a:hlinkClick>
-              </a:rPr>
-              <a:t>Wireframing for Beginners</a:t>
-            </a:r>
-            <a:endParaRPr>
-              <a:solidFill>
-                <a:schemeClr val="accent5"/>
-              </a:solidFill>
-            </a:endParaRPr>
+            <a:endParaRPr dirty="0"/>
           </a:p>
         </p:txBody>
       </p:sp>
     </p:spTree>
+    <p:extLst>
+      <p:ext uri="{BB962C8B-B14F-4D97-AF65-F5344CB8AC3E}">
+        <p14:creationId xmlns:p14="http://schemas.microsoft.com/office/powerpoint/2010/main" val="4278603192"/>
+      </p:ext>
+    </p:extLst>
   </p:cSld>
   <p:clrMapOvr>
     <a:masterClrMapping/>

--- a/Presentation/Presentation1.pptx
+++ b/Presentation/Presentation1.pptx
@@ -5,43 +5,45 @@
     <p:sldMasterId id="2147483663" r:id="rId1"/>
   </p:sldMasterIdLst>
   <p:notesMasterIdLst>
-    <p:notesMasterId r:id="rId19"/>
+    <p:notesMasterId r:id="rId21"/>
   </p:notesMasterIdLst>
   <p:sldIdLst>
     <p:sldId id="256" r:id="rId2"/>
-    <p:sldId id="258" r:id="rId3"/>
-    <p:sldId id="259" r:id="rId4"/>
-    <p:sldId id="260" r:id="rId5"/>
-    <p:sldId id="261" r:id="rId6"/>
-    <p:sldId id="262" r:id="rId7"/>
-    <p:sldId id="276" r:id="rId8"/>
-    <p:sldId id="263" r:id="rId9"/>
-    <p:sldId id="275" r:id="rId10"/>
-    <p:sldId id="277" r:id="rId11"/>
-    <p:sldId id="265" r:id="rId12"/>
-    <p:sldId id="266" r:id="rId13"/>
-    <p:sldId id="267" r:id="rId14"/>
-    <p:sldId id="279" r:id="rId15"/>
-    <p:sldId id="273" r:id="rId16"/>
-    <p:sldId id="274" r:id="rId17"/>
-    <p:sldId id="280" r:id="rId18"/>
+    <p:sldId id="281" r:id="rId3"/>
+    <p:sldId id="258" r:id="rId4"/>
+    <p:sldId id="282" r:id="rId5"/>
+    <p:sldId id="259" r:id="rId6"/>
+    <p:sldId id="260" r:id="rId7"/>
+    <p:sldId id="261" r:id="rId8"/>
+    <p:sldId id="262" r:id="rId9"/>
+    <p:sldId id="276" r:id="rId10"/>
+    <p:sldId id="263" r:id="rId11"/>
+    <p:sldId id="275" r:id="rId12"/>
+    <p:sldId id="277" r:id="rId13"/>
+    <p:sldId id="266" r:id="rId14"/>
+    <p:sldId id="267" r:id="rId15"/>
+    <p:sldId id="279" r:id="rId16"/>
+    <p:sldId id="265" r:id="rId17"/>
+    <p:sldId id="273" r:id="rId18"/>
+    <p:sldId id="274" r:id="rId19"/>
+    <p:sldId id="280" r:id="rId20"/>
   </p:sldIdLst>
   <p:sldSz cx="9144000" cy="5143500" type="screen16x9"/>
   <p:notesSz cx="6858000" cy="9144000"/>
   <p:embeddedFontLst>
     <p:embeddedFont>
       <p:font typeface="Lato" panose="020F0502020204030203" pitchFamily="34" charset="0"/>
-      <p:regular r:id="rId20"/>
-      <p:bold r:id="rId21"/>
-      <p:italic r:id="rId22"/>
-      <p:boldItalic r:id="rId23"/>
+      <p:regular r:id="rId22"/>
+      <p:bold r:id="rId23"/>
+      <p:italic r:id="rId24"/>
+      <p:boldItalic r:id="rId25"/>
     </p:embeddedFont>
     <p:embeddedFont>
       <p:font typeface="Raleway" pitchFamily="2" charset="0"/>
-      <p:regular r:id="rId24"/>
-      <p:bold r:id="rId25"/>
-      <p:italic r:id="rId26"/>
-      <p:boldItalic r:id="rId27"/>
+      <p:regular r:id="rId26"/>
+      <p:bold r:id="rId27"/>
+      <p:italic r:id="rId28"/>
+      <p:boldItalic r:id="rId29"/>
     </p:embeddedFont>
   </p:embeddedFontLst>
   <p:defaultTextStyle>
@@ -934,6 +936,11 @@
         </p:txBody>
       </p:sp>
     </p:spTree>
+    <p:extLst>
+      <p:ext uri="{BB962C8B-B14F-4D97-AF65-F5344CB8AC3E}">
+        <p14:creationId xmlns:p14="http://schemas.microsoft.com/office/powerpoint/2010/main" val="756741866"/>
+      </p:ext>
+    </p:extLst>
   </p:cSld>
   <p:clrMapOvr>
     <a:masterClrMapping/>
@@ -946,7 +953,7 @@
   <p:cSld>
     <p:spTree>
       <p:nvGrpSpPr>
-        <p:cNvPr id="1" name="Shape 205"/>
+        <p:cNvPr id="1" name="Shape 194"/>
         <p:cNvGrpSpPr/>
         <p:nvPr/>
       </p:nvGrpSpPr>
@@ -960,7 +967,7 @@
       </p:grpSpPr>
       <p:sp>
         <p:nvSpPr>
-          <p:cNvPr id="206" name="Google Shape;206;g251622d556_0_36:notes"/>
+          <p:cNvPr id="195" name="Google Shape;195;g25430e6bdd_5_18:notes"/>
           <p:cNvSpPr>
             <a:spLocks noGrp="1" noRot="1" noChangeAspect="1"/>
           </p:cNvSpPr>
@@ -1001,7 +1008,7 @@
       </p:sp>
       <p:sp>
         <p:nvSpPr>
-          <p:cNvPr id="207" name="Google Shape;207;g251622d556_0_36:notes"/>
+          <p:cNvPr id="196" name="Google Shape;196;g25430e6bdd_5_18:notes"/>
           <p:cNvSpPr txBox="1">
             <a:spLocks noGrp="1"/>
           </p:cNvSpPr>
@@ -1038,11 +1045,6 @@
         </p:txBody>
       </p:sp>
     </p:spTree>
-    <p:extLst>
-      <p:ext uri="{BB962C8B-B14F-4D97-AF65-F5344CB8AC3E}">
-        <p14:creationId xmlns:p14="http://schemas.microsoft.com/office/powerpoint/2010/main" val="756741866"/>
-      </p:ext>
-    </p:extLst>
   </p:cSld>
   <p:clrMapOvr>
     <a:masterClrMapping/>
@@ -1887,110 +1889,6 @@
   <p:cSld>
     <p:spTree>
       <p:nvGrpSpPr>
-        <p:cNvPr id="1" name="Shape 194"/>
-        <p:cNvGrpSpPr/>
-        <p:nvPr/>
-      </p:nvGrpSpPr>
-      <p:grpSpPr>
-        <a:xfrm>
-          <a:off x="0" y="0"/>
-          <a:ext cx="0" cy="0"/>
-          <a:chOff x="0" y="0"/>
-          <a:chExt cx="0" cy="0"/>
-        </a:xfrm>
-      </p:grpSpPr>
-      <p:sp>
-        <p:nvSpPr>
-          <p:cNvPr id="195" name="Google Shape;195;g25430e6bdd_5_18:notes"/>
-          <p:cNvSpPr>
-            <a:spLocks noGrp="1" noRot="1" noChangeAspect="1"/>
-          </p:cNvSpPr>
-          <p:nvPr>
-            <p:ph type="sldImg" idx="2"/>
-          </p:nvPr>
-        </p:nvSpPr>
-        <p:spPr>
-          <a:xfrm>
-            <a:off x="381000" y="685800"/>
-            <a:ext cx="6096000" cy="3429000"/>
-          </a:xfrm>
-          <a:custGeom>
-            <a:avLst/>
-            <a:gdLst/>
-            <a:ahLst/>
-            <a:cxnLst/>
-            <a:rect l="l" t="t" r="r" b="b"/>
-            <a:pathLst>
-              <a:path w="120000" h="120000" extrusionOk="0">
-                <a:moveTo>
-                  <a:pt x="0" y="0"/>
-                </a:moveTo>
-                <a:lnTo>
-                  <a:pt x="120000" y="0"/>
-                </a:lnTo>
-                <a:lnTo>
-                  <a:pt x="120000" y="120000"/>
-                </a:lnTo>
-                <a:lnTo>
-                  <a:pt x="0" y="120000"/>
-                </a:lnTo>
-                <a:close/>
-              </a:path>
-            </a:pathLst>
-          </a:custGeom>
-        </p:spPr>
-      </p:sp>
-      <p:sp>
-        <p:nvSpPr>
-          <p:cNvPr id="196" name="Google Shape;196;g25430e6bdd_5_18:notes"/>
-          <p:cNvSpPr txBox="1">
-            <a:spLocks noGrp="1"/>
-          </p:cNvSpPr>
-          <p:nvPr>
-            <p:ph type="body" idx="1"/>
-          </p:nvPr>
-        </p:nvSpPr>
-        <p:spPr>
-          <a:xfrm>
-            <a:off x="685800" y="4343400"/>
-            <a:ext cx="5486400" cy="4114800"/>
-          </a:xfrm>
-          <a:prstGeom prst="rect">
-            <a:avLst/>
-          </a:prstGeom>
-        </p:spPr>
-        <p:txBody>
-          <a:bodyPr spcFirstLastPara="1" wrap="square" lIns="91425" tIns="91425" rIns="91425" bIns="91425" anchor="t" anchorCtr="0">
-            <a:noAutofit/>
-          </a:bodyPr>
-          <a:lstStyle/>
-          <a:p>
-            <a:pPr marL="0" lvl="0" indent="0" algn="l" rtl="0">
-              <a:spcBef>
-                <a:spcPts val="0"/>
-              </a:spcBef>
-              <a:spcAft>
-                <a:spcPts val="0"/>
-              </a:spcAft>
-              <a:buNone/>
-            </a:pPr>
-            <a:endParaRPr/>
-          </a:p>
-        </p:txBody>
-      </p:sp>
-    </p:spTree>
-  </p:cSld>
-  <p:clrMapOvr>
-    <a:masterClrMapping/>
-  </p:clrMapOvr>
-</p:notes>
-</file>
-
-<file path=ppt/notesSlides/notesSlide9.xml><?xml version="1.0" encoding="utf-8"?>
-<p:notes xmlns:a="http://schemas.openxmlformats.org/drawingml/2006/main" xmlns:r="http://schemas.openxmlformats.org/officeDocument/2006/relationships" xmlns:p="http://schemas.openxmlformats.org/presentationml/2006/main" showMasterSp="0" showMasterPhAnim="0">
-  <p:cSld>
-    <p:spTree>
-      <p:nvGrpSpPr>
         <p:cNvPr id="1" name="Shape 200"/>
         <p:cNvGrpSpPr/>
         <p:nvPr/>
@@ -2047,6 +1945,110 @@
       <p:sp>
         <p:nvSpPr>
           <p:cNvPr id="202" name="Google Shape;202;g1d9c67055b_0_159:notes"/>
+          <p:cNvSpPr txBox="1">
+            <a:spLocks noGrp="1"/>
+          </p:cNvSpPr>
+          <p:nvPr>
+            <p:ph type="body" idx="1"/>
+          </p:nvPr>
+        </p:nvSpPr>
+        <p:spPr>
+          <a:xfrm>
+            <a:off x="685800" y="4343400"/>
+            <a:ext cx="5486400" cy="4114800"/>
+          </a:xfrm>
+          <a:prstGeom prst="rect">
+            <a:avLst/>
+          </a:prstGeom>
+        </p:spPr>
+        <p:txBody>
+          <a:bodyPr spcFirstLastPara="1" wrap="square" lIns="91425" tIns="91425" rIns="91425" bIns="91425" anchor="t" anchorCtr="0">
+            <a:noAutofit/>
+          </a:bodyPr>
+          <a:lstStyle/>
+          <a:p>
+            <a:pPr marL="0" lvl="0" indent="0" algn="l" rtl="0">
+              <a:spcBef>
+                <a:spcPts val="0"/>
+              </a:spcBef>
+              <a:spcAft>
+                <a:spcPts val="0"/>
+              </a:spcAft>
+              <a:buNone/>
+            </a:pPr>
+            <a:endParaRPr/>
+          </a:p>
+        </p:txBody>
+      </p:sp>
+    </p:spTree>
+  </p:cSld>
+  <p:clrMapOvr>
+    <a:masterClrMapping/>
+  </p:clrMapOvr>
+</p:notes>
+</file>
+
+<file path=ppt/notesSlides/notesSlide9.xml><?xml version="1.0" encoding="utf-8"?>
+<p:notes xmlns:a="http://schemas.openxmlformats.org/drawingml/2006/main" xmlns:r="http://schemas.openxmlformats.org/officeDocument/2006/relationships" xmlns:p="http://schemas.openxmlformats.org/presentationml/2006/main" showMasterSp="0" showMasterPhAnim="0">
+  <p:cSld>
+    <p:spTree>
+      <p:nvGrpSpPr>
+        <p:cNvPr id="1" name="Shape 205"/>
+        <p:cNvGrpSpPr/>
+        <p:nvPr/>
+      </p:nvGrpSpPr>
+      <p:grpSpPr>
+        <a:xfrm>
+          <a:off x="0" y="0"/>
+          <a:ext cx="0" cy="0"/>
+          <a:chOff x="0" y="0"/>
+          <a:chExt cx="0" cy="0"/>
+        </a:xfrm>
+      </p:grpSpPr>
+      <p:sp>
+        <p:nvSpPr>
+          <p:cNvPr id="206" name="Google Shape;206;g251622d556_0_36:notes"/>
+          <p:cNvSpPr>
+            <a:spLocks noGrp="1" noRot="1" noChangeAspect="1"/>
+          </p:cNvSpPr>
+          <p:nvPr>
+            <p:ph type="sldImg" idx="2"/>
+          </p:nvPr>
+        </p:nvSpPr>
+        <p:spPr>
+          <a:xfrm>
+            <a:off x="381000" y="685800"/>
+            <a:ext cx="6096000" cy="3429000"/>
+          </a:xfrm>
+          <a:custGeom>
+            <a:avLst/>
+            <a:gdLst/>
+            <a:ahLst/>
+            <a:cxnLst/>
+            <a:rect l="l" t="t" r="r" b="b"/>
+            <a:pathLst>
+              <a:path w="120000" h="120000" extrusionOk="0">
+                <a:moveTo>
+                  <a:pt x="0" y="0"/>
+                </a:moveTo>
+                <a:lnTo>
+                  <a:pt x="120000" y="0"/>
+                </a:lnTo>
+                <a:lnTo>
+                  <a:pt x="120000" y="120000"/>
+                </a:lnTo>
+                <a:lnTo>
+                  <a:pt x="0" y="120000"/>
+                </a:lnTo>
+                <a:close/>
+              </a:path>
+            </a:pathLst>
+          </a:custGeom>
+        </p:spPr>
+      </p:sp>
+      <p:sp>
+        <p:nvSpPr>
+          <p:cNvPr id="207" name="Google Shape;207;g251622d556_0_36:notes"/>
           <p:cNvSpPr txBox="1">
             <a:spLocks noGrp="1"/>
           </p:cNvSpPr>
@@ -11767,7 +11769,7 @@
         </p:nvSpPr>
         <p:spPr>
           <a:xfrm>
-            <a:off x="729450" y="1322450"/>
+            <a:off x="580767" y="482391"/>
             <a:ext cx="6070500" cy="1446900"/>
           </a:xfrm>
           <a:prstGeom prst="rect">
@@ -11831,7 +11833,7 @@
         </p:blipFill>
         <p:spPr>
           <a:xfrm>
-            <a:off x="812315" y="2325744"/>
+            <a:off x="782579" y="1455950"/>
             <a:ext cx="6882026" cy="2677436"/>
           </a:xfrm>
           <a:prstGeom prst="rect">
@@ -11843,6 +11845,67 @@
           </a:ln>
         </p:spPr>
       </p:pic>
+      <p:sp>
+        <p:nvSpPr>
+          <p:cNvPr id="5" name="TextBox 4">
+            <a:extLst>
+              <a:ext uri="{FF2B5EF4-FFF2-40B4-BE49-F238E27FC236}">
+                <a16:creationId xmlns:a16="http://schemas.microsoft.com/office/drawing/2014/main" id="{0525D00F-E36F-94B3-A357-C70FCB8B7413}"/>
+              </a:ext>
+            </a:extLst>
+          </p:cNvPr>
+          <p:cNvSpPr txBox="1"/>
+          <p:nvPr/>
+        </p:nvSpPr>
+        <p:spPr>
+          <a:xfrm>
+            <a:off x="895814" y="4189393"/>
+            <a:ext cx="4572000" cy="307777"/>
+          </a:xfrm>
+          <a:prstGeom prst="rect">
+            <a:avLst/>
+          </a:prstGeom>
+          <a:noFill/>
+        </p:spPr>
+        <p:txBody>
+          <a:bodyPr wrap="square">
+            <a:spAutoFit/>
+          </a:bodyPr>
+          <a:lstStyle/>
+          <a:p>
+            <a:r>
+              <a:rPr lang="en-US" b="0" i="0" dirty="0">
+                <a:solidFill>
+                  <a:srgbClr val="24292F"/>
+                </a:solidFill>
+                <a:effectLst/>
+                <a:latin typeface="-apple-system"/>
+              </a:rPr>
+              <a:t>Anna Day, John Brenton </a:t>
+            </a:r>
+            <a:r>
+              <a:rPr lang="en-US" b="0" i="0" dirty="0" err="1">
+                <a:solidFill>
+                  <a:srgbClr val="24292F"/>
+                </a:solidFill>
+                <a:effectLst/>
+                <a:latin typeface="-apple-system"/>
+              </a:rPr>
+              <a:t>Arney</a:t>
+            </a:r>
+            <a:r>
+              <a:rPr lang="en-US" b="0" i="0" dirty="0">
+                <a:solidFill>
+                  <a:srgbClr val="24292F"/>
+                </a:solidFill>
+                <a:effectLst/>
+                <a:latin typeface="-apple-system"/>
+              </a:rPr>
+              <a:t>, Eva Hawkins</a:t>
+            </a:r>
+          </a:p>
+        </p:txBody>
+      </p:sp>
     </p:spTree>
   </p:cSld>
   <p:clrMapOvr>
@@ -11852,6 +11915,487 @@
 </file>
 
 <file path=ppt/slides/slide10.xml><?xml version="1.0" encoding="utf-8"?>
+<p:sld xmlns:a="http://schemas.openxmlformats.org/drawingml/2006/main" xmlns:r="http://schemas.openxmlformats.org/officeDocument/2006/relationships" xmlns:p="http://schemas.openxmlformats.org/presentationml/2006/main">
+  <p:cSld>
+    <p:spTree>
+      <p:nvGrpSpPr>
+        <p:cNvPr id="1" name="Shape 181"/>
+        <p:cNvGrpSpPr/>
+        <p:nvPr/>
+      </p:nvGrpSpPr>
+      <p:grpSpPr>
+        <a:xfrm>
+          <a:off x="0" y="0"/>
+          <a:ext cx="0" cy="0"/>
+          <a:chOff x="0" y="0"/>
+          <a:chExt cx="0" cy="0"/>
+        </a:xfrm>
+      </p:grpSpPr>
+      <p:sp>
+        <p:nvSpPr>
+          <p:cNvPr id="182" name="Google Shape;182;p24"/>
+          <p:cNvSpPr txBox="1">
+            <a:spLocks noGrp="1"/>
+          </p:cNvSpPr>
+          <p:nvPr>
+            <p:ph type="title"/>
+          </p:nvPr>
+        </p:nvSpPr>
+        <p:spPr>
+          <a:xfrm>
+            <a:off x="260827" y="123249"/>
+            <a:ext cx="4050345" cy="1785300"/>
+          </a:xfrm>
+          <a:prstGeom prst="rect">
+            <a:avLst/>
+          </a:prstGeom>
+        </p:spPr>
+        <p:txBody>
+          <a:bodyPr spcFirstLastPara="1" wrap="square" lIns="91425" tIns="91425" rIns="91425" bIns="91425" anchor="t" anchorCtr="0">
+            <a:noAutofit/>
+          </a:bodyPr>
+          <a:lstStyle/>
+          <a:p>
+            <a:pPr algn="l"/>
+            <a:r>
+              <a:rPr lang="en-US" b="1" i="0" dirty="0">
+                <a:solidFill>
+                  <a:srgbClr val="24292F"/>
+                </a:solidFill>
+                <a:effectLst/>
+                <a:latin typeface="-apple-system"/>
+              </a:rPr>
+              <a:t>Explanation of Model Choice: including limitations and benefits</a:t>
+            </a:r>
+          </a:p>
+        </p:txBody>
+      </p:sp>
+      <p:sp>
+        <p:nvSpPr>
+          <p:cNvPr id="186" name="Google Shape;186;p24"/>
+          <p:cNvSpPr txBox="1"/>
+          <p:nvPr/>
+        </p:nvSpPr>
+        <p:spPr>
+          <a:xfrm>
+            <a:off x="4832829" y="896797"/>
+            <a:ext cx="4050343" cy="516000"/>
+          </a:xfrm>
+          <a:prstGeom prst="rect">
+            <a:avLst/>
+          </a:prstGeom>
+          <a:noFill/>
+          <a:ln>
+            <a:noFill/>
+          </a:ln>
+        </p:spPr>
+        <p:txBody>
+          <a:bodyPr spcFirstLastPara="1" wrap="square" lIns="91425" tIns="91425" rIns="91425" bIns="91425" anchor="t" anchorCtr="0">
+            <a:noAutofit/>
+          </a:bodyPr>
+          <a:lstStyle/>
+          <a:p>
+            <a:pPr algn="just"/>
+            <a:endParaRPr lang="en-US" sz="1600" b="0" i="0" dirty="0">
+              <a:solidFill>
+                <a:srgbClr val="24292F"/>
+              </a:solidFill>
+              <a:effectLst/>
+              <a:latin typeface="-apple-system"/>
+            </a:endParaRPr>
+          </a:p>
+          <a:p>
+            <a:pPr algn="just"/>
+            <a:r>
+              <a:rPr lang="en-US" sz="1600" b="0" i="0" dirty="0">
+                <a:solidFill>
+                  <a:srgbClr val="24292F"/>
+                </a:solidFill>
+                <a:effectLst/>
+                <a:latin typeface="-apple-system"/>
+              </a:rPr>
+              <a:t>SK </a:t>
+            </a:r>
+            <a:r>
+              <a:rPr lang="en-US" sz="1600" b="0" i="0" dirty="0" err="1">
+                <a:solidFill>
+                  <a:srgbClr val="24292F"/>
+                </a:solidFill>
+                <a:effectLst/>
+                <a:latin typeface="-apple-system"/>
+              </a:rPr>
+              <a:t>Learn's</a:t>
+            </a:r>
+            <a:r>
+              <a:rPr lang="en-US" sz="1600" b="0" i="0" dirty="0">
+                <a:solidFill>
+                  <a:srgbClr val="24292F"/>
+                </a:solidFill>
+                <a:effectLst/>
+                <a:latin typeface="-apple-system"/>
+              </a:rPr>
+              <a:t> </a:t>
+            </a:r>
+            <a:r>
+              <a:rPr lang="en-US" sz="1600" b="0" i="0" dirty="0" err="1">
+                <a:solidFill>
+                  <a:srgbClr val="24292F"/>
+                </a:solidFill>
+                <a:effectLst/>
+                <a:latin typeface="-apple-system"/>
+              </a:rPr>
+              <a:t>train_test_split</a:t>
+            </a:r>
+            <a:r>
+              <a:rPr lang="en-US" sz="1600" b="0" i="0" dirty="0">
+                <a:solidFill>
+                  <a:srgbClr val="24292F"/>
+                </a:solidFill>
+                <a:effectLst/>
+                <a:latin typeface="-apple-system"/>
+              </a:rPr>
+              <a:t> function was used to split the model into training and testing arrays, using a random state of zero. The </a:t>
+            </a:r>
+            <a:r>
+              <a:rPr lang="en-US" sz="1600" b="0" i="0" dirty="0" err="1">
+                <a:solidFill>
+                  <a:srgbClr val="24292F"/>
+                </a:solidFill>
+                <a:effectLst/>
+                <a:latin typeface="-apple-system"/>
+              </a:rPr>
+              <a:t>The</a:t>
+            </a:r>
+            <a:r>
+              <a:rPr lang="en-US" sz="1600" b="0" i="0" dirty="0">
+                <a:solidFill>
+                  <a:srgbClr val="24292F"/>
+                </a:solidFill>
+                <a:effectLst/>
+                <a:latin typeface="-apple-system"/>
+              </a:rPr>
+              <a:t> model testing performance, when used to predict the </a:t>
+            </a:r>
+            <a:r>
+              <a:rPr lang="en-US" sz="1600" b="0" i="0" dirty="0" err="1">
+                <a:solidFill>
+                  <a:srgbClr val="24292F"/>
+                </a:solidFill>
+                <a:effectLst/>
+                <a:latin typeface="-apple-system"/>
+              </a:rPr>
+              <a:t>X_test</a:t>
+            </a:r>
+            <a:r>
+              <a:rPr lang="en-US" sz="1600" b="0" i="0" dirty="0">
+                <a:solidFill>
+                  <a:srgbClr val="24292F"/>
+                </a:solidFill>
+                <a:effectLst/>
+                <a:latin typeface="-apple-system"/>
+              </a:rPr>
+              <a:t> split was quite robust, though not perfect. The group had an opportunity to showcase the linear regression models output to the companies process unit subject matter expert, who was quite pleased with the </a:t>
+            </a:r>
+            <a:r>
+              <a:rPr lang="en-US" sz="1600" b="0" i="0" dirty="0" err="1">
+                <a:solidFill>
+                  <a:srgbClr val="24292F"/>
+                </a:solidFill>
+                <a:effectLst/>
+                <a:latin typeface="-apple-system"/>
+              </a:rPr>
+              <a:t>performace</a:t>
+            </a:r>
+            <a:r>
+              <a:rPr lang="en-US" sz="1600" b="0" i="0" dirty="0">
+                <a:solidFill>
+                  <a:srgbClr val="24292F"/>
+                </a:solidFill>
+                <a:effectLst/>
+                <a:latin typeface="-apple-system"/>
+              </a:rPr>
+              <a:t>. The following </a:t>
+            </a:r>
+            <a:r>
+              <a:rPr lang="en-US" sz="1600" b="0" i="0" dirty="0" err="1">
+                <a:solidFill>
+                  <a:srgbClr val="24292F"/>
+                </a:solidFill>
+                <a:effectLst/>
+                <a:latin typeface="-apple-system"/>
+              </a:rPr>
+              <a:t>performace</a:t>
+            </a:r>
+            <a:r>
+              <a:rPr lang="en-US" sz="1600" b="0" i="0" dirty="0">
+                <a:solidFill>
+                  <a:srgbClr val="24292F"/>
+                </a:solidFill>
+                <a:effectLst/>
+                <a:latin typeface="-apple-system"/>
+              </a:rPr>
+              <a:t> metric results were gathered based on the </a:t>
+            </a:r>
+            <a:r>
+              <a:rPr lang="en-US" sz="1600" b="0" i="0" dirty="0" err="1">
+                <a:solidFill>
+                  <a:srgbClr val="24292F"/>
+                </a:solidFill>
+                <a:effectLst/>
+                <a:latin typeface="-apple-system"/>
+              </a:rPr>
+              <a:t>X_test</a:t>
+            </a:r>
+            <a:r>
+              <a:rPr lang="en-US" sz="1600" b="0" i="0" dirty="0">
+                <a:solidFill>
+                  <a:srgbClr val="24292F"/>
+                </a:solidFill>
+                <a:effectLst/>
+                <a:latin typeface="-apple-system"/>
+              </a:rPr>
+              <a:t> predictions.</a:t>
+            </a:r>
+          </a:p>
+        </p:txBody>
+      </p:sp>
+      <p:sp>
+        <p:nvSpPr>
+          <p:cNvPr id="11" name="TextBox 10">
+            <a:extLst>
+              <a:ext uri="{FF2B5EF4-FFF2-40B4-BE49-F238E27FC236}">
+                <a16:creationId xmlns:a16="http://schemas.microsoft.com/office/drawing/2014/main" id="{A906D141-80A8-888F-C3C5-355150F405C9}"/>
+              </a:ext>
+            </a:extLst>
+          </p:cNvPr>
+          <p:cNvSpPr txBox="1"/>
+          <p:nvPr/>
+        </p:nvSpPr>
+        <p:spPr>
+          <a:xfrm>
+            <a:off x="133108" y="1908549"/>
+            <a:ext cx="4178064" cy="2246769"/>
+          </a:xfrm>
+          <a:prstGeom prst="rect">
+            <a:avLst/>
+          </a:prstGeom>
+          <a:noFill/>
+        </p:spPr>
+        <p:txBody>
+          <a:bodyPr wrap="square">
+            <a:spAutoFit/>
+          </a:bodyPr>
+          <a:lstStyle/>
+          <a:p>
+            <a:pPr algn="just"/>
+            <a:r>
+              <a:rPr lang="en-US" b="0" i="0" dirty="0">
+                <a:solidFill>
+                  <a:srgbClr val="24292F"/>
+                </a:solidFill>
+                <a:effectLst/>
+                <a:latin typeface="-apple-system"/>
+              </a:rPr>
+              <a:t>After testing the cleaned and joined data through the following models, Linear Regression, Logistic Regression, Random Forrest, and Support Vector Machine, the model selected was SK </a:t>
+            </a:r>
+            <a:r>
+              <a:rPr lang="en-US" b="0" i="0" dirty="0" err="1">
+                <a:solidFill>
+                  <a:srgbClr val="24292F"/>
+                </a:solidFill>
+                <a:effectLst/>
+                <a:latin typeface="-apple-system"/>
+              </a:rPr>
+              <a:t>Learn's</a:t>
+            </a:r>
+            <a:r>
+              <a:rPr lang="en-US" b="0" i="0" dirty="0">
+                <a:solidFill>
+                  <a:srgbClr val="24292F"/>
+                </a:solidFill>
+                <a:effectLst/>
+                <a:latin typeface="-apple-system"/>
+              </a:rPr>
+              <a:t> Linear Regression model. This model was chosen because the output (</a:t>
+            </a:r>
+            <a:r>
+              <a:rPr lang="en-US" b="0" i="0" dirty="0" err="1">
+                <a:solidFill>
+                  <a:srgbClr val="24292F"/>
+                </a:solidFill>
+                <a:effectLst/>
+                <a:latin typeface="-apple-system"/>
+              </a:rPr>
+              <a:t>y_predict</a:t>
+            </a:r>
+            <a:r>
+              <a:rPr lang="en-US" b="0" i="0" dirty="0">
+                <a:solidFill>
+                  <a:srgbClr val="24292F"/>
+                </a:solidFill>
+                <a:effectLst/>
+                <a:latin typeface="-apple-system"/>
+              </a:rPr>
+              <a:t>) was more </a:t>
+            </a:r>
+            <a:r>
+              <a:rPr lang="en-US" b="0" i="0" dirty="0" err="1">
+                <a:solidFill>
+                  <a:srgbClr val="24292F"/>
+                </a:solidFill>
+                <a:effectLst/>
+                <a:latin typeface="-apple-system"/>
+              </a:rPr>
+              <a:t>acurate</a:t>
+            </a:r>
+            <a:r>
+              <a:rPr lang="en-US" b="0" i="0" dirty="0">
+                <a:solidFill>
+                  <a:srgbClr val="24292F"/>
+                </a:solidFill>
+                <a:effectLst/>
+                <a:latin typeface="-apple-system"/>
+              </a:rPr>
+              <a:t>, and an actual representation of the N-Butane Vol%, rather than a binary grouping prediction. This number based prediction proves more valuable in real-world operations of the process unit in question.</a:t>
+            </a:r>
+          </a:p>
+        </p:txBody>
+      </p:sp>
+    </p:spTree>
+  </p:cSld>
+  <p:clrMapOvr>
+    <a:masterClrMapping/>
+  </p:clrMapOvr>
+</p:sld>
+</file>
+
+<file path=ppt/slides/slide11.xml><?xml version="1.0" encoding="utf-8"?>
+<p:sld xmlns:a="http://schemas.openxmlformats.org/drawingml/2006/main" xmlns:r="http://schemas.openxmlformats.org/officeDocument/2006/relationships" xmlns:p="http://schemas.openxmlformats.org/presentationml/2006/main">
+  <p:cSld>
+    <p:spTree>
+      <p:nvGrpSpPr>
+        <p:cNvPr id="1" name=""/>
+        <p:cNvGrpSpPr/>
+        <p:nvPr/>
+      </p:nvGrpSpPr>
+      <p:grpSpPr>
+        <a:xfrm>
+          <a:off x="0" y="0"/>
+          <a:ext cx="0" cy="0"/>
+          <a:chOff x="0" y="0"/>
+          <a:chExt cx="0" cy="0"/>
+        </a:xfrm>
+      </p:grpSpPr>
+      <p:sp>
+        <p:nvSpPr>
+          <p:cNvPr id="2" name="Title 1">
+            <a:extLst>
+              <a:ext uri="{FF2B5EF4-FFF2-40B4-BE49-F238E27FC236}">
+                <a16:creationId xmlns:a16="http://schemas.microsoft.com/office/drawing/2014/main" id="{E90C7B4F-CFA7-75A3-80E6-2C8C5361908F}"/>
+              </a:ext>
+            </a:extLst>
+          </p:cNvPr>
+          <p:cNvSpPr>
+            <a:spLocks noGrp="1"/>
+          </p:cNvSpPr>
+          <p:nvPr>
+            <p:ph type="title"/>
+          </p:nvPr>
+        </p:nvSpPr>
+        <p:spPr>
+          <a:xfrm>
+            <a:off x="267012" y="1728150"/>
+            <a:ext cx="4443883" cy="1687200"/>
+          </a:xfrm>
+        </p:spPr>
+        <p:txBody>
+          <a:bodyPr/>
+          <a:lstStyle/>
+          <a:p>
+            <a:r>
+              <a:rPr lang="en-US" b="1" i="0" dirty="0">
+                <a:solidFill>
+                  <a:srgbClr val="24292F"/>
+                </a:solidFill>
+                <a:effectLst/>
+                <a:latin typeface="-apple-system"/>
+              </a:rPr>
+              <a:t>Residual Plot</a:t>
+            </a:r>
+            <a:br>
+              <a:rPr lang="en-US" b="1" i="0" dirty="0">
+                <a:solidFill>
+                  <a:srgbClr val="24292F"/>
+                </a:solidFill>
+                <a:effectLst/>
+                <a:latin typeface="-apple-system"/>
+              </a:rPr>
+            </a:br>
+            <a:endParaRPr lang="en-US" dirty="0"/>
+          </a:p>
+        </p:txBody>
+      </p:sp>
+      <p:pic>
+        <p:nvPicPr>
+          <p:cNvPr id="2050" name="Picture 2">
+            <a:extLst>
+              <a:ext uri="{FF2B5EF4-FFF2-40B4-BE49-F238E27FC236}">
+                <a16:creationId xmlns:a16="http://schemas.microsoft.com/office/drawing/2014/main" id="{5AD75E22-03A0-85C6-763B-B4C8D8CA557B}"/>
+              </a:ext>
+            </a:extLst>
+          </p:cNvPr>
+          <p:cNvPicPr>
+            <a:picLocks noChangeAspect="1" noChangeArrowheads="1"/>
+          </p:cNvPicPr>
+          <p:nvPr/>
+        </p:nvPicPr>
+        <p:blipFill>
+          <a:blip r:embed="rId2">
+            <a:extLst>
+              <a:ext uri="{28A0092B-C50C-407E-A947-70E740481C1C}">
+                <a14:useLocalDpi xmlns:a14="http://schemas.microsoft.com/office/drawing/2010/main" val="0"/>
+              </a:ext>
+            </a:extLst>
+          </a:blip>
+          <a:srcRect/>
+          <a:stretch>
+            <a:fillRect/>
+          </a:stretch>
+        </p:blipFill>
+        <p:spPr bwMode="auto">
+          <a:xfrm>
+            <a:off x="4710895" y="1281112"/>
+            <a:ext cx="4543425" cy="2581275"/>
+          </a:xfrm>
+          <a:prstGeom prst="rect">
+            <a:avLst/>
+          </a:prstGeom>
+          <a:noFill/>
+          <a:extLst>
+            <a:ext uri="{909E8E84-426E-40DD-AFC4-6F175D3DCCD1}">
+              <a14:hiddenFill xmlns:a14="http://schemas.microsoft.com/office/drawing/2010/main">
+                <a:solidFill>
+                  <a:srgbClr val="FFFFFF"/>
+                </a:solidFill>
+              </a14:hiddenFill>
+            </a:ext>
+          </a:extLst>
+        </p:spPr>
+      </p:pic>
+    </p:spTree>
+    <p:extLst>
+      <p:ext uri="{BB962C8B-B14F-4D97-AF65-F5344CB8AC3E}">
+        <p14:creationId xmlns:p14="http://schemas.microsoft.com/office/powerpoint/2010/main" val="2219049510"/>
+      </p:ext>
+    </p:extLst>
+  </p:cSld>
+  <p:clrMapOvr>
+    <a:masterClrMapping/>
+  </p:clrMapOvr>
+</p:sld>
+</file>
+
+<file path=ppt/slides/slide12.xml><?xml version="1.0" encoding="utf-8"?>
 <p:sld xmlns:a="http://schemas.openxmlformats.org/drawingml/2006/main" xmlns:r="http://schemas.openxmlformats.org/officeDocument/2006/relationships" xmlns:p="http://schemas.openxmlformats.org/presentationml/2006/main">
   <p:cSld>
     <p:spTree>
@@ -11968,7 +12512,398 @@
 </p:sld>
 </file>
 
-<file path=ppt/slides/slide11.xml><?xml version="1.0" encoding="utf-8"?>
+<file path=ppt/slides/slide13.xml><?xml version="1.0" encoding="utf-8"?>
+<p:sld xmlns:a="http://schemas.openxmlformats.org/drawingml/2006/main" xmlns:r="http://schemas.openxmlformats.org/officeDocument/2006/relationships" xmlns:p="http://schemas.openxmlformats.org/presentationml/2006/main">
+  <p:cSld>
+    <p:bg>
+      <p:bgPr>
+        <a:solidFill>
+          <a:schemeClr val="dk1"/>
+        </a:solidFill>
+        <a:effectLst/>
+      </p:bgPr>
+    </p:bg>
+    <p:spTree>
+      <p:nvGrpSpPr>
+        <p:cNvPr id="1" name="Shape 203"/>
+        <p:cNvGrpSpPr/>
+        <p:nvPr/>
+      </p:nvGrpSpPr>
+      <p:grpSpPr>
+        <a:xfrm>
+          <a:off x="0" y="0"/>
+          <a:ext cx="0" cy="0"/>
+          <a:chOff x="0" y="0"/>
+          <a:chExt cx="0" cy="0"/>
+        </a:xfrm>
+      </p:grpSpPr>
+      <p:sp>
+        <p:nvSpPr>
+          <p:cNvPr id="204" name="Google Shape;204;p27"/>
+          <p:cNvSpPr txBox="1">
+            <a:spLocks noGrp="1"/>
+          </p:cNvSpPr>
+          <p:nvPr>
+            <p:ph type="title"/>
+          </p:nvPr>
+        </p:nvSpPr>
+        <p:spPr>
+          <a:xfrm>
+            <a:off x="727800" y="500647"/>
+            <a:ext cx="7688400" cy="1518600"/>
+          </a:xfrm>
+          <a:prstGeom prst="rect">
+            <a:avLst/>
+          </a:prstGeom>
+        </p:spPr>
+        <p:txBody>
+          <a:bodyPr spcFirstLastPara="1" wrap="square" lIns="91425" tIns="91425" rIns="91425" bIns="91425" anchor="t" anchorCtr="0">
+            <a:noAutofit/>
+          </a:bodyPr>
+          <a:lstStyle/>
+          <a:p>
+            <a:pPr marL="0" lvl="0" indent="0" algn="l" rtl="0">
+              <a:spcBef>
+                <a:spcPts val="0"/>
+              </a:spcBef>
+              <a:spcAft>
+                <a:spcPts val="0"/>
+              </a:spcAft>
+              <a:buNone/>
+            </a:pPr>
+            <a:r>
+              <a:rPr lang="en-US" dirty="0"/>
+              <a:t>SQL Diagram</a:t>
+            </a:r>
+          </a:p>
+        </p:txBody>
+      </p:sp>
+      <p:pic>
+        <p:nvPicPr>
+          <p:cNvPr id="2050" name="Picture 2">
+            <a:extLst>
+              <a:ext uri="{FF2B5EF4-FFF2-40B4-BE49-F238E27FC236}">
+                <a16:creationId xmlns:a16="http://schemas.microsoft.com/office/drawing/2014/main" id="{A824DAC3-217C-10BF-9A51-26BA96DBF80D}"/>
+              </a:ext>
+            </a:extLst>
+          </p:cNvPr>
+          <p:cNvPicPr>
+            <a:picLocks noChangeAspect="1" noChangeArrowheads="1"/>
+          </p:cNvPicPr>
+          <p:nvPr/>
+        </p:nvPicPr>
+        <p:blipFill>
+          <a:blip r:embed="rId3">
+            <a:extLst>
+              <a:ext uri="{28A0092B-C50C-407E-A947-70E740481C1C}">
+                <a14:useLocalDpi xmlns:a14="http://schemas.microsoft.com/office/drawing/2010/main" val="0"/>
+              </a:ext>
+            </a:extLst>
+          </a:blip>
+          <a:srcRect/>
+          <a:stretch>
+            <a:fillRect/>
+          </a:stretch>
+        </p:blipFill>
+        <p:spPr bwMode="auto">
+          <a:xfrm>
+            <a:off x="3391383" y="390603"/>
+            <a:ext cx="4813420" cy="4564766"/>
+          </a:xfrm>
+          <a:prstGeom prst="rect">
+            <a:avLst/>
+          </a:prstGeom>
+          <a:noFill/>
+          <a:extLst>
+            <a:ext uri="{909E8E84-426E-40DD-AFC4-6F175D3DCCD1}">
+              <a14:hiddenFill xmlns:a14="http://schemas.microsoft.com/office/drawing/2010/main">
+                <a:solidFill>
+                  <a:srgbClr val="FFFFFF"/>
+                </a:solidFill>
+              </a14:hiddenFill>
+            </a:ext>
+          </a:extLst>
+        </p:spPr>
+      </p:pic>
+    </p:spTree>
+  </p:cSld>
+  <p:clrMapOvr>
+    <a:masterClrMapping/>
+  </p:clrMapOvr>
+</p:sld>
+</file>
+
+<file path=ppt/slides/slide14.xml><?xml version="1.0" encoding="utf-8"?>
+<p:sld xmlns:a="http://schemas.openxmlformats.org/drawingml/2006/main" xmlns:r="http://schemas.openxmlformats.org/officeDocument/2006/relationships" xmlns:p="http://schemas.openxmlformats.org/presentationml/2006/main">
+  <p:cSld>
+    <p:spTree>
+      <p:nvGrpSpPr>
+        <p:cNvPr id="1" name="Shape 208"/>
+        <p:cNvGrpSpPr/>
+        <p:nvPr/>
+      </p:nvGrpSpPr>
+      <p:grpSpPr>
+        <a:xfrm>
+          <a:off x="0" y="0"/>
+          <a:ext cx="0" cy="0"/>
+          <a:chOff x="0" y="0"/>
+          <a:chExt cx="0" cy="0"/>
+        </a:xfrm>
+      </p:grpSpPr>
+      <p:sp>
+        <p:nvSpPr>
+          <p:cNvPr id="209" name="Google Shape;209;p28"/>
+          <p:cNvSpPr txBox="1">
+            <a:spLocks noGrp="1"/>
+          </p:cNvSpPr>
+          <p:nvPr>
+            <p:ph type="title"/>
+          </p:nvPr>
+        </p:nvSpPr>
+        <p:spPr>
+          <a:xfrm>
+            <a:off x="729450" y="624170"/>
+            <a:ext cx="7688700" cy="535200"/>
+          </a:xfrm>
+          <a:prstGeom prst="rect">
+            <a:avLst/>
+          </a:prstGeom>
+        </p:spPr>
+        <p:txBody>
+          <a:bodyPr spcFirstLastPara="1" wrap="square" lIns="91425" tIns="91425" rIns="91425" bIns="91425" anchor="t" anchorCtr="0">
+            <a:noAutofit/>
+          </a:bodyPr>
+          <a:lstStyle/>
+          <a:p>
+            <a:pPr algn="l"/>
+            <a:r>
+              <a:rPr lang="en-US" b="1" i="0" dirty="0">
+                <a:solidFill>
+                  <a:srgbClr val="24292F"/>
+                </a:solidFill>
+                <a:effectLst/>
+                <a:latin typeface="-apple-system"/>
+              </a:rPr>
+              <a:t>EDA Process</a:t>
+            </a:r>
+          </a:p>
+        </p:txBody>
+      </p:sp>
+      <p:sp>
+        <p:nvSpPr>
+          <p:cNvPr id="210" name="Google Shape;210;p28"/>
+          <p:cNvSpPr txBox="1">
+            <a:spLocks noGrp="1"/>
+          </p:cNvSpPr>
+          <p:nvPr>
+            <p:ph type="body" idx="1"/>
+          </p:nvPr>
+        </p:nvSpPr>
+        <p:spPr>
+          <a:xfrm>
+            <a:off x="544255" y="1394902"/>
+            <a:ext cx="7688700" cy="2261100"/>
+          </a:xfrm>
+          <a:prstGeom prst="rect">
+            <a:avLst/>
+          </a:prstGeom>
+        </p:spPr>
+        <p:txBody>
+          <a:bodyPr spcFirstLastPara="1" wrap="square" lIns="91425" tIns="91425" rIns="91425" bIns="91425" anchor="t" anchorCtr="0">
+            <a:noAutofit/>
+          </a:bodyPr>
+          <a:lstStyle/>
+          <a:p>
+            <a:pPr marL="146050" indent="0" algn="just">
+              <a:buNone/>
+            </a:pPr>
+            <a:r>
+              <a:rPr lang="en-US" sz="1600" b="0" i="0" dirty="0">
+                <a:solidFill>
+                  <a:srgbClr val="24292F"/>
+                </a:solidFill>
+                <a:effectLst/>
+                <a:latin typeface="-apple-system"/>
+              </a:rPr>
+              <a:t>The exploratory data analysis process began with checking the raw data for non-numerical values. We found that there were a few text strings: "Bad", "Bad Input", "Error", and "I/O Timeout". All values across the datasets were object types, and we wanted to convert those to float types. The text strings were preventing the whole dataset from being converted with minimal code. So, we replaced these text strings with </a:t>
+            </a:r>
+            <a:r>
+              <a:rPr lang="en-US" sz="1600" b="0" i="0" dirty="0" err="1">
+                <a:solidFill>
+                  <a:srgbClr val="24292F"/>
+                </a:solidFill>
+                <a:effectLst/>
+                <a:latin typeface="-apple-system"/>
+              </a:rPr>
+              <a:t>NaN</a:t>
+            </a:r>
+            <a:r>
+              <a:rPr lang="en-US" sz="1600" b="0" i="0" dirty="0">
+                <a:solidFill>
+                  <a:srgbClr val="24292F"/>
+                </a:solidFill>
+                <a:effectLst/>
+                <a:latin typeface="-apple-system"/>
+              </a:rPr>
+              <a:t> values, and dropped them. Then we did a full conversion, and generated summary statistics to get an idea of the spread of the data values. We noted multiple values that made no sense (like percent values that fell outside 0-100) and marked them for removal.</a:t>
+            </a:r>
+          </a:p>
+          <a:p>
+            <a:pPr marL="146050" indent="0" algn="just">
+              <a:buNone/>
+            </a:pPr>
+            <a:r>
+              <a:rPr lang="en-US" sz="1600" b="0" i="0" dirty="0">
+                <a:solidFill>
+                  <a:srgbClr val="24292F"/>
+                </a:solidFill>
+                <a:effectLst/>
+                <a:latin typeface="-apple-system"/>
+              </a:rPr>
+              <a:t>We also went ahead and calculated some feature </a:t>
+            </a:r>
+            <a:r>
+              <a:rPr lang="en-US" sz="1600" b="0" i="0" dirty="0" err="1">
+                <a:solidFill>
+                  <a:srgbClr val="24292F"/>
+                </a:solidFill>
+                <a:effectLst/>
+                <a:latin typeface="-apple-system"/>
+              </a:rPr>
+              <a:t>importances</a:t>
+            </a:r>
+            <a:r>
+              <a:rPr lang="en-US" sz="1600" b="0" i="0" dirty="0">
+                <a:solidFill>
+                  <a:srgbClr val="24292F"/>
+                </a:solidFill>
+                <a:effectLst/>
+                <a:latin typeface="-apple-system"/>
+              </a:rPr>
+              <a:t>, feature coefficients, and correlations to understand the relationships of the features among each other and with different model types.</a:t>
+            </a:r>
+          </a:p>
+        </p:txBody>
+      </p:sp>
+    </p:spTree>
+  </p:cSld>
+  <p:clrMapOvr>
+    <a:masterClrMapping/>
+  </p:clrMapOvr>
+</p:sld>
+</file>
+
+<file path=ppt/slides/slide15.xml><?xml version="1.0" encoding="utf-8"?>
+<p:sld xmlns:a="http://schemas.openxmlformats.org/drawingml/2006/main" xmlns:r="http://schemas.openxmlformats.org/officeDocument/2006/relationships" xmlns:p="http://schemas.openxmlformats.org/presentationml/2006/main">
+  <p:cSld>
+    <p:spTree>
+      <p:nvGrpSpPr>
+        <p:cNvPr id="1" name="Shape 208"/>
+        <p:cNvGrpSpPr/>
+        <p:nvPr/>
+      </p:nvGrpSpPr>
+      <p:grpSpPr>
+        <a:xfrm>
+          <a:off x="0" y="0"/>
+          <a:ext cx="0" cy="0"/>
+          <a:chOff x="0" y="0"/>
+          <a:chExt cx="0" cy="0"/>
+        </a:xfrm>
+      </p:grpSpPr>
+      <p:sp>
+        <p:nvSpPr>
+          <p:cNvPr id="209" name="Google Shape;209;p28"/>
+          <p:cNvSpPr txBox="1">
+            <a:spLocks noGrp="1"/>
+          </p:cNvSpPr>
+          <p:nvPr>
+            <p:ph type="title"/>
+          </p:nvPr>
+        </p:nvSpPr>
+        <p:spPr>
+          <a:xfrm>
+            <a:off x="729450" y="1318650"/>
+            <a:ext cx="7688700" cy="535200"/>
+          </a:xfrm>
+          <a:prstGeom prst="rect">
+            <a:avLst/>
+          </a:prstGeom>
+        </p:spPr>
+        <p:txBody>
+          <a:bodyPr spcFirstLastPara="1" wrap="square" lIns="91425" tIns="91425" rIns="91425" bIns="91425" anchor="t" anchorCtr="0">
+            <a:noAutofit/>
+          </a:bodyPr>
+          <a:lstStyle/>
+          <a:p>
+            <a:pPr algn="l"/>
+            <a:r>
+              <a:rPr lang="en-US" b="1" i="0" dirty="0">
+                <a:solidFill>
+                  <a:srgbClr val="24292F"/>
+                </a:solidFill>
+                <a:effectLst/>
+                <a:latin typeface="-apple-system"/>
+              </a:rPr>
+              <a:t>EDA Process</a:t>
+            </a:r>
+          </a:p>
+        </p:txBody>
+      </p:sp>
+      <p:sp>
+        <p:nvSpPr>
+          <p:cNvPr id="210" name="Google Shape;210;p28"/>
+          <p:cNvSpPr txBox="1">
+            <a:spLocks noGrp="1"/>
+          </p:cNvSpPr>
+          <p:nvPr>
+            <p:ph type="body" idx="1"/>
+          </p:nvPr>
+        </p:nvSpPr>
+        <p:spPr>
+          <a:xfrm>
+            <a:off x="729450" y="2078875"/>
+            <a:ext cx="7688700" cy="2261100"/>
+          </a:xfrm>
+          <a:prstGeom prst="rect">
+            <a:avLst/>
+          </a:prstGeom>
+        </p:spPr>
+        <p:txBody>
+          <a:bodyPr spcFirstLastPara="1" wrap="square" lIns="91425" tIns="91425" rIns="91425" bIns="91425" anchor="t" anchorCtr="0">
+            <a:noAutofit/>
+          </a:bodyPr>
+          <a:lstStyle/>
+          <a:p>
+            <a:pPr marL="146050" indent="0" algn="just">
+              <a:buNone/>
+            </a:pPr>
+            <a:r>
+              <a:rPr lang="en-US" sz="1800" b="0" i="0" dirty="0">
+                <a:solidFill>
+                  <a:srgbClr val="24292F"/>
+                </a:solidFill>
+                <a:effectLst/>
+                <a:latin typeface="-apple-system"/>
+              </a:rPr>
+              <a:t>During the EDA process we also saw that some datetimes were strange. Data was collected at 2 times every day: hour 6 and hour 13, and never at any minute besides 00. A significant chunk of the data was collected at arbitrary datetimes, and this was concerning. After some discussion, we realized that the dates that were strange fell under a period of turnaround for the plant, meaning that the plant itself was shut down and all the data collected in the period was invalid. We marked those datetimes for removal during the data cleaning process.</a:t>
+            </a:r>
+          </a:p>
+        </p:txBody>
+      </p:sp>
+    </p:spTree>
+    <p:extLst>
+      <p:ext uri="{BB962C8B-B14F-4D97-AF65-F5344CB8AC3E}">
+        <p14:creationId xmlns:p14="http://schemas.microsoft.com/office/powerpoint/2010/main" val="239366778"/>
+      </p:ext>
+    </p:extLst>
+  </p:cSld>
+  <p:clrMapOvr>
+    <a:masterClrMapping/>
+  </p:clrMapOvr>
+</p:sld>
+</file>
+
+<file path=ppt/slides/slide16.xml><?xml version="1.0" encoding="utf-8"?>
 <p:sld xmlns:a="http://schemas.openxmlformats.org/drawingml/2006/main" xmlns:r="http://schemas.openxmlformats.org/officeDocument/2006/relationships" xmlns:p="http://schemas.openxmlformats.org/presentationml/2006/main">
   <p:cSld>
     <p:bg>
@@ -12178,505 +13113,7 @@
 </p:sld>
 </file>
 
-<file path=ppt/slides/slide12.xml><?xml version="1.0" encoding="utf-8"?>
-<p:sld xmlns:a="http://schemas.openxmlformats.org/drawingml/2006/main" xmlns:r="http://schemas.openxmlformats.org/officeDocument/2006/relationships" xmlns:p="http://schemas.openxmlformats.org/presentationml/2006/main">
-  <p:cSld>
-    <p:bg>
-      <p:bgPr>
-        <a:solidFill>
-          <a:schemeClr val="dk1"/>
-        </a:solidFill>
-        <a:effectLst/>
-      </p:bgPr>
-    </p:bg>
-    <p:spTree>
-      <p:nvGrpSpPr>
-        <p:cNvPr id="1" name="Shape 203"/>
-        <p:cNvGrpSpPr/>
-        <p:nvPr/>
-      </p:nvGrpSpPr>
-      <p:grpSpPr>
-        <a:xfrm>
-          <a:off x="0" y="0"/>
-          <a:ext cx="0" cy="0"/>
-          <a:chOff x="0" y="0"/>
-          <a:chExt cx="0" cy="0"/>
-        </a:xfrm>
-      </p:grpSpPr>
-      <p:sp>
-        <p:nvSpPr>
-          <p:cNvPr id="204" name="Google Shape;204;p27"/>
-          <p:cNvSpPr txBox="1">
-            <a:spLocks noGrp="1"/>
-          </p:cNvSpPr>
-          <p:nvPr>
-            <p:ph type="title"/>
-          </p:nvPr>
-        </p:nvSpPr>
-        <p:spPr>
-          <a:xfrm>
-            <a:off x="727800" y="500647"/>
-            <a:ext cx="7688400" cy="1518600"/>
-          </a:xfrm>
-          <a:prstGeom prst="rect">
-            <a:avLst/>
-          </a:prstGeom>
-        </p:spPr>
-        <p:txBody>
-          <a:bodyPr spcFirstLastPara="1" wrap="square" lIns="91425" tIns="91425" rIns="91425" bIns="91425" anchor="t" anchorCtr="0">
-            <a:noAutofit/>
-          </a:bodyPr>
-          <a:lstStyle/>
-          <a:p>
-            <a:pPr marL="0" lvl="0" indent="0" algn="l" rtl="0">
-              <a:spcBef>
-                <a:spcPts val="0"/>
-              </a:spcBef>
-              <a:spcAft>
-                <a:spcPts val="0"/>
-              </a:spcAft>
-              <a:buNone/>
-            </a:pPr>
-            <a:r>
-              <a:rPr lang="en-US" dirty="0"/>
-              <a:t>SQL Diagram</a:t>
-            </a:r>
-          </a:p>
-        </p:txBody>
-      </p:sp>
-      <p:pic>
-        <p:nvPicPr>
-          <p:cNvPr id="2050" name="Picture 2">
-            <a:extLst>
-              <a:ext uri="{FF2B5EF4-FFF2-40B4-BE49-F238E27FC236}">
-                <a16:creationId xmlns:a16="http://schemas.microsoft.com/office/drawing/2014/main" id="{A824DAC3-217C-10BF-9A51-26BA96DBF80D}"/>
-              </a:ext>
-            </a:extLst>
-          </p:cNvPr>
-          <p:cNvPicPr>
-            <a:picLocks noChangeAspect="1" noChangeArrowheads="1"/>
-          </p:cNvPicPr>
-          <p:nvPr/>
-        </p:nvPicPr>
-        <p:blipFill>
-          <a:blip r:embed="rId3">
-            <a:extLst>
-              <a:ext uri="{28A0092B-C50C-407E-A947-70E740481C1C}">
-                <a14:useLocalDpi xmlns:a14="http://schemas.microsoft.com/office/drawing/2010/main" val="0"/>
-              </a:ext>
-            </a:extLst>
-          </a:blip>
-          <a:srcRect/>
-          <a:stretch>
-            <a:fillRect/>
-          </a:stretch>
-        </p:blipFill>
-        <p:spPr bwMode="auto">
-          <a:xfrm>
-            <a:off x="3391383" y="390603"/>
-            <a:ext cx="4813420" cy="4564766"/>
-          </a:xfrm>
-          <a:prstGeom prst="rect">
-            <a:avLst/>
-          </a:prstGeom>
-          <a:noFill/>
-          <a:extLst>
-            <a:ext uri="{909E8E84-426E-40DD-AFC4-6F175D3DCCD1}">
-              <a14:hiddenFill xmlns:a14="http://schemas.microsoft.com/office/drawing/2010/main">
-                <a:solidFill>
-                  <a:srgbClr val="FFFFFF"/>
-                </a:solidFill>
-              </a14:hiddenFill>
-            </a:ext>
-          </a:extLst>
-        </p:spPr>
-      </p:pic>
-    </p:spTree>
-  </p:cSld>
-  <p:clrMapOvr>
-    <a:masterClrMapping/>
-  </p:clrMapOvr>
-</p:sld>
-</file>
-
-<file path=ppt/slides/slide13.xml><?xml version="1.0" encoding="utf-8"?>
-<p:sld xmlns:a="http://schemas.openxmlformats.org/drawingml/2006/main" xmlns:r="http://schemas.openxmlformats.org/officeDocument/2006/relationships" xmlns:p="http://schemas.openxmlformats.org/presentationml/2006/main">
-  <p:cSld>
-    <p:spTree>
-      <p:nvGrpSpPr>
-        <p:cNvPr id="1" name="Shape 208"/>
-        <p:cNvGrpSpPr/>
-        <p:nvPr/>
-      </p:nvGrpSpPr>
-      <p:grpSpPr>
-        <a:xfrm>
-          <a:off x="0" y="0"/>
-          <a:ext cx="0" cy="0"/>
-          <a:chOff x="0" y="0"/>
-          <a:chExt cx="0" cy="0"/>
-        </a:xfrm>
-      </p:grpSpPr>
-      <p:sp>
-        <p:nvSpPr>
-          <p:cNvPr id="209" name="Google Shape;209;p28"/>
-          <p:cNvSpPr txBox="1">
-            <a:spLocks noGrp="1"/>
-          </p:cNvSpPr>
-          <p:nvPr>
-            <p:ph type="title"/>
-          </p:nvPr>
-        </p:nvSpPr>
-        <p:spPr>
-          <a:xfrm>
-            <a:off x="729450" y="1318650"/>
-            <a:ext cx="7688700" cy="535200"/>
-          </a:xfrm>
-          <a:prstGeom prst="rect">
-            <a:avLst/>
-          </a:prstGeom>
-        </p:spPr>
-        <p:txBody>
-          <a:bodyPr spcFirstLastPara="1" wrap="square" lIns="91425" tIns="91425" rIns="91425" bIns="91425" anchor="t" anchorCtr="0">
-            <a:noAutofit/>
-          </a:bodyPr>
-          <a:lstStyle/>
-          <a:p>
-            <a:pPr algn="l"/>
-            <a:r>
-              <a:rPr lang="en-US" b="1" i="0" dirty="0">
-                <a:solidFill>
-                  <a:srgbClr val="24292F"/>
-                </a:solidFill>
-                <a:effectLst/>
-                <a:latin typeface="-apple-system"/>
-              </a:rPr>
-              <a:t>EDA Process</a:t>
-            </a:r>
-          </a:p>
-        </p:txBody>
-      </p:sp>
-      <p:sp>
-        <p:nvSpPr>
-          <p:cNvPr id="210" name="Google Shape;210;p28"/>
-          <p:cNvSpPr txBox="1">
-            <a:spLocks noGrp="1"/>
-          </p:cNvSpPr>
-          <p:nvPr>
-            <p:ph type="body" idx="1"/>
-          </p:nvPr>
-        </p:nvSpPr>
-        <p:spPr>
-          <a:xfrm>
-            <a:off x="729450" y="2078875"/>
-            <a:ext cx="7688700" cy="2261100"/>
-          </a:xfrm>
-          <a:prstGeom prst="rect">
-            <a:avLst/>
-          </a:prstGeom>
-        </p:spPr>
-        <p:txBody>
-          <a:bodyPr spcFirstLastPara="1" wrap="square" lIns="91425" tIns="91425" rIns="91425" bIns="91425" anchor="t" anchorCtr="0">
-            <a:noAutofit/>
-          </a:bodyPr>
-          <a:lstStyle/>
-          <a:p>
-            <a:pPr marL="146050" indent="0" algn="l">
-              <a:buNone/>
-            </a:pPr>
-            <a:r>
-              <a:rPr lang="en-US" b="0" i="0" dirty="0">
-                <a:solidFill>
-                  <a:srgbClr val="24292F"/>
-                </a:solidFill>
-                <a:effectLst/>
-                <a:latin typeface="-apple-system"/>
-              </a:rPr>
-              <a:t>The exploratory data analysis process began with checking the raw data for non-numerical values. We found that there were a few text strings: "Bad", "Bad Input", "Error", and "I/O Timeout". All values across the datasets were object types, and we wanted to convert those to float types. The text strings were preventing the whole dataset from being converted with minimal code. So, we replaced these text strings with </a:t>
-            </a:r>
-            <a:r>
-              <a:rPr lang="en-US" b="0" i="0" dirty="0" err="1">
-                <a:solidFill>
-                  <a:srgbClr val="24292F"/>
-                </a:solidFill>
-                <a:effectLst/>
-                <a:latin typeface="-apple-system"/>
-              </a:rPr>
-              <a:t>NaN</a:t>
-            </a:r>
-            <a:r>
-              <a:rPr lang="en-US" b="0" i="0" dirty="0">
-                <a:solidFill>
-                  <a:srgbClr val="24292F"/>
-                </a:solidFill>
-                <a:effectLst/>
-                <a:latin typeface="-apple-system"/>
-              </a:rPr>
-              <a:t> values, and dropped them. Then we did a full conversion, and generated summary statistics to get an idea of the spread of the data values. We noted multiple values that made no sense (like percent values that fell outside 0-100) and marked them for removal.</a:t>
-            </a:r>
-          </a:p>
-          <a:p>
-            <a:pPr marL="146050" indent="0" algn="l">
-              <a:buNone/>
-            </a:pPr>
-            <a:r>
-              <a:rPr lang="en-US" b="0" i="0" dirty="0">
-                <a:solidFill>
-                  <a:srgbClr val="24292F"/>
-                </a:solidFill>
-                <a:effectLst/>
-                <a:latin typeface="-apple-system"/>
-              </a:rPr>
-              <a:t>We also went ahead and calculated some feature </a:t>
-            </a:r>
-            <a:r>
-              <a:rPr lang="en-US" b="0" i="0" dirty="0" err="1">
-                <a:solidFill>
-                  <a:srgbClr val="24292F"/>
-                </a:solidFill>
-                <a:effectLst/>
-                <a:latin typeface="-apple-system"/>
-              </a:rPr>
-              <a:t>importances</a:t>
-            </a:r>
-            <a:r>
-              <a:rPr lang="en-US" b="0" i="0" dirty="0">
-                <a:solidFill>
-                  <a:srgbClr val="24292F"/>
-                </a:solidFill>
-                <a:effectLst/>
-                <a:latin typeface="-apple-system"/>
-              </a:rPr>
-              <a:t>, feature coefficients, and correlations to understand the relationships of the features among each other and with different model types.</a:t>
-            </a:r>
-          </a:p>
-          <a:p>
-            <a:pPr marL="146050" indent="0" algn="l">
-              <a:buNone/>
-            </a:pPr>
-            <a:endParaRPr lang="en-US" dirty="0">
-              <a:solidFill>
-                <a:srgbClr val="24292F"/>
-              </a:solidFill>
-              <a:latin typeface="-apple-system"/>
-            </a:endParaRPr>
-          </a:p>
-          <a:p>
-            <a:pPr marL="146050" indent="0" algn="l">
-              <a:buNone/>
-            </a:pPr>
-            <a:r>
-              <a:rPr lang="en-US" b="0" i="0" dirty="0">
-                <a:solidFill>
-                  <a:srgbClr val="24292F"/>
-                </a:solidFill>
-                <a:effectLst/>
-                <a:latin typeface="-apple-system"/>
-              </a:rPr>
-              <a:t>During the EDA process we also saw that some datetimes were strange. Data was collected at 2 times every day: hour 6 and hour 13, and never at any minute besides 00. A significant chunk of the data was collected at arbitrary datetimes, and this was concerning. After some discussion, we realized that the dates that were strange fell under a period of turnaround for the plant, meaning that the plant itself was shut down and all the data collected in the period was invalid. We marked those datetimes for removal during the data cleaning process.</a:t>
-            </a:r>
-          </a:p>
-        </p:txBody>
-      </p:sp>
-    </p:spTree>
-  </p:cSld>
-  <p:clrMapOvr>
-    <a:masterClrMapping/>
-  </p:clrMapOvr>
-</p:sld>
-</file>
-
-<file path=ppt/slides/slide14.xml><?xml version="1.0" encoding="utf-8"?>
-<p:sld xmlns:a="http://schemas.openxmlformats.org/drawingml/2006/main" xmlns:r="http://schemas.openxmlformats.org/officeDocument/2006/relationships" xmlns:p="http://schemas.openxmlformats.org/presentationml/2006/main">
-  <p:cSld>
-    <p:spTree>
-      <p:nvGrpSpPr>
-        <p:cNvPr id="1" name="Shape 208"/>
-        <p:cNvGrpSpPr/>
-        <p:nvPr/>
-      </p:nvGrpSpPr>
-      <p:grpSpPr>
-        <a:xfrm>
-          <a:off x="0" y="0"/>
-          <a:ext cx="0" cy="0"/>
-          <a:chOff x="0" y="0"/>
-          <a:chExt cx="0" cy="0"/>
-        </a:xfrm>
-      </p:grpSpPr>
-      <p:sp>
-        <p:nvSpPr>
-          <p:cNvPr id="209" name="Google Shape;209;p28"/>
-          <p:cNvSpPr txBox="1">
-            <a:spLocks noGrp="1"/>
-          </p:cNvSpPr>
-          <p:nvPr>
-            <p:ph type="title"/>
-          </p:nvPr>
-        </p:nvSpPr>
-        <p:spPr>
-          <a:xfrm>
-            <a:off x="729450" y="1318650"/>
-            <a:ext cx="7688700" cy="535200"/>
-          </a:xfrm>
-          <a:prstGeom prst="rect">
-            <a:avLst/>
-          </a:prstGeom>
-        </p:spPr>
-        <p:txBody>
-          <a:bodyPr spcFirstLastPara="1" wrap="square" lIns="91425" tIns="91425" rIns="91425" bIns="91425" anchor="t" anchorCtr="0">
-            <a:noAutofit/>
-          </a:bodyPr>
-          <a:lstStyle/>
-          <a:p>
-            <a:pPr algn="l"/>
-            <a:r>
-              <a:rPr lang="en-US" b="1" i="0" dirty="0">
-                <a:solidFill>
-                  <a:srgbClr val="24292F"/>
-                </a:solidFill>
-                <a:effectLst/>
-                <a:latin typeface="-apple-system"/>
-              </a:rPr>
-              <a:t>EDA Process</a:t>
-            </a:r>
-          </a:p>
-        </p:txBody>
-      </p:sp>
-      <p:sp>
-        <p:nvSpPr>
-          <p:cNvPr id="210" name="Google Shape;210;p28"/>
-          <p:cNvSpPr txBox="1">
-            <a:spLocks noGrp="1"/>
-          </p:cNvSpPr>
-          <p:nvPr>
-            <p:ph type="body" idx="1"/>
-          </p:nvPr>
-        </p:nvSpPr>
-        <p:spPr>
-          <a:xfrm>
-            <a:off x="729450" y="2078875"/>
-            <a:ext cx="7688700" cy="2261100"/>
-          </a:xfrm>
-          <a:prstGeom prst="rect">
-            <a:avLst/>
-          </a:prstGeom>
-        </p:spPr>
-        <p:txBody>
-          <a:bodyPr spcFirstLastPara="1" wrap="square" lIns="91425" tIns="91425" rIns="91425" bIns="91425" anchor="t" anchorCtr="0">
-            <a:noAutofit/>
-          </a:bodyPr>
-          <a:lstStyle/>
-          <a:p>
-            <a:pPr marL="146050" indent="0" algn="l">
-              <a:buNone/>
-            </a:pPr>
-            <a:r>
-              <a:rPr lang="en-US" b="0" i="0" dirty="0">
-                <a:solidFill>
-                  <a:srgbClr val="24292F"/>
-                </a:solidFill>
-                <a:effectLst/>
-                <a:latin typeface="-apple-system"/>
-              </a:rPr>
-              <a:t>The exploratory data analysis process began with checking the raw data for non-numerical values. We found that there were a few text strings: "Bad", "Bad Input", "Error", and "I/O Timeout". All values across the datasets were object types, and we wanted to convert those to float types. The text strings were preventing the whole dataset from being converted with minimal code. So, we replaced these text strings with </a:t>
-            </a:r>
-            <a:r>
-              <a:rPr lang="en-US" b="0" i="0" dirty="0" err="1">
-                <a:solidFill>
-                  <a:srgbClr val="24292F"/>
-                </a:solidFill>
-                <a:effectLst/>
-                <a:latin typeface="-apple-system"/>
-              </a:rPr>
-              <a:t>NaN</a:t>
-            </a:r>
-            <a:r>
-              <a:rPr lang="en-US" b="0" i="0" dirty="0">
-                <a:solidFill>
-                  <a:srgbClr val="24292F"/>
-                </a:solidFill>
-                <a:effectLst/>
-                <a:latin typeface="-apple-system"/>
-              </a:rPr>
-              <a:t> values, and dropped them. Then we did a full conversion, and generated summary statistics to get an idea of the spread of the data values. We noted multiple values that made no sense (like percent values that fell outside 0-100) and marked them for removal.</a:t>
-            </a:r>
-          </a:p>
-          <a:p>
-            <a:pPr marL="146050" indent="0" algn="l">
-              <a:buNone/>
-            </a:pPr>
-            <a:r>
-              <a:rPr lang="en-US" b="0" i="0" dirty="0">
-                <a:solidFill>
-                  <a:srgbClr val="24292F"/>
-                </a:solidFill>
-                <a:effectLst/>
-                <a:latin typeface="-apple-system"/>
-              </a:rPr>
-              <a:t>We also went ahead and calculated some feature </a:t>
-            </a:r>
-            <a:r>
-              <a:rPr lang="en-US" b="0" i="0" dirty="0" err="1">
-                <a:solidFill>
-                  <a:srgbClr val="24292F"/>
-                </a:solidFill>
-                <a:effectLst/>
-                <a:latin typeface="-apple-system"/>
-              </a:rPr>
-              <a:t>importances</a:t>
-            </a:r>
-            <a:r>
-              <a:rPr lang="en-US" b="0" i="0" dirty="0">
-                <a:solidFill>
-                  <a:srgbClr val="24292F"/>
-                </a:solidFill>
-                <a:effectLst/>
-                <a:latin typeface="-apple-system"/>
-              </a:rPr>
-              <a:t>, feature coefficients, and correlations to understand the relationships of the features among each other and with different model types.</a:t>
-            </a:r>
-          </a:p>
-          <a:p>
-            <a:pPr marL="146050" indent="0" algn="l">
-              <a:buNone/>
-            </a:pPr>
-            <a:endParaRPr lang="en-US" dirty="0">
-              <a:solidFill>
-                <a:srgbClr val="24292F"/>
-              </a:solidFill>
-              <a:latin typeface="-apple-system"/>
-            </a:endParaRPr>
-          </a:p>
-          <a:p>
-            <a:pPr marL="146050" indent="0" algn="l">
-              <a:buNone/>
-            </a:pPr>
-            <a:r>
-              <a:rPr lang="en-US" b="0" i="0" dirty="0">
-                <a:solidFill>
-                  <a:srgbClr val="24292F"/>
-                </a:solidFill>
-                <a:effectLst/>
-                <a:latin typeface="-apple-system"/>
-              </a:rPr>
-              <a:t>During the EDA process we also saw that some datetimes were strange. Data was collected at 2 times every day: hour 6 and hour 13, and never at any minute besides 00. A significant chunk of the data was collected at arbitrary datetimes, and this was concerning. After some discussion, we realized that the dates that were strange fell under a period of turnaround for the plant, meaning that the plant itself was shut down and all the data collected in the period was invalid. We marked those datetimes for removal during the data cleaning process.</a:t>
-            </a:r>
-          </a:p>
-        </p:txBody>
-      </p:sp>
-    </p:spTree>
-    <p:extLst>
-      <p:ext uri="{BB962C8B-B14F-4D97-AF65-F5344CB8AC3E}">
-        <p14:creationId xmlns:p14="http://schemas.microsoft.com/office/powerpoint/2010/main" val="239366778"/>
-      </p:ext>
-    </p:extLst>
-  </p:cSld>
-  <p:clrMapOvr>
-    <a:masterClrMapping/>
-  </p:clrMapOvr>
-</p:sld>
-</file>
-
-<file path=ppt/slides/slide15.xml><?xml version="1.0" encoding="utf-8"?>
+<file path=ppt/slides/slide17.xml><?xml version="1.0" encoding="utf-8"?>
 <p:sld xmlns:a="http://schemas.openxmlformats.org/drawingml/2006/main" xmlns:r="http://schemas.openxmlformats.org/officeDocument/2006/relationships" xmlns:p="http://schemas.openxmlformats.org/presentationml/2006/main">
   <p:cSld>
     <p:spTree>
@@ -12743,7 +13180,7 @@
 </p:sld>
 </file>
 
-<file path=ppt/slides/slide16.xml><?xml version="1.0" encoding="utf-8"?>
+<file path=ppt/slides/slide18.xml><?xml version="1.0" encoding="utf-8"?>
 <p:sld xmlns:a="http://schemas.openxmlformats.org/drawingml/2006/main" xmlns:r="http://schemas.openxmlformats.org/officeDocument/2006/relationships" xmlns:p="http://schemas.openxmlformats.org/presentationml/2006/main">
   <p:cSld>
     <p:spTree>
@@ -12810,7 +13247,7 @@
 </p:sld>
 </file>
 
-<file path=ppt/slides/slide17.xml><?xml version="1.0" encoding="utf-8"?>
+<file path=ppt/slides/slide19.xml><?xml version="1.0" encoding="utf-8"?>
 <p:sld xmlns:a="http://schemas.openxmlformats.org/drawingml/2006/main" xmlns:r="http://schemas.openxmlformats.org/officeDocument/2006/relationships" xmlns:p="http://schemas.openxmlformats.org/presentationml/2006/main">
   <p:cSld>
     <p:spTree>
@@ -12893,6 +13330,102 @@
   <p:cSld>
     <p:spTree>
       <p:nvGrpSpPr>
+        <p:cNvPr id="1" name=""/>
+        <p:cNvGrpSpPr/>
+        <p:nvPr/>
+      </p:nvGrpSpPr>
+      <p:grpSpPr>
+        <a:xfrm>
+          <a:off x="0" y="0"/>
+          <a:ext cx="0" cy="0"/>
+          <a:chOff x="0" y="0"/>
+          <a:chExt cx="0" cy="0"/>
+        </a:xfrm>
+      </p:grpSpPr>
+      <p:sp>
+        <p:nvSpPr>
+          <p:cNvPr id="2" name="Title 1">
+            <a:extLst>
+              <a:ext uri="{FF2B5EF4-FFF2-40B4-BE49-F238E27FC236}">
+                <a16:creationId xmlns:a16="http://schemas.microsoft.com/office/drawing/2014/main" id="{365C5954-0E93-8372-0C80-6CEE2C720254}"/>
+              </a:ext>
+            </a:extLst>
+          </p:cNvPr>
+          <p:cNvSpPr>
+            <a:spLocks noGrp="1"/>
+          </p:cNvSpPr>
+          <p:nvPr>
+            <p:ph type="ctrTitle"/>
+          </p:nvPr>
+        </p:nvSpPr>
+        <p:spPr>
+          <a:xfrm>
+            <a:off x="729449" y="1322450"/>
+            <a:ext cx="6053315" cy="1988100"/>
+          </a:xfrm>
+        </p:spPr>
+        <p:txBody>
+          <a:bodyPr/>
+          <a:lstStyle/>
+          <a:p>
+            <a:r>
+              <a:rPr lang="en-US" dirty="0"/>
+              <a:t>Meet the Team</a:t>
+            </a:r>
+          </a:p>
+        </p:txBody>
+      </p:sp>
+      <p:sp>
+        <p:nvSpPr>
+          <p:cNvPr id="3" name="Subtitle 2">
+            <a:extLst>
+              <a:ext uri="{FF2B5EF4-FFF2-40B4-BE49-F238E27FC236}">
+                <a16:creationId xmlns:a16="http://schemas.microsoft.com/office/drawing/2014/main" id="{FA3A96FC-9D71-AE3E-A022-2EB595FCFFF0}"/>
+              </a:ext>
+            </a:extLst>
+          </p:cNvPr>
+          <p:cNvSpPr>
+            <a:spLocks noGrp="1"/>
+          </p:cNvSpPr>
+          <p:nvPr>
+            <p:ph type="subTitle" idx="1"/>
+          </p:nvPr>
+        </p:nvSpPr>
+        <p:spPr>
+          <a:xfrm>
+            <a:off x="729449" y="2316500"/>
+            <a:ext cx="3787800" cy="541200"/>
+          </a:xfrm>
+        </p:spPr>
+        <p:txBody>
+          <a:bodyPr/>
+          <a:lstStyle/>
+          <a:p>
+            <a:r>
+              <a:rPr lang="en-US" dirty="0"/>
+              <a:t>Pictures</a:t>
+            </a:r>
+          </a:p>
+        </p:txBody>
+      </p:sp>
+    </p:spTree>
+    <p:extLst>
+      <p:ext uri="{BB962C8B-B14F-4D97-AF65-F5344CB8AC3E}">
+        <p14:creationId xmlns:p14="http://schemas.microsoft.com/office/powerpoint/2010/main" val="1846172636"/>
+      </p:ext>
+    </p:extLst>
+  </p:cSld>
+  <p:clrMapOvr>
+    <a:masterClrMapping/>
+  </p:clrMapOvr>
+</p:sld>
+</file>
+
+<file path=ppt/slides/slide3.xml><?xml version="1.0" encoding="utf-8"?>
+<p:sld xmlns:a="http://schemas.openxmlformats.org/drawingml/2006/main" xmlns:r="http://schemas.openxmlformats.org/officeDocument/2006/relationships" xmlns:p="http://schemas.openxmlformats.org/presentationml/2006/main">
+  <p:cSld>
+    <p:spTree>
+      <p:nvGrpSpPr>
         <p:cNvPr id="1" name="Shape 145"/>
         <p:cNvGrpSpPr/>
         <p:nvPr/>
@@ -12940,7 +13473,7 @@
               <a:buNone/>
             </a:pPr>
             <a:r>
-              <a:rPr lang="en" sz="4400">
+              <a:rPr lang="en" sz="4400" dirty="0">
                 <a:solidFill>
                   <a:schemeClr val="lt1"/>
                 </a:solidFill>
@@ -12951,7 +13484,7 @@
               </a:rPr>
               <a:t>N-Butane Recycle Build Up</a:t>
             </a:r>
-            <a:endParaRPr sz="3000">
+            <a:endParaRPr sz="3000" dirty="0">
               <a:solidFill>
                 <a:schemeClr val="lt1"/>
               </a:solidFill>
@@ -13300,7 +13833,158 @@
 </p:sld>
 </file>
 
-<file path=ppt/slides/slide3.xml><?xml version="1.0" encoding="utf-8"?>
+<file path=ppt/slides/slide4.xml><?xml version="1.0" encoding="utf-8"?>
+<p:sld xmlns:a="http://schemas.openxmlformats.org/drawingml/2006/main" xmlns:r="http://schemas.openxmlformats.org/officeDocument/2006/relationships" xmlns:p="http://schemas.openxmlformats.org/presentationml/2006/main">
+  <p:cSld>
+    <p:spTree>
+      <p:nvGrpSpPr>
+        <p:cNvPr id="1" name=""/>
+        <p:cNvGrpSpPr/>
+        <p:nvPr/>
+      </p:nvGrpSpPr>
+      <p:grpSpPr>
+        <a:xfrm>
+          <a:off x="0" y="0"/>
+          <a:ext cx="0" cy="0"/>
+          <a:chOff x="0" y="0"/>
+          <a:chExt cx="0" cy="0"/>
+        </a:xfrm>
+      </p:grpSpPr>
+      <p:sp>
+        <p:nvSpPr>
+          <p:cNvPr id="2" name="Title 1">
+            <a:extLst>
+              <a:ext uri="{FF2B5EF4-FFF2-40B4-BE49-F238E27FC236}">
+                <a16:creationId xmlns:a16="http://schemas.microsoft.com/office/drawing/2014/main" id="{FD92D326-4742-F9C3-09DA-5451B5AFEAB2}"/>
+              </a:ext>
+            </a:extLst>
+          </p:cNvPr>
+          <p:cNvSpPr>
+            <a:spLocks noGrp="1"/>
+          </p:cNvSpPr>
+          <p:nvPr>
+            <p:ph type="title"/>
+          </p:nvPr>
+        </p:nvSpPr>
+        <p:spPr/>
+        <p:txBody>
+          <a:bodyPr/>
+          <a:lstStyle/>
+          <a:p>
+            <a:r>
+              <a:rPr lang="en-US" dirty="0"/>
+              <a:t>T0pic</a:t>
+            </a:r>
+          </a:p>
+        </p:txBody>
+      </p:sp>
+      <p:sp>
+        <p:nvSpPr>
+          <p:cNvPr id="4" name="Text Placeholder 3">
+            <a:extLst>
+              <a:ext uri="{FF2B5EF4-FFF2-40B4-BE49-F238E27FC236}">
+                <a16:creationId xmlns:a16="http://schemas.microsoft.com/office/drawing/2014/main" id="{84B2D087-400E-9022-3612-C686E6ED1A99}"/>
+              </a:ext>
+            </a:extLst>
+          </p:cNvPr>
+          <p:cNvSpPr>
+            <a:spLocks noGrp="1"/>
+          </p:cNvSpPr>
+          <p:nvPr>
+            <p:ph type="body" idx="2"/>
+          </p:nvPr>
+        </p:nvSpPr>
+        <p:spPr>
+          <a:xfrm>
+            <a:off x="4873282" y="3158274"/>
+            <a:ext cx="3374400" cy="3025500"/>
+          </a:xfrm>
+        </p:spPr>
+        <p:txBody>
+          <a:bodyPr/>
+          <a:lstStyle/>
+          <a:p>
+            <a:r>
+              <a:rPr lang="en" sz="2800" dirty="0">
+                <a:solidFill>
+                  <a:schemeClr val="bg2"/>
+                </a:solidFill>
+                <a:latin typeface="Arial"/>
+                <a:ea typeface="Arial"/>
+                <a:cs typeface="Arial"/>
+                <a:sym typeface="Arial"/>
+              </a:rPr>
+              <a:t>N-Butane Recycle Build Up</a:t>
+            </a:r>
+            <a:endParaRPr lang="en-US" sz="2400" dirty="0">
+              <a:solidFill>
+                <a:schemeClr val="bg2"/>
+              </a:solidFill>
+            </a:endParaRPr>
+          </a:p>
+        </p:txBody>
+      </p:sp>
+      <p:pic>
+        <p:nvPicPr>
+          <p:cNvPr id="1026" name="Picture 2" descr="e424b3">
+            <a:extLst>
+              <a:ext uri="{FF2B5EF4-FFF2-40B4-BE49-F238E27FC236}">
+                <a16:creationId xmlns:a16="http://schemas.microsoft.com/office/drawing/2014/main" id="{05A7FFD1-DB1B-9477-0DF3-43EBCE6943FC}"/>
+              </a:ext>
+            </a:extLst>
+          </p:cNvPr>
+          <p:cNvPicPr>
+            <a:picLocks noChangeAspect="1" noChangeArrowheads="1"/>
+          </p:cNvPicPr>
+          <p:nvPr/>
+        </p:nvPicPr>
+        <p:blipFill>
+          <a:blip r:embed="rId2">
+            <a:extLst>
+              <a:ext uri="{28A0092B-C50C-407E-A947-70E740481C1C}">
+                <a14:useLocalDpi xmlns:a14="http://schemas.microsoft.com/office/drawing/2010/main" val="0"/>
+              </a:ext>
+            </a:extLst>
+          </a:blip>
+          <a:srcRect/>
+          <a:stretch>
+            <a:fillRect/>
+          </a:stretch>
+        </p:blipFill>
+        <p:spPr bwMode="auto">
+          <a:xfrm>
+            <a:off x="5284132" y="1108926"/>
+            <a:ext cx="2552700" cy="876300"/>
+          </a:xfrm>
+          <a:prstGeom prst="rect">
+            <a:avLst/>
+          </a:prstGeom>
+          <a:noFill/>
+          <a:extLst>
+            <a:ext uri="{909E8E84-426E-40DD-AFC4-6F175D3DCCD1}">
+              <a14:hiddenFill xmlns:a14="http://schemas.microsoft.com/office/drawing/2010/main">
+                <a:solidFill>
+                  <a:srgbClr val="FFFFFF"/>
+                </a:solidFill>
+              </a14:hiddenFill>
+            </a:ext>
+          </a:extLst>
+        </p:spPr>
+      </p:pic>
+    </p:spTree>
+    <p:extLst>
+      <p:ext uri="{BB962C8B-B14F-4D97-AF65-F5344CB8AC3E}">
+        <p14:creationId xmlns:p14="http://schemas.microsoft.com/office/powerpoint/2010/main" val="1717137965"/>
+      </p:ext>
+    </p:extLst>
+  </p:cSld>
+  <p:clrMapOvr>
+    <a:masterClrMapping/>
+  </p:clrMapOvr>
+</p:sld>
+</file>
+
+<file path=ppt/slides/slide5.xml><?xml version="1.0" encoding="utf-8"?>
 <p:sld xmlns:a="http://schemas.openxmlformats.org/drawingml/2006/main" xmlns:r="http://schemas.openxmlformats.org/officeDocument/2006/relationships" xmlns:p="http://schemas.openxmlformats.org/presentationml/2006/main">
   <p:cSld>
     <p:bg>
@@ -13403,7 +14087,7 @@
 </p:sld>
 </file>
 
-<file path=ppt/slides/slide4.xml><?xml version="1.0" encoding="utf-8"?>
+<file path=ppt/slides/slide6.xml><?xml version="1.0" encoding="utf-8"?>
 <p:sld xmlns:a="http://schemas.openxmlformats.org/drawingml/2006/main" xmlns:r="http://schemas.openxmlformats.org/officeDocument/2006/relationships" xmlns:p="http://schemas.openxmlformats.org/presentationml/2006/main">
   <p:cSld>
     <p:spTree>
@@ -13499,7 +14183,9 @@
           </a:bodyPr>
           <a:lstStyle/>
           <a:p>
-            <a:pPr algn="l"/>
+            <a:pPr marL="146050" indent="0" algn="l">
+              <a:buNone/>
+            </a:pPr>
             <a:r>
               <a:rPr lang="en-US" sz="2000" b="0" i="0" dirty="0">
                 <a:solidFill>
@@ -13508,7 +14194,7 @@
                 <a:effectLst/>
                 <a:latin typeface="-apple-system"/>
               </a:rPr>
-              <a:t>Software:</a:t>
+              <a:t>      Software:</a:t>
             </a:r>
           </a:p>
           <a:p>
@@ -13570,6 +14256,22 @@
             </a:r>
           </a:p>
           <a:p>
+            <a:pPr algn="l">
+              <a:buFont typeface="Arial" panose="020B0604020202020204" pitchFamily="34" charset="0"/>
+              <a:buChar char="•"/>
+            </a:pPr>
+            <a:r>
+              <a:rPr lang="en-US" sz="2000" b="0" i="0" dirty="0">
+                <a:solidFill>
+                  <a:srgbClr val="24292F"/>
+                </a:solidFill>
+                <a:effectLst/>
+                <a:latin typeface="-apple-system"/>
+              </a:rPr>
+              <a:t>PostgreSQL </a:t>
+            </a:r>
+          </a:p>
+          <a:p>
             <a:pPr marL="0" lvl="0" indent="0" algn="l" rtl="0">
               <a:lnSpc>
                 <a:spcPct val="115000"/>
@@ -13594,7 +14296,7 @@
 </p:sld>
 </file>
 
-<file path=ppt/slides/slide5.xml><?xml version="1.0" encoding="utf-8"?>
+<file path=ppt/slides/slide7.xml><?xml version="1.0" encoding="utf-8"?>
 <p:sld xmlns:a="http://schemas.openxmlformats.org/drawingml/2006/main" xmlns:r="http://schemas.openxmlformats.org/officeDocument/2006/relationships" xmlns:p="http://schemas.openxmlformats.org/presentationml/2006/main">
   <p:cSld>
     <p:spTree>
@@ -13827,7 +14529,7 @@
 </p:sld>
 </file>
 
-<file path=ppt/slides/slide6.xml><?xml version="1.0" encoding="utf-8"?>
+<file path=ppt/slides/slide8.xml><?xml version="1.0" encoding="utf-8"?>
 <p:sld xmlns:a="http://schemas.openxmlformats.org/drawingml/2006/main" xmlns:r="http://schemas.openxmlformats.org/officeDocument/2006/relationships" xmlns:p="http://schemas.openxmlformats.org/presentationml/2006/main">
   <p:cSld>
     <p:spTree>
@@ -14093,536 +14795,6 @@
           </a:p>
           <a:p>
             <a:endParaRPr lang="en-US" sz="1400" dirty="0"/>
-          </a:p>
-        </p:txBody>
-      </p:sp>
-    </p:spTree>
-  </p:cSld>
-  <p:clrMapOvr>
-    <a:masterClrMapping/>
-  </p:clrMapOvr>
-</p:sld>
-</file>
-
-<file path=ppt/slides/slide7.xml><?xml version="1.0" encoding="utf-8"?>
-<p:sld xmlns:a="http://schemas.openxmlformats.org/drawingml/2006/main" xmlns:r="http://schemas.openxmlformats.org/officeDocument/2006/relationships" xmlns:p="http://schemas.openxmlformats.org/presentationml/2006/main">
-  <p:cSld>
-    <p:spTree>
-      <p:nvGrpSpPr>
-        <p:cNvPr id="1" name=""/>
-        <p:cNvGrpSpPr/>
-        <p:nvPr/>
-      </p:nvGrpSpPr>
-      <p:grpSpPr>
-        <a:xfrm>
-          <a:off x="0" y="0"/>
-          <a:ext cx="0" cy="0"/>
-          <a:chOff x="0" y="0"/>
-          <a:chExt cx="0" cy="0"/>
-        </a:xfrm>
-      </p:grpSpPr>
-      <p:sp>
-        <p:nvSpPr>
-          <p:cNvPr id="2" name="Title 1">
-            <a:extLst>
-              <a:ext uri="{FF2B5EF4-FFF2-40B4-BE49-F238E27FC236}">
-                <a16:creationId xmlns:a16="http://schemas.microsoft.com/office/drawing/2014/main" id="{E90C7B4F-CFA7-75A3-80E6-2C8C5361908F}"/>
-              </a:ext>
-            </a:extLst>
-          </p:cNvPr>
-          <p:cNvSpPr>
-            <a:spLocks noGrp="1"/>
-          </p:cNvSpPr>
-          <p:nvPr>
-            <p:ph type="title"/>
-          </p:nvPr>
-        </p:nvSpPr>
-        <p:spPr>
-          <a:xfrm>
-            <a:off x="116542" y="1851688"/>
-            <a:ext cx="4443883" cy="1687200"/>
-          </a:xfrm>
-        </p:spPr>
-        <p:txBody>
-          <a:bodyPr/>
-          <a:lstStyle/>
-          <a:p>
-            <a:r>
-              <a:rPr lang="en-US" b="1" i="0" dirty="0">
-                <a:solidFill>
-                  <a:srgbClr val="24292F"/>
-                </a:solidFill>
-                <a:effectLst/>
-                <a:latin typeface="-apple-system"/>
-              </a:rPr>
-              <a:t>Description of the analysis phase of the project</a:t>
-            </a:r>
-            <a:br>
-              <a:rPr lang="en-US" b="1" i="0" dirty="0">
-                <a:solidFill>
-                  <a:srgbClr val="24292F"/>
-                </a:solidFill>
-                <a:effectLst/>
-                <a:latin typeface="-apple-system"/>
-              </a:rPr>
-            </a:br>
-            <a:endParaRPr lang="en-US" dirty="0"/>
-          </a:p>
-        </p:txBody>
-      </p:sp>
-      <p:sp>
-        <p:nvSpPr>
-          <p:cNvPr id="3" name="Subtitle 2">
-            <a:extLst>
-              <a:ext uri="{FF2B5EF4-FFF2-40B4-BE49-F238E27FC236}">
-                <a16:creationId xmlns:a16="http://schemas.microsoft.com/office/drawing/2014/main" id="{7862FEEC-B525-DA1D-E834-FC0B1995DA69}"/>
-              </a:ext>
-            </a:extLst>
-          </p:cNvPr>
-          <p:cNvSpPr>
-            <a:spLocks noGrp="1"/>
-          </p:cNvSpPr>
-          <p:nvPr>
-            <p:ph type="subTitle" idx="1"/>
-          </p:nvPr>
-        </p:nvSpPr>
-        <p:spPr>
-          <a:xfrm>
-            <a:off x="4687747" y="1040436"/>
-            <a:ext cx="4328136" cy="2567900"/>
-          </a:xfrm>
-        </p:spPr>
-        <p:txBody>
-          <a:bodyPr/>
-          <a:lstStyle/>
-          <a:p>
-            <a:pPr marL="146050" indent="0" algn="just">
-              <a:buNone/>
-            </a:pPr>
-            <a:endParaRPr lang="en-US" b="0" i="0" dirty="0">
-              <a:solidFill>
-                <a:srgbClr val="24292F"/>
-              </a:solidFill>
-              <a:effectLst/>
-              <a:latin typeface="-apple-system"/>
-            </a:endParaRPr>
-          </a:p>
-          <a:p>
-            <a:pPr algn="just"/>
-            <a:r>
-              <a:rPr lang="en-US" b="0" i="0" dirty="0">
-                <a:solidFill>
-                  <a:srgbClr val="24292F"/>
-                </a:solidFill>
-                <a:effectLst/>
-                <a:latin typeface="-apple-system"/>
-              </a:rPr>
-              <a:t>-- Note: A copy of the SQL Query Code can be found in the "SQL Code" folder in the Main Branch -- Note: A copy of the </a:t>
-            </a:r>
-            <a:r>
-              <a:rPr lang="en-US" b="0" i="0" dirty="0" err="1">
-                <a:solidFill>
-                  <a:srgbClr val="24292F"/>
-                </a:solidFill>
-                <a:effectLst/>
-                <a:latin typeface="-apple-system"/>
-              </a:rPr>
-              <a:t>pythod</a:t>
-            </a:r>
-            <a:r>
-              <a:rPr lang="en-US" b="0" i="0" dirty="0">
-                <a:solidFill>
-                  <a:srgbClr val="24292F"/>
-                </a:solidFill>
-                <a:effectLst/>
-                <a:latin typeface="-apple-system"/>
-              </a:rPr>
-              <a:t> code that exported the SQL table can be found in the "SQL </a:t>
-            </a:r>
-            <a:r>
-              <a:rPr lang="en-US" b="0" i="0" dirty="0" err="1">
-                <a:solidFill>
-                  <a:srgbClr val="24292F"/>
-                </a:solidFill>
-                <a:effectLst/>
-                <a:latin typeface="-apple-system"/>
-              </a:rPr>
-              <a:t>Extact</a:t>
-            </a:r>
-            <a:r>
-              <a:rPr lang="en-US" b="0" i="0" dirty="0">
-                <a:solidFill>
-                  <a:srgbClr val="24292F"/>
-                </a:solidFill>
-                <a:effectLst/>
-                <a:latin typeface="-apple-system"/>
-              </a:rPr>
-              <a:t>" filer in the Main Branch. -- Note: A copy of the final model and unselected models can be found in the "Final Models" folder in the Main Branch</a:t>
-            </a:r>
-          </a:p>
-          <a:p>
-            <a:pPr algn="just"/>
-            <a:endParaRPr lang="en-US" dirty="0"/>
-          </a:p>
-        </p:txBody>
-      </p:sp>
-    </p:spTree>
-    <p:extLst>
-      <p:ext uri="{BB962C8B-B14F-4D97-AF65-F5344CB8AC3E}">
-        <p14:creationId xmlns:p14="http://schemas.microsoft.com/office/powerpoint/2010/main" val="4157813307"/>
-      </p:ext>
-    </p:extLst>
-  </p:cSld>
-  <p:clrMapOvr>
-    <a:masterClrMapping/>
-  </p:clrMapOvr>
-</p:sld>
-</file>
-
-<file path=ppt/slides/slide8.xml><?xml version="1.0" encoding="utf-8"?>
-<p:sld xmlns:a="http://schemas.openxmlformats.org/drawingml/2006/main" xmlns:r="http://schemas.openxmlformats.org/officeDocument/2006/relationships" xmlns:p="http://schemas.openxmlformats.org/presentationml/2006/main">
-  <p:cSld>
-    <p:spTree>
-      <p:nvGrpSpPr>
-        <p:cNvPr id="1" name="Shape 181"/>
-        <p:cNvGrpSpPr/>
-        <p:nvPr/>
-      </p:nvGrpSpPr>
-      <p:grpSpPr>
-        <a:xfrm>
-          <a:off x="0" y="0"/>
-          <a:ext cx="0" cy="0"/>
-          <a:chOff x="0" y="0"/>
-          <a:chExt cx="0" cy="0"/>
-        </a:xfrm>
-      </p:grpSpPr>
-      <p:sp>
-        <p:nvSpPr>
-          <p:cNvPr id="182" name="Google Shape;182;p24"/>
-          <p:cNvSpPr txBox="1">
-            <a:spLocks noGrp="1"/>
-          </p:cNvSpPr>
-          <p:nvPr>
-            <p:ph type="title"/>
-          </p:nvPr>
-        </p:nvSpPr>
-        <p:spPr>
-          <a:xfrm>
-            <a:off x="260827" y="123249"/>
-            <a:ext cx="4050345" cy="1785300"/>
-          </a:xfrm>
-          <a:prstGeom prst="rect">
-            <a:avLst/>
-          </a:prstGeom>
-        </p:spPr>
-        <p:txBody>
-          <a:bodyPr spcFirstLastPara="1" wrap="square" lIns="91425" tIns="91425" rIns="91425" bIns="91425" anchor="t" anchorCtr="0">
-            <a:noAutofit/>
-          </a:bodyPr>
-          <a:lstStyle/>
-          <a:p>
-            <a:pPr algn="l"/>
-            <a:r>
-              <a:rPr lang="en-US" b="1" i="0" dirty="0">
-                <a:solidFill>
-                  <a:srgbClr val="24292F"/>
-                </a:solidFill>
-                <a:effectLst/>
-                <a:latin typeface="-apple-system"/>
-              </a:rPr>
-              <a:t>Explanation of Model Choice: including limitations and benefits</a:t>
-            </a:r>
-          </a:p>
-        </p:txBody>
-      </p:sp>
-      <p:sp>
-        <p:nvSpPr>
-          <p:cNvPr id="186" name="Google Shape;186;p24"/>
-          <p:cNvSpPr txBox="1"/>
-          <p:nvPr/>
-        </p:nvSpPr>
-        <p:spPr>
-          <a:xfrm>
-            <a:off x="4832829" y="896797"/>
-            <a:ext cx="4050343" cy="516000"/>
-          </a:xfrm>
-          <a:prstGeom prst="rect">
-            <a:avLst/>
-          </a:prstGeom>
-          <a:noFill/>
-          <a:ln>
-            <a:noFill/>
-          </a:ln>
-        </p:spPr>
-        <p:txBody>
-          <a:bodyPr spcFirstLastPara="1" wrap="square" lIns="91425" tIns="91425" rIns="91425" bIns="91425" anchor="t" anchorCtr="0">
-            <a:noAutofit/>
-          </a:bodyPr>
-          <a:lstStyle/>
-          <a:p>
-            <a:pPr algn="just"/>
-            <a:endParaRPr lang="en-US" sz="1600" b="0" i="0" dirty="0">
-              <a:solidFill>
-                <a:srgbClr val="24292F"/>
-              </a:solidFill>
-              <a:effectLst/>
-              <a:latin typeface="-apple-system"/>
-            </a:endParaRPr>
-          </a:p>
-          <a:p>
-            <a:pPr algn="just"/>
-            <a:r>
-              <a:rPr lang="en-US" sz="1600" b="0" i="0" dirty="0">
-                <a:solidFill>
-                  <a:srgbClr val="24292F"/>
-                </a:solidFill>
-                <a:effectLst/>
-                <a:latin typeface="-apple-system"/>
-              </a:rPr>
-              <a:t>SK </a:t>
-            </a:r>
-            <a:r>
-              <a:rPr lang="en-US" sz="1600" b="0" i="0" dirty="0" err="1">
-                <a:solidFill>
-                  <a:srgbClr val="24292F"/>
-                </a:solidFill>
-                <a:effectLst/>
-                <a:latin typeface="-apple-system"/>
-              </a:rPr>
-              <a:t>Learn's</a:t>
-            </a:r>
-            <a:r>
-              <a:rPr lang="en-US" sz="1600" b="0" i="0" dirty="0">
-                <a:solidFill>
-                  <a:srgbClr val="24292F"/>
-                </a:solidFill>
-                <a:effectLst/>
-                <a:latin typeface="-apple-system"/>
-              </a:rPr>
-              <a:t> </a:t>
-            </a:r>
-            <a:r>
-              <a:rPr lang="en-US" sz="1600" b="0" i="0" dirty="0" err="1">
-                <a:solidFill>
-                  <a:srgbClr val="24292F"/>
-                </a:solidFill>
-                <a:effectLst/>
-                <a:latin typeface="-apple-system"/>
-              </a:rPr>
-              <a:t>train_test_split</a:t>
-            </a:r>
-            <a:r>
-              <a:rPr lang="en-US" sz="1600" b="0" i="0" dirty="0">
-                <a:solidFill>
-                  <a:srgbClr val="24292F"/>
-                </a:solidFill>
-                <a:effectLst/>
-                <a:latin typeface="-apple-system"/>
-              </a:rPr>
-              <a:t> function was used to split the model into training and testing arrays, using a random state of zero. The </a:t>
-            </a:r>
-            <a:r>
-              <a:rPr lang="en-US" sz="1600" b="0" i="0" dirty="0" err="1">
-                <a:solidFill>
-                  <a:srgbClr val="24292F"/>
-                </a:solidFill>
-                <a:effectLst/>
-                <a:latin typeface="-apple-system"/>
-              </a:rPr>
-              <a:t>The</a:t>
-            </a:r>
-            <a:r>
-              <a:rPr lang="en-US" sz="1600" b="0" i="0" dirty="0">
-                <a:solidFill>
-                  <a:srgbClr val="24292F"/>
-                </a:solidFill>
-                <a:effectLst/>
-                <a:latin typeface="-apple-system"/>
-              </a:rPr>
-              <a:t> model testing performance, when used to predict the </a:t>
-            </a:r>
-            <a:r>
-              <a:rPr lang="en-US" sz="1600" b="0" i="0" dirty="0" err="1">
-                <a:solidFill>
-                  <a:srgbClr val="24292F"/>
-                </a:solidFill>
-                <a:effectLst/>
-                <a:latin typeface="-apple-system"/>
-              </a:rPr>
-              <a:t>X_test</a:t>
-            </a:r>
-            <a:r>
-              <a:rPr lang="en-US" sz="1600" b="0" i="0" dirty="0">
-                <a:solidFill>
-                  <a:srgbClr val="24292F"/>
-                </a:solidFill>
-                <a:effectLst/>
-                <a:latin typeface="-apple-system"/>
-              </a:rPr>
-              <a:t> split was quite robust, though not perfect. The group had an opportunity to showcase the linear regression models output to the companies process unit subject matter expert, who was quite pleased with the </a:t>
-            </a:r>
-            <a:r>
-              <a:rPr lang="en-US" sz="1600" b="0" i="0" dirty="0" err="1">
-                <a:solidFill>
-                  <a:srgbClr val="24292F"/>
-                </a:solidFill>
-                <a:effectLst/>
-                <a:latin typeface="-apple-system"/>
-              </a:rPr>
-              <a:t>performace</a:t>
-            </a:r>
-            <a:r>
-              <a:rPr lang="en-US" sz="1600" b="0" i="0" dirty="0">
-                <a:solidFill>
-                  <a:srgbClr val="24292F"/>
-                </a:solidFill>
-                <a:effectLst/>
-                <a:latin typeface="-apple-system"/>
-              </a:rPr>
-              <a:t>. The following </a:t>
-            </a:r>
-            <a:r>
-              <a:rPr lang="en-US" sz="1600" b="0" i="0" dirty="0" err="1">
-                <a:solidFill>
-                  <a:srgbClr val="24292F"/>
-                </a:solidFill>
-                <a:effectLst/>
-                <a:latin typeface="-apple-system"/>
-              </a:rPr>
-              <a:t>performace</a:t>
-            </a:r>
-            <a:r>
-              <a:rPr lang="en-US" sz="1600" b="0" i="0" dirty="0">
-                <a:solidFill>
-                  <a:srgbClr val="24292F"/>
-                </a:solidFill>
-                <a:effectLst/>
-                <a:latin typeface="-apple-system"/>
-              </a:rPr>
-              <a:t> metric results were gathered based on the </a:t>
-            </a:r>
-            <a:r>
-              <a:rPr lang="en-US" sz="1600" b="0" i="0" dirty="0" err="1">
-                <a:solidFill>
-                  <a:srgbClr val="24292F"/>
-                </a:solidFill>
-                <a:effectLst/>
-                <a:latin typeface="-apple-system"/>
-              </a:rPr>
-              <a:t>X_test</a:t>
-            </a:r>
-            <a:r>
-              <a:rPr lang="en-US" sz="1600" b="0" i="0" dirty="0">
-                <a:solidFill>
-                  <a:srgbClr val="24292F"/>
-                </a:solidFill>
-                <a:effectLst/>
-                <a:latin typeface="-apple-system"/>
-              </a:rPr>
-              <a:t> predictions.</a:t>
-            </a:r>
-          </a:p>
-        </p:txBody>
-      </p:sp>
-      <p:sp>
-        <p:nvSpPr>
-          <p:cNvPr id="11" name="TextBox 10">
-            <a:extLst>
-              <a:ext uri="{FF2B5EF4-FFF2-40B4-BE49-F238E27FC236}">
-                <a16:creationId xmlns:a16="http://schemas.microsoft.com/office/drawing/2014/main" id="{A906D141-80A8-888F-C3C5-355150F405C9}"/>
-              </a:ext>
-            </a:extLst>
-          </p:cNvPr>
-          <p:cNvSpPr txBox="1"/>
-          <p:nvPr/>
-        </p:nvSpPr>
-        <p:spPr>
-          <a:xfrm>
-            <a:off x="133108" y="1908549"/>
-            <a:ext cx="4178064" cy="2246769"/>
-          </a:xfrm>
-          <a:prstGeom prst="rect">
-            <a:avLst/>
-          </a:prstGeom>
-          <a:noFill/>
-        </p:spPr>
-        <p:txBody>
-          <a:bodyPr wrap="square">
-            <a:spAutoFit/>
-          </a:bodyPr>
-          <a:lstStyle/>
-          <a:p>
-            <a:pPr algn="just"/>
-            <a:r>
-              <a:rPr lang="en-US" b="0" i="0" dirty="0">
-                <a:solidFill>
-                  <a:srgbClr val="24292F"/>
-                </a:solidFill>
-                <a:effectLst/>
-                <a:latin typeface="-apple-system"/>
-              </a:rPr>
-              <a:t>After testing the cleaned and joined data through the following models, Linear Regression, Logistic Regression, Random Forrest, and Support Vector Machine, the model selected was SK </a:t>
-            </a:r>
-            <a:r>
-              <a:rPr lang="en-US" b="0" i="0" dirty="0" err="1">
-                <a:solidFill>
-                  <a:srgbClr val="24292F"/>
-                </a:solidFill>
-                <a:effectLst/>
-                <a:latin typeface="-apple-system"/>
-              </a:rPr>
-              <a:t>Learn's</a:t>
-            </a:r>
-            <a:r>
-              <a:rPr lang="en-US" b="0" i="0" dirty="0">
-                <a:solidFill>
-                  <a:srgbClr val="24292F"/>
-                </a:solidFill>
-                <a:effectLst/>
-                <a:latin typeface="-apple-system"/>
-              </a:rPr>
-              <a:t> Linear Regression model. This model was chosen because the output (</a:t>
-            </a:r>
-            <a:r>
-              <a:rPr lang="en-US" b="0" i="0" dirty="0" err="1">
-                <a:solidFill>
-                  <a:srgbClr val="24292F"/>
-                </a:solidFill>
-                <a:effectLst/>
-                <a:latin typeface="-apple-system"/>
-              </a:rPr>
-              <a:t>y_predict</a:t>
-            </a:r>
-            <a:r>
-              <a:rPr lang="en-US" b="0" i="0" dirty="0">
-                <a:solidFill>
-                  <a:srgbClr val="24292F"/>
-                </a:solidFill>
-                <a:effectLst/>
-                <a:latin typeface="-apple-system"/>
-              </a:rPr>
-              <a:t>) was more </a:t>
-            </a:r>
-            <a:r>
-              <a:rPr lang="en-US" b="0" i="0" dirty="0" err="1">
-                <a:solidFill>
-                  <a:srgbClr val="24292F"/>
-                </a:solidFill>
-                <a:effectLst/>
-                <a:latin typeface="-apple-system"/>
-              </a:rPr>
-              <a:t>acurate</a:t>
-            </a:r>
-            <a:r>
-              <a:rPr lang="en-US" b="0" i="0" dirty="0">
-                <a:solidFill>
-                  <a:srgbClr val="24292F"/>
-                </a:solidFill>
-                <a:effectLst/>
-                <a:latin typeface="-apple-system"/>
-              </a:rPr>
-              <a:t>, and an actual representation of the N-Butane Vol%, rather than a binary grouping prediction. This number based prediction proves more valuable in real-world operations of the process unit in question.</a:t>
-            </a:r>
           </a:p>
         </p:txBody>
       </p:sp>
@@ -14669,7 +14841,7 @@
         </p:nvSpPr>
         <p:spPr>
           <a:xfrm>
-            <a:off x="267012" y="1728150"/>
+            <a:off x="116542" y="1851688"/>
             <a:ext cx="4443883" cy="1687200"/>
           </a:xfrm>
         </p:spPr>
@@ -14685,7 +14857,7 @@
                 <a:effectLst/>
                 <a:latin typeface="-apple-system"/>
               </a:rPr>
-              <a:t>Residual Plot</a:t>
+              <a:t>Description of the analysis phase of the project</a:t>
             </a:r>
             <a:br>
               <a:rPr lang="en-US" b="1" i="0" dirty="0">
@@ -14700,57 +14872,106 @@
           </a:p>
         </p:txBody>
       </p:sp>
-      <p:pic>
-        <p:nvPicPr>
-          <p:cNvPr id="2050" name="Picture 2">
+      <p:sp>
+        <p:nvSpPr>
+          <p:cNvPr id="3" name="Subtitle 2">
             <a:extLst>
               <a:ext uri="{FF2B5EF4-FFF2-40B4-BE49-F238E27FC236}">
-                <a16:creationId xmlns:a16="http://schemas.microsoft.com/office/drawing/2014/main" id="{5AD75E22-03A0-85C6-763B-B4C8D8CA557B}"/>
+                <a16:creationId xmlns:a16="http://schemas.microsoft.com/office/drawing/2014/main" id="{7862FEEC-B525-DA1D-E834-FC0B1995DA69}"/>
               </a:ext>
             </a:extLst>
           </p:cNvPr>
-          <p:cNvPicPr>
-            <a:picLocks noChangeAspect="1" noChangeArrowheads="1"/>
-          </p:cNvPicPr>
-          <p:nvPr/>
-        </p:nvPicPr>
-        <p:blipFill>
-          <a:blip r:embed="rId2">
-            <a:extLst>
-              <a:ext uri="{28A0092B-C50C-407E-A947-70E740481C1C}">
-                <a14:useLocalDpi xmlns:a14="http://schemas.microsoft.com/office/drawing/2010/main" val="0"/>
-              </a:ext>
-            </a:extLst>
-          </a:blip>
-          <a:srcRect/>
-          <a:stretch>
-            <a:fillRect/>
-          </a:stretch>
-        </p:blipFill>
-        <p:spPr bwMode="auto">
+          <p:cNvSpPr>
+            <a:spLocks noGrp="1"/>
+          </p:cNvSpPr>
+          <p:nvPr>
+            <p:ph type="subTitle" idx="1"/>
+          </p:nvPr>
+        </p:nvSpPr>
+        <p:spPr>
           <a:xfrm>
-            <a:off x="4710895" y="1281112"/>
-            <a:ext cx="4543425" cy="2581275"/>
+            <a:off x="4687747" y="1040436"/>
+            <a:ext cx="4328136" cy="2567900"/>
           </a:xfrm>
-          <a:prstGeom prst="rect">
-            <a:avLst/>
-          </a:prstGeom>
-          <a:noFill/>
-          <a:extLst>
-            <a:ext uri="{909E8E84-426E-40DD-AFC4-6F175D3DCCD1}">
-              <a14:hiddenFill xmlns:a14="http://schemas.microsoft.com/office/drawing/2010/main">
-                <a:solidFill>
-                  <a:srgbClr val="FFFFFF"/>
-                </a:solidFill>
-              </a14:hiddenFill>
-            </a:ext>
-          </a:extLst>
         </p:spPr>
-      </p:pic>
+        <p:txBody>
+          <a:bodyPr/>
+          <a:lstStyle/>
+          <a:p>
+            <a:pPr marL="146050" indent="0" algn="just">
+              <a:buNone/>
+            </a:pPr>
+            <a:endParaRPr lang="en-US" b="0" i="0" dirty="0">
+              <a:solidFill>
+                <a:srgbClr val="24292F"/>
+              </a:solidFill>
+              <a:effectLst/>
+              <a:latin typeface="-apple-system"/>
+            </a:endParaRPr>
+          </a:p>
+          <a:p>
+            <a:pPr algn="just"/>
+            <a:r>
+              <a:rPr lang="en-US" b="0" i="0" dirty="0">
+                <a:solidFill>
+                  <a:srgbClr val="24292F"/>
+                </a:solidFill>
+                <a:effectLst/>
+                <a:latin typeface="-apple-system"/>
+              </a:rPr>
+              <a:t>-- Note: A copy of the SQL Query Code can be found in the "SQL Code" folder in the Main Branch -- Note: A copy of the </a:t>
+            </a:r>
+            <a:r>
+              <a:rPr lang="en-US" b="0" i="0" dirty="0" err="1">
+                <a:solidFill>
+                  <a:srgbClr val="24292F"/>
+                </a:solidFill>
+                <a:effectLst/>
+                <a:latin typeface="-apple-system"/>
+              </a:rPr>
+              <a:t>pythod</a:t>
+            </a:r>
+            <a:r>
+              <a:rPr lang="en-US" b="0" i="0" dirty="0">
+                <a:solidFill>
+                  <a:srgbClr val="24292F"/>
+                </a:solidFill>
+                <a:effectLst/>
+                <a:latin typeface="-apple-system"/>
+              </a:rPr>
+              <a:t> code that exported the SQL table can be found in the "SQL </a:t>
+            </a:r>
+            <a:r>
+              <a:rPr lang="en-US" b="0" i="0" dirty="0" err="1">
+                <a:solidFill>
+                  <a:srgbClr val="24292F"/>
+                </a:solidFill>
+                <a:effectLst/>
+                <a:latin typeface="-apple-system"/>
+              </a:rPr>
+              <a:t>Extact</a:t>
+            </a:r>
+            <a:r>
+              <a:rPr lang="en-US" b="0" i="0" dirty="0">
+                <a:solidFill>
+                  <a:srgbClr val="24292F"/>
+                </a:solidFill>
+                <a:effectLst/>
+                <a:latin typeface="-apple-system"/>
+              </a:rPr>
+              <a:t>" filer in the Main Branch. -- Note: A copy of the final model and unselected models can be found in the "Final Models" folder in the Main Branch</a:t>
+            </a:r>
+          </a:p>
+          <a:p>
+            <a:pPr algn="just"/>
+            <a:endParaRPr lang="en-US" dirty="0"/>
+          </a:p>
+        </p:txBody>
+      </p:sp>
     </p:spTree>
     <p:extLst>
       <p:ext uri="{BB962C8B-B14F-4D97-AF65-F5344CB8AC3E}">
-        <p14:creationId xmlns:p14="http://schemas.microsoft.com/office/powerpoint/2010/main" val="2219049510"/>
+        <p14:creationId xmlns:p14="http://schemas.microsoft.com/office/powerpoint/2010/main" val="4157813307"/>
       </p:ext>
     </p:extLst>
   </p:cSld>

--- a/Presentation/Presentation1.pptx
+++ b/Presentation/Presentation1.pptx
@@ -5,45 +5,46 @@
     <p:sldMasterId id="2147483663" r:id="rId1"/>
   </p:sldMasterIdLst>
   <p:notesMasterIdLst>
-    <p:notesMasterId r:id="rId21"/>
+    <p:notesMasterId r:id="rId22"/>
   </p:notesMasterIdLst>
   <p:sldIdLst>
     <p:sldId id="256" r:id="rId2"/>
     <p:sldId id="281" r:id="rId3"/>
-    <p:sldId id="258" r:id="rId4"/>
-    <p:sldId id="282" r:id="rId5"/>
-    <p:sldId id="259" r:id="rId6"/>
-    <p:sldId id="260" r:id="rId7"/>
-    <p:sldId id="261" r:id="rId8"/>
-    <p:sldId id="262" r:id="rId9"/>
-    <p:sldId id="276" r:id="rId10"/>
-    <p:sldId id="263" r:id="rId11"/>
-    <p:sldId id="275" r:id="rId12"/>
-    <p:sldId id="277" r:id="rId13"/>
-    <p:sldId id="266" r:id="rId14"/>
-    <p:sldId id="267" r:id="rId15"/>
-    <p:sldId id="279" r:id="rId16"/>
-    <p:sldId id="265" r:id="rId17"/>
-    <p:sldId id="273" r:id="rId18"/>
-    <p:sldId id="274" r:id="rId19"/>
-    <p:sldId id="280" r:id="rId20"/>
+    <p:sldId id="282" r:id="rId4"/>
+    <p:sldId id="283" r:id="rId5"/>
+    <p:sldId id="258" r:id="rId6"/>
+    <p:sldId id="259" r:id="rId7"/>
+    <p:sldId id="260" r:id="rId8"/>
+    <p:sldId id="261" r:id="rId9"/>
+    <p:sldId id="262" r:id="rId10"/>
+    <p:sldId id="276" r:id="rId11"/>
+    <p:sldId id="263" r:id="rId12"/>
+    <p:sldId id="275" r:id="rId13"/>
+    <p:sldId id="277" r:id="rId14"/>
+    <p:sldId id="266" r:id="rId15"/>
+    <p:sldId id="267" r:id="rId16"/>
+    <p:sldId id="279" r:id="rId17"/>
+    <p:sldId id="265" r:id="rId18"/>
+    <p:sldId id="273" r:id="rId19"/>
+    <p:sldId id="274" r:id="rId20"/>
+    <p:sldId id="280" r:id="rId21"/>
   </p:sldIdLst>
   <p:sldSz cx="9144000" cy="5143500" type="screen16x9"/>
   <p:notesSz cx="6858000" cy="9144000"/>
   <p:embeddedFontLst>
     <p:embeddedFont>
       <p:font typeface="Lato" panose="020F0502020204030203" pitchFamily="34" charset="0"/>
-      <p:regular r:id="rId22"/>
-      <p:bold r:id="rId23"/>
-      <p:italic r:id="rId24"/>
-      <p:boldItalic r:id="rId25"/>
+      <p:regular r:id="rId23"/>
+      <p:bold r:id="rId24"/>
+      <p:italic r:id="rId25"/>
+      <p:boldItalic r:id="rId26"/>
     </p:embeddedFont>
     <p:embeddedFont>
       <p:font typeface="Raleway" pitchFamily="2" charset="0"/>
-      <p:regular r:id="rId26"/>
-      <p:bold r:id="rId27"/>
-      <p:italic r:id="rId28"/>
-      <p:boldItalic r:id="rId29"/>
+      <p:regular r:id="rId27"/>
+      <p:bold r:id="rId28"/>
+      <p:italic r:id="rId29"/>
+      <p:boldItalic r:id="rId30"/>
     </p:embeddedFont>
   </p:embeddedFontLst>
   <p:defaultTextStyle>
@@ -11919,6 +11920,181 @@
   <p:cSld>
     <p:spTree>
       <p:nvGrpSpPr>
+        <p:cNvPr id="1" name=""/>
+        <p:cNvGrpSpPr/>
+        <p:nvPr/>
+      </p:nvGrpSpPr>
+      <p:grpSpPr>
+        <a:xfrm>
+          <a:off x="0" y="0"/>
+          <a:ext cx="0" cy="0"/>
+          <a:chOff x="0" y="0"/>
+          <a:chExt cx="0" cy="0"/>
+        </a:xfrm>
+      </p:grpSpPr>
+      <p:sp>
+        <p:nvSpPr>
+          <p:cNvPr id="2" name="Title 1">
+            <a:extLst>
+              <a:ext uri="{FF2B5EF4-FFF2-40B4-BE49-F238E27FC236}">
+                <a16:creationId xmlns:a16="http://schemas.microsoft.com/office/drawing/2014/main" id="{E90C7B4F-CFA7-75A3-80E6-2C8C5361908F}"/>
+              </a:ext>
+            </a:extLst>
+          </p:cNvPr>
+          <p:cNvSpPr>
+            <a:spLocks noGrp="1"/>
+          </p:cNvSpPr>
+          <p:nvPr>
+            <p:ph type="title"/>
+          </p:nvPr>
+        </p:nvSpPr>
+        <p:spPr>
+          <a:xfrm>
+            <a:off x="116542" y="1851688"/>
+            <a:ext cx="4443883" cy="1687200"/>
+          </a:xfrm>
+        </p:spPr>
+        <p:txBody>
+          <a:bodyPr/>
+          <a:lstStyle/>
+          <a:p>
+            <a:r>
+              <a:rPr lang="en-US" b="1" i="0" dirty="0">
+                <a:solidFill>
+                  <a:srgbClr val="24292F"/>
+                </a:solidFill>
+                <a:effectLst/>
+                <a:latin typeface="-apple-system"/>
+              </a:rPr>
+              <a:t>Description of the analysis phase of the project</a:t>
+            </a:r>
+            <a:br>
+              <a:rPr lang="en-US" b="1" i="0" dirty="0">
+                <a:solidFill>
+                  <a:srgbClr val="24292F"/>
+                </a:solidFill>
+                <a:effectLst/>
+                <a:latin typeface="-apple-system"/>
+              </a:rPr>
+            </a:br>
+            <a:endParaRPr lang="en-US" dirty="0"/>
+          </a:p>
+        </p:txBody>
+      </p:sp>
+      <p:sp>
+        <p:nvSpPr>
+          <p:cNvPr id="3" name="Subtitle 2">
+            <a:extLst>
+              <a:ext uri="{FF2B5EF4-FFF2-40B4-BE49-F238E27FC236}">
+                <a16:creationId xmlns:a16="http://schemas.microsoft.com/office/drawing/2014/main" id="{7862FEEC-B525-DA1D-E834-FC0B1995DA69}"/>
+              </a:ext>
+            </a:extLst>
+          </p:cNvPr>
+          <p:cNvSpPr>
+            <a:spLocks noGrp="1"/>
+          </p:cNvSpPr>
+          <p:nvPr>
+            <p:ph type="subTitle" idx="1"/>
+          </p:nvPr>
+        </p:nvSpPr>
+        <p:spPr>
+          <a:xfrm>
+            <a:off x="4687747" y="1040436"/>
+            <a:ext cx="4328136" cy="2567900"/>
+          </a:xfrm>
+        </p:spPr>
+        <p:txBody>
+          <a:bodyPr/>
+          <a:lstStyle/>
+          <a:p>
+            <a:pPr marL="146050" indent="0" algn="just">
+              <a:buNone/>
+            </a:pPr>
+            <a:endParaRPr lang="en-US" b="0" i="0" dirty="0">
+              <a:solidFill>
+                <a:srgbClr val="24292F"/>
+              </a:solidFill>
+              <a:effectLst/>
+              <a:latin typeface="-apple-system"/>
+            </a:endParaRPr>
+          </a:p>
+          <a:p>
+            <a:pPr algn="just"/>
+            <a:r>
+              <a:rPr lang="en-US" b="0" i="0" dirty="0">
+                <a:solidFill>
+                  <a:srgbClr val="24292F"/>
+                </a:solidFill>
+                <a:effectLst/>
+                <a:latin typeface="-apple-system"/>
+              </a:rPr>
+              <a:t>-- Note: A copy of the SQL Query Code can be found in the "SQL Code" folder in the Main Branch -- Note: A copy of the </a:t>
+            </a:r>
+            <a:r>
+              <a:rPr lang="en-US" b="0" i="0" dirty="0" err="1">
+                <a:solidFill>
+                  <a:srgbClr val="24292F"/>
+                </a:solidFill>
+                <a:effectLst/>
+                <a:latin typeface="-apple-system"/>
+              </a:rPr>
+              <a:t>pythod</a:t>
+            </a:r>
+            <a:r>
+              <a:rPr lang="en-US" b="0" i="0" dirty="0">
+                <a:solidFill>
+                  <a:srgbClr val="24292F"/>
+                </a:solidFill>
+                <a:effectLst/>
+                <a:latin typeface="-apple-system"/>
+              </a:rPr>
+              <a:t> code that exported the SQL table can be found in the "SQL </a:t>
+            </a:r>
+            <a:r>
+              <a:rPr lang="en-US" b="0" i="0" dirty="0" err="1">
+                <a:solidFill>
+                  <a:srgbClr val="24292F"/>
+                </a:solidFill>
+                <a:effectLst/>
+                <a:latin typeface="-apple-system"/>
+              </a:rPr>
+              <a:t>Extact</a:t>
+            </a:r>
+            <a:r>
+              <a:rPr lang="en-US" b="0" i="0" dirty="0">
+                <a:solidFill>
+                  <a:srgbClr val="24292F"/>
+                </a:solidFill>
+                <a:effectLst/>
+                <a:latin typeface="-apple-system"/>
+              </a:rPr>
+              <a:t>" filer in the Main Branch. -- Note: A copy of the final model and unselected models can be found in the "Final Models" folder in the Main Branch</a:t>
+            </a:r>
+          </a:p>
+          <a:p>
+            <a:pPr algn="just"/>
+            <a:endParaRPr lang="en-US" dirty="0"/>
+          </a:p>
+        </p:txBody>
+      </p:sp>
+    </p:spTree>
+    <p:extLst>
+      <p:ext uri="{BB962C8B-B14F-4D97-AF65-F5344CB8AC3E}">
+        <p14:creationId xmlns:p14="http://schemas.microsoft.com/office/powerpoint/2010/main" val="4157813307"/>
+      </p:ext>
+    </p:extLst>
+  </p:cSld>
+  <p:clrMapOvr>
+    <a:masterClrMapping/>
+  </p:clrMapOvr>
+</p:sld>
+</file>
+
+<file path=ppt/slides/slide11.xml><?xml version="1.0" encoding="utf-8"?>
+<p:sld xmlns:a="http://schemas.openxmlformats.org/drawingml/2006/main" xmlns:r="http://schemas.openxmlformats.org/officeDocument/2006/relationships" xmlns:p="http://schemas.openxmlformats.org/presentationml/2006/main">
+  <p:cSld>
+    <p:spTree>
+      <p:nvGrpSpPr>
         <p:cNvPr id="1" name="Shape 181"/>
         <p:cNvGrpSpPr/>
         <p:nvPr/>
@@ -12269,7 +12445,7 @@
 </p:sld>
 </file>
 
-<file path=ppt/slides/slide11.xml><?xml version="1.0" encoding="utf-8"?>
+<file path=ppt/slides/slide12.xml><?xml version="1.0" encoding="utf-8"?>
 <p:sld xmlns:a="http://schemas.openxmlformats.org/drawingml/2006/main" xmlns:r="http://schemas.openxmlformats.org/officeDocument/2006/relationships" xmlns:p="http://schemas.openxmlformats.org/presentationml/2006/main">
   <p:cSld>
     <p:spTree>
@@ -12395,7 +12571,7 @@
 </p:sld>
 </file>
 
-<file path=ppt/slides/slide12.xml><?xml version="1.0" encoding="utf-8"?>
+<file path=ppt/slides/slide13.xml><?xml version="1.0" encoding="utf-8"?>
 <p:sld xmlns:a="http://schemas.openxmlformats.org/drawingml/2006/main" xmlns:r="http://schemas.openxmlformats.org/officeDocument/2006/relationships" xmlns:p="http://schemas.openxmlformats.org/presentationml/2006/main">
   <p:cSld>
     <p:spTree>
@@ -12512,7 +12688,7 @@
 </p:sld>
 </file>
 
-<file path=ppt/slides/slide13.xml><?xml version="1.0" encoding="utf-8"?>
+<file path=ppt/slides/slide14.xml><?xml version="1.0" encoding="utf-8"?>
 <p:sld xmlns:a="http://schemas.openxmlformats.org/drawingml/2006/main" xmlns:r="http://schemas.openxmlformats.org/officeDocument/2006/relationships" xmlns:p="http://schemas.openxmlformats.org/presentationml/2006/main">
   <p:cSld>
     <p:bg>
@@ -12633,7 +12809,7 @@
 </p:sld>
 </file>
 
-<file path=ppt/slides/slide14.xml><?xml version="1.0" encoding="utf-8"?>
+<file path=ppt/slides/slide15.xml><?xml version="1.0" encoding="utf-8"?>
 <p:sld xmlns:a="http://schemas.openxmlformats.org/drawingml/2006/main" xmlns:r="http://schemas.openxmlformats.org/officeDocument/2006/relationships" xmlns:p="http://schemas.openxmlformats.org/presentationml/2006/main">
   <p:cSld>
     <p:spTree>
@@ -12793,7 +12969,7 @@
 </p:sld>
 </file>
 
-<file path=ppt/slides/slide15.xml><?xml version="1.0" encoding="utf-8"?>
+<file path=ppt/slides/slide16.xml><?xml version="1.0" encoding="utf-8"?>
 <p:sld xmlns:a="http://schemas.openxmlformats.org/drawingml/2006/main" xmlns:r="http://schemas.openxmlformats.org/officeDocument/2006/relationships" xmlns:p="http://schemas.openxmlformats.org/presentationml/2006/main">
   <p:cSld>
     <p:spTree>
@@ -12903,7 +13079,7 @@
 </p:sld>
 </file>
 
-<file path=ppt/slides/slide16.xml><?xml version="1.0" encoding="utf-8"?>
+<file path=ppt/slides/slide17.xml><?xml version="1.0" encoding="utf-8"?>
 <p:sld xmlns:a="http://schemas.openxmlformats.org/drawingml/2006/main" xmlns:r="http://schemas.openxmlformats.org/officeDocument/2006/relationships" xmlns:p="http://schemas.openxmlformats.org/presentationml/2006/main">
   <p:cSld>
     <p:bg>
@@ -13113,7 +13289,7 @@
 </p:sld>
 </file>
 
-<file path=ppt/slides/slide17.xml><?xml version="1.0" encoding="utf-8"?>
+<file path=ppt/slides/slide18.xml><?xml version="1.0" encoding="utf-8"?>
 <p:sld xmlns:a="http://schemas.openxmlformats.org/drawingml/2006/main" xmlns:r="http://schemas.openxmlformats.org/officeDocument/2006/relationships" xmlns:p="http://schemas.openxmlformats.org/presentationml/2006/main">
   <p:cSld>
     <p:spTree>
@@ -13180,7 +13356,7 @@
 </p:sld>
 </file>
 
-<file path=ppt/slides/slide18.xml><?xml version="1.0" encoding="utf-8"?>
+<file path=ppt/slides/slide19.xml><?xml version="1.0" encoding="utf-8"?>
 <p:sld xmlns:a="http://schemas.openxmlformats.org/drawingml/2006/main" xmlns:r="http://schemas.openxmlformats.org/officeDocument/2006/relationships" xmlns:p="http://schemas.openxmlformats.org/presentationml/2006/main">
   <p:cSld>
     <p:spTree>
@@ -13240,84 +13416,6 @@
         </p:txBody>
       </p:sp>
     </p:spTree>
-  </p:cSld>
-  <p:clrMapOvr>
-    <a:masterClrMapping/>
-  </p:clrMapOvr>
-</p:sld>
-</file>
-
-<file path=ppt/slides/slide19.xml><?xml version="1.0" encoding="utf-8"?>
-<p:sld xmlns:a="http://schemas.openxmlformats.org/drawingml/2006/main" xmlns:r="http://schemas.openxmlformats.org/officeDocument/2006/relationships" xmlns:p="http://schemas.openxmlformats.org/presentationml/2006/main">
-  <p:cSld>
-    <p:spTree>
-      <p:nvGrpSpPr>
-        <p:cNvPr id="1" name=""/>
-        <p:cNvGrpSpPr/>
-        <p:nvPr/>
-      </p:nvGrpSpPr>
-      <p:grpSpPr>
-        <a:xfrm>
-          <a:off x="0" y="0"/>
-          <a:ext cx="0" cy="0"/>
-          <a:chOff x="0" y="0"/>
-          <a:chExt cx="0" cy="0"/>
-        </a:xfrm>
-      </p:grpSpPr>
-      <p:sp>
-        <p:nvSpPr>
-          <p:cNvPr id="4" name="Google Shape;276;p35">
-            <a:extLst>
-              <a:ext uri="{FF2B5EF4-FFF2-40B4-BE49-F238E27FC236}">
-                <a16:creationId xmlns:a16="http://schemas.microsoft.com/office/drawing/2014/main" id="{FB5DD459-2FE5-ABE7-AC04-CB2A4AB79A15}"/>
-              </a:ext>
-            </a:extLst>
-          </p:cNvPr>
-          <p:cNvSpPr txBox="1">
-            <a:spLocks noGrp="1"/>
-          </p:cNvSpPr>
-          <p:nvPr>
-            <p:ph type="title"/>
-          </p:nvPr>
-        </p:nvSpPr>
-        <p:spPr>
-          <a:xfrm>
-            <a:off x="3075511" y="2304150"/>
-            <a:ext cx="6068489" cy="535200"/>
-          </a:xfrm>
-          <a:prstGeom prst="rect">
-            <a:avLst/>
-          </a:prstGeom>
-        </p:spPr>
-        <p:txBody>
-          <a:bodyPr spcFirstLastPara="1" wrap="square" lIns="91425" tIns="91425" rIns="91425" bIns="91425" anchor="t" anchorCtr="0">
-            <a:noAutofit/>
-          </a:bodyPr>
-          <a:lstStyle/>
-          <a:p>
-            <a:pPr marL="0" lvl="0" indent="0" algn="l" rtl="0">
-              <a:spcBef>
-                <a:spcPts val="0"/>
-              </a:spcBef>
-              <a:spcAft>
-                <a:spcPts val="0"/>
-              </a:spcAft>
-              <a:buNone/>
-            </a:pPr>
-            <a:r>
-              <a:rPr lang="en" dirty="0"/>
-              <a:t>Thank You</a:t>
-            </a:r>
-            <a:endParaRPr dirty="0"/>
-          </a:p>
-        </p:txBody>
-      </p:sp>
-    </p:spTree>
-    <p:extLst>
-      <p:ext uri="{BB962C8B-B14F-4D97-AF65-F5344CB8AC3E}">
-        <p14:creationId xmlns:p14="http://schemas.microsoft.com/office/powerpoint/2010/main" val="4278603192"/>
-      </p:ext>
-    </p:extLst>
   </p:cSld>
   <p:clrMapOvr>
     <a:masterClrMapping/>
@@ -13421,12 +13519,12 @@
 </p:sld>
 </file>
 
-<file path=ppt/slides/slide3.xml><?xml version="1.0" encoding="utf-8"?>
+<file path=ppt/slides/slide20.xml><?xml version="1.0" encoding="utf-8"?>
 <p:sld xmlns:a="http://schemas.openxmlformats.org/drawingml/2006/main" xmlns:r="http://schemas.openxmlformats.org/officeDocument/2006/relationships" xmlns:p="http://schemas.openxmlformats.org/presentationml/2006/main">
   <p:cSld>
     <p:spTree>
       <p:nvGrpSpPr>
-        <p:cNvPr id="1" name="Shape 145"/>
+        <p:cNvPr id="1" name=""/>
         <p:cNvGrpSpPr/>
         <p:nvPr/>
       </p:nvGrpSpPr>
@@ -13440,7 +13538,13 @@
       </p:grpSpPr>
       <p:sp>
         <p:nvSpPr>
-          <p:cNvPr id="146" name="Google Shape;146;p19"/>
+          <p:cNvPr id="4" name="Google Shape;276;p35">
+            <a:extLst>
+              <a:ext uri="{FF2B5EF4-FFF2-40B4-BE49-F238E27FC236}">
+                <a16:creationId xmlns:a16="http://schemas.microsoft.com/office/drawing/2014/main" id="{FB5DD459-2FE5-ABE7-AC04-CB2A4AB79A15}"/>
+              </a:ext>
+            </a:extLst>
+          </p:cNvPr>
           <p:cNvSpPr txBox="1">
             <a:spLocks noGrp="1"/>
           </p:cNvSpPr>
@@ -13450,8 +13554,8 @@
         </p:nvSpPr>
         <p:spPr>
           <a:xfrm>
-            <a:off x="730000" y="1318650"/>
-            <a:ext cx="3300900" cy="1687200"/>
+            <a:off x="3075511" y="2304150"/>
+            <a:ext cx="6068489" cy="535200"/>
           </a:xfrm>
           <a:prstGeom prst="rect">
             <a:avLst/>
@@ -13473,359 +13577,19 @@
               <a:buNone/>
             </a:pPr>
             <a:r>
-              <a:rPr lang="en" sz="4400" dirty="0">
-                <a:solidFill>
-                  <a:schemeClr val="lt1"/>
-                </a:solidFill>
-                <a:latin typeface="Arial"/>
-                <a:ea typeface="Arial"/>
-                <a:cs typeface="Arial"/>
-                <a:sym typeface="Arial"/>
-              </a:rPr>
-              <a:t>N-Butane Recycle Build Up</a:t>
+              <a:rPr lang="en" dirty="0"/>
+              <a:t>Thank You</a:t>
             </a:r>
-            <a:endParaRPr sz="3000" dirty="0">
-              <a:solidFill>
-                <a:schemeClr val="lt1"/>
-              </a:solidFill>
-            </a:endParaRPr>
-          </a:p>
-        </p:txBody>
-      </p:sp>
-      <p:sp>
-        <p:nvSpPr>
-          <p:cNvPr id="147" name="Google Shape;147;p19"/>
-          <p:cNvSpPr txBox="1">
-            <a:spLocks noGrp="1"/>
-          </p:cNvSpPr>
-          <p:nvPr>
-            <p:ph type="body" idx="2"/>
-          </p:nvPr>
-        </p:nvSpPr>
-        <p:spPr>
-          <a:xfrm>
-            <a:off x="5174225" y="-18975"/>
-            <a:ext cx="3374400" cy="3135600"/>
-          </a:xfrm>
-          <a:prstGeom prst="rect">
-            <a:avLst/>
-          </a:prstGeom>
-        </p:spPr>
-        <p:txBody>
-          <a:bodyPr spcFirstLastPara="1" wrap="square" lIns="91425" tIns="91425" rIns="91425" bIns="91425" anchor="t" anchorCtr="0">
-            <a:noAutofit/>
-          </a:bodyPr>
-          <a:lstStyle/>
-          <a:p>
-            <a:pPr marL="0" lvl="0" indent="0" algn="l" rtl="0">
-              <a:lnSpc>
-                <a:spcPct val="90000"/>
-              </a:lnSpc>
-              <a:spcBef>
-                <a:spcPts val="1000"/>
-              </a:spcBef>
-              <a:spcAft>
-                <a:spcPts val="0"/>
-              </a:spcAft>
-              <a:buNone/>
-            </a:pPr>
-            <a:r>
-              <a:rPr lang="en" sz="1200">
-                <a:solidFill>
-                  <a:srgbClr val="000000"/>
-                </a:solidFill>
-                <a:latin typeface="Arial"/>
-                <a:ea typeface="Arial"/>
-                <a:cs typeface="Arial"/>
-                <a:sym typeface="Arial"/>
-              </a:rPr>
-              <a:t>•Utilize principal component analysis, and neural networks to develop machine learning methods to predict probably of N-Butane build up.</a:t>
-            </a:r>
-            <a:endParaRPr sz="1200">
-              <a:solidFill>
-                <a:srgbClr val="000000"/>
-              </a:solidFill>
-              <a:latin typeface="Arial"/>
-              <a:ea typeface="Arial"/>
-              <a:cs typeface="Arial"/>
-              <a:sym typeface="Arial"/>
-            </a:endParaRPr>
-          </a:p>
-          <a:p>
-            <a:pPr marL="0" lvl="0" indent="0" algn="l" rtl="0">
-              <a:lnSpc>
-                <a:spcPct val="90000"/>
-              </a:lnSpc>
-              <a:spcBef>
-                <a:spcPts val="1000"/>
-              </a:spcBef>
-              <a:spcAft>
-                <a:spcPts val="0"/>
-              </a:spcAft>
-              <a:buNone/>
-            </a:pPr>
-            <a:r>
-              <a:rPr lang="en" sz="1200">
-                <a:solidFill>
-                  <a:srgbClr val="000000"/>
-                </a:solidFill>
-                <a:latin typeface="Arial"/>
-                <a:ea typeface="Arial"/>
-                <a:cs typeface="Arial"/>
-                <a:sym typeface="Arial"/>
-              </a:rPr>
-              <a:t>•Input RX, Tower A, Tower B, and Tower C data, twice daily N-Butane samples for qualifier</a:t>
-            </a:r>
-            <a:endParaRPr sz="1200">
-              <a:solidFill>
-                <a:srgbClr val="000000"/>
-              </a:solidFill>
-              <a:latin typeface="Arial"/>
-              <a:ea typeface="Arial"/>
-              <a:cs typeface="Arial"/>
-              <a:sym typeface="Arial"/>
-            </a:endParaRPr>
-          </a:p>
-          <a:p>
-            <a:pPr marL="0" lvl="0" indent="0" algn="l" rtl="0">
-              <a:lnSpc>
-                <a:spcPct val="90000"/>
-              </a:lnSpc>
-              <a:spcBef>
-                <a:spcPts val="1000"/>
-              </a:spcBef>
-              <a:spcAft>
-                <a:spcPts val="0"/>
-              </a:spcAft>
-              <a:buNone/>
-            </a:pPr>
-            <a:r>
-              <a:rPr lang="en" sz="1200">
-                <a:solidFill>
-                  <a:srgbClr val="000000"/>
-                </a:solidFill>
-                <a:latin typeface="Arial"/>
-                <a:ea typeface="Arial"/>
-                <a:cs typeface="Arial"/>
-                <a:sym typeface="Arial"/>
-              </a:rPr>
-              <a:t>•Outputs are probability percentage that we are building or purging N-Butane.</a:t>
-            </a:r>
-            <a:endParaRPr sz="1200">
-              <a:solidFill>
-                <a:srgbClr val="000000"/>
-              </a:solidFill>
-              <a:latin typeface="Arial"/>
-              <a:ea typeface="Arial"/>
-              <a:cs typeface="Arial"/>
-              <a:sym typeface="Arial"/>
-            </a:endParaRPr>
-          </a:p>
-          <a:p>
-            <a:pPr marL="0" lvl="0" indent="0" algn="l" rtl="0">
-              <a:lnSpc>
-                <a:spcPct val="90000"/>
-              </a:lnSpc>
-              <a:spcBef>
-                <a:spcPts val="1000"/>
-              </a:spcBef>
-              <a:spcAft>
-                <a:spcPts val="0"/>
-              </a:spcAft>
-              <a:buNone/>
-            </a:pPr>
-            <a:r>
-              <a:rPr lang="en" sz="1200">
-                <a:solidFill>
-                  <a:srgbClr val="000000"/>
-                </a:solidFill>
-                <a:latin typeface="Arial"/>
-                <a:ea typeface="Arial"/>
-                <a:cs typeface="Arial"/>
-                <a:sym typeface="Arial"/>
-              </a:rPr>
-              <a:t>•No side-draw for N-Butane at Tower A, RVP penalty for dropping i-Butane is severe.</a:t>
-            </a:r>
-            <a:endParaRPr sz="1200">
-              <a:solidFill>
-                <a:srgbClr val="000000"/>
-              </a:solidFill>
-              <a:latin typeface="Arial"/>
-              <a:ea typeface="Arial"/>
-              <a:cs typeface="Arial"/>
-              <a:sym typeface="Arial"/>
-            </a:endParaRPr>
-          </a:p>
-          <a:p>
-            <a:pPr marL="0" lvl="0" indent="0" algn="l" rtl="0">
-              <a:lnSpc>
-                <a:spcPct val="90000"/>
-              </a:lnSpc>
-              <a:spcBef>
-                <a:spcPts val="1000"/>
-              </a:spcBef>
-              <a:spcAft>
-                <a:spcPts val="0"/>
-              </a:spcAft>
-              <a:buNone/>
-            </a:pPr>
-            <a:r>
-              <a:rPr lang="en" sz="1200">
-                <a:solidFill>
-                  <a:srgbClr val="000000"/>
-                </a:solidFill>
-                <a:latin typeface="Arial"/>
-                <a:ea typeface="Arial"/>
-                <a:cs typeface="Arial"/>
-                <a:sym typeface="Arial"/>
-              </a:rPr>
-              <a:t>•Current procedure is relying on twice daily samples.</a:t>
-            </a:r>
-            <a:endParaRPr sz="1200">
-              <a:solidFill>
-                <a:srgbClr val="000000"/>
-              </a:solidFill>
-              <a:latin typeface="Arial"/>
-              <a:ea typeface="Arial"/>
-              <a:cs typeface="Arial"/>
-              <a:sym typeface="Arial"/>
-            </a:endParaRPr>
-          </a:p>
-          <a:p>
-            <a:pPr marL="0" lvl="0" indent="0" algn="l" rtl="0">
-              <a:lnSpc>
-                <a:spcPct val="90000"/>
-              </a:lnSpc>
-              <a:spcBef>
-                <a:spcPts val="1000"/>
-              </a:spcBef>
-              <a:spcAft>
-                <a:spcPts val="0"/>
-              </a:spcAft>
-              <a:buNone/>
-            </a:pPr>
-            <a:r>
-              <a:rPr lang="en" sz="1200">
-                <a:solidFill>
-                  <a:srgbClr val="000000"/>
-                </a:solidFill>
-                <a:latin typeface="Arial"/>
-                <a:ea typeface="Arial"/>
-                <a:cs typeface="Arial"/>
-                <a:sym typeface="Arial"/>
-              </a:rPr>
-              <a:t>•Operations are blind in-between samples, as is efforts to measure N-Butane balance</a:t>
-            </a:r>
-            <a:endParaRPr sz="1200">
-              <a:solidFill>
-                <a:srgbClr val="000000"/>
-              </a:solidFill>
-              <a:latin typeface="Arial"/>
-              <a:ea typeface="Arial"/>
-              <a:cs typeface="Arial"/>
-              <a:sym typeface="Arial"/>
-            </a:endParaRPr>
-          </a:p>
-          <a:p>
-            <a:pPr marL="0" lvl="0" indent="0" algn="l" rtl="0">
-              <a:lnSpc>
-                <a:spcPct val="90000"/>
-              </a:lnSpc>
-              <a:spcBef>
-                <a:spcPts val="1000"/>
-              </a:spcBef>
-              <a:spcAft>
-                <a:spcPts val="0"/>
-              </a:spcAft>
-              <a:buNone/>
-            </a:pPr>
-            <a:r>
-              <a:rPr lang="en" sz="1200">
-                <a:solidFill>
-                  <a:srgbClr val="000000"/>
-                </a:solidFill>
-                <a:latin typeface="Arial"/>
-                <a:ea typeface="Arial"/>
-                <a:cs typeface="Arial"/>
-                <a:sym typeface="Arial"/>
-              </a:rPr>
-              <a:t>•Operations have noticed correlations with Tower A overhead temperature ( &gt;135F) as early warning of N-C4 build up.</a:t>
-            </a:r>
-            <a:endParaRPr sz="1200">
-              <a:solidFill>
-                <a:srgbClr val="000000"/>
-              </a:solidFill>
-              <a:latin typeface="Arial"/>
-              <a:ea typeface="Arial"/>
-              <a:cs typeface="Arial"/>
-              <a:sym typeface="Arial"/>
-            </a:endParaRPr>
-          </a:p>
-          <a:p>
-            <a:pPr marL="0" lvl="0" indent="0" algn="l" rtl="0">
-              <a:lnSpc>
-                <a:spcPct val="90000"/>
-              </a:lnSpc>
-              <a:spcBef>
-                <a:spcPts val="1000"/>
-              </a:spcBef>
-              <a:spcAft>
-                <a:spcPts val="0"/>
-              </a:spcAft>
-              <a:buNone/>
-            </a:pPr>
-            <a:r>
-              <a:rPr lang="en" sz="1200">
-                <a:solidFill>
-                  <a:srgbClr val="000000"/>
-                </a:solidFill>
-                <a:latin typeface="Arial"/>
-                <a:ea typeface="Arial"/>
-                <a:cs typeface="Arial"/>
-                <a:sym typeface="Arial"/>
-              </a:rPr>
-              <a:t>•ML Model goal is to input all tower and reactor data and predict the statistical probability that we are in a “N-Butane Build-Up” mode</a:t>
-            </a:r>
-            <a:endParaRPr sz="1200">
-              <a:solidFill>
-                <a:srgbClr val="000000"/>
-              </a:solidFill>
-              <a:latin typeface="Arial"/>
-              <a:ea typeface="Arial"/>
-              <a:cs typeface="Arial"/>
-              <a:sym typeface="Arial"/>
-            </a:endParaRPr>
-          </a:p>
-          <a:p>
-            <a:pPr marL="0" lvl="0" indent="0" algn="l" rtl="0">
-              <a:spcBef>
-                <a:spcPts val="0"/>
-              </a:spcBef>
-              <a:spcAft>
-                <a:spcPts val="0"/>
-              </a:spcAft>
-              <a:buNone/>
-            </a:pPr>
-            <a:endParaRPr sz="300"/>
-          </a:p>
-          <a:p>
-            <a:pPr marL="0" lvl="0" indent="0" algn="l" rtl="0">
-              <a:lnSpc>
-                <a:spcPct val="115000"/>
-              </a:lnSpc>
-              <a:spcBef>
-                <a:spcPts val="1600"/>
-              </a:spcBef>
-              <a:spcAft>
-                <a:spcPts val="1600"/>
-              </a:spcAft>
-              <a:buNone/>
-            </a:pPr>
-            <a:endParaRPr sz="800"/>
+            <a:endParaRPr dirty="0"/>
           </a:p>
         </p:txBody>
       </p:sp>
     </p:spTree>
+    <p:extLst>
+      <p:ext uri="{BB962C8B-B14F-4D97-AF65-F5344CB8AC3E}">
+        <p14:creationId xmlns:p14="http://schemas.microsoft.com/office/powerpoint/2010/main" val="4278603192"/>
+      </p:ext>
+    </p:extLst>
   </p:cSld>
   <p:clrMapOvr>
     <a:masterClrMapping/>
@@ -13833,7 +13597,7 @@
 </p:sld>
 </file>
 
-<file path=ppt/slides/slide4.xml><?xml version="1.0" encoding="utf-8"?>
+<file path=ppt/slides/slide3.xml><?xml version="1.0" encoding="utf-8"?>
 <p:sld xmlns:a="http://schemas.openxmlformats.org/drawingml/2006/main" xmlns:r="http://schemas.openxmlformats.org/officeDocument/2006/relationships" xmlns:p="http://schemas.openxmlformats.org/presentationml/2006/main">
   <p:cSld>
     <p:spTree>
@@ -13984,7 +13748,625 @@
 </p:sld>
 </file>
 
+<file path=ppt/slides/slide4.xml><?xml version="1.0" encoding="utf-8"?>
+<p:sld xmlns:a="http://schemas.openxmlformats.org/drawingml/2006/main" xmlns:r="http://schemas.openxmlformats.org/officeDocument/2006/relationships" xmlns:p="http://schemas.openxmlformats.org/presentationml/2006/main">
+  <p:cSld>
+    <p:spTree>
+      <p:nvGrpSpPr>
+        <p:cNvPr id="1" name=""/>
+        <p:cNvGrpSpPr/>
+        <p:nvPr/>
+      </p:nvGrpSpPr>
+      <p:grpSpPr>
+        <a:xfrm>
+          <a:off x="0" y="0"/>
+          <a:ext cx="0" cy="0"/>
+          <a:chOff x="0" y="0"/>
+          <a:chExt cx="0" cy="0"/>
+        </a:xfrm>
+      </p:grpSpPr>
+      <p:sp>
+        <p:nvSpPr>
+          <p:cNvPr id="2" name="Title 1">
+            <a:extLst>
+              <a:ext uri="{FF2B5EF4-FFF2-40B4-BE49-F238E27FC236}">
+                <a16:creationId xmlns:a16="http://schemas.microsoft.com/office/drawing/2014/main" id="{830D2F8D-4597-4262-CBBA-FA9F2C62AF6A}"/>
+              </a:ext>
+            </a:extLst>
+          </p:cNvPr>
+          <p:cNvSpPr>
+            <a:spLocks noGrp="1"/>
+          </p:cNvSpPr>
+          <p:nvPr>
+            <p:ph type="title"/>
+          </p:nvPr>
+        </p:nvSpPr>
+        <p:spPr/>
+        <p:txBody>
+          <a:bodyPr/>
+          <a:lstStyle/>
+          <a:p>
+            <a:pPr algn="ctr" rtl="0">
+              <a:spcBef>
+                <a:spcPts val="0"/>
+              </a:spcBef>
+              <a:spcAft>
+                <a:spcPts val="0"/>
+              </a:spcAft>
+            </a:pPr>
+            <a:r>
+              <a:rPr lang="en-US" sz="2800" b="0" i="0" u="none" strike="noStrike" dirty="0">
+                <a:solidFill>
+                  <a:schemeClr val="bg1"/>
+                </a:solidFill>
+                <a:effectLst/>
+                <a:latin typeface="Proxima Nova"/>
+              </a:rPr>
+              <a:t>Reason why topic was chosen</a:t>
+            </a:r>
+            <a:br>
+              <a:rPr lang="en-US" sz="4000" b="0" dirty="0">
+                <a:solidFill>
+                  <a:schemeClr val="bg1"/>
+                </a:solidFill>
+                <a:effectLst/>
+              </a:rPr>
+            </a:br>
+            <a:endParaRPr lang="en-US" sz="4000" dirty="0">
+              <a:solidFill>
+                <a:schemeClr val="bg1"/>
+              </a:solidFill>
+            </a:endParaRPr>
+          </a:p>
+        </p:txBody>
+      </p:sp>
+      <p:sp>
+        <p:nvSpPr>
+          <p:cNvPr id="4" name="Text Placeholder 3">
+            <a:extLst>
+              <a:ext uri="{FF2B5EF4-FFF2-40B4-BE49-F238E27FC236}">
+                <a16:creationId xmlns:a16="http://schemas.microsoft.com/office/drawing/2014/main" id="{82038F1E-483A-C1C2-92BD-790E8FF238CB}"/>
+              </a:ext>
+            </a:extLst>
+          </p:cNvPr>
+          <p:cNvSpPr>
+            <a:spLocks noGrp="1"/>
+          </p:cNvSpPr>
+          <p:nvPr>
+            <p:ph type="body" idx="2"/>
+          </p:nvPr>
+        </p:nvSpPr>
+        <p:spPr>
+          <a:xfrm>
+            <a:off x="4942119" y="869405"/>
+            <a:ext cx="3971425" cy="3025500"/>
+          </a:xfrm>
+        </p:spPr>
+        <p:txBody>
+          <a:bodyPr/>
+          <a:lstStyle/>
+          <a:p>
+            <a:r>
+              <a:rPr lang="en-US" sz="1800" dirty="0">
+                <a:solidFill>
+                  <a:schemeClr val="bg2"/>
+                </a:solidFill>
+                <a:latin typeface="Proxima Nova"/>
+                <a:sym typeface="Raleway"/>
+              </a:rPr>
+              <a:t>This topic interest us</a:t>
+            </a:r>
+          </a:p>
+          <a:p>
+            <a:r>
+              <a:rPr lang="en-US" sz="1800" dirty="0">
+                <a:solidFill>
+                  <a:schemeClr val="bg2"/>
+                </a:solidFill>
+                <a:latin typeface="Proxima Nova"/>
+                <a:sym typeface="Raleway"/>
+              </a:rPr>
+              <a:t>Availability of sources</a:t>
+            </a:r>
+          </a:p>
+          <a:p>
+            <a:r>
+              <a:rPr lang="en-US" sz="1800" dirty="0">
+                <a:solidFill>
+                  <a:schemeClr val="bg2"/>
+                </a:solidFill>
+                <a:latin typeface="Proxima Nova"/>
+                <a:sym typeface="Raleway"/>
+              </a:rPr>
+              <a:t>Shows Machine Learning potential</a:t>
+            </a:r>
+          </a:p>
+          <a:p>
+            <a:r>
+              <a:rPr lang="en-US" sz="1800" dirty="0">
+                <a:solidFill>
+                  <a:schemeClr val="bg2"/>
+                </a:solidFill>
+                <a:latin typeface="Proxima Nova"/>
+                <a:sym typeface="Raleway"/>
+              </a:rPr>
+              <a:t>Is challenging</a:t>
+            </a:r>
+          </a:p>
+          <a:p>
+            <a:r>
+              <a:rPr lang="en-US" sz="1800" dirty="0">
+                <a:solidFill>
+                  <a:schemeClr val="bg2"/>
+                </a:solidFill>
+                <a:latin typeface="Proxima Nova"/>
+                <a:sym typeface="Raleway"/>
+              </a:rPr>
+              <a:t>Is manageable</a:t>
+            </a:r>
+          </a:p>
+          <a:p>
+            <a:r>
+              <a:rPr lang="en-US" sz="1800" dirty="0">
+                <a:solidFill>
+                  <a:schemeClr val="bg2"/>
+                </a:solidFill>
+                <a:latin typeface="Proxima Nova"/>
+                <a:sym typeface="Raleway"/>
+              </a:rPr>
+              <a:t>Is significant</a:t>
+            </a:r>
+          </a:p>
+          <a:p>
+            <a:r>
+              <a:rPr lang="en-US" sz="1800" dirty="0">
+                <a:solidFill>
+                  <a:schemeClr val="bg2"/>
+                </a:solidFill>
+                <a:latin typeface="Proxima Nova"/>
+                <a:sym typeface="Raleway"/>
+              </a:rPr>
+              <a:t>Is great interview preparation</a:t>
+            </a:r>
+            <a:br>
+              <a:rPr lang="en-US" sz="1400" b="0" i="0" u="none" strike="noStrike" dirty="0">
+                <a:solidFill>
+                  <a:srgbClr val="616161"/>
+                </a:solidFill>
+                <a:effectLst/>
+                <a:latin typeface="Proxima Nova"/>
+              </a:rPr>
+            </a:br>
+            <a:endParaRPr lang="en-US" dirty="0"/>
+          </a:p>
+        </p:txBody>
+      </p:sp>
+    </p:spTree>
+    <p:extLst>
+      <p:ext uri="{BB962C8B-B14F-4D97-AF65-F5344CB8AC3E}">
+        <p14:creationId xmlns:p14="http://schemas.microsoft.com/office/powerpoint/2010/main" val="4063229176"/>
+      </p:ext>
+    </p:extLst>
+  </p:cSld>
+  <p:clrMapOvr>
+    <a:masterClrMapping/>
+  </p:clrMapOvr>
+</p:sld>
+</file>
+
 <file path=ppt/slides/slide5.xml><?xml version="1.0" encoding="utf-8"?>
+<p:sld xmlns:a="http://schemas.openxmlformats.org/drawingml/2006/main" xmlns:r="http://schemas.openxmlformats.org/officeDocument/2006/relationships" xmlns:p="http://schemas.openxmlformats.org/presentationml/2006/main">
+  <p:cSld>
+    <p:spTree>
+      <p:nvGrpSpPr>
+        <p:cNvPr id="1" name="Shape 145"/>
+        <p:cNvGrpSpPr/>
+        <p:nvPr/>
+      </p:nvGrpSpPr>
+      <p:grpSpPr>
+        <a:xfrm>
+          <a:off x="0" y="0"/>
+          <a:ext cx="0" cy="0"/>
+          <a:chOff x="0" y="0"/>
+          <a:chExt cx="0" cy="0"/>
+        </a:xfrm>
+      </p:grpSpPr>
+      <p:sp>
+        <p:nvSpPr>
+          <p:cNvPr id="146" name="Google Shape;146;p19"/>
+          <p:cNvSpPr txBox="1">
+            <a:spLocks noGrp="1"/>
+          </p:cNvSpPr>
+          <p:nvPr>
+            <p:ph type="title"/>
+          </p:nvPr>
+        </p:nvSpPr>
+        <p:spPr>
+          <a:xfrm>
+            <a:off x="730000" y="1318650"/>
+            <a:ext cx="3300900" cy="1687200"/>
+          </a:xfrm>
+          <a:prstGeom prst="rect">
+            <a:avLst/>
+          </a:prstGeom>
+        </p:spPr>
+        <p:txBody>
+          <a:bodyPr spcFirstLastPara="1" wrap="square" lIns="91425" tIns="91425" rIns="91425" bIns="91425" anchor="t" anchorCtr="0">
+            <a:noAutofit/>
+          </a:bodyPr>
+          <a:lstStyle/>
+          <a:p>
+            <a:pPr marL="0" lvl="0" indent="0" algn="l" rtl="0">
+              <a:spcBef>
+                <a:spcPts val="0"/>
+              </a:spcBef>
+              <a:spcAft>
+                <a:spcPts val="0"/>
+              </a:spcAft>
+              <a:buNone/>
+            </a:pPr>
+            <a:r>
+              <a:rPr lang="en" sz="4400" dirty="0">
+                <a:solidFill>
+                  <a:schemeClr val="lt1"/>
+                </a:solidFill>
+                <a:latin typeface="Arial"/>
+                <a:ea typeface="Arial"/>
+                <a:cs typeface="Arial"/>
+                <a:sym typeface="Arial"/>
+              </a:rPr>
+              <a:t>N-Butane Recycle Build Up</a:t>
+            </a:r>
+            <a:endParaRPr sz="3000" dirty="0">
+              <a:solidFill>
+                <a:schemeClr val="lt1"/>
+              </a:solidFill>
+            </a:endParaRPr>
+          </a:p>
+        </p:txBody>
+      </p:sp>
+      <p:sp>
+        <p:nvSpPr>
+          <p:cNvPr id="147" name="Google Shape;147;p19"/>
+          <p:cNvSpPr txBox="1">
+            <a:spLocks noGrp="1"/>
+          </p:cNvSpPr>
+          <p:nvPr>
+            <p:ph type="body" idx="2"/>
+          </p:nvPr>
+        </p:nvSpPr>
+        <p:spPr>
+          <a:xfrm>
+            <a:off x="5174225" y="-18975"/>
+            <a:ext cx="3374400" cy="3135600"/>
+          </a:xfrm>
+          <a:prstGeom prst="rect">
+            <a:avLst/>
+          </a:prstGeom>
+        </p:spPr>
+        <p:txBody>
+          <a:bodyPr spcFirstLastPara="1" wrap="square" lIns="91425" tIns="91425" rIns="91425" bIns="91425" anchor="t" anchorCtr="0">
+            <a:noAutofit/>
+          </a:bodyPr>
+          <a:lstStyle/>
+          <a:p>
+            <a:pPr marL="0" lvl="0" indent="0" algn="l" rtl="0">
+              <a:lnSpc>
+                <a:spcPct val="90000"/>
+              </a:lnSpc>
+              <a:spcBef>
+                <a:spcPts val="1000"/>
+              </a:spcBef>
+              <a:spcAft>
+                <a:spcPts val="0"/>
+              </a:spcAft>
+              <a:buNone/>
+            </a:pPr>
+            <a:r>
+              <a:rPr lang="en" sz="1200">
+                <a:solidFill>
+                  <a:srgbClr val="000000"/>
+                </a:solidFill>
+                <a:latin typeface="Arial"/>
+                <a:ea typeface="Arial"/>
+                <a:cs typeface="Arial"/>
+                <a:sym typeface="Arial"/>
+              </a:rPr>
+              <a:t>•Utilize principal component analysis, and neural networks to develop machine learning methods to predict probably of N-Butane build up.</a:t>
+            </a:r>
+            <a:endParaRPr sz="1200">
+              <a:solidFill>
+                <a:srgbClr val="000000"/>
+              </a:solidFill>
+              <a:latin typeface="Arial"/>
+              <a:ea typeface="Arial"/>
+              <a:cs typeface="Arial"/>
+              <a:sym typeface="Arial"/>
+            </a:endParaRPr>
+          </a:p>
+          <a:p>
+            <a:pPr marL="0" lvl="0" indent="0" algn="l" rtl="0">
+              <a:lnSpc>
+                <a:spcPct val="90000"/>
+              </a:lnSpc>
+              <a:spcBef>
+                <a:spcPts val="1000"/>
+              </a:spcBef>
+              <a:spcAft>
+                <a:spcPts val="0"/>
+              </a:spcAft>
+              <a:buNone/>
+            </a:pPr>
+            <a:r>
+              <a:rPr lang="en" sz="1200">
+                <a:solidFill>
+                  <a:srgbClr val="000000"/>
+                </a:solidFill>
+                <a:latin typeface="Arial"/>
+                <a:ea typeface="Arial"/>
+                <a:cs typeface="Arial"/>
+                <a:sym typeface="Arial"/>
+              </a:rPr>
+              <a:t>•Input RX, Tower A, Tower B, and Tower C data, twice daily N-Butane samples for qualifier</a:t>
+            </a:r>
+            <a:endParaRPr sz="1200">
+              <a:solidFill>
+                <a:srgbClr val="000000"/>
+              </a:solidFill>
+              <a:latin typeface="Arial"/>
+              <a:ea typeface="Arial"/>
+              <a:cs typeface="Arial"/>
+              <a:sym typeface="Arial"/>
+            </a:endParaRPr>
+          </a:p>
+          <a:p>
+            <a:pPr marL="0" lvl="0" indent="0" algn="l" rtl="0">
+              <a:lnSpc>
+                <a:spcPct val="90000"/>
+              </a:lnSpc>
+              <a:spcBef>
+                <a:spcPts val="1000"/>
+              </a:spcBef>
+              <a:spcAft>
+                <a:spcPts val="0"/>
+              </a:spcAft>
+              <a:buNone/>
+            </a:pPr>
+            <a:r>
+              <a:rPr lang="en" sz="1200">
+                <a:solidFill>
+                  <a:srgbClr val="000000"/>
+                </a:solidFill>
+                <a:latin typeface="Arial"/>
+                <a:ea typeface="Arial"/>
+                <a:cs typeface="Arial"/>
+                <a:sym typeface="Arial"/>
+              </a:rPr>
+              <a:t>•Outputs are probability percentage that we are building or purging N-Butane.</a:t>
+            </a:r>
+            <a:endParaRPr sz="1200">
+              <a:solidFill>
+                <a:srgbClr val="000000"/>
+              </a:solidFill>
+              <a:latin typeface="Arial"/>
+              <a:ea typeface="Arial"/>
+              <a:cs typeface="Arial"/>
+              <a:sym typeface="Arial"/>
+            </a:endParaRPr>
+          </a:p>
+          <a:p>
+            <a:pPr marL="0" lvl="0" indent="0" algn="l" rtl="0">
+              <a:lnSpc>
+                <a:spcPct val="90000"/>
+              </a:lnSpc>
+              <a:spcBef>
+                <a:spcPts val="1000"/>
+              </a:spcBef>
+              <a:spcAft>
+                <a:spcPts val="0"/>
+              </a:spcAft>
+              <a:buNone/>
+            </a:pPr>
+            <a:r>
+              <a:rPr lang="en" sz="1200">
+                <a:solidFill>
+                  <a:srgbClr val="000000"/>
+                </a:solidFill>
+                <a:latin typeface="Arial"/>
+                <a:ea typeface="Arial"/>
+                <a:cs typeface="Arial"/>
+                <a:sym typeface="Arial"/>
+              </a:rPr>
+              <a:t>•No side-draw for N-Butane at Tower A, RVP penalty for dropping i-Butane is severe.</a:t>
+            </a:r>
+            <a:endParaRPr sz="1200">
+              <a:solidFill>
+                <a:srgbClr val="000000"/>
+              </a:solidFill>
+              <a:latin typeface="Arial"/>
+              <a:ea typeface="Arial"/>
+              <a:cs typeface="Arial"/>
+              <a:sym typeface="Arial"/>
+            </a:endParaRPr>
+          </a:p>
+          <a:p>
+            <a:pPr marL="0" lvl="0" indent="0" algn="l" rtl="0">
+              <a:lnSpc>
+                <a:spcPct val="90000"/>
+              </a:lnSpc>
+              <a:spcBef>
+                <a:spcPts val="1000"/>
+              </a:spcBef>
+              <a:spcAft>
+                <a:spcPts val="0"/>
+              </a:spcAft>
+              <a:buNone/>
+            </a:pPr>
+            <a:r>
+              <a:rPr lang="en" sz="1200">
+                <a:solidFill>
+                  <a:srgbClr val="000000"/>
+                </a:solidFill>
+                <a:latin typeface="Arial"/>
+                <a:ea typeface="Arial"/>
+                <a:cs typeface="Arial"/>
+                <a:sym typeface="Arial"/>
+              </a:rPr>
+              <a:t>•Current procedure is relying on twice daily samples.</a:t>
+            </a:r>
+            <a:endParaRPr sz="1200">
+              <a:solidFill>
+                <a:srgbClr val="000000"/>
+              </a:solidFill>
+              <a:latin typeface="Arial"/>
+              <a:ea typeface="Arial"/>
+              <a:cs typeface="Arial"/>
+              <a:sym typeface="Arial"/>
+            </a:endParaRPr>
+          </a:p>
+          <a:p>
+            <a:pPr marL="0" lvl="0" indent="0" algn="l" rtl="0">
+              <a:lnSpc>
+                <a:spcPct val="90000"/>
+              </a:lnSpc>
+              <a:spcBef>
+                <a:spcPts val="1000"/>
+              </a:spcBef>
+              <a:spcAft>
+                <a:spcPts val="0"/>
+              </a:spcAft>
+              <a:buNone/>
+            </a:pPr>
+            <a:r>
+              <a:rPr lang="en" sz="1200">
+                <a:solidFill>
+                  <a:srgbClr val="000000"/>
+                </a:solidFill>
+                <a:latin typeface="Arial"/>
+                <a:ea typeface="Arial"/>
+                <a:cs typeface="Arial"/>
+                <a:sym typeface="Arial"/>
+              </a:rPr>
+              <a:t>•Operations are blind in-between samples, as is efforts to measure N-Butane balance</a:t>
+            </a:r>
+            <a:endParaRPr sz="1200">
+              <a:solidFill>
+                <a:srgbClr val="000000"/>
+              </a:solidFill>
+              <a:latin typeface="Arial"/>
+              <a:ea typeface="Arial"/>
+              <a:cs typeface="Arial"/>
+              <a:sym typeface="Arial"/>
+            </a:endParaRPr>
+          </a:p>
+          <a:p>
+            <a:pPr marL="0" lvl="0" indent="0" algn="l" rtl="0">
+              <a:lnSpc>
+                <a:spcPct val="90000"/>
+              </a:lnSpc>
+              <a:spcBef>
+                <a:spcPts val="1000"/>
+              </a:spcBef>
+              <a:spcAft>
+                <a:spcPts val="0"/>
+              </a:spcAft>
+              <a:buNone/>
+            </a:pPr>
+            <a:r>
+              <a:rPr lang="en" sz="1200">
+                <a:solidFill>
+                  <a:srgbClr val="000000"/>
+                </a:solidFill>
+                <a:latin typeface="Arial"/>
+                <a:ea typeface="Arial"/>
+                <a:cs typeface="Arial"/>
+                <a:sym typeface="Arial"/>
+              </a:rPr>
+              <a:t>•Operations have noticed correlations with Tower A overhead temperature ( &gt;135F) as early warning of N-C4 build up.</a:t>
+            </a:r>
+            <a:endParaRPr sz="1200">
+              <a:solidFill>
+                <a:srgbClr val="000000"/>
+              </a:solidFill>
+              <a:latin typeface="Arial"/>
+              <a:ea typeface="Arial"/>
+              <a:cs typeface="Arial"/>
+              <a:sym typeface="Arial"/>
+            </a:endParaRPr>
+          </a:p>
+          <a:p>
+            <a:pPr marL="0" lvl="0" indent="0" algn="l" rtl="0">
+              <a:lnSpc>
+                <a:spcPct val="90000"/>
+              </a:lnSpc>
+              <a:spcBef>
+                <a:spcPts val="1000"/>
+              </a:spcBef>
+              <a:spcAft>
+                <a:spcPts val="0"/>
+              </a:spcAft>
+              <a:buNone/>
+            </a:pPr>
+            <a:r>
+              <a:rPr lang="en" sz="1200">
+                <a:solidFill>
+                  <a:srgbClr val="000000"/>
+                </a:solidFill>
+                <a:latin typeface="Arial"/>
+                <a:ea typeface="Arial"/>
+                <a:cs typeface="Arial"/>
+                <a:sym typeface="Arial"/>
+              </a:rPr>
+              <a:t>•ML Model goal is to input all tower and reactor data and predict the statistical probability that we are in a “N-Butane Build-Up” mode</a:t>
+            </a:r>
+            <a:endParaRPr sz="1200">
+              <a:solidFill>
+                <a:srgbClr val="000000"/>
+              </a:solidFill>
+              <a:latin typeface="Arial"/>
+              <a:ea typeface="Arial"/>
+              <a:cs typeface="Arial"/>
+              <a:sym typeface="Arial"/>
+            </a:endParaRPr>
+          </a:p>
+          <a:p>
+            <a:pPr marL="0" lvl="0" indent="0" algn="l" rtl="0">
+              <a:spcBef>
+                <a:spcPts val="0"/>
+              </a:spcBef>
+              <a:spcAft>
+                <a:spcPts val="0"/>
+              </a:spcAft>
+              <a:buNone/>
+            </a:pPr>
+            <a:endParaRPr sz="300"/>
+          </a:p>
+          <a:p>
+            <a:pPr marL="0" lvl="0" indent="0" algn="l" rtl="0">
+              <a:lnSpc>
+                <a:spcPct val="115000"/>
+              </a:lnSpc>
+              <a:spcBef>
+                <a:spcPts val="1600"/>
+              </a:spcBef>
+              <a:spcAft>
+                <a:spcPts val="1600"/>
+              </a:spcAft>
+              <a:buNone/>
+            </a:pPr>
+            <a:endParaRPr sz="800"/>
+          </a:p>
+        </p:txBody>
+      </p:sp>
+    </p:spTree>
+  </p:cSld>
+  <p:clrMapOvr>
+    <a:masterClrMapping/>
+  </p:clrMapOvr>
+</p:sld>
+</file>
+
+<file path=ppt/slides/slide6.xml><?xml version="1.0" encoding="utf-8"?>
 <p:sld xmlns:a="http://schemas.openxmlformats.org/drawingml/2006/main" xmlns:r="http://schemas.openxmlformats.org/officeDocument/2006/relationships" xmlns:p="http://schemas.openxmlformats.org/presentationml/2006/main">
   <p:cSld>
     <p:bg>
@@ -14087,7 +14469,7 @@
 </p:sld>
 </file>
 
-<file path=ppt/slides/slide6.xml><?xml version="1.0" encoding="utf-8"?>
+<file path=ppt/slides/slide7.xml><?xml version="1.0" encoding="utf-8"?>
 <p:sld xmlns:a="http://schemas.openxmlformats.org/drawingml/2006/main" xmlns:r="http://schemas.openxmlformats.org/officeDocument/2006/relationships" xmlns:p="http://schemas.openxmlformats.org/presentationml/2006/main">
   <p:cSld>
     <p:spTree>
@@ -14296,7 +14678,7 @@
 </p:sld>
 </file>
 
-<file path=ppt/slides/slide7.xml><?xml version="1.0" encoding="utf-8"?>
+<file path=ppt/slides/slide8.xml><?xml version="1.0" encoding="utf-8"?>
 <p:sld xmlns:a="http://schemas.openxmlformats.org/drawingml/2006/main" xmlns:r="http://schemas.openxmlformats.org/officeDocument/2006/relationships" xmlns:p="http://schemas.openxmlformats.org/presentationml/2006/main">
   <p:cSld>
     <p:spTree>
@@ -14529,7 +14911,7 @@
 </p:sld>
 </file>
 
-<file path=ppt/slides/slide8.xml><?xml version="1.0" encoding="utf-8"?>
+<file path=ppt/slides/slide9.xml><?xml version="1.0" encoding="utf-8"?>
 <p:sld xmlns:a="http://schemas.openxmlformats.org/drawingml/2006/main" xmlns:r="http://schemas.openxmlformats.org/officeDocument/2006/relationships" xmlns:p="http://schemas.openxmlformats.org/presentationml/2006/main">
   <p:cSld>
     <p:spTree>
@@ -14799,181 +15181,6 @@
         </p:txBody>
       </p:sp>
     </p:spTree>
-  </p:cSld>
-  <p:clrMapOvr>
-    <a:masterClrMapping/>
-  </p:clrMapOvr>
-</p:sld>
-</file>
-
-<file path=ppt/slides/slide9.xml><?xml version="1.0" encoding="utf-8"?>
-<p:sld xmlns:a="http://schemas.openxmlformats.org/drawingml/2006/main" xmlns:r="http://schemas.openxmlformats.org/officeDocument/2006/relationships" xmlns:p="http://schemas.openxmlformats.org/presentationml/2006/main">
-  <p:cSld>
-    <p:spTree>
-      <p:nvGrpSpPr>
-        <p:cNvPr id="1" name=""/>
-        <p:cNvGrpSpPr/>
-        <p:nvPr/>
-      </p:nvGrpSpPr>
-      <p:grpSpPr>
-        <a:xfrm>
-          <a:off x="0" y="0"/>
-          <a:ext cx="0" cy="0"/>
-          <a:chOff x="0" y="0"/>
-          <a:chExt cx="0" cy="0"/>
-        </a:xfrm>
-      </p:grpSpPr>
-      <p:sp>
-        <p:nvSpPr>
-          <p:cNvPr id="2" name="Title 1">
-            <a:extLst>
-              <a:ext uri="{FF2B5EF4-FFF2-40B4-BE49-F238E27FC236}">
-                <a16:creationId xmlns:a16="http://schemas.microsoft.com/office/drawing/2014/main" id="{E90C7B4F-CFA7-75A3-80E6-2C8C5361908F}"/>
-              </a:ext>
-            </a:extLst>
-          </p:cNvPr>
-          <p:cNvSpPr>
-            <a:spLocks noGrp="1"/>
-          </p:cNvSpPr>
-          <p:nvPr>
-            <p:ph type="title"/>
-          </p:nvPr>
-        </p:nvSpPr>
-        <p:spPr>
-          <a:xfrm>
-            <a:off x="116542" y="1851688"/>
-            <a:ext cx="4443883" cy="1687200"/>
-          </a:xfrm>
-        </p:spPr>
-        <p:txBody>
-          <a:bodyPr/>
-          <a:lstStyle/>
-          <a:p>
-            <a:r>
-              <a:rPr lang="en-US" b="1" i="0" dirty="0">
-                <a:solidFill>
-                  <a:srgbClr val="24292F"/>
-                </a:solidFill>
-                <a:effectLst/>
-                <a:latin typeface="-apple-system"/>
-              </a:rPr>
-              <a:t>Description of the analysis phase of the project</a:t>
-            </a:r>
-            <a:br>
-              <a:rPr lang="en-US" b="1" i="0" dirty="0">
-                <a:solidFill>
-                  <a:srgbClr val="24292F"/>
-                </a:solidFill>
-                <a:effectLst/>
-                <a:latin typeface="-apple-system"/>
-              </a:rPr>
-            </a:br>
-            <a:endParaRPr lang="en-US" dirty="0"/>
-          </a:p>
-        </p:txBody>
-      </p:sp>
-      <p:sp>
-        <p:nvSpPr>
-          <p:cNvPr id="3" name="Subtitle 2">
-            <a:extLst>
-              <a:ext uri="{FF2B5EF4-FFF2-40B4-BE49-F238E27FC236}">
-                <a16:creationId xmlns:a16="http://schemas.microsoft.com/office/drawing/2014/main" id="{7862FEEC-B525-DA1D-E834-FC0B1995DA69}"/>
-              </a:ext>
-            </a:extLst>
-          </p:cNvPr>
-          <p:cNvSpPr>
-            <a:spLocks noGrp="1"/>
-          </p:cNvSpPr>
-          <p:nvPr>
-            <p:ph type="subTitle" idx="1"/>
-          </p:nvPr>
-        </p:nvSpPr>
-        <p:spPr>
-          <a:xfrm>
-            <a:off x="4687747" y="1040436"/>
-            <a:ext cx="4328136" cy="2567900"/>
-          </a:xfrm>
-        </p:spPr>
-        <p:txBody>
-          <a:bodyPr/>
-          <a:lstStyle/>
-          <a:p>
-            <a:pPr marL="146050" indent="0" algn="just">
-              <a:buNone/>
-            </a:pPr>
-            <a:endParaRPr lang="en-US" b="0" i="0" dirty="0">
-              <a:solidFill>
-                <a:srgbClr val="24292F"/>
-              </a:solidFill>
-              <a:effectLst/>
-              <a:latin typeface="-apple-system"/>
-            </a:endParaRPr>
-          </a:p>
-          <a:p>
-            <a:pPr algn="just"/>
-            <a:r>
-              <a:rPr lang="en-US" b="0" i="0" dirty="0">
-                <a:solidFill>
-                  <a:srgbClr val="24292F"/>
-                </a:solidFill>
-                <a:effectLst/>
-                <a:latin typeface="-apple-system"/>
-              </a:rPr>
-              <a:t>-- Note: A copy of the SQL Query Code can be found in the "SQL Code" folder in the Main Branch -- Note: A copy of the </a:t>
-            </a:r>
-            <a:r>
-              <a:rPr lang="en-US" b="0" i="0" dirty="0" err="1">
-                <a:solidFill>
-                  <a:srgbClr val="24292F"/>
-                </a:solidFill>
-                <a:effectLst/>
-                <a:latin typeface="-apple-system"/>
-              </a:rPr>
-              <a:t>pythod</a:t>
-            </a:r>
-            <a:r>
-              <a:rPr lang="en-US" b="0" i="0" dirty="0">
-                <a:solidFill>
-                  <a:srgbClr val="24292F"/>
-                </a:solidFill>
-                <a:effectLst/>
-                <a:latin typeface="-apple-system"/>
-              </a:rPr>
-              <a:t> code that exported the SQL table can be found in the "SQL </a:t>
-            </a:r>
-            <a:r>
-              <a:rPr lang="en-US" b="0" i="0" dirty="0" err="1">
-                <a:solidFill>
-                  <a:srgbClr val="24292F"/>
-                </a:solidFill>
-                <a:effectLst/>
-                <a:latin typeface="-apple-system"/>
-              </a:rPr>
-              <a:t>Extact</a:t>
-            </a:r>
-            <a:r>
-              <a:rPr lang="en-US" b="0" i="0" dirty="0">
-                <a:solidFill>
-                  <a:srgbClr val="24292F"/>
-                </a:solidFill>
-                <a:effectLst/>
-                <a:latin typeface="-apple-system"/>
-              </a:rPr>
-              <a:t>" filer in the Main Branch. -- Note: A copy of the final model and unselected models can be found in the "Final Models" folder in the Main Branch</a:t>
-            </a:r>
-          </a:p>
-          <a:p>
-            <a:pPr algn="just"/>
-            <a:endParaRPr lang="en-US" dirty="0"/>
-          </a:p>
-        </p:txBody>
-      </p:sp>
-    </p:spTree>
-    <p:extLst>
-      <p:ext uri="{BB962C8B-B14F-4D97-AF65-F5344CB8AC3E}">
-        <p14:creationId xmlns:p14="http://schemas.microsoft.com/office/powerpoint/2010/main" val="4157813307"/>
-      </p:ext>
-    </p:extLst>
   </p:cSld>
   <p:clrMapOvr>
     <a:masterClrMapping/>
